--- a/day2/nodejs_performance/NodeJs_Performance.pptx
+++ b/day2/nodejs_performance/NodeJs_Performance.pptx
@@ -5,49 +5,53 @@
     <p:sldMasterId id="2147483689" r:id="rId1"/>
   </p:sldMasterIdLst>
   <p:notesMasterIdLst>
-    <p:notesMasterId r:id="rId42"/>
+    <p:notesMasterId r:id="rId46"/>
   </p:notesMasterIdLst>
   <p:sldIdLst>
     <p:sldId id="256" r:id="rId2"/>
     <p:sldId id="313" r:id="rId3"/>
-    <p:sldId id="408" r:id="rId4"/>
-    <p:sldId id="385" r:id="rId5"/>
-    <p:sldId id="394" r:id="rId6"/>
-    <p:sldId id="395" r:id="rId7"/>
-    <p:sldId id="393" r:id="rId8"/>
-    <p:sldId id="396" r:id="rId9"/>
-    <p:sldId id="389" r:id="rId10"/>
-    <p:sldId id="397" r:id="rId11"/>
-    <p:sldId id="406" r:id="rId12"/>
-    <p:sldId id="407" r:id="rId13"/>
-    <p:sldId id="398" r:id="rId14"/>
-    <p:sldId id="399" r:id="rId15"/>
-    <p:sldId id="402" r:id="rId16"/>
-    <p:sldId id="400" r:id="rId17"/>
-    <p:sldId id="401" r:id="rId18"/>
-    <p:sldId id="403" r:id="rId19"/>
-    <p:sldId id="404" r:id="rId20"/>
-    <p:sldId id="405" r:id="rId21"/>
-    <p:sldId id="409" r:id="rId22"/>
-    <p:sldId id="410" r:id="rId23"/>
-    <p:sldId id="411" r:id="rId24"/>
-    <p:sldId id="414" r:id="rId25"/>
-    <p:sldId id="413" r:id="rId26"/>
-    <p:sldId id="412" r:id="rId27"/>
-    <p:sldId id="415" r:id="rId28"/>
-    <p:sldId id="416" r:id="rId29"/>
-    <p:sldId id="417" r:id="rId30"/>
-    <p:sldId id="418" r:id="rId31"/>
-    <p:sldId id="419" r:id="rId32"/>
-    <p:sldId id="420" r:id="rId33"/>
-    <p:sldId id="421" r:id="rId34"/>
-    <p:sldId id="422" r:id="rId35"/>
-    <p:sldId id="423" r:id="rId36"/>
-    <p:sldId id="424" r:id="rId37"/>
-    <p:sldId id="425" r:id="rId38"/>
-    <p:sldId id="426" r:id="rId39"/>
-    <p:sldId id="427" r:id="rId40"/>
-    <p:sldId id="304" r:id="rId41"/>
+    <p:sldId id="431" r:id="rId4"/>
+    <p:sldId id="408" r:id="rId5"/>
+    <p:sldId id="385" r:id="rId6"/>
+    <p:sldId id="394" r:id="rId7"/>
+    <p:sldId id="395" r:id="rId8"/>
+    <p:sldId id="393" r:id="rId9"/>
+    <p:sldId id="396" r:id="rId10"/>
+    <p:sldId id="389" r:id="rId11"/>
+    <p:sldId id="397" r:id="rId12"/>
+    <p:sldId id="406" r:id="rId13"/>
+    <p:sldId id="407" r:id="rId14"/>
+    <p:sldId id="398" r:id="rId15"/>
+    <p:sldId id="399" r:id="rId16"/>
+    <p:sldId id="402" r:id="rId17"/>
+    <p:sldId id="400" r:id="rId18"/>
+    <p:sldId id="401" r:id="rId19"/>
+    <p:sldId id="403" r:id="rId20"/>
+    <p:sldId id="404" r:id="rId21"/>
+    <p:sldId id="405" r:id="rId22"/>
+    <p:sldId id="409" r:id="rId23"/>
+    <p:sldId id="410" r:id="rId24"/>
+    <p:sldId id="411" r:id="rId25"/>
+    <p:sldId id="414" r:id="rId26"/>
+    <p:sldId id="413" r:id="rId27"/>
+    <p:sldId id="412" r:id="rId28"/>
+    <p:sldId id="415" r:id="rId29"/>
+    <p:sldId id="416" r:id="rId30"/>
+    <p:sldId id="417" r:id="rId31"/>
+    <p:sldId id="418" r:id="rId32"/>
+    <p:sldId id="419" r:id="rId33"/>
+    <p:sldId id="420" r:id="rId34"/>
+    <p:sldId id="421" r:id="rId35"/>
+    <p:sldId id="422" r:id="rId36"/>
+    <p:sldId id="423" r:id="rId37"/>
+    <p:sldId id="424" r:id="rId38"/>
+    <p:sldId id="425" r:id="rId39"/>
+    <p:sldId id="426" r:id="rId40"/>
+    <p:sldId id="427" r:id="rId41"/>
+    <p:sldId id="428" r:id="rId42"/>
+    <p:sldId id="429" r:id="rId43"/>
+    <p:sldId id="430" r:id="rId44"/>
+    <p:sldId id="304" r:id="rId45"/>
   </p:sldIdLst>
   <p:sldSz cx="9144000" cy="6858000" type="screen4x3"/>
   <p:notesSz cx="6858000" cy="9144000"/>
@@ -148,7 +152,7 @@
   </p:defaultTextStyle>
   <p:extLst>
     <p:ext uri="{EFAFB233-063F-42B5-8137-9DF3F51BA10A}">
-      <p15:sldGuideLst xmlns:p15="http://schemas.microsoft.com/office/powerpoint/2012/main" xmlns="">
+      <p15:sldGuideLst xmlns="" xmlns:p15="http://schemas.microsoft.com/office/powerpoint/2012/main">
         <p15:guide id="1" orient="horz" pos="2160">
           <p15:clr>
             <a:srgbClr val="A4A3A4"/>
@@ -247,7 +251,7 @@
           <a:p>
             <a:fld id="{1E64356D-F091-4486-B0BB-66BE03FC5D73}" type="datetimeFigureOut">
               <a:rPr lang="en-US" smtClean="0"/>
-              <a:t>4/12/2018</a:t>
+              <a:t>4/15/2018</a:t>
             </a:fld>
             <a:endParaRPr lang="en-US"/>
           </a:p>
@@ -1393,7 +1397,7 @@
             <a:fld id="{1D8BD707-D9CF-40AE-B4C6-C98DA3205C09}" type="datetimeFigureOut">
               <a:rPr lang="en-US" smtClean="0"/>
               <a:pPr/>
-              <a:t>4/12/2018</a:t>
+              <a:t>4/15/2018</a:t>
             </a:fld>
             <a:endParaRPr lang="en-US"/>
           </a:p>
@@ -1646,7 +1650,7 @@
             <a:fld id="{1D8BD707-D9CF-40AE-B4C6-C98DA3205C09}" type="datetimeFigureOut">
               <a:rPr lang="en-US" smtClean="0"/>
               <a:pPr/>
-              <a:t>4/12/2018</a:t>
+              <a:t>4/15/2018</a:t>
             </a:fld>
             <a:endParaRPr lang="en-US"/>
           </a:p>
@@ -1962,7 +1966,7 @@
             <a:fld id="{1D8BD707-D9CF-40AE-B4C6-C98DA3205C09}" type="datetimeFigureOut">
               <a:rPr lang="en-US" smtClean="0"/>
               <a:pPr/>
-              <a:t>4/12/2018</a:t>
+              <a:t>4/15/2018</a:t>
             </a:fld>
             <a:endParaRPr lang="en-US"/>
           </a:p>
@@ -2297,7 +2301,7 @@
             <a:fld id="{1D8BD707-D9CF-40AE-B4C6-C98DA3205C09}" type="datetimeFigureOut">
               <a:rPr lang="en-US" smtClean="0"/>
               <a:pPr/>
-              <a:t>4/12/2018</a:t>
+              <a:t>4/15/2018</a:t>
             </a:fld>
             <a:endParaRPr lang="en-US"/>
           </a:p>
@@ -2613,7 +2617,7 @@
             <a:fld id="{1D8BD707-D9CF-40AE-B4C6-C98DA3205C09}" type="datetimeFigureOut">
               <a:rPr lang="en-US" smtClean="0"/>
               <a:pPr/>
-              <a:t>4/12/2018</a:t>
+              <a:t>4/15/2018</a:t>
             </a:fld>
             <a:endParaRPr lang="en-US"/>
           </a:p>
@@ -3008,7 +3012,7 @@
             <a:fld id="{1D8BD707-D9CF-40AE-B4C6-C98DA3205C09}" type="datetimeFigureOut">
               <a:rPr lang="en-US" smtClean="0"/>
               <a:pPr/>
-              <a:t>4/12/2018</a:t>
+              <a:t>4/15/2018</a:t>
             </a:fld>
             <a:endParaRPr lang="en-US"/>
           </a:p>
@@ -3180,7 +3184,7 @@
             <a:fld id="{1D8BD707-D9CF-40AE-B4C6-C98DA3205C09}" type="datetimeFigureOut">
               <a:rPr lang="en-US" smtClean="0"/>
               <a:pPr/>
-              <a:t>4/12/2018</a:t>
+              <a:t>4/15/2018</a:t>
             </a:fld>
             <a:endParaRPr lang="en-US"/>
           </a:p>
@@ -3362,7 +3366,7 @@
             <a:fld id="{1D8BD707-D9CF-40AE-B4C6-C98DA3205C09}" type="datetimeFigureOut">
               <a:rPr lang="en-US" smtClean="0"/>
               <a:pPr/>
-              <a:t>4/12/2018</a:t>
+              <a:t>4/15/2018</a:t>
             </a:fld>
             <a:endParaRPr lang="en-US"/>
           </a:p>
@@ -3534,7 +3538,7 @@
             <a:fld id="{1D8BD707-D9CF-40AE-B4C6-C98DA3205C09}" type="datetimeFigureOut">
               <a:rPr lang="en-US" smtClean="0"/>
               <a:pPr/>
-              <a:t>4/12/2018</a:t>
+              <a:t>4/15/2018</a:t>
             </a:fld>
             <a:endParaRPr lang="en-US"/>
           </a:p>
@@ -3783,7 +3787,7 @@
             <a:fld id="{1D8BD707-D9CF-40AE-B4C6-C98DA3205C09}" type="datetimeFigureOut">
               <a:rPr lang="en-US" smtClean="0"/>
               <a:pPr/>
-              <a:t>4/12/2018</a:t>
+              <a:t>4/15/2018</a:t>
             </a:fld>
             <a:endParaRPr lang="en-US"/>
           </a:p>
@@ -4082,7 +4086,7 @@
             <a:fld id="{1D8BD707-D9CF-40AE-B4C6-C98DA3205C09}" type="datetimeFigureOut">
               <a:rPr lang="en-US" smtClean="0"/>
               <a:pPr/>
-              <a:t>4/12/2018</a:t>
+              <a:t>4/15/2018</a:t>
             </a:fld>
             <a:endParaRPr lang="en-US"/>
           </a:p>
@@ -4463,7 +4467,7 @@
             <a:fld id="{1D8BD707-D9CF-40AE-B4C6-C98DA3205C09}" type="datetimeFigureOut">
               <a:rPr lang="en-US" smtClean="0"/>
               <a:pPr/>
-              <a:t>4/12/2018</a:t>
+              <a:t>4/15/2018</a:t>
             </a:fld>
             <a:endParaRPr lang="en-US"/>
           </a:p>
@@ -4588,7 +4592,7 @@
             <a:fld id="{1D8BD707-D9CF-40AE-B4C6-C98DA3205C09}" type="datetimeFigureOut">
               <a:rPr lang="en-US" smtClean="0"/>
               <a:pPr/>
-              <a:t>4/12/2018</a:t>
+              <a:t>4/15/2018</a:t>
             </a:fld>
             <a:endParaRPr lang="en-US"/>
           </a:p>
@@ -4685,7 +4689,7 @@
             <a:fld id="{1D8BD707-D9CF-40AE-B4C6-C98DA3205C09}" type="datetimeFigureOut">
               <a:rPr lang="en-US" smtClean="0"/>
               <a:pPr/>
-              <a:t>4/12/2018</a:t>
+              <a:t>4/15/2018</a:t>
             </a:fld>
             <a:endParaRPr lang="en-US"/>
           </a:p>
@@ -4942,7 +4946,7 @@
             <a:fld id="{1D8BD707-D9CF-40AE-B4C6-C98DA3205C09}" type="datetimeFigureOut">
               <a:rPr lang="en-US" smtClean="0"/>
               <a:pPr/>
-              <a:t>4/12/2018</a:t>
+              <a:t>4/15/2018</a:t>
             </a:fld>
             <a:endParaRPr lang="en-US"/>
           </a:p>
@@ -5207,7 +5211,7 @@
             <a:fld id="{1D8BD707-D9CF-40AE-B4C6-C98DA3205C09}" type="datetimeFigureOut">
               <a:rPr lang="en-US" smtClean="0"/>
               <a:pPr/>
-              <a:t>4/12/2018</a:t>
+              <a:t>4/15/2018</a:t>
             </a:fld>
             <a:endParaRPr lang="en-US"/>
           </a:p>
@@ -6023,7 +6027,7 @@
             <a:fld id="{1D8BD707-D9CF-40AE-B4C6-C98DA3205C09}" type="datetimeFigureOut">
               <a:rPr lang="en-US" smtClean="0"/>
               <a:pPr/>
-              <a:t>4/12/2018</a:t>
+              <a:t>4/15/2018</a:t>
             </a:fld>
             <a:endParaRPr lang="en-US"/>
           </a:p>
@@ -6706,3529 +6710,6 @@
         </p:nvSpPr>
         <p:spPr>
           <a:xfrm>
-            <a:off x="609599" y="2489200"/>
-            <a:ext cx="6347713" cy="1320800"/>
-          </a:xfrm>
-        </p:spPr>
-        <p:txBody>
-          <a:bodyPr/>
-          <a:lstStyle/>
-          <a:p>
-            <a:r>
-              <a:rPr lang="en-US" dirty="0" smtClean="0"/>
-              <a:t>Avoid Serial Code</a:t>
-            </a:r>
-            <a:endParaRPr lang="en-US" dirty="0"/>
-          </a:p>
-        </p:txBody>
-      </p:sp>
-    </p:spTree>
-    <p:extLst>
-      <p:ext uri="{BB962C8B-B14F-4D97-AF65-F5344CB8AC3E}">
-        <p14:creationId xmlns:p14="http://schemas.microsoft.com/office/powerpoint/2010/main" val="3804854744"/>
-      </p:ext>
-    </p:extLst>
-  </p:cSld>
-  <p:clrMapOvr>
-    <a:masterClrMapping/>
-  </p:clrMapOvr>
-</p:sld>
-</file>
-
-<file path=ppt/slides/slide11.xml><?xml version="1.0" encoding="utf-8"?>
-<p:sld xmlns:a="http://schemas.openxmlformats.org/drawingml/2006/main" xmlns:r="http://schemas.openxmlformats.org/officeDocument/2006/relationships" xmlns:p="http://schemas.openxmlformats.org/presentationml/2006/main">
-  <p:cSld>
-    <p:spTree>
-      <p:nvGrpSpPr>
-        <p:cNvPr id="1" name=""/>
-        <p:cNvGrpSpPr/>
-        <p:nvPr/>
-      </p:nvGrpSpPr>
-      <p:grpSpPr>
-        <a:xfrm>
-          <a:off x="0" y="0"/>
-          <a:ext cx="0" cy="0"/>
-          <a:chOff x="0" y="0"/>
-          <a:chExt cx="0" cy="0"/>
-        </a:xfrm>
-      </p:grpSpPr>
-      <p:sp>
-        <p:nvSpPr>
-          <p:cNvPr id="2" name="Title 1"/>
-          <p:cNvSpPr>
-            <a:spLocks noGrp="1"/>
-          </p:cNvSpPr>
-          <p:nvPr>
-            <p:ph type="title"/>
-          </p:nvPr>
-        </p:nvSpPr>
-        <p:spPr/>
-        <p:txBody>
-          <a:bodyPr/>
-          <a:lstStyle/>
-          <a:p>
-            <a:r>
-              <a:rPr lang="en-US" dirty="0" smtClean="0"/>
-              <a:t>What Is Serial Code?</a:t>
-            </a:r>
-            <a:endParaRPr lang="en-US" dirty="0"/>
-          </a:p>
-        </p:txBody>
-      </p:sp>
-      <p:sp>
-        <p:nvSpPr>
-          <p:cNvPr id="3" name="Content Placeholder 2"/>
-          <p:cNvSpPr>
-            <a:spLocks noGrp="1"/>
-          </p:cNvSpPr>
-          <p:nvPr>
-            <p:ph idx="1"/>
-          </p:nvPr>
-        </p:nvSpPr>
-        <p:spPr/>
-        <p:txBody>
-          <a:bodyPr/>
-          <a:lstStyle/>
-          <a:p>
-            <a:r>
-              <a:rPr lang="en-US" dirty="0"/>
-              <a:t>R</a:t>
-            </a:r>
-            <a:r>
-              <a:rPr lang="en-US" dirty="0" smtClean="0"/>
-              <a:t>un functions one after another. </a:t>
-            </a:r>
-          </a:p>
-          <a:p>
-            <a:r>
-              <a:rPr lang="en-US" dirty="0" smtClean="0"/>
-              <a:t>Asynchronous operations are executed one by one.</a:t>
-            </a:r>
-          </a:p>
-          <a:p>
-            <a:r>
-              <a:rPr lang="en-US" dirty="0" smtClean="0"/>
-              <a:t>Schedule of the asynchronous operations is done one by one</a:t>
-            </a:r>
-          </a:p>
-          <a:p>
-            <a:r>
-              <a:rPr lang="en-US" dirty="0" smtClean="0"/>
-              <a:t>You wait until one asynchronous operation will finish – and only then execute the other one</a:t>
-            </a:r>
-          </a:p>
-          <a:p>
-            <a:endParaRPr lang="en-US" dirty="0" smtClean="0"/>
-          </a:p>
-        </p:txBody>
-      </p:sp>
-    </p:spTree>
-    <p:extLst>
-      <p:ext uri="{BB962C8B-B14F-4D97-AF65-F5344CB8AC3E}">
-        <p14:creationId xmlns:p14="http://schemas.microsoft.com/office/powerpoint/2010/main" val="2223314318"/>
-      </p:ext>
-    </p:extLst>
-  </p:cSld>
-  <p:clrMapOvr>
-    <a:masterClrMapping/>
-  </p:clrMapOvr>
-</p:sld>
-</file>
-
-<file path=ppt/slides/slide12.xml><?xml version="1.0" encoding="utf-8"?>
-<p:sld xmlns:a="http://schemas.openxmlformats.org/drawingml/2006/main" xmlns:r="http://schemas.openxmlformats.org/officeDocument/2006/relationships" xmlns:p="http://schemas.openxmlformats.org/presentationml/2006/main">
-  <p:cSld>
-    <p:spTree>
-      <p:nvGrpSpPr>
-        <p:cNvPr id="1" name=""/>
-        <p:cNvGrpSpPr/>
-        <p:nvPr/>
-      </p:nvGrpSpPr>
-      <p:grpSpPr>
-        <a:xfrm>
-          <a:off x="0" y="0"/>
-          <a:ext cx="0" cy="0"/>
-          <a:chOff x="0" y="0"/>
-          <a:chExt cx="0" cy="0"/>
-        </a:xfrm>
-      </p:grpSpPr>
-      <p:sp>
-        <p:nvSpPr>
-          <p:cNvPr id="2" name="Title 1"/>
-          <p:cNvSpPr>
-            <a:spLocks noGrp="1"/>
-          </p:cNvSpPr>
-          <p:nvPr>
-            <p:ph type="title"/>
-          </p:nvPr>
-        </p:nvSpPr>
-        <p:spPr/>
-        <p:txBody>
-          <a:bodyPr/>
-          <a:lstStyle/>
-          <a:p>
-            <a:r>
-              <a:rPr lang="en-US" dirty="0" smtClean="0"/>
-              <a:t>Why To Avoid Serial Code ?</a:t>
-            </a:r>
-            <a:endParaRPr lang="en-US" dirty="0"/>
-          </a:p>
-        </p:txBody>
-      </p:sp>
-      <p:sp>
-        <p:nvSpPr>
-          <p:cNvPr id="3" name="Content Placeholder 2"/>
-          <p:cNvSpPr>
-            <a:spLocks noGrp="1"/>
-          </p:cNvSpPr>
-          <p:nvPr>
-            <p:ph idx="1"/>
-          </p:nvPr>
-        </p:nvSpPr>
-        <p:spPr/>
-        <p:txBody>
-          <a:bodyPr/>
-          <a:lstStyle/>
-          <a:p>
-            <a:r>
-              <a:rPr lang="en-US" dirty="0"/>
-              <a:t>T</a:t>
-            </a:r>
-            <a:r>
-              <a:rPr lang="en-US" dirty="0" smtClean="0"/>
-              <a:t>he way that the event loop is build</a:t>
-            </a:r>
-          </a:p>
-          <a:p>
-            <a:pPr lvl="1"/>
-            <a:r>
-              <a:rPr lang="en-US" dirty="0" smtClean="0"/>
-              <a:t>In Node.js there is no parallel code execution</a:t>
-            </a:r>
-          </a:p>
-          <a:p>
-            <a:pPr lvl="1"/>
-            <a:r>
-              <a:rPr lang="en-US" dirty="0" smtClean="0"/>
-              <a:t>You always schedule asynchronous operations one by one</a:t>
-            </a:r>
-          </a:p>
-          <a:p>
-            <a:pPr lvl="1"/>
-            <a:r>
-              <a:rPr lang="en-US" dirty="0" smtClean="0"/>
-              <a:t>You can execute asynchronous operations in parallel with the worker thread pool</a:t>
-            </a:r>
-          </a:p>
-          <a:p>
-            <a:pPr lvl="1"/>
-            <a:r>
-              <a:rPr lang="en-US" dirty="0" smtClean="0"/>
-              <a:t>Attention – real parallel execution happened only if you have multi core CPU</a:t>
-            </a:r>
-          </a:p>
-          <a:p>
-            <a:r>
-              <a:rPr lang="en-US" dirty="0" smtClean="0"/>
-              <a:t>When writing serial code :</a:t>
-            </a:r>
-          </a:p>
-          <a:p>
-            <a:pPr lvl="1"/>
-            <a:r>
-              <a:rPr lang="en-US" dirty="0" smtClean="0"/>
-              <a:t>You do not use the advantages of the worker pool.</a:t>
-            </a:r>
-            <a:endParaRPr lang="en-US" dirty="0"/>
-          </a:p>
-        </p:txBody>
-      </p:sp>
-    </p:spTree>
-    <p:extLst>
-      <p:ext uri="{BB962C8B-B14F-4D97-AF65-F5344CB8AC3E}">
-        <p14:creationId xmlns:p14="http://schemas.microsoft.com/office/powerpoint/2010/main" val="2195687804"/>
-      </p:ext>
-    </p:extLst>
-  </p:cSld>
-  <p:clrMapOvr>
-    <a:masterClrMapping/>
-  </p:clrMapOvr>
-</p:sld>
-</file>
-
-<file path=ppt/slides/slide13.xml><?xml version="1.0" encoding="utf-8"?>
-<p:sld xmlns:a="http://schemas.openxmlformats.org/drawingml/2006/main" xmlns:r="http://schemas.openxmlformats.org/officeDocument/2006/relationships" xmlns:p="http://schemas.openxmlformats.org/presentationml/2006/main">
-  <p:cSld>
-    <p:spTree>
-      <p:nvGrpSpPr>
-        <p:cNvPr id="1" name=""/>
-        <p:cNvGrpSpPr/>
-        <p:nvPr/>
-      </p:nvGrpSpPr>
-      <p:grpSpPr>
-        <a:xfrm>
-          <a:off x="0" y="0"/>
-          <a:ext cx="0" cy="0"/>
-          <a:chOff x="0" y="0"/>
-          <a:chExt cx="0" cy="0"/>
-        </a:xfrm>
-      </p:grpSpPr>
-      <p:sp>
-        <p:nvSpPr>
-          <p:cNvPr id="2" name="Title 1"/>
-          <p:cNvSpPr>
-            <a:spLocks noGrp="1"/>
-          </p:cNvSpPr>
-          <p:nvPr>
-            <p:ph type="title"/>
-          </p:nvPr>
-        </p:nvSpPr>
-        <p:spPr/>
-        <p:txBody>
-          <a:bodyPr/>
-          <a:lstStyle/>
-          <a:p>
-            <a:r>
-              <a:rPr lang="en-US" dirty="0" smtClean="0"/>
-              <a:t>Serial Code Example - </a:t>
-            </a:r>
-            <a:r>
-              <a:rPr lang="en-US" dirty="0" err="1" smtClean="0"/>
-              <a:t>CallBacks</a:t>
-            </a:r>
-            <a:endParaRPr lang="en-US" dirty="0"/>
-          </a:p>
-        </p:txBody>
-      </p:sp>
-      <p:pic>
-        <p:nvPicPr>
-          <p:cNvPr id="4" name="Picture 3"/>
-          <p:cNvPicPr>
-            <a:picLocks noChangeAspect="1"/>
-          </p:cNvPicPr>
-          <p:nvPr/>
-        </p:nvPicPr>
-        <p:blipFill>
-          <a:blip r:embed="rId2">
-            <a:extLst>
-              <a:ext uri="{28A0092B-C50C-407E-A947-70E740481C1C}">
-                <a14:useLocalDpi xmlns:a14="http://schemas.microsoft.com/office/drawing/2010/main" val="0"/>
-              </a:ext>
-            </a:extLst>
-          </a:blip>
-          <a:stretch>
-            <a:fillRect/>
-          </a:stretch>
-        </p:blipFill>
-        <p:spPr>
-          <a:xfrm>
-            <a:off x="685800" y="2133600"/>
-            <a:ext cx="7574936" cy="3071126"/>
-          </a:xfrm>
-          <a:prstGeom prst="rect">
-            <a:avLst/>
-          </a:prstGeom>
-        </p:spPr>
-      </p:pic>
-    </p:spTree>
-    <p:extLst>
-      <p:ext uri="{BB962C8B-B14F-4D97-AF65-F5344CB8AC3E}">
-        <p14:creationId xmlns:p14="http://schemas.microsoft.com/office/powerpoint/2010/main" val="2302428283"/>
-      </p:ext>
-    </p:extLst>
-  </p:cSld>
-  <p:clrMapOvr>
-    <a:masterClrMapping/>
-  </p:clrMapOvr>
-</p:sld>
-</file>
-
-<file path=ppt/slides/slide14.xml><?xml version="1.0" encoding="utf-8"?>
-<p:sld xmlns:a="http://schemas.openxmlformats.org/drawingml/2006/main" xmlns:r="http://schemas.openxmlformats.org/officeDocument/2006/relationships" xmlns:p="http://schemas.openxmlformats.org/presentationml/2006/main">
-  <p:cSld>
-    <p:spTree>
-      <p:nvGrpSpPr>
-        <p:cNvPr id="1" name=""/>
-        <p:cNvGrpSpPr/>
-        <p:nvPr/>
-      </p:nvGrpSpPr>
-      <p:grpSpPr>
-        <a:xfrm>
-          <a:off x="0" y="0"/>
-          <a:ext cx="0" cy="0"/>
-          <a:chOff x="0" y="0"/>
-          <a:chExt cx="0" cy="0"/>
-        </a:xfrm>
-      </p:grpSpPr>
-      <p:sp>
-        <p:nvSpPr>
-          <p:cNvPr id="2" name="Title 1"/>
-          <p:cNvSpPr>
-            <a:spLocks noGrp="1"/>
-          </p:cNvSpPr>
-          <p:nvPr>
-            <p:ph type="title"/>
-          </p:nvPr>
-        </p:nvSpPr>
-        <p:spPr>
-          <a:xfrm>
-            <a:off x="609599" y="76200"/>
-            <a:ext cx="6347713" cy="1320800"/>
-          </a:xfrm>
-        </p:spPr>
-        <p:txBody>
-          <a:bodyPr/>
-          <a:lstStyle/>
-          <a:p>
-            <a:r>
-              <a:rPr lang="en-US" dirty="0" smtClean="0"/>
-              <a:t>Serial Code Example – </a:t>
-            </a:r>
-            <a:r>
-              <a:rPr lang="en-US" dirty="0" err="1" smtClean="0"/>
-              <a:t>async.series</a:t>
-            </a:r>
-            <a:endParaRPr lang="en-US" dirty="0"/>
-          </a:p>
-        </p:txBody>
-      </p:sp>
-      <p:pic>
-        <p:nvPicPr>
-          <p:cNvPr id="4" name="Picture 3"/>
-          <p:cNvPicPr>
-            <a:picLocks noChangeAspect="1"/>
-          </p:cNvPicPr>
-          <p:nvPr/>
-        </p:nvPicPr>
-        <p:blipFill>
-          <a:blip r:embed="rId2">
-            <a:extLst>
-              <a:ext uri="{28A0092B-C50C-407E-A947-70E740481C1C}">
-                <a14:useLocalDpi xmlns:a14="http://schemas.microsoft.com/office/drawing/2010/main" val="0"/>
-              </a:ext>
-            </a:extLst>
-          </a:blip>
-          <a:stretch>
-            <a:fillRect/>
-          </a:stretch>
-        </p:blipFill>
-        <p:spPr>
-          <a:xfrm>
-            <a:off x="609600" y="1453627"/>
-            <a:ext cx="5943600" cy="5099573"/>
-          </a:xfrm>
-          <a:prstGeom prst="rect">
-            <a:avLst/>
-          </a:prstGeom>
-        </p:spPr>
-      </p:pic>
-    </p:spTree>
-    <p:extLst>
-      <p:ext uri="{BB962C8B-B14F-4D97-AF65-F5344CB8AC3E}">
-        <p14:creationId xmlns:p14="http://schemas.microsoft.com/office/powerpoint/2010/main" val="4275193175"/>
-      </p:ext>
-    </p:extLst>
-  </p:cSld>
-  <p:clrMapOvr>
-    <a:masterClrMapping/>
-  </p:clrMapOvr>
-</p:sld>
-</file>
-
-<file path=ppt/slides/slide15.xml><?xml version="1.0" encoding="utf-8"?>
-<p:sld xmlns:a="http://schemas.openxmlformats.org/drawingml/2006/main" xmlns:r="http://schemas.openxmlformats.org/officeDocument/2006/relationships" xmlns:p="http://schemas.openxmlformats.org/presentationml/2006/main">
-  <p:cSld>
-    <p:spTree>
-      <p:nvGrpSpPr>
-        <p:cNvPr id="1" name=""/>
-        <p:cNvGrpSpPr/>
-        <p:nvPr/>
-      </p:nvGrpSpPr>
-      <p:grpSpPr>
-        <a:xfrm>
-          <a:off x="0" y="0"/>
-          <a:ext cx="0" cy="0"/>
-          <a:chOff x="0" y="0"/>
-          <a:chExt cx="0" cy="0"/>
-        </a:xfrm>
-      </p:grpSpPr>
-      <p:sp>
-        <p:nvSpPr>
-          <p:cNvPr id="2" name="Title 1"/>
-          <p:cNvSpPr>
-            <a:spLocks noGrp="1"/>
-          </p:cNvSpPr>
-          <p:nvPr>
-            <p:ph type="title"/>
-          </p:nvPr>
-        </p:nvSpPr>
-        <p:spPr>
-          <a:xfrm>
-            <a:off x="152400" y="381000"/>
-            <a:ext cx="6804913" cy="1320800"/>
-          </a:xfrm>
-        </p:spPr>
-        <p:txBody>
-          <a:bodyPr/>
-          <a:lstStyle/>
-          <a:p>
-            <a:r>
-              <a:rPr lang="en-US" dirty="0" smtClean="0"/>
-              <a:t>Possible Solution – </a:t>
-            </a:r>
-            <a:r>
-              <a:rPr lang="en-US" dirty="0" err="1" smtClean="0"/>
-              <a:t>async.parallel</a:t>
-            </a:r>
-            <a:endParaRPr lang="en-US" dirty="0"/>
-          </a:p>
-        </p:txBody>
-      </p:sp>
-      <p:pic>
-        <p:nvPicPr>
-          <p:cNvPr id="4" name="Picture 3"/>
-          <p:cNvPicPr>
-            <a:picLocks noChangeAspect="1"/>
-          </p:cNvPicPr>
-          <p:nvPr/>
-        </p:nvPicPr>
-        <p:blipFill>
-          <a:blip r:embed="rId2">
-            <a:extLst>
-              <a:ext uri="{28A0092B-C50C-407E-A947-70E740481C1C}">
-                <a14:useLocalDpi xmlns:a14="http://schemas.microsoft.com/office/drawing/2010/main" val="0"/>
-              </a:ext>
-            </a:extLst>
-          </a:blip>
-          <a:stretch>
-            <a:fillRect/>
-          </a:stretch>
-        </p:blipFill>
-        <p:spPr>
-          <a:xfrm>
-            <a:off x="723567" y="1663543"/>
-            <a:ext cx="5677233" cy="5042057"/>
-          </a:xfrm>
-          <a:prstGeom prst="rect">
-            <a:avLst/>
-          </a:prstGeom>
-        </p:spPr>
-      </p:pic>
-    </p:spTree>
-    <p:extLst>
-      <p:ext uri="{BB962C8B-B14F-4D97-AF65-F5344CB8AC3E}">
-        <p14:creationId xmlns:p14="http://schemas.microsoft.com/office/powerpoint/2010/main" val="3471256822"/>
-      </p:ext>
-    </p:extLst>
-  </p:cSld>
-  <p:clrMapOvr>
-    <a:masterClrMapping/>
-  </p:clrMapOvr>
-</p:sld>
-</file>
-
-<file path=ppt/slides/slide16.xml><?xml version="1.0" encoding="utf-8"?>
-<p:sld xmlns:a="http://schemas.openxmlformats.org/drawingml/2006/main" xmlns:r="http://schemas.openxmlformats.org/officeDocument/2006/relationships" xmlns:p="http://schemas.openxmlformats.org/presentationml/2006/main">
-  <p:cSld>
-    <p:spTree>
-      <p:nvGrpSpPr>
-        <p:cNvPr id="1" name=""/>
-        <p:cNvGrpSpPr/>
-        <p:nvPr/>
-      </p:nvGrpSpPr>
-      <p:grpSpPr>
-        <a:xfrm>
-          <a:off x="0" y="0"/>
-          <a:ext cx="0" cy="0"/>
-          <a:chOff x="0" y="0"/>
-          <a:chExt cx="0" cy="0"/>
-        </a:xfrm>
-      </p:grpSpPr>
-      <p:sp>
-        <p:nvSpPr>
-          <p:cNvPr id="2" name="Title 1"/>
-          <p:cNvSpPr>
-            <a:spLocks noGrp="1"/>
-          </p:cNvSpPr>
-          <p:nvPr>
-            <p:ph type="title"/>
-          </p:nvPr>
-        </p:nvSpPr>
-        <p:spPr>
-          <a:xfrm>
-            <a:off x="609599" y="304800"/>
-            <a:ext cx="6347713" cy="1320800"/>
-          </a:xfrm>
-        </p:spPr>
-        <p:txBody>
-          <a:bodyPr/>
-          <a:lstStyle/>
-          <a:p>
-            <a:r>
-              <a:rPr lang="en-US" dirty="0" smtClean="0"/>
-              <a:t>Serial Code Example - Promises</a:t>
-            </a:r>
-            <a:endParaRPr lang="en-US" dirty="0"/>
-          </a:p>
-        </p:txBody>
-      </p:sp>
-      <p:pic>
-        <p:nvPicPr>
-          <p:cNvPr id="5" name="Picture 4"/>
-          <p:cNvPicPr>
-            <a:picLocks noChangeAspect="1"/>
-          </p:cNvPicPr>
-          <p:nvPr/>
-        </p:nvPicPr>
-        <p:blipFill>
-          <a:blip r:embed="rId2">
-            <a:extLst>
-              <a:ext uri="{28A0092B-C50C-407E-A947-70E740481C1C}">
-                <a14:useLocalDpi xmlns:a14="http://schemas.microsoft.com/office/drawing/2010/main" val="0"/>
-              </a:ext>
-            </a:extLst>
-          </a:blip>
-          <a:stretch>
-            <a:fillRect/>
-          </a:stretch>
-        </p:blipFill>
-        <p:spPr>
-          <a:xfrm>
-            <a:off x="762000" y="1524000"/>
-            <a:ext cx="5757031" cy="5029200"/>
-          </a:xfrm>
-          <a:prstGeom prst="rect">
-            <a:avLst/>
-          </a:prstGeom>
-        </p:spPr>
-      </p:pic>
-    </p:spTree>
-    <p:extLst>
-      <p:ext uri="{BB962C8B-B14F-4D97-AF65-F5344CB8AC3E}">
-        <p14:creationId xmlns:p14="http://schemas.microsoft.com/office/powerpoint/2010/main" val="1259997322"/>
-      </p:ext>
-    </p:extLst>
-  </p:cSld>
-  <p:clrMapOvr>
-    <a:masterClrMapping/>
-  </p:clrMapOvr>
-</p:sld>
-</file>
-
-<file path=ppt/slides/slide17.xml><?xml version="1.0" encoding="utf-8"?>
-<p:sld xmlns:a="http://schemas.openxmlformats.org/drawingml/2006/main" xmlns:r="http://schemas.openxmlformats.org/officeDocument/2006/relationships" xmlns:p="http://schemas.openxmlformats.org/presentationml/2006/main">
-  <p:cSld>
-    <p:spTree>
-      <p:nvGrpSpPr>
-        <p:cNvPr id="1" name=""/>
-        <p:cNvGrpSpPr/>
-        <p:nvPr/>
-      </p:nvGrpSpPr>
-      <p:grpSpPr>
-        <a:xfrm>
-          <a:off x="0" y="0"/>
-          <a:ext cx="0" cy="0"/>
-          <a:chOff x="0" y="0"/>
-          <a:chExt cx="0" cy="0"/>
-        </a:xfrm>
-      </p:grpSpPr>
-      <p:sp>
-        <p:nvSpPr>
-          <p:cNvPr id="2" name="Title 1"/>
-          <p:cNvSpPr>
-            <a:spLocks noGrp="1"/>
-          </p:cNvSpPr>
-          <p:nvPr>
-            <p:ph type="title"/>
-          </p:nvPr>
-        </p:nvSpPr>
-        <p:spPr>
-          <a:xfrm>
-            <a:off x="609599" y="381000"/>
-            <a:ext cx="6347713" cy="1320800"/>
-          </a:xfrm>
-        </p:spPr>
-        <p:txBody>
-          <a:bodyPr/>
-          <a:lstStyle/>
-          <a:p>
-            <a:r>
-              <a:rPr lang="en-US" dirty="0" smtClean="0"/>
-              <a:t>Best Solution - Run promises In Parallel Whenever You Can</a:t>
-            </a:r>
-            <a:endParaRPr lang="en-US" dirty="0"/>
-          </a:p>
-        </p:txBody>
-      </p:sp>
-      <p:pic>
-        <p:nvPicPr>
-          <p:cNvPr id="4" name="Picture 3"/>
-          <p:cNvPicPr>
-            <a:picLocks noChangeAspect="1"/>
-          </p:cNvPicPr>
-          <p:nvPr/>
-        </p:nvPicPr>
-        <p:blipFill>
-          <a:blip r:embed="rId2">
-            <a:extLst>
-              <a:ext uri="{28A0092B-C50C-407E-A947-70E740481C1C}">
-                <a14:useLocalDpi xmlns:a14="http://schemas.microsoft.com/office/drawing/2010/main" val="0"/>
-              </a:ext>
-            </a:extLst>
-          </a:blip>
-          <a:stretch>
-            <a:fillRect/>
-          </a:stretch>
-        </p:blipFill>
-        <p:spPr>
-          <a:xfrm>
-            <a:off x="685800" y="1828800"/>
-            <a:ext cx="5707689" cy="4807116"/>
-          </a:xfrm>
-          <a:prstGeom prst="rect">
-            <a:avLst/>
-          </a:prstGeom>
-        </p:spPr>
-      </p:pic>
-    </p:spTree>
-    <p:extLst>
-      <p:ext uri="{BB962C8B-B14F-4D97-AF65-F5344CB8AC3E}">
-        <p14:creationId xmlns:p14="http://schemas.microsoft.com/office/powerpoint/2010/main" val="1439071342"/>
-      </p:ext>
-    </p:extLst>
-  </p:cSld>
-  <p:clrMapOvr>
-    <a:masterClrMapping/>
-  </p:clrMapOvr>
-</p:sld>
-</file>
-
-<file path=ppt/slides/slide18.xml><?xml version="1.0" encoding="utf-8"?>
-<p:sld xmlns:a="http://schemas.openxmlformats.org/drawingml/2006/main" xmlns:r="http://schemas.openxmlformats.org/officeDocument/2006/relationships" xmlns:p="http://schemas.openxmlformats.org/presentationml/2006/main">
-  <p:cSld>
-    <p:spTree>
-      <p:nvGrpSpPr>
-        <p:cNvPr id="1" name=""/>
-        <p:cNvGrpSpPr/>
-        <p:nvPr/>
-      </p:nvGrpSpPr>
-      <p:grpSpPr>
-        <a:xfrm>
-          <a:off x="0" y="0"/>
-          <a:ext cx="0" cy="0"/>
-          <a:chOff x="0" y="0"/>
-          <a:chExt cx="0" cy="0"/>
-        </a:xfrm>
-      </p:grpSpPr>
-      <p:sp>
-        <p:nvSpPr>
-          <p:cNvPr id="2" name="Title 1"/>
-          <p:cNvSpPr>
-            <a:spLocks noGrp="1"/>
-          </p:cNvSpPr>
-          <p:nvPr>
-            <p:ph type="title"/>
-          </p:nvPr>
-        </p:nvSpPr>
-        <p:spPr>
-          <a:xfrm>
-            <a:off x="609599" y="381000"/>
-            <a:ext cx="6347713" cy="1320800"/>
-          </a:xfrm>
-        </p:spPr>
-        <p:txBody>
-          <a:bodyPr/>
-          <a:lstStyle/>
-          <a:p>
-            <a:r>
-              <a:rPr lang="en-US" dirty="0" smtClean="0"/>
-              <a:t>Writing Serial Code With </a:t>
-            </a:r>
-            <a:r>
-              <a:rPr lang="en-US" dirty="0" err="1" smtClean="0"/>
-              <a:t>Async</a:t>
-            </a:r>
-            <a:r>
-              <a:rPr lang="en-US" dirty="0" smtClean="0"/>
-              <a:t> / Await</a:t>
-            </a:r>
-            <a:endParaRPr lang="en-US" dirty="0"/>
-          </a:p>
-        </p:txBody>
-      </p:sp>
-      <p:pic>
-        <p:nvPicPr>
-          <p:cNvPr id="4" name="Picture 3"/>
-          <p:cNvPicPr>
-            <a:picLocks noChangeAspect="1"/>
-          </p:cNvPicPr>
-          <p:nvPr/>
-        </p:nvPicPr>
-        <p:blipFill>
-          <a:blip r:embed="rId2">
-            <a:extLst>
-              <a:ext uri="{28A0092B-C50C-407E-A947-70E740481C1C}">
-                <a14:useLocalDpi xmlns:a14="http://schemas.microsoft.com/office/drawing/2010/main" val="0"/>
-              </a:ext>
-            </a:extLst>
-          </a:blip>
-          <a:stretch>
-            <a:fillRect/>
-          </a:stretch>
-        </p:blipFill>
-        <p:spPr>
-          <a:xfrm>
-            <a:off x="724818" y="1600199"/>
-            <a:ext cx="5752182" cy="4999279"/>
-          </a:xfrm>
-          <a:prstGeom prst="rect">
-            <a:avLst/>
-          </a:prstGeom>
-        </p:spPr>
-      </p:pic>
-    </p:spTree>
-    <p:extLst>
-      <p:ext uri="{BB962C8B-B14F-4D97-AF65-F5344CB8AC3E}">
-        <p14:creationId xmlns:p14="http://schemas.microsoft.com/office/powerpoint/2010/main" val="3459224684"/>
-      </p:ext>
-    </p:extLst>
-  </p:cSld>
-  <p:clrMapOvr>
-    <a:masterClrMapping/>
-  </p:clrMapOvr>
-</p:sld>
-</file>
-
-<file path=ppt/slides/slide19.xml><?xml version="1.0" encoding="utf-8"?>
-<p:sld xmlns:a="http://schemas.openxmlformats.org/drawingml/2006/main" xmlns:r="http://schemas.openxmlformats.org/officeDocument/2006/relationships" xmlns:p="http://schemas.openxmlformats.org/presentationml/2006/main">
-  <p:cSld>
-    <p:spTree>
-      <p:nvGrpSpPr>
-        <p:cNvPr id="1" name=""/>
-        <p:cNvGrpSpPr/>
-        <p:nvPr/>
-      </p:nvGrpSpPr>
-      <p:grpSpPr>
-        <a:xfrm>
-          <a:off x="0" y="0"/>
-          <a:ext cx="0" cy="0"/>
-          <a:chOff x="0" y="0"/>
-          <a:chExt cx="0" cy="0"/>
-        </a:xfrm>
-      </p:grpSpPr>
-      <p:sp>
-        <p:nvSpPr>
-          <p:cNvPr id="2" name="Title 1"/>
-          <p:cNvSpPr>
-            <a:spLocks noGrp="1"/>
-          </p:cNvSpPr>
-          <p:nvPr>
-            <p:ph type="title"/>
-          </p:nvPr>
-        </p:nvSpPr>
-        <p:spPr>
-          <a:xfrm>
-            <a:off x="609599" y="355600"/>
-            <a:ext cx="6347713" cy="1320800"/>
-          </a:xfrm>
-        </p:spPr>
-        <p:txBody>
-          <a:bodyPr/>
-          <a:lstStyle/>
-          <a:p>
-            <a:r>
-              <a:rPr lang="en-US" dirty="0" err="1" smtClean="0"/>
-              <a:t>Async</a:t>
-            </a:r>
-            <a:r>
-              <a:rPr lang="en-US" dirty="0" smtClean="0"/>
-              <a:t> / Await Parallel Code</a:t>
-            </a:r>
-            <a:endParaRPr lang="en-US" dirty="0"/>
-          </a:p>
-        </p:txBody>
-      </p:sp>
-      <p:pic>
-        <p:nvPicPr>
-          <p:cNvPr id="4" name="Picture 3"/>
-          <p:cNvPicPr>
-            <a:picLocks noChangeAspect="1"/>
-          </p:cNvPicPr>
-          <p:nvPr/>
-        </p:nvPicPr>
-        <p:blipFill>
-          <a:blip r:embed="rId2">
-            <a:extLst>
-              <a:ext uri="{28A0092B-C50C-407E-A947-70E740481C1C}">
-                <a14:useLocalDpi xmlns:a14="http://schemas.microsoft.com/office/drawing/2010/main" val="0"/>
-              </a:ext>
-            </a:extLst>
-          </a:blip>
-          <a:stretch>
-            <a:fillRect/>
-          </a:stretch>
-        </p:blipFill>
-        <p:spPr>
-          <a:xfrm>
-            <a:off x="620701" y="1066800"/>
-            <a:ext cx="6542099" cy="5570955"/>
-          </a:xfrm>
-          <a:prstGeom prst="rect">
-            <a:avLst/>
-          </a:prstGeom>
-        </p:spPr>
-      </p:pic>
-    </p:spTree>
-    <p:extLst>
-      <p:ext uri="{BB962C8B-B14F-4D97-AF65-F5344CB8AC3E}">
-        <p14:creationId xmlns:p14="http://schemas.microsoft.com/office/powerpoint/2010/main" val="3748312834"/>
-      </p:ext>
-    </p:extLst>
-  </p:cSld>
-  <p:clrMapOvr>
-    <a:masterClrMapping/>
-  </p:clrMapOvr>
-</p:sld>
-</file>
-
-<file path=ppt/slides/slide2.xml><?xml version="1.0" encoding="utf-8"?>
-<p:sld xmlns:a="http://schemas.openxmlformats.org/drawingml/2006/main" xmlns:r="http://schemas.openxmlformats.org/officeDocument/2006/relationships" xmlns:p="http://schemas.openxmlformats.org/presentationml/2006/main">
-  <p:cSld>
-    <p:spTree>
-      <p:nvGrpSpPr>
-        <p:cNvPr id="1" name=""/>
-        <p:cNvGrpSpPr/>
-        <p:nvPr/>
-      </p:nvGrpSpPr>
-      <p:grpSpPr>
-        <a:xfrm>
-          <a:off x="0" y="0"/>
-          <a:ext cx="0" cy="0"/>
-          <a:chOff x="0" y="0"/>
-          <a:chExt cx="0" cy="0"/>
-        </a:xfrm>
-      </p:grpSpPr>
-      <p:sp>
-        <p:nvSpPr>
-          <p:cNvPr id="2" name="Title 1"/>
-          <p:cNvSpPr>
-            <a:spLocks noGrp="1"/>
-          </p:cNvSpPr>
-          <p:nvPr>
-            <p:ph type="title"/>
-          </p:nvPr>
-        </p:nvSpPr>
-        <p:spPr/>
-        <p:txBody>
-          <a:bodyPr/>
-          <a:lstStyle/>
-          <a:p>
-            <a:r>
-              <a:rPr lang="en-US" dirty="0" smtClean="0"/>
-              <a:t>Agenda</a:t>
-            </a:r>
-            <a:endParaRPr lang="en-US" dirty="0"/>
-          </a:p>
-        </p:txBody>
-      </p:sp>
-      <p:sp>
-        <p:nvSpPr>
-          <p:cNvPr id="3" name="Content Placeholder 2"/>
-          <p:cNvSpPr>
-            <a:spLocks noGrp="1"/>
-          </p:cNvSpPr>
-          <p:nvPr>
-            <p:ph idx="1"/>
-          </p:nvPr>
-        </p:nvSpPr>
-        <p:spPr/>
-        <p:txBody>
-          <a:bodyPr/>
-          <a:lstStyle/>
-          <a:p>
-            <a:r>
-              <a:rPr lang="en-US" dirty="0" smtClean="0"/>
-              <a:t>Introduction to Child Process module</a:t>
-            </a:r>
-          </a:p>
-          <a:p>
-            <a:r>
-              <a:rPr lang="en-US" dirty="0" smtClean="0"/>
-              <a:t>Child Process different operations</a:t>
-            </a:r>
-          </a:p>
-          <a:p>
-            <a:r>
-              <a:rPr lang="en-US" dirty="0" smtClean="0"/>
-              <a:t>The cluster module – a possible solution to scale your application on a multi-core machine</a:t>
-            </a:r>
-          </a:p>
-          <a:p>
-            <a:r>
-              <a:rPr lang="en-US" dirty="0" smtClean="0"/>
-              <a:t>Cluster Module Basic example</a:t>
-            </a:r>
-          </a:p>
-          <a:p>
-            <a:r>
-              <a:rPr lang="en-US" dirty="0" smtClean="0"/>
-              <a:t>Cluster Module IPC</a:t>
-            </a:r>
-          </a:p>
-          <a:p>
-            <a:r>
-              <a:rPr lang="en-US" dirty="0" smtClean="0"/>
-              <a:t>Basic Server with the cluster module</a:t>
-            </a:r>
-            <a:endParaRPr lang="en-US" dirty="0"/>
-          </a:p>
-        </p:txBody>
-      </p:sp>
-    </p:spTree>
-    <p:extLst>
-      <p:ext uri="{BB962C8B-B14F-4D97-AF65-F5344CB8AC3E}">
-        <p14:creationId xmlns:p14="http://schemas.microsoft.com/office/powerpoint/2010/main" val="1790054153"/>
-      </p:ext>
-    </p:extLst>
-  </p:cSld>
-  <p:clrMapOvr>
-    <a:masterClrMapping/>
-  </p:clrMapOvr>
-  <p:timing>
-    <p:tnLst>
-      <p:par>
-        <p:cTn id="1" dur="indefinite" restart="never" nodeType="tmRoot"/>
-      </p:par>
-    </p:tnLst>
-  </p:timing>
-</p:sld>
-</file>
-
-<file path=ppt/slides/slide20.xml><?xml version="1.0" encoding="utf-8"?>
-<p:sld xmlns:a="http://schemas.openxmlformats.org/drawingml/2006/main" xmlns:r="http://schemas.openxmlformats.org/officeDocument/2006/relationships" xmlns:p="http://schemas.openxmlformats.org/presentationml/2006/main">
-  <p:cSld>
-    <p:spTree>
-      <p:nvGrpSpPr>
-        <p:cNvPr id="1" name=""/>
-        <p:cNvGrpSpPr/>
-        <p:nvPr/>
-      </p:nvGrpSpPr>
-      <p:grpSpPr>
-        <a:xfrm>
-          <a:off x="0" y="0"/>
-          <a:ext cx="0" cy="0"/>
-          <a:chOff x="0" y="0"/>
-          <a:chExt cx="0" cy="0"/>
-        </a:xfrm>
-      </p:grpSpPr>
-      <p:sp>
-        <p:nvSpPr>
-          <p:cNvPr id="2" name="Title 1"/>
-          <p:cNvSpPr>
-            <a:spLocks noGrp="1"/>
-          </p:cNvSpPr>
-          <p:nvPr>
-            <p:ph type="title"/>
-          </p:nvPr>
-        </p:nvSpPr>
-        <p:spPr/>
-        <p:txBody>
-          <a:bodyPr/>
-          <a:lstStyle/>
-          <a:p>
-            <a:r>
-              <a:rPr lang="en-US" dirty="0" smtClean="0"/>
-              <a:t>Summary</a:t>
-            </a:r>
-            <a:endParaRPr lang="en-US" dirty="0"/>
-          </a:p>
-        </p:txBody>
-      </p:sp>
-      <p:sp>
-        <p:nvSpPr>
-          <p:cNvPr id="3" name="Content Placeholder 2"/>
-          <p:cNvSpPr>
-            <a:spLocks noGrp="1"/>
-          </p:cNvSpPr>
-          <p:nvPr>
-            <p:ph idx="1"/>
-          </p:nvPr>
-        </p:nvSpPr>
-        <p:spPr/>
-        <p:txBody>
-          <a:bodyPr/>
-          <a:lstStyle/>
-          <a:p>
-            <a:r>
-              <a:rPr lang="en-US" dirty="0" smtClean="0"/>
-              <a:t>Always look at your code and look for functions that you can run in parallel.</a:t>
-            </a:r>
-          </a:p>
-          <a:p>
-            <a:r>
-              <a:rPr lang="en-US" dirty="0" smtClean="0"/>
-              <a:t>Try to run as much code in parallel as you can.</a:t>
-            </a:r>
-            <a:endParaRPr lang="he-IL" dirty="0" smtClean="0"/>
-          </a:p>
-          <a:p>
-            <a:r>
-              <a:rPr lang="en-US" dirty="0" smtClean="0"/>
-              <a:t>Try to re-structure your code in order to execute as much asynchronous operations in parallel</a:t>
-            </a:r>
-            <a:endParaRPr lang="en-US" dirty="0"/>
-          </a:p>
-        </p:txBody>
-      </p:sp>
-    </p:spTree>
-    <p:extLst>
-      <p:ext uri="{BB962C8B-B14F-4D97-AF65-F5344CB8AC3E}">
-        <p14:creationId xmlns:p14="http://schemas.microsoft.com/office/powerpoint/2010/main" val="1854584356"/>
-      </p:ext>
-    </p:extLst>
-  </p:cSld>
-  <p:clrMapOvr>
-    <a:masterClrMapping/>
-  </p:clrMapOvr>
-</p:sld>
-</file>
-
-<file path=ppt/slides/slide21.xml><?xml version="1.0" encoding="utf-8"?>
-<p:sld xmlns:a="http://schemas.openxmlformats.org/drawingml/2006/main" xmlns:r="http://schemas.openxmlformats.org/officeDocument/2006/relationships" xmlns:p="http://schemas.openxmlformats.org/presentationml/2006/main">
-  <p:cSld>
-    <p:spTree>
-      <p:nvGrpSpPr>
-        <p:cNvPr id="1" name=""/>
-        <p:cNvGrpSpPr/>
-        <p:nvPr/>
-      </p:nvGrpSpPr>
-      <p:grpSpPr>
-        <a:xfrm>
-          <a:off x="0" y="0"/>
-          <a:ext cx="0" cy="0"/>
-          <a:chOff x="0" y="0"/>
-          <a:chExt cx="0" cy="0"/>
-        </a:xfrm>
-      </p:grpSpPr>
-      <p:sp>
-        <p:nvSpPr>
-          <p:cNvPr id="2" name="Title 1"/>
-          <p:cNvSpPr>
-            <a:spLocks noGrp="1"/>
-          </p:cNvSpPr>
-          <p:nvPr>
-            <p:ph type="title"/>
-          </p:nvPr>
-        </p:nvSpPr>
-        <p:spPr>
-          <a:xfrm>
-            <a:off x="609599" y="2641600"/>
-            <a:ext cx="6347713" cy="1320800"/>
-          </a:xfrm>
-        </p:spPr>
-        <p:txBody>
-          <a:bodyPr/>
-          <a:lstStyle/>
-          <a:p>
-            <a:r>
-              <a:rPr lang="en-US" dirty="0" smtClean="0"/>
-              <a:t>Handle More Load with Your Node.js server cluster</a:t>
-            </a:r>
-            <a:endParaRPr lang="en-US" dirty="0"/>
-          </a:p>
-        </p:txBody>
-      </p:sp>
-    </p:spTree>
-    <p:extLst>
-      <p:ext uri="{BB962C8B-B14F-4D97-AF65-F5344CB8AC3E}">
-        <p14:creationId xmlns:p14="http://schemas.microsoft.com/office/powerpoint/2010/main" val="485834599"/>
-      </p:ext>
-    </p:extLst>
-  </p:cSld>
-  <p:clrMapOvr>
-    <a:masterClrMapping/>
-  </p:clrMapOvr>
-</p:sld>
-</file>
-
-<file path=ppt/slides/slide22.xml><?xml version="1.0" encoding="utf-8"?>
-<p:sld xmlns:a="http://schemas.openxmlformats.org/drawingml/2006/main" xmlns:r="http://schemas.openxmlformats.org/officeDocument/2006/relationships" xmlns:p="http://schemas.openxmlformats.org/presentationml/2006/main">
-  <p:cSld>
-    <p:spTree>
-      <p:nvGrpSpPr>
-        <p:cNvPr id="1" name=""/>
-        <p:cNvGrpSpPr/>
-        <p:nvPr/>
-      </p:nvGrpSpPr>
-      <p:grpSpPr>
-        <a:xfrm>
-          <a:off x="0" y="0"/>
-          <a:ext cx="0" cy="0"/>
-          <a:chOff x="0" y="0"/>
-          <a:chExt cx="0" cy="0"/>
-        </a:xfrm>
-      </p:grpSpPr>
-      <p:sp>
-        <p:nvSpPr>
-          <p:cNvPr id="2" name="Title 1"/>
-          <p:cNvSpPr>
-            <a:spLocks noGrp="1"/>
-          </p:cNvSpPr>
-          <p:nvPr>
-            <p:ph type="title"/>
-          </p:nvPr>
-        </p:nvSpPr>
-        <p:spPr/>
-        <p:txBody>
-          <a:bodyPr/>
-          <a:lstStyle/>
-          <a:p>
-            <a:r>
-              <a:rPr lang="en-US" dirty="0" smtClean="0"/>
-              <a:t>We Must Use More Then One Process</a:t>
-            </a:r>
-            <a:endParaRPr lang="en-US" dirty="0"/>
-          </a:p>
-        </p:txBody>
-      </p:sp>
-      <p:sp>
-        <p:nvSpPr>
-          <p:cNvPr id="3" name="Content Placeholder 2"/>
-          <p:cNvSpPr>
-            <a:spLocks noGrp="1"/>
-          </p:cNvSpPr>
-          <p:nvPr>
-            <p:ph idx="1"/>
-          </p:nvPr>
-        </p:nvSpPr>
-        <p:spPr/>
-        <p:txBody>
-          <a:bodyPr/>
-          <a:lstStyle/>
-          <a:p>
-            <a:r>
-              <a:rPr lang="en-US" dirty="0" smtClean="0"/>
-              <a:t>Node.js is single process with event loop.</a:t>
-            </a:r>
-          </a:p>
-          <a:p>
-            <a:r>
-              <a:rPr lang="en-US" dirty="0" smtClean="0"/>
-              <a:t>It will utilize only one CPU of the machine</a:t>
-            </a:r>
-          </a:p>
-          <a:p>
-            <a:r>
-              <a:rPr lang="en-US" dirty="0" smtClean="0"/>
-              <a:t>There is a limitation to the load that one process can handle – no matter how strong the machine is</a:t>
-            </a:r>
-          </a:p>
-          <a:p>
-            <a:r>
-              <a:rPr lang="en-US" dirty="0" smtClean="0"/>
-              <a:t>If we want to utilize the entire power of the CPUs of the machine – we have to use more processes</a:t>
-            </a:r>
-            <a:endParaRPr lang="en-US" dirty="0"/>
-          </a:p>
-        </p:txBody>
-      </p:sp>
-    </p:spTree>
-    <p:extLst>
-      <p:ext uri="{BB962C8B-B14F-4D97-AF65-F5344CB8AC3E}">
-        <p14:creationId xmlns:p14="http://schemas.microsoft.com/office/powerpoint/2010/main" val="69982868"/>
-      </p:ext>
-    </p:extLst>
-  </p:cSld>
-  <p:clrMapOvr>
-    <a:masterClrMapping/>
-  </p:clrMapOvr>
-</p:sld>
-</file>
-
-<file path=ppt/slides/slide23.xml><?xml version="1.0" encoding="utf-8"?>
-<p:sld xmlns:a="http://schemas.openxmlformats.org/drawingml/2006/main" xmlns:r="http://schemas.openxmlformats.org/officeDocument/2006/relationships" xmlns:p="http://schemas.openxmlformats.org/presentationml/2006/main">
-  <p:cSld>
-    <p:spTree>
-      <p:nvGrpSpPr>
-        <p:cNvPr id="1" name=""/>
-        <p:cNvGrpSpPr/>
-        <p:nvPr/>
-      </p:nvGrpSpPr>
-      <p:grpSpPr>
-        <a:xfrm>
-          <a:off x="0" y="0"/>
-          <a:ext cx="0" cy="0"/>
-          <a:chOff x="0" y="0"/>
-          <a:chExt cx="0" cy="0"/>
-        </a:xfrm>
-      </p:grpSpPr>
-      <p:sp>
-        <p:nvSpPr>
-          <p:cNvPr id="2" name="Title 1"/>
-          <p:cNvSpPr>
-            <a:spLocks noGrp="1"/>
-          </p:cNvSpPr>
-          <p:nvPr>
-            <p:ph type="title"/>
-          </p:nvPr>
-        </p:nvSpPr>
-        <p:spPr/>
-        <p:txBody>
-          <a:bodyPr/>
-          <a:lstStyle/>
-          <a:p>
-            <a:r>
-              <a:rPr lang="en-US" dirty="0" smtClean="0"/>
-              <a:t>Possible Multi Process Setups – Option 1</a:t>
-            </a:r>
-            <a:endParaRPr lang="en-US" dirty="0"/>
-          </a:p>
-        </p:txBody>
-      </p:sp>
-      <p:sp>
-        <p:nvSpPr>
-          <p:cNvPr id="3" name="Content Placeholder 2"/>
-          <p:cNvSpPr>
-            <a:spLocks noGrp="1"/>
-          </p:cNvSpPr>
-          <p:nvPr>
-            <p:ph idx="1"/>
-          </p:nvPr>
-        </p:nvSpPr>
-        <p:spPr>
-          <a:xfrm>
-            <a:off x="510286" y="1981200"/>
-            <a:ext cx="6347714" cy="4441163"/>
-          </a:xfrm>
-        </p:spPr>
-        <p:txBody>
-          <a:bodyPr>
-            <a:normAutofit/>
-          </a:bodyPr>
-          <a:lstStyle/>
-          <a:p>
-            <a:r>
-              <a:rPr lang="en-US" dirty="0" smtClean="0"/>
-              <a:t>Using the Cluster Module </a:t>
-            </a:r>
-          </a:p>
-          <a:p>
-            <a:pPr lvl="1"/>
-            <a:r>
-              <a:rPr lang="en-US" dirty="0" smtClean="0"/>
-              <a:t>Master Process will span child processes</a:t>
-            </a:r>
-          </a:p>
-          <a:p>
-            <a:pPr lvl="1"/>
-            <a:r>
-              <a:rPr lang="en-US" dirty="0" smtClean="0"/>
-              <a:t>Master Process will be responsible to load balance the requests to the worker process.</a:t>
-            </a:r>
-          </a:p>
-          <a:p>
-            <a:pPr lvl="1"/>
-            <a:r>
-              <a:rPr lang="en-US" dirty="0" smtClean="0"/>
-              <a:t>All processes listen to the same port</a:t>
-            </a:r>
-          </a:p>
-          <a:p>
-            <a:pPr lvl="1"/>
-            <a:r>
-              <a:rPr lang="en-US" dirty="0" smtClean="0"/>
-              <a:t>The number of worker processes is equal to the number of the CPUs in the machine</a:t>
-            </a:r>
-          </a:p>
-        </p:txBody>
-      </p:sp>
-    </p:spTree>
-    <p:extLst>
-      <p:ext uri="{BB962C8B-B14F-4D97-AF65-F5344CB8AC3E}">
-        <p14:creationId xmlns:p14="http://schemas.microsoft.com/office/powerpoint/2010/main" val="2889138942"/>
-      </p:ext>
-    </p:extLst>
-  </p:cSld>
-  <p:clrMapOvr>
-    <a:masterClrMapping/>
-  </p:clrMapOvr>
-</p:sld>
-</file>
-
-<file path=ppt/slides/slide24.xml><?xml version="1.0" encoding="utf-8"?>
-<p:sld xmlns:a="http://schemas.openxmlformats.org/drawingml/2006/main" xmlns:r="http://schemas.openxmlformats.org/officeDocument/2006/relationships" xmlns:p="http://schemas.openxmlformats.org/presentationml/2006/main">
-  <p:cSld>
-    <p:spTree>
-      <p:nvGrpSpPr>
-        <p:cNvPr id="1" name=""/>
-        <p:cNvGrpSpPr/>
-        <p:nvPr/>
-      </p:nvGrpSpPr>
-      <p:grpSpPr>
-        <a:xfrm>
-          <a:off x="0" y="0"/>
-          <a:ext cx="0" cy="0"/>
-          <a:chOff x="0" y="0"/>
-          <a:chExt cx="0" cy="0"/>
-        </a:xfrm>
-      </p:grpSpPr>
-      <p:sp>
-        <p:nvSpPr>
-          <p:cNvPr id="2" name="Title 1"/>
-          <p:cNvSpPr>
-            <a:spLocks noGrp="1"/>
-          </p:cNvSpPr>
-          <p:nvPr>
-            <p:ph type="title"/>
-          </p:nvPr>
-        </p:nvSpPr>
-        <p:spPr/>
-        <p:txBody>
-          <a:bodyPr/>
-          <a:lstStyle/>
-          <a:p>
-            <a:r>
-              <a:rPr lang="en-US" dirty="0" smtClean="0"/>
-              <a:t>Possible Multi Process Setup – Option 2</a:t>
-            </a:r>
-            <a:endParaRPr lang="en-US" dirty="0"/>
-          </a:p>
-        </p:txBody>
-      </p:sp>
-      <p:sp>
-        <p:nvSpPr>
-          <p:cNvPr id="3" name="Content Placeholder 2"/>
-          <p:cNvSpPr>
-            <a:spLocks noGrp="1"/>
-          </p:cNvSpPr>
-          <p:nvPr>
-            <p:ph idx="1"/>
-          </p:nvPr>
-        </p:nvSpPr>
-        <p:spPr/>
-        <p:txBody>
-          <a:bodyPr/>
-          <a:lstStyle/>
-          <a:p>
-            <a:r>
-              <a:rPr lang="en-US" dirty="0"/>
-              <a:t>Using </a:t>
-            </a:r>
-            <a:r>
-              <a:rPr lang="en-US" dirty="0" err="1"/>
-              <a:t>IPTable</a:t>
-            </a:r>
-            <a:r>
-              <a:rPr lang="en-US" dirty="0"/>
-              <a:t> module to load balance the requests</a:t>
-            </a:r>
-          </a:p>
-          <a:p>
-            <a:pPr lvl="1"/>
-            <a:r>
-              <a:rPr lang="en-US" dirty="0"/>
-              <a:t>Setup several </a:t>
-            </a:r>
-            <a:r>
-              <a:rPr lang="en-US" dirty="0" err="1"/>
-              <a:t>docker</a:t>
-            </a:r>
-            <a:r>
-              <a:rPr lang="en-US" dirty="0"/>
-              <a:t> containers </a:t>
-            </a:r>
-          </a:p>
-          <a:p>
-            <a:pPr lvl="1"/>
-            <a:r>
-              <a:rPr lang="en-US" dirty="0" smtClean="0"/>
-              <a:t>Containers listening </a:t>
-            </a:r>
-            <a:r>
-              <a:rPr lang="en-US" dirty="0"/>
-              <a:t>on different </a:t>
-            </a:r>
-            <a:r>
-              <a:rPr lang="en-US" dirty="0" smtClean="0"/>
-              <a:t>ports</a:t>
-            </a:r>
-          </a:p>
-          <a:p>
-            <a:pPr lvl="1"/>
-            <a:r>
-              <a:rPr lang="en-US" dirty="0" smtClean="0"/>
-              <a:t>each Container is mapped </a:t>
-            </a:r>
-            <a:r>
-              <a:rPr lang="en-US" dirty="0"/>
-              <a:t>to one CPU</a:t>
-            </a:r>
-          </a:p>
-          <a:p>
-            <a:pPr lvl="1"/>
-            <a:r>
-              <a:rPr lang="en-US" dirty="0" err="1"/>
-              <a:t>IPTables</a:t>
-            </a:r>
-            <a:r>
-              <a:rPr lang="en-US" dirty="0"/>
-              <a:t> will listen on port 80 and will redirect to containers. </a:t>
-            </a:r>
-            <a:endParaRPr lang="he-IL" dirty="0"/>
-          </a:p>
-        </p:txBody>
-      </p:sp>
-    </p:spTree>
-    <p:extLst>
-      <p:ext uri="{BB962C8B-B14F-4D97-AF65-F5344CB8AC3E}">
-        <p14:creationId xmlns:p14="http://schemas.microsoft.com/office/powerpoint/2010/main" val="288439853"/>
-      </p:ext>
-    </p:extLst>
-  </p:cSld>
-  <p:clrMapOvr>
-    <a:masterClrMapping/>
-  </p:clrMapOvr>
-</p:sld>
-</file>
-
-<file path=ppt/slides/slide25.xml><?xml version="1.0" encoding="utf-8"?>
-<p:sld xmlns:a="http://schemas.openxmlformats.org/drawingml/2006/main" xmlns:r="http://schemas.openxmlformats.org/officeDocument/2006/relationships" xmlns:p="http://schemas.openxmlformats.org/presentationml/2006/main">
-  <p:cSld>
-    <p:spTree>
-      <p:nvGrpSpPr>
-        <p:cNvPr id="1" name=""/>
-        <p:cNvGrpSpPr/>
-        <p:nvPr/>
-      </p:nvGrpSpPr>
-      <p:grpSpPr>
-        <a:xfrm>
-          <a:off x="0" y="0"/>
-          <a:ext cx="0" cy="0"/>
-          <a:chOff x="0" y="0"/>
-          <a:chExt cx="0" cy="0"/>
-        </a:xfrm>
-      </p:grpSpPr>
-      <p:sp>
-        <p:nvSpPr>
-          <p:cNvPr id="2" name="Title 1"/>
-          <p:cNvSpPr>
-            <a:spLocks noGrp="1"/>
-          </p:cNvSpPr>
-          <p:nvPr>
-            <p:ph type="title"/>
-          </p:nvPr>
-        </p:nvSpPr>
-        <p:spPr/>
-        <p:txBody>
-          <a:bodyPr/>
-          <a:lstStyle/>
-          <a:p>
-            <a:r>
-              <a:rPr lang="en-US" dirty="0" smtClean="0"/>
-              <a:t>Possible Multi Process Setup – Option 3</a:t>
-            </a:r>
-            <a:endParaRPr lang="en-US" dirty="0"/>
-          </a:p>
-        </p:txBody>
-      </p:sp>
-      <p:sp>
-        <p:nvSpPr>
-          <p:cNvPr id="3" name="Content Placeholder 2"/>
-          <p:cNvSpPr>
-            <a:spLocks noGrp="1"/>
-          </p:cNvSpPr>
-          <p:nvPr>
-            <p:ph idx="1"/>
-          </p:nvPr>
-        </p:nvSpPr>
-        <p:spPr/>
-        <p:txBody>
-          <a:bodyPr/>
-          <a:lstStyle/>
-          <a:p>
-            <a:r>
-              <a:rPr lang="en-US" dirty="0"/>
-              <a:t>Using a load balancer to load balance the requests</a:t>
-            </a:r>
-          </a:p>
-          <a:p>
-            <a:pPr lvl="1"/>
-            <a:r>
-              <a:rPr lang="en-US" dirty="0"/>
-              <a:t>Setup several </a:t>
-            </a:r>
-            <a:r>
-              <a:rPr lang="en-US" dirty="0" err="1"/>
-              <a:t>docker</a:t>
-            </a:r>
-            <a:r>
-              <a:rPr lang="en-US" dirty="0"/>
-              <a:t> containers </a:t>
-            </a:r>
-            <a:endParaRPr lang="en-US" dirty="0" smtClean="0"/>
-          </a:p>
-          <a:p>
-            <a:pPr lvl="1"/>
-            <a:r>
-              <a:rPr lang="en-US" dirty="0" smtClean="0"/>
-              <a:t>Each container </a:t>
-            </a:r>
-            <a:r>
-              <a:rPr lang="en-US" dirty="0"/>
-              <a:t>listening on different </a:t>
-            </a:r>
-            <a:r>
-              <a:rPr lang="en-US" dirty="0" smtClean="0"/>
-              <a:t>port</a:t>
-            </a:r>
-          </a:p>
-          <a:p>
-            <a:pPr lvl="1"/>
-            <a:r>
-              <a:rPr lang="en-US" dirty="0" smtClean="0"/>
-              <a:t>Each </a:t>
-            </a:r>
-            <a:r>
-              <a:rPr lang="en-US" dirty="0"/>
-              <a:t>one mapped to one CPU</a:t>
-            </a:r>
-          </a:p>
-          <a:p>
-            <a:pPr lvl="1"/>
-            <a:r>
-              <a:rPr lang="en-US" dirty="0"/>
-              <a:t>We can use </a:t>
-            </a:r>
-            <a:r>
-              <a:rPr lang="en-US" dirty="0" err="1"/>
-              <a:t>Ngnix</a:t>
-            </a:r>
-            <a:r>
-              <a:rPr lang="en-US" dirty="0"/>
-              <a:t> or </a:t>
-            </a:r>
-            <a:r>
-              <a:rPr lang="en-US" dirty="0" err="1"/>
-              <a:t>HAProxy</a:t>
-            </a:r>
-            <a:r>
-              <a:rPr lang="en-US" dirty="0"/>
-              <a:t> as load balancer</a:t>
-            </a:r>
-            <a:r>
-              <a:rPr lang="en-US" dirty="0" smtClean="0"/>
-              <a:t>.</a:t>
-            </a:r>
-            <a:endParaRPr lang="en-US" dirty="0"/>
-          </a:p>
-        </p:txBody>
-      </p:sp>
-    </p:spTree>
-    <p:extLst>
-      <p:ext uri="{BB962C8B-B14F-4D97-AF65-F5344CB8AC3E}">
-        <p14:creationId xmlns:p14="http://schemas.microsoft.com/office/powerpoint/2010/main" val="326703396"/>
-      </p:ext>
-    </p:extLst>
-  </p:cSld>
-  <p:clrMapOvr>
-    <a:masterClrMapping/>
-  </p:clrMapOvr>
-</p:sld>
-</file>
-
-<file path=ppt/slides/slide26.xml><?xml version="1.0" encoding="utf-8"?>
-<p:sld xmlns:a="http://schemas.openxmlformats.org/drawingml/2006/main" xmlns:r="http://schemas.openxmlformats.org/officeDocument/2006/relationships" xmlns:p="http://schemas.openxmlformats.org/presentationml/2006/main">
-  <p:cSld>
-    <p:spTree>
-      <p:nvGrpSpPr>
-        <p:cNvPr id="1" name=""/>
-        <p:cNvGrpSpPr/>
-        <p:nvPr/>
-      </p:nvGrpSpPr>
-      <p:grpSpPr>
-        <a:xfrm>
-          <a:off x="0" y="0"/>
-          <a:ext cx="0" cy="0"/>
-          <a:chOff x="0" y="0"/>
-          <a:chExt cx="0" cy="0"/>
-        </a:xfrm>
-      </p:grpSpPr>
-      <p:sp>
-        <p:nvSpPr>
-          <p:cNvPr id="2" name="Title 1"/>
-          <p:cNvSpPr>
-            <a:spLocks noGrp="1"/>
-          </p:cNvSpPr>
-          <p:nvPr>
-            <p:ph type="title"/>
-          </p:nvPr>
-        </p:nvSpPr>
-        <p:spPr/>
-        <p:txBody>
-          <a:bodyPr/>
-          <a:lstStyle/>
-          <a:p>
-            <a:r>
-              <a:rPr lang="en-US" dirty="0" smtClean="0"/>
-              <a:t>Request Load Comparison</a:t>
-            </a:r>
-            <a:endParaRPr lang="en-US" dirty="0"/>
-          </a:p>
-        </p:txBody>
-      </p:sp>
-      <p:pic>
-        <p:nvPicPr>
-          <p:cNvPr id="4" name="Picture 3"/>
-          <p:cNvPicPr>
-            <a:picLocks noChangeAspect="1"/>
-          </p:cNvPicPr>
-          <p:nvPr/>
-        </p:nvPicPr>
-        <p:blipFill>
-          <a:blip r:embed="rId2">
-            <a:extLst>
-              <a:ext uri="{28A0092B-C50C-407E-A947-70E740481C1C}">
-                <a14:useLocalDpi xmlns:a14="http://schemas.microsoft.com/office/drawing/2010/main" val="0"/>
-              </a:ext>
-            </a:extLst>
-          </a:blip>
-          <a:stretch>
-            <a:fillRect/>
-          </a:stretch>
-        </p:blipFill>
-        <p:spPr>
-          <a:xfrm>
-            <a:off x="609600" y="1981200"/>
-            <a:ext cx="6576630" cy="3650296"/>
-          </a:xfrm>
-          <a:prstGeom prst="rect">
-            <a:avLst/>
-          </a:prstGeom>
-        </p:spPr>
-      </p:pic>
-    </p:spTree>
-    <p:extLst>
-      <p:ext uri="{BB962C8B-B14F-4D97-AF65-F5344CB8AC3E}">
-        <p14:creationId xmlns:p14="http://schemas.microsoft.com/office/powerpoint/2010/main" val="967484501"/>
-      </p:ext>
-    </p:extLst>
-  </p:cSld>
-  <p:clrMapOvr>
-    <a:masterClrMapping/>
-  </p:clrMapOvr>
-</p:sld>
-</file>
-
-<file path=ppt/slides/slide27.xml><?xml version="1.0" encoding="utf-8"?>
-<p:sld xmlns:a="http://schemas.openxmlformats.org/drawingml/2006/main" xmlns:r="http://schemas.openxmlformats.org/officeDocument/2006/relationships" xmlns:p="http://schemas.openxmlformats.org/presentationml/2006/main">
-  <p:cSld>
-    <p:spTree>
-      <p:nvGrpSpPr>
-        <p:cNvPr id="1" name=""/>
-        <p:cNvGrpSpPr/>
-        <p:nvPr/>
-      </p:nvGrpSpPr>
-      <p:grpSpPr>
-        <a:xfrm>
-          <a:off x="0" y="0"/>
-          <a:ext cx="0" cy="0"/>
-          <a:chOff x="0" y="0"/>
-          <a:chExt cx="0" cy="0"/>
-        </a:xfrm>
-      </p:grpSpPr>
-      <p:sp>
-        <p:nvSpPr>
-          <p:cNvPr id="2" name="Title 1"/>
-          <p:cNvSpPr>
-            <a:spLocks noGrp="1"/>
-          </p:cNvSpPr>
-          <p:nvPr>
-            <p:ph type="title"/>
-          </p:nvPr>
-        </p:nvSpPr>
-        <p:spPr/>
-        <p:txBody>
-          <a:bodyPr/>
-          <a:lstStyle/>
-          <a:p>
-            <a:r>
-              <a:rPr lang="en-US" dirty="0" smtClean="0"/>
-              <a:t>Number Of Requests Per Process – Cluster Module</a:t>
-            </a:r>
-            <a:endParaRPr lang="en-US" dirty="0"/>
-          </a:p>
-        </p:txBody>
-      </p:sp>
-      <p:pic>
-        <p:nvPicPr>
-          <p:cNvPr id="4" name="Picture 3"/>
-          <p:cNvPicPr>
-            <a:picLocks noChangeAspect="1"/>
-          </p:cNvPicPr>
-          <p:nvPr/>
-        </p:nvPicPr>
-        <p:blipFill>
-          <a:blip r:embed="rId2">
-            <a:extLst>
-              <a:ext uri="{28A0092B-C50C-407E-A947-70E740481C1C}">
-                <a14:useLocalDpi xmlns:a14="http://schemas.microsoft.com/office/drawing/2010/main" val="0"/>
-              </a:ext>
-            </a:extLst>
-          </a:blip>
-          <a:stretch>
-            <a:fillRect/>
-          </a:stretch>
-        </p:blipFill>
-        <p:spPr>
-          <a:xfrm>
-            <a:off x="738590" y="1981200"/>
-            <a:ext cx="6348010" cy="3894157"/>
-          </a:xfrm>
-          <a:prstGeom prst="rect">
-            <a:avLst/>
-          </a:prstGeom>
-        </p:spPr>
-      </p:pic>
-    </p:spTree>
-    <p:extLst>
-      <p:ext uri="{BB962C8B-B14F-4D97-AF65-F5344CB8AC3E}">
-        <p14:creationId xmlns:p14="http://schemas.microsoft.com/office/powerpoint/2010/main" val="2741229455"/>
-      </p:ext>
-    </p:extLst>
-  </p:cSld>
-  <p:clrMapOvr>
-    <a:masterClrMapping/>
-  </p:clrMapOvr>
-</p:sld>
-</file>
-
-<file path=ppt/slides/slide28.xml><?xml version="1.0" encoding="utf-8"?>
-<p:sld xmlns:a="http://schemas.openxmlformats.org/drawingml/2006/main" xmlns:r="http://schemas.openxmlformats.org/officeDocument/2006/relationships" xmlns:p="http://schemas.openxmlformats.org/presentationml/2006/main">
-  <p:cSld>
-    <p:spTree>
-      <p:nvGrpSpPr>
-        <p:cNvPr id="1" name=""/>
-        <p:cNvGrpSpPr/>
-        <p:nvPr/>
-      </p:nvGrpSpPr>
-      <p:grpSpPr>
-        <a:xfrm>
-          <a:off x="0" y="0"/>
-          <a:ext cx="0" cy="0"/>
-          <a:chOff x="0" y="0"/>
-          <a:chExt cx="0" cy="0"/>
-        </a:xfrm>
-      </p:grpSpPr>
-      <p:sp>
-        <p:nvSpPr>
-          <p:cNvPr id="2" name="Title 1"/>
-          <p:cNvSpPr>
-            <a:spLocks noGrp="1"/>
-          </p:cNvSpPr>
-          <p:nvPr>
-            <p:ph type="title"/>
-          </p:nvPr>
-        </p:nvSpPr>
-        <p:spPr/>
-        <p:txBody>
-          <a:bodyPr/>
-          <a:lstStyle/>
-          <a:p>
-            <a:r>
-              <a:rPr lang="en-US" dirty="0" smtClean="0"/>
-              <a:t>Number Of Requests Per Process - Nginx</a:t>
-            </a:r>
-            <a:endParaRPr lang="en-US" dirty="0"/>
-          </a:p>
-        </p:txBody>
-      </p:sp>
-      <p:pic>
-        <p:nvPicPr>
-          <p:cNvPr id="4" name="Picture 3"/>
-          <p:cNvPicPr>
-            <a:picLocks noChangeAspect="1"/>
-          </p:cNvPicPr>
-          <p:nvPr/>
-        </p:nvPicPr>
-        <p:blipFill>
-          <a:blip r:embed="rId2">
-            <a:extLst>
-              <a:ext uri="{28A0092B-C50C-407E-A947-70E740481C1C}">
-                <a14:useLocalDpi xmlns:a14="http://schemas.microsoft.com/office/drawing/2010/main" val="0"/>
-              </a:ext>
-            </a:extLst>
-          </a:blip>
-          <a:stretch>
-            <a:fillRect/>
-          </a:stretch>
-        </p:blipFill>
-        <p:spPr>
-          <a:xfrm>
-            <a:off x="685800" y="2133600"/>
-            <a:ext cx="7018628" cy="3787468"/>
-          </a:xfrm>
-          <a:prstGeom prst="rect">
-            <a:avLst/>
-          </a:prstGeom>
-        </p:spPr>
-      </p:pic>
-    </p:spTree>
-    <p:extLst>
-      <p:ext uri="{BB962C8B-B14F-4D97-AF65-F5344CB8AC3E}">
-        <p14:creationId xmlns:p14="http://schemas.microsoft.com/office/powerpoint/2010/main" val="3464723723"/>
-      </p:ext>
-    </p:extLst>
-  </p:cSld>
-  <p:clrMapOvr>
-    <a:masterClrMapping/>
-  </p:clrMapOvr>
-</p:sld>
-</file>
-
-<file path=ppt/slides/slide29.xml><?xml version="1.0" encoding="utf-8"?>
-<p:sld xmlns:a="http://schemas.openxmlformats.org/drawingml/2006/main" xmlns:r="http://schemas.openxmlformats.org/officeDocument/2006/relationships" xmlns:p="http://schemas.openxmlformats.org/presentationml/2006/main">
-  <p:cSld>
-    <p:spTree>
-      <p:nvGrpSpPr>
-        <p:cNvPr id="1" name=""/>
-        <p:cNvGrpSpPr/>
-        <p:nvPr/>
-      </p:nvGrpSpPr>
-      <p:grpSpPr>
-        <a:xfrm>
-          <a:off x="0" y="0"/>
-          <a:ext cx="0" cy="0"/>
-          <a:chOff x="0" y="0"/>
-          <a:chExt cx="0" cy="0"/>
-        </a:xfrm>
-      </p:grpSpPr>
-      <p:sp>
-        <p:nvSpPr>
-          <p:cNvPr id="2" name="Title 1"/>
-          <p:cNvSpPr>
-            <a:spLocks noGrp="1"/>
-          </p:cNvSpPr>
-          <p:nvPr>
-            <p:ph type="title"/>
-          </p:nvPr>
-        </p:nvSpPr>
-        <p:spPr/>
-        <p:txBody>
-          <a:bodyPr/>
-          <a:lstStyle/>
-          <a:p>
-            <a:r>
-              <a:rPr lang="en-US" dirty="0" smtClean="0"/>
-              <a:t>Why Cluster Module Handles Less Load</a:t>
-            </a:r>
-            <a:endParaRPr lang="en-US" dirty="0"/>
-          </a:p>
-        </p:txBody>
-      </p:sp>
-      <p:sp>
-        <p:nvSpPr>
-          <p:cNvPr id="3" name="Content Placeholder 2"/>
-          <p:cNvSpPr>
-            <a:spLocks noGrp="1"/>
-          </p:cNvSpPr>
-          <p:nvPr>
-            <p:ph idx="1"/>
-          </p:nvPr>
-        </p:nvSpPr>
-        <p:spPr/>
-        <p:txBody>
-          <a:bodyPr/>
-          <a:lstStyle/>
-          <a:p>
-            <a:r>
-              <a:rPr lang="en-US" dirty="0" smtClean="0"/>
-              <a:t>In the cluster module, the master process is responsible for load balancing the requests.</a:t>
-            </a:r>
-          </a:p>
-          <a:p>
-            <a:r>
-              <a:rPr lang="en-US" dirty="0" smtClean="0"/>
-              <a:t>This will not come without a price :</a:t>
-            </a:r>
-          </a:p>
-          <a:p>
-            <a:pPr lvl="1"/>
-            <a:r>
-              <a:rPr lang="en-US" dirty="0" smtClean="0"/>
-              <a:t>The Master process will handle much less load.</a:t>
-            </a:r>
-          </a:p>
-          <a:p>
-            <a:pPr lvl="1"/>
-            <a:r>
-              <a:rPr lang="en-US" dirty="0" smtClean="0"/>
-              <a:t>The master process will waste the CPU on load balancing </a:t>
-            </a:r>
-          </a:p>
-          <a:p>
-            <a:pPr lvl="1"/>
-            <a:r>
-              <a:rPr lang="en-US" dirty="0" smtClean="0"/>
-              <a:t>The master process will usually use much more memory then other processes.</a:t>
-            </a:r>
-          </a:p>
-        </p:txBody>
-      </p:sp>
-    </p:spTree>
-    <p:extLst>
-      <p:ext uri="{BB962C8B-B14F-4D97-AF65-F5344CB8AC3E}">
-        <p14:creationId xmlns:p14="http://schemas.microsoft.com/office/powerpoint/2010/main" val="2994990670"/>
-      </p:ext>
-    </p:extLst>
-  </p:cSld>
-  <p:clrMapOvr>
-    <a:masterClrMapping/>
-  </p:clrMapOvr>
-</p:sld>
-</file>
-
-<file path=ppt/slides/slide3.xml><?xml version="1.0" encoding="utf-8"?>
-<p:sld xmlns:a="http://schemas.openxmlformats.org/drawingml/2006/main" xmlns:r="http://schemas.openxmlformats.org/officeDocument/2006/relationships" xmlns:p="http://schemas.openxmlformats.org/presentationml/2006/main">
-  <p:cSld>
-    <p:spTree>
-      <p:nvGrpSpPr>
-        <p:cNvPr id="1" name=""/>
-        <p:cNvGrpSpPr/>
-        <p:nvPr/>
-      </p:nvGrpSpPr>
-      <p:grpSpPr>
-        <a:xfrm>
-          <a:off x="0" y="0"/>
-          <a:ext cx="0" cy="0"/>
-          <a:chOff x="0" y="0"/>
-          <a:chExt cx="0" cy="0"/>
-        </a:xfrm>
-      </p:grpSpPr>
-      <p:sp>
-        <p:nvSpPr>
-          <p:cNvPr id="2" name="Title 1"/>
-          <p:cNvSpPr>
-            <a:spLocks noGrp="1"/>
-          </p:cNvSpPr>
-          <p:nvPr>
-            <p:ph type="title"/>
-          </p:nvPr>
-        </p:nvSpPr>
-        <p:spPr>
-          <a:xfrm>
-            <a:off x="609599" y="2184400"/>
-            <a:ext cx="6347713" cy="1320800"/>
-          </a:xfrm>
-        </p:spPr>
-        <p:txBody>
-          <a:bodyPr>
-            <a:normAutofit fontScale="90000"/>
-          </a:bodyPr>
-          <a:lstStyle/>
-          <a:p>
-            <a:r>
-              <a:rPr lang="en-US" dirty="0" smtClean="0"/>
-              <a:t>Node.js Programming Patterns That Support Good Performance</a:t>
-            </a:r>
-            <a:endParaRPr lang="en-US" dirty="0"/>
-          </a:p>
-        </p:txBody>
-      </p:sp>
-    </p:spTree>
-    <p:extLst>
-      <p:ext uri="{BB962C8B-B14F-4D97-AF65-F5344CB8AC3E}">
-        <p14:creationId xmlns:p14="http://schemas.microsoft.com/office/powerpoint/2010/main" val="392608875"/>
-      </p:ext>
-    </p:extLst>
-  </p:cSld>
-  <p:clrMapOvr>
-    <a:masterClrMapping/>
-  </p:clrMapOvr>
-</p:sld>
-</file>
-
-<file path=ppt/slides/slide30.xml><?xml version="1.0" encoding="utf-8"?>
-<p:sld xmlns:a="http://schemas.openxmlformats.org/drawingml/2006/main" xmlns:r="http://schemas.openxmlformats.org/officeDocument/2006/relationships" xmlns:p="http://schemas.openxmlformats.org/presentationml/2006/main">
-  <p:cSld>
-    <p:spTree>
-      <p:nvGrpSpPr>
-        <p:cNvPr id="1" name=""/>
-        <p:cNvGrpSpPr/>
-        <p:nvPr/>
-      </p:nvGrpSpPr>
-      <p:grpSpPr>
-        <a:xfrm>
-          <a:off x="0" y="0"/>
-          <a:ext cx="0" cy="0"/>
-          <a:chOff x="0" y="0"/>
-          <a:chExt cx="0" cy="0"/>
-        </a:xfrm>
-      </p:grpSpPr>
-      <p:sp>
-        <p:nvSpPr>
-          <p:cNvPr id="2" name="Title 1"/>
-          <p:cNvSpPr>
-            <a:spLocks noGrp="1"/>
-          </p:cNvSpPr>
-          <p:nvPr>
-            <p:ph type="title"/>
-          </p:nvPr>
-        </p:nvSpPr>
-        <p:spPr/>
-        <p:txBody>
-          <a:bodyPr/>
-          <a:lstStyle/>
-          <a:p>
-            <a:r>
-              <a:rPr lang="en-US" dirty="0" smtClean="0"/>
-              <a:t>Conclusion</a:t>
-            </a:r>
-            <a:endParaRPr lang="en-US" dirty="0"/>
-          </a:p>
-        </p:txBody>
-      </p:sp>
-      <p:sp>
-        <p:nvSpPr>
-          <p:cNvPr id="3" name="Content Placeholder 2"/>
-          <p:cNvSpPr>
-            <a:spLocks noGrp="1"/>
-          </p:cNvSpPr>
-          <p:nvPr>
-            <p:ph idx="1"/>
-          </p:nvPr>
-        </p:nvSpPr>
-        <p:spPr>
-          <a:xfrm>
-            <a:off x="738886" y="1681827"/>
-            <a:ext cx="6347714" cy="3880773"/>
-          </a:xfrm>
-        </p:spPr>
-        <p:txBody>
-          <a:bodyPr/>
-          <a:lstStyle/>
-          <a:p>
-            <a:r>
-              <a:rPr lang="en-US" dirty="0"/>
-              <a:t>If you want to squeeze performance – </a:t>
-            </a:r>
-            <a:r>
-              <a:rPr lang="en-US" dirty="0" smtClean="0"/>
-              <a:t>	</a:t>
-            </a:r>
-          </a:p>
-          <a:p>
-            <a:pPr lvl="1"/>
-            <a:r>
-              <a:rPr lang="en-US" dirty="0" smtClean="0"/>
-              <a:t>Use load balancer</a:t>
-            </a:r>
-          </a:p>
-          <a:p>
-            <a:pPr lvl="1"/>
-            <a:r>
-              <a:rPr lang="en-US" dirty="0" smtClean="0"/>
-              <a:t>Do not the cluster module</a:t>
-            </a:r>
-          </a:p>
-          <a:p>
-            <a:r>
-              <a:rPr lang="en-US" dirty="0" smtClean="0"/>
-              <a:t>Load balancer routing performance will always be better then cluster module</a:t>
-            </a:r>
-          </a:p>
-          <a:p>
-            <a:r>
-              <a:rPr lang="en-US" dirty="0" smtClean="0"/>
-              <a:t>Cluster module is an easy ,out of the box solution</a:t>
-            </a:r>
-          </a:p>
-          <a:p>
-            <a:pPr lvl="1"/>
-            <a:r>
-              <a:rPr lang="en-US" dirty="0" smtClean="0"/>
-              <a:t>Does not require other software or much integration</a:t>
-            </a:r>
-            <a:endParaRPr lang="en-US" dirty="0"/>
-          </a:p>
-        </p:txBody>
-      </p:sp>
-    </p:spTree>
-    <p:extLst>
-      <p:ext uri="{BB962C8B-B14F-4D97-AF65-F5344CB8AC3E}">
-        <p14:creationId xmlns:p14="http://schemas.microsoft.com/office/powerpoint/2010/main" val="3282722332"/>
-      </p:ext>
-    </p:extLst>
-  </p:cSld>
-  <p:clrMapOvr>
-    <a:masterClrMapping/>
-  </p:clrMapOvr>
-</p:sld>
-</file>
-
-<file path=ppt/slides/slide31.xml><?xml version="1.0" encoding="utf-8"?>
-<p:sld xmlns:a="http://schemas.openxmlformats.org/drawingml/2006/main" xmlns:r="http://schemas.openxmlformats.org/officeDocument/2006/relationships" xmlns:p="http://schemas.openxmlformats.org/presentationml/2006/main">
-  <p:cSld>
-    <p:spTree>
-      <p:nvGrpSpPr>
-        <p:cNvPr id="1" name=""/>
-        <p:cNvGrpSpPr/>
-        <p:nvPr/>
-      </p:nvGrpSpPr>
-      <p:grpSpPr>
-        <a:xfrm>
-          <a:off x="0" y="0"/>
-          <a:ext cx="0" cy="0"/>
-          <a:chOff x="0" y="0"/>
-          <a:chExt cx="0" cy="0"/>
-        </a:xfrm>
-      </p:grpSpPr>
-      <p:sp>
-        <p:nvSpPr>
-          <p:cNvPr id="2" name="Title 1"/>
-          <p:cNvSpPr>
-            <a:spLocks noGrp="1"/>
-          </p:cNvSpPr>
-          <p:nvPr>
-            <p:ph type="title"/>
-          </p:nvPr>
-        </p:nvSpPr>
-        <p:spPr>
-          <a:xfrm>
-            <a:off x="609599" y="2514600"/>
-            <a:ext cx="6347713" cy="1320800"/>
-          </a:xfrm>
-        </p:spPr>
-        <p:txBody>
-          <a:bodyPr/>
-          <a:lstStyle/>
-          <a:p>
-            <a:r>
-              <a:rPr lang="en-US" dirty="0" smtClean="0"/>
-              <a:t>Promises Performance</a:t>
-            </a:r>
-            <a:endParaRPr lang="en-US" dirty="0"/>
-          </a:p>
-        </p:txBody>
-      </p:sp>
-    </p:spTree>
-    <p:extLst>
-      <p:ext uri="{BB962C8B-B14F-4D97-AF65-F5344CB8AC3E}">
-        <p14:creationId xmlns:p14="http://schemas.microsoft.com/office/powerpoint/2010/main" val="1111870207"/>
-      </p:ext>
-    </p:extLst>
-  </p:cSld>
-  <p:clrMapOvr>
-    <a:masterClrMapping/>
-  </p:clrMapOvr>
-</p:sld>
-</file>
-
-<file path=ppt/slides/slide32.xml><?xml version="1.0" encoding="utf-8"?>
-<p:sld xmlns:a="http://schemas.openxmlformats.org/drawingml/2006/main" xmlns:r="http://schemas.openxmlformats.org/officeDocument/2006/relationships" xmlns:p="http://schemas.openxmlformats.org/presentationml/2006/main">
-  <p:cSld>
-    <p:spTree>
-      <p:nvGrpSpPr>
-        <p:cNvPr id="1" name=""/>
-        <p:cNvGrpSpPr/>
-        <p:nvPr/>
-      </p:nvGrpSpPr>
-      <p:grpSpPr>
-        <a:xfrm>
-          <a:off x="0" y="0"/>
-          <a:ext cx="0" cy="0"/>
-          <a:chOff x="0" y="0"/>
-          <a:chExt cx="0" cy="0"/>
-        </a:xfrm>
-      </p:grpSpPr>
-      <p:sp>
-        <p:nvSpPr>
-          <p:cNvPr id="2" name="Title 1"/>
-          <p:cNvSpPr>
-            <a:spLocks noGrp="1"/>
-          </p:cNvSpPr>
-          <p:nvPr>
-            <p:ph type="title"/>
-          </p:nvPr>
-        </p:nvSpPr>
-        <p:spPr/>
-        <p:txBody>
-          <a:bodyPr/>
-          <a:lstStyle/>
-          <a:p>
-            <a:r>
-              <a:rPr lang="en-US" dirty="0" smtClean="0"/>
-              <a:t>Promises - Overview</a:t>
-            </a:r>
-            <a:endParaRPr lang="en-US" dirty="0"/>
-          </a:p>
-        </p:txBody>
-      </p:sp>
-      <p:sp>
-        <p:nvSpPr>
-          <p:cNvPr id="3" name="Content Placeholder 2"/>
-          <p:cNvSpPr>
-            <a:spLocks noGrp="1"/>
-          </p:cNvSpPr>
-          <p:nvPr>
-            <p:ph idx="1"/>
-          </p:nvPr>
-        </p:nvSpPr>
-        <p:spPr/>
-        <p:txBody>
-          <a:bodyPr/>
-          <a:lstStyle/>
-          <a:p>
-            <a:r>
-              <a:rPr lang="en-US" dirty="0" smtClean="0"/>
-              <a:t>Since ES6 – promises became the standard in node.js programming</a:t>
-            </a:r>
-          </a:p>
-          <a:p>
-            <a:r>
-              <a:rPr lang="en-US" dirty="0" smtClean="0"/>
-              <a:t>It event became wider with </a:t>
-            </a:r>
-            <a:r>
-              <a:rPr lang="en-US" dirty="0" err="1" smtClean="0"/>
-              <a:t>async</a:t>
-            </a:r>
-            <a:r>
-              <a:rPr lang="en-US" dirty="0" smtClean="0"/>
-              <a:t> / await in ES7 </a:t>
-            </a:r>
-          </a:p>
-          <a:p>
-            <a:r>
-              <a:rPr lang="en-US" dirty="0" smtClean="0"/>
-              <a:t>The recommendation is to write everything with promises</a:t>
-            </a:r>
-          </a:p>
-          <a:p>
-            <a:r>
-              <a:rPr lang="en-US" dirty="0" smtClean="0"/>
-              <a:t>Which promise library will give me the best performance?</a:t>
-            </a:r>
-          </a:p>
-          <a:p>
-            <a:r>
-              <a:rPr lang="en-US" dirty="0" smtClean="0"/>
-              <a:t>What is the overhead on callbacks ?</a:t>
-            </a:r>
-            <a:endParaRPr lang="en-US" dirty="0"/>
-          </a:p>
-        </p:txBody>
-      </p:sp>
-    </p:spTree>
-    <p:extLst>
-      <p:ext uri="{BB962C8B-B14F-4D97-AF65-F5344CB8AC3E}">
-        <p14:creationId xmlns:p14="http://schemas.microsoft.com/office/powerpoint/2010/main" val="1425075094"/>
-      </p:ext>
-    </p:extLst>
-  </p:cSld>
-  <p:clrMapOvr>
-    <a:masterClrMapping/>
-  </p:clrMapOvr>
-</p:sld>
-</file>
-
-<file path=ppt/slides/slide33.xml><?xml version="1.0" encoding="utf-8"?>
-<p:sld xmlns:a="http://schemas.openxmlformats.org/drawingml/2006/main" xmlns:r="http://schemas.openxmlformats.org/officeDocument/2006/relationships" xmlns:p="http://schemas.openxmlformats.org/presentationml/2006/main">
-  <p:cSld>
-    <p:spTree>
-      <p:nvGrpSpPr>
-        <p:cNvPr id="1" name=""/>
-        <p:cNvGrpSpPr/>
-        <p:nvPr/>
-      </p:nvGrpSpPr>
-      <p:grpSpPr>
-        <a:xfrm>
-          <a:off x="0" y="0"/>
-          <a:ext cx="0" cy="0"/>
-          <a:chOff x="0" y="0"/>
-          <a:chExt cx="0" cy="0"/>
-        </a:xfrm>
-      </p:grpSpPr>
-      <p:sp>
-        <p:nvSpPr>
-          <p:cNvPr id="2" name="Title 1"/>
-          <p:cNvSpPr>
-            <a:spLocks noGrp="1"/>
-          </p:cNvSpPr>
-          <p:nvPr>
-            <p:ph type="title"/>
-          </p:nvPr>
-        </p:nvSpPr>
-        <p:spPr>
-          <a:xfrm>
-            <a:off x="609600" y="2260600"/>
-            <a:ext cx="6347713" cy="1320800"/>
-          </a:xfrm>
-        </p:spPr>
-        <p:txBody>
-          <a:bodyPr>
-            <a:normAutofit fontScale="90000"/>
-          </a:bodyPr>
-          <a:lstStyle/>
-          <a:p>
-            <a:r>
-              <a:rPr lang="en-US" dirty="0" smtClean="0"/>
-              <a:t>Code Demo – Performance : Native Promises vs Bluebird Promises</a:t>
-            </a:r>
-            <a:endParaRPr lang="en-US" dirty="0"/>
-          </a:p>
-        </p:txBody>
-      </p:sp>
-    </p:spTree>
-    <p:extLst>
-      <p:ext uri="{BB962C8B-B14F-4D97-AF65-F5344CB8AC3E}">
-        <p14:creationId xmlns:p14="http://schemas.microsoft.com/office/powerpoint/2010/main" val="692989858"/>
-      </p:ext>
-    </p:extLst>
-  </p:cSld>
-  <p:clrMapOvr>
-    <a:masterClrMapping/>
-  </p:clrMapOvr>
-</p:sld>
-</file>
-
-<file path=ppt/slides/slide34.xml><?xml version="1.0" encoding="utf-8"?>
-<p:sld xmlns:a="http://schemas.openxmlformats.org/drawingml/2006/main" xmlns:r="http://schemas.openxmlformats.org/officeDocument/2006/relationships" xmlns:p="http://schemas.openxmlformats.org/presentationml/2006/main">
-  <p:cSld>
-    <p:spTree>
-      <p:nvGrpSpPr>
-        <p:cNvPr id="1" name=""/>
-        <p:cNvGrpSpPr/>
-        <p:nvPr/>
-      </p:nvGrpSpPr>
-      <p:grpSpPr>
-        <a:xfrm>
-          <a:off x="0" y="0"/>
-          <a:ext cx="0" cy="0"/>
-          <a:chOff x="0" y="0"/>
-          <a:chExt cx="0" cy="0"/>
-        </a:xfrm>
-      </p:grpSpPr>
-      <p:sp>
-        <p:nvSpPr>
-          <p:cNvPr id="2" name="Title 1"/>
-          <p:cNvSpPr>
-            <a:spLocks noGrp="1"/>
-          </p:cNvSpPr>
-          <p:nvPr>
-            <p:ph type="title"/>
-          </p:nvPr>
-        </p:nvSpPr>
-        <p:spPr/>
-        <p:txBody>
-          <a:bodyPr>
-            <a:normAutofit/>
-          </a:bodyPr>
-          <a:lstStyle/>
-          <a:p>
-            <a:r>
-              <a:rPr lang="en-US" dirty="0" smtClean="0"/>
-              <a:t>Bluebird Promises Are Much Faster</a:t>
-            </a:r>
-            <a:endParaRPr lang="en-US" dirty="0"/>
-          </a:p>
-        </p:txBody>
-      </p:sp>
-      <p:sp>
-        <p:nvSpPr>
-          <p:cNvPr id="3" name="Content Placeholder 2"/>
-          <p:cNvSpPr>
-            <a:spLocks noGrp="1"/>
-          </p:cNvSpPr>
-          <p:nvPr>
-            <p:ph idx="1"/>
-          </p:nvPr>
-        </p:nvSpPr>
-        <p:spPr/>
-        <p:txBody>
-          <a:bodyPr/>
-          <a:lstStyle/>
-          <a:p>
-            <a:r>
-              <a:rPr lang="en-US" dirty="0" smtClean="0"/>
-              <a:t>Allocate space much more efficiently</a:t>
-            </a:r>
-          </a:p>
-          <a:p>
-            <a:r>
-              <a:rPr lang="en-US" dirty="0" smtClean="0"/>
-              <a:t>Use much less memory</a:t>
-            </a:r>
-          </a:p>
-          <a:p>
-            <a:r>
-              <a:rPr lang="en-US" dirty="0" smtClean="0"/>
-              <a:t>Much more optimize</a:t>
-            </a:r>
-          </a:p>
-          <a:p>
-            <a:r>
-              <a:rPr lang="en-US" dirty="0" smtClean="0"/>
-              <a:t>Current Recommendation – always prefer to use bluebird and not   native promises.</a:t>
-            </a:r>
-          </a:p>
-          <a:p>
-            <a:endParaRPr lang="en-US" dirty="0"/>
-          </a:p>
-        </p:txBody>
-      </p:sp>
-    </p:spTree>
-    <p:extLst>
-      <p:ext uri="{BB962C8B-B14F-4D97-AF65-F5344CB8AC3E}">
-        <p14:creationId xmlns:p14="http://schemas.microsoft.com/office/powerpoint/2010/main" val="3379303965"/>
-      </p:ext>
-    </p:extLst>
-  </p:cSld>
-  <p:clrMapOvr>
-    <a:masterClrMapping/>
-  </p:clrMapOvr>
-</p:sld>
-</file>
-
-<file path=ppt/slides/slide35.xml><?xml version="1.0" encoding="utf-8"?>
-<p:sld xmlns:a="http://schemas.openxmlformats.org/drawingml/2006/main" xmlns:r="http://schemas.openxmlformats.org/officeDocument/2006/relationships" xmlns:p="http://schemas.openxmlformats.org/presentationml/2006/main">
-  <p:cSld>
-    <p:spTree>
-      <p:nvGrpSpPr>
-        <p:cNvPr id="1" name=""/>
-        <p:cNvGrpSpPr/>
-        <p:nvPr/>
-      </p:nvGrpSpPr>
-      <p:grpSpPr>
-        <a:xfrm>
-          <a:off x="0" y="0"/>
-          <a:ext cx="0" cy="0"/>
-          <a:chOff x="0" y="0"/>
-          <a:chExt cx="0" cy="0"/>
-        </a:xfrm>
-      </p:grpSpPr>
-      <p:sp>
-        <p:nvSpPr>
-          <p:cNvPr id="2" name="Title 1"/>
-          <p:cNvSpPr>
-            <a:spLocks noGrp="1"/>
-          </p:cNvSpPr>
-          <p:nvPr>
-            <p:ph type="title"/>
-          </p:nvPr>
-        </p:nvSpPr>
-        <p:spPr/>
-        <p:txBody>
-          <a:bodyPr/>
-          <a:lstStyle/>
-          <a:p>
-            <a:r>
-              <a:rPr lang="en-US" dirty="0" smtClean="0"/>
-              <a:t>Callbacks vs Promises vs </a:t>
-            </a:r>
-            <a:r>
-              <a:rPr lang="en-US" dirty="0" err="1" smtClean="0"/>
-              <a:t>Async</a:t>
-            </a:r>
-            <a:r>
-              <a:rPr lang="en-US" dirty="0" smtClean="0"/>
-              <a:t> / Await</a:t>
-            </a:r>
-            <a:endParaRPr lang="en-US" dirty="0"/>
-          </a:p>
-        </p:txBody>
-      </p:sp>
-      <p:pic>
-        <p:nvPicPr>
-          <p:cNvPr id="5" name="Picture 4"/>
-          <p:cNvPicPr>
-            <a:picLocks noChangeAspect="1"/>
-          </p:cNvPicPr>
-          <p:nvPr/>
-        </p:nvPicPr>
-        <p:blipFill>
-          <a:blip r:embed="rId2">
-            <a:extLst>
-              <a:ext uri="{28A0092B-C50C-407E-A947-70E740481C1C}">
-                <a14:useLocalDpi xmlns:a14="http://schemas.microsoft.com/office/drawing/2010/main" val="0"/>
-              </a:ext>
-            </a:extLst>
-          </a:blip>
-          <a:stretch>
-            <a:fillRect/>
-          </a:stretch>
-        </p:blipFill>
-        <p:spPr>
-          <a:xfrm>
-            <a:off x="593588" y="2133600"/>
-            <a:ext cx="8024555" cy="3368332"/>
-          </a:xfrm>
-          <a:prstGeom prst="rect">
-            <a:avLst/>
-          </a:prstGeom>
-        </p:spPr>
-      </p:pic>
-    </p:spTree>
-    <p:extLst>
-      <p:ext uri="{BB962C8B-B14F-4D97-AF65-F5344CB8AC3E}">
-        <p14:creationId xmlns:p14="http://schemas.microsoft.com/office/powerpoint/2010/main" val="4281784084"/>
-      </p:ext>
-    </p:extLst>
-  </p:cSld>
-  <p:clrMapOvr>
-    <a:masterClrMapping/>
-  </p:clrMapOvr>
-</p:sld>
-</file>
-
-<file path=ppt/slides/slide36.xml><?xml version="1.0" encoding="utf-8"?>
-<p:sld xmlns:a="http://schemas.openxmlformats.org/drawingml/2006/main" xmlns:r="http://schemas.openxmlformats.org/officeDocument/2006/relationships" xmlns:p="http://schemas.openxmlformats.org/presentationml/2006/main">
-  <p:cSld>
-    <p:spTree>
-      <p:nvGrpSpPr>
-        <p:cNvPr id="1" name=""/>
-        <p:cNvGrpSpPr/>
-        <p:nvPr/>
-      </p:nvGrpSpPr>
-      <p:grpSpPr>
-        <a:xfrm>
-          <a:off x="0" y="0"/>
-          <a:ext cx="0" cy="0"/>
-          <a:chOff x="0" y="0"/>
-          <a:chExt cx="0" cy="0"/>
-        </a:xfrm>
-      </p:grpSpPr>
-      <p:sp>
-        <p:nvSpPr>
-          <p:cNvPr id="2" name="Title 1"/>
-          <p:cNvSpPr>
-            <a:spLocks noGrp="1"/>
-          </p:cNvSpPr>
-          <p:nvPr>
-            <p:ph type="title"/>
-          </p:nvPr>
-        </p:nvSpPr>
-        <p:spPr/>
-        <p:txBody>
-          <a:bodyPr/>
-          <a:lstStyle/>
-          <a:p>
-            <a:r>
-              <a:rPr lang="en-US" dirty="0" smtClean="0"/>
-              <a:t>Conclusions</a:t>
-            </a:r>
-            <a:endParaRPr lang="en-US" dirty="0"/>
-          </a:p>
-        </p:txBody>
-      </p:sp>
-      <p:sp>
-        <p:nvSpPr>
-          <p:cNvPr id="3" name="Content Placeholder 2"/>
-          <p:cNvSpPr>
-            <a:spLocks noGrp="1"/>
-          </p:cNvSpPr>
-          <p:nvPr>
-            <p:ph idx="1"/>
-          </p:nvPr>
-        </p:nvSpPr>
-        <p:spPr/>
-        <p:txBody>
-          <a:bodyPr/>
-          <a:lstStyle/>
-          <a:p>
-            <a:r>
-              <a:rPr lang="en-US" dirty="0"/>
-              <a:t>P</a:t>
-            </a:r>
-            <a:r>
-              <a:rPr lang="en-US" dirty="0" smtClean="0"/>
-              <a:t>romises and </a:t>
-            </a:r>
-            <a:r>
-              <a:rPr lang="en-US" dirty="0" err="1" smtClean="0"/>
-              <a:t>async</a:t>
-            </a:r>
-            <a:r>
-              <a:rPr lang="en-US" dirty="0" smtClean="0"/>
-              <a:t> await are adding overhead</a:t>
-            </a:r>
-          </a:p>
-          <a:p>
-            <a:r>
-              <a:rPr lang="en-US" dirty="0"/>
-              <a:t>T</a:t>
-            </a:r>
-            <a:r>
-              <a:rPr lang="en-US" dirty="0" smtClean="0"/>
-              <a:t>he recommendation is to write mostly with promises and </a:t>
-            </a:r>
-            <a:r>
-              <a:rPr lang="en-US" dirty="0" err="1" smtClean="0"/>
-              <a:t>async</a:t>
-            </a:r>
-            <a:r>
-              <a:rPr lang="en-US" dirty="0" smtClean="0"/>
-              <a:t> await</a:t>
-            </a:r>
-          </a:p>
-          <a:p>
-            <a:r>
-              <a:rPr lang="en-US" dirty="0" smtClean="0"/>
-              <a:t>Use Bluebird promises</a:t>
-            </a:r>
-          </a:p>
-          <a:p>
-            <a:r>
-              <a:rPr lang="en-US" dirty="0" smtClean="0"/>
-              <a:t>In case you need to </a:t>
-            </a:r>
-            <a:r>
-              <a:rPr lang="en-US" b="1" dirty="0" smtClean="0"/>
-              <a:t>‘fight for every millisecond’ </a:t>
-            </a:r>
-            <a:endParaRPr lang="en-US" dirty="0"/>
-          </a:p>
-          <a:p>
-            <a:pPr lvl="1"/>
-            <a:r>
-              <a:rPr lang="en-US" dirty="0" smtClean="0"/>
-              <a:t>Remove promises</a:t>
-            </a:r>
-          </a:p>
-          <a:p>
-            <a:pPr lvl="1"/>
-            <a:r>
-              <a:rPr lang="en-US" dirty="0" smtClean="0"/>
-              <a:t>Go back to callbacks</a:t>
-            </a:r>
-            <a:endParaRPr lang="en-US" dirty="0"/>
-          </a:p>
-        </p:txBody>
-      </p:sp>
-    </p:spTree>
-    <p:extLst>
-      <p:ext uri="{BB962C8B-B14F-4D97-AF65-F5344CB8AC3E}">
-        <p14:creationId xmlns:p14="http://schemas.microsoft.com/office/powerpoint/2010/main" val="3811721980"/>
-      </p:ext>
-    </p:extLst>
-  </p:cSld>
-  <p:clrMapOvr>
-    <a:masterClrMapping/>
-  </p:clrMapOvr>
-</p:sld>
-</file>
-
-<file path=ppt/slides/slide37.xml><?xml version="1.0" encoding="utf-8"?>
-<p:sld xmlns:a="http://schemas.openxmlformats.org/drawingml/2006/main" xmlns:r="http://schemas.openxmlformats.org/officeDocument/2006/relationships" xmlns:p="http://schemas.openxmlformats.org/presentationml/2006/main">
-  <p:cSld>
-    <p:spTree>
-      <p:nvGrpSpPr>
-        <p:cNvPr id="1" name=""/>
-        <p:cNvGrpSpPr/>
-        <p:nvPr/>
-      </p:nvGrpSpPr>
-      <p:grpSpPr>
-        <a:xfrm>
-          <a:off x="0" y="0"/>
-          <a:ext cx="0" cy="0"/>
-          <a:chOff x="0" y="0"/>
-          <a:chExt cx="0" cy="0"/>
-        </a:xfrm>
-      </p:grpSpPr>
-      <p:sp>
-        <p:nvSpPr>
-          <p:cNvPr id="2" name="Title 1"/>
-          <p:cNvSpPr>
-            <a:spLocks noGrp="1"/>
-          </p:cNvSpPr>
-          <p:nvPr>
-            <p:ph type="title"/>
-          </p:nvPr>
-        </p:nvSpPr>
-        <p:spPr>
-          <a:xfrm>
-            <a:off x="510287" y="2362200"/>
-            <a:ext cx="6347713" cy="1320800"/>
-          </a:xfrm>
-        </p:spPr>
-        <p:txBody>
-          <a:bodyPr/>
-          <a:lstStyle/>
-          <a:p>
-            <a:r>
-              <a:rPr lang="en-US" dirty="0" smtClean="0"/>
-              <a:t>JavaScript Code Optimizations</a:t>
-            </a:r>
-            <a:endParaRPr lang="en-US" dirty="0"/>
-          </a:p>
-        </p:txBody>
-      </p:sp>
-    </p:spTree>
-    <p:extLst>
-      <p:ext uri="{BB962C8B-B14F-4D97-AF65-F5344CB8AC3E}">
-        <p14:creationId xmlns:p14="http://schemas.microsoft.com/office/powerpoint/2010/main" val="697958085"/>
-      </p:ext>
-    </p:extLst>
-  </p:cSld>
-  <p:clrMapOvr>
-    <a:masterClrMapping/>
-  </p:clrMapOvr>
-</p:sld>
-</file>
-
-<file path=ppt/slides/slide38.xml><?xml version="1.0" encoding="utf-8"?>
-<p:sld xmlns:a="http://schemas.openxmlformats.org/drawingml/2006/main" xmlns:r="http://schemas.openxmlformats.org/officeDocument/2006/relationships" xmlns:p="http://schemas.openxmlformats.org/presentationml/2006/main">
-  <p:cSld>
-    <p:spTree>
-      <p:nvGrpSpPr>
-        <p:cNvPr id="1" name=""/>
-        <p:cNvGrpSpPr/>
-        <p:nvPr/>
-      </p:nvGrpSpPr>
-      <p:grpSpPr>
-        <a:xfrm>
-          <a:off x="0" y="0"/>
-          <a:ext cx="0" cy="0"/>
-          <a:chOff x="0" y="0"/>
-          <a:chExt cx="0" cy="0"/>
-        </a:xfrm>
-      </p:grpSpPr>
-      <p:sp>
-        <p:nvSpPr>
-          <p:cNvPr id="2" name="Title 1"/>
-          <p:cNvSpPr>
-            <a:spLocks noGrp="1"/>
-          </p:cNvSpPr>
-          <p:nvPr>
-            <p:ph type="title"/>
-          </p:nvPr>
-        </p:nvSpPr>
-        <p:spPr/>
-        <p:txBody>
-          <a:bodyPr/>
-          <a:lstStyle/>
-          <a:p>
-            <a:r>
-              <a:rPr lang="en-US" dirty="0" smtClean="0"/>
-              <a:t>For vs </a:t>
-            </a:r>
-            <a:r>
-              <a:rPr lang="en-US" dirty="0" err="1" smtClean="0"/>
-              <a:t>forEach</a:t>
-            </a:r>
-            <a:r>
-              <a:rPr lang="en-US" dirty="0" smtClean="0"/>
-              <a:t>() Loops</a:t>
-            </a:r>
-            <a:endParaRPr lang="en-US" dirty="0"/>
-          </a:p>
-        </p:txBody>
-      </p:sp>
-      <p:sp>
-        <p:nvSpPr>
-          <p:cNvPr id="3" name="Content Placeholder 2"/>
-          <p:cNvSpPr>
-            <a:spLocks noGrp="1"/>
-          </p:cNvSpPr>
-          <p:nvPr>
-            <p:ph idx="1"/>
-          </p:nvPr>
-        </p:nvSpPr>
-        <p:spPr/>
-        <p:txBody>
-          <a:bodyPr/>
-          <a:lstStyle/>
-          <a:p>
-            <a:r>
-              <a:rPr lang="en-US" dirty="0" smtClean="0"/>
-              <a:t>Use </a:t>
-            </a:r>
-            <a:r>
-              <a:rPr lang="en-US" dirty="0" err="1" smtClean="0"/>
-              <a:t>foreach</a:t>
-            </a:r>
-            <a:r>
-              <a:rPr lang="en-US" dirty="0" smtClean="0"/>
-              <a:t>() while iterating on arrays </a:t>
-            </a:r>
-          </a:p>
-          <a:p>
-            <a:r>
-              <a:rPr lang="en-US" dirty="0" smtClean="0"/>
-              <a:t>Prefer not to use the for loop</a:t>
-            </a:r>
-          </a:p>
-          <a:p>
-            <a:r>
-              <a:rPr lang="en-US" dirty="0" err="1" smtClean="0"/>
-              <a:t>Foreach</a:t>
-            </a:r>
-            <a:r>
-              <a:rPr lang="en-US" dirty="0" smtClean="0"/>
-              <a:t>() Prevent you from iterating empty elements in the array.</a:t>
-            </a:r>
-          </a:p>
-          <a:p>
-            <a:endParaRPr lang="en-US" dirty="0"/>
-          </a:p>
-        </p:txBody>
-      </p:sp>
-    </p:spTree>
-    <p:extLst>
-      <p:ext uri="{BB962C8B-B14F-4D97-AF65-F5344CB8AC3E}">
-        <p14:creationId xmlns:p14="http://schemas.microsoft.com/office/powerpoint/2010/main" val="3098557647"/>
-      </p:ext>
-    </p:extLst>
-  </p:cSld>
-  <p:clrMapOvr>
-    <a:masterClrMapping/>
-  </p:clrMapOvr>
-</p:sld>
-</file>
-
-<file path=ppt/slides/slide39.xml><?xml version="1.0" encoding="utf-8"?>
-<p:sld xmlns:a="http://schemas.openxmlformats.org/drawingml/2006/main" xmlns:r="http://schemas.openxmlformats.org/officeDocument/2006/relationships" xmlns:p="http://schemas.openxmlformats.org/presentationml/2006/main">
-  <p:cSld>
-    <p:spTree>
-      <p:nvGrpSpPr>
-        <p:cNvPr id="1" name=""/>
-        <p:cNvGrpSpPr/>
-        <p:nvPr/>
-      </p:nvGrpSpPr>
-      <p:grpSpPr>
-        <a:xfrm>
-          <a:off x="0" y="0"/>
-          <a:ext cx="0" cy="0"/>
-          <a:chOff x="0" y="0"/>
-          <a:chExt cx="0" cy="0"/>
-        </a:xfrm>
-      </p:grpSpPr>
-      <p:sp>
-        <p:nvSpPr>
-          <p:cNvPr id="2" name="Title 1"/>
-          <p:cNvSpPr>
-            <a:spLocks noGrp="1"/>
-          </p:cNvSpPr>
-          <p:nvPr>
-            <p:ph type="title"/>
-          </p:nvPr>
-        </p:nvSpPr>
-        <p:spPr>
-          <a:xfrm>
-            <a:off x="609599" y="2108200"/>
-            <a:ext cx="6347713" cy="1320800"/>
-          </a:xfrm>
-        </p:spPr>
-        <p:txBody>
-          <a:bodyPr/>
-          <a:lstStyle/>
-          <a:p>
-            <a:r>
-              <a:rPr lang="en-US" dirty="0" smtClean="0"/>
-              <a:t>Demo – For vs </a:t>
-            </a:r>
-            <a:r>
-              <a:rPr lang="en-US" dirty="0" err="1" smtClean="0"/>
-              <a:t>forEach</a:t>
-            </a:r>
-            <a:r>
-              <a:rPr lang="en-US" dirty="0" smtClean="0"/>
-              <a:t>()</a:t>
-            </a:r>
-            <a:endParaRPr lang="en-US" dirty="0"/>
-          </a:p>
-        </p:txBody>
-      </p:sp>
-    </p:spTree>
-    <p:extLst>
-      <p:ext uri="{BB962C8B-B14F-4D97-AF65-F5344CB8AC3E}">
-        <p14:creationId xmlns:p14="http://schemas.microsoft.com/office/powerpoint/2010/main" val="1282295711"/>
-      </p:ext>
-    </p:extLst>
-  </p:cSld>
-  <p:clrMapOvr>
-    <a:masterClrMapping/>
-  </p:clrMapOvr>
-</p:sld>
-</file>
-
-<file path=ppt/slides/slide4.xml><?xml version="1.0" encoding="utf-8"?>
-<p:sld xmlns:a="http://schemas.openxmlformats.org/drawingml/2006/main" xmlns:r="http://schemas.openxmlformats.org/officeDocument/2006/relationships" xmlns:p="http://schemas.openxmlformats.org/presentationml/2006/main">
-  <p:cSld>
-    <p:spTree>
-      <p:nvGrpSpPr>
-        <p:cNvPr id="1" name=""/>
-        <p:cNvGrpSpPr/>
-        <p:nvPr/>
-      </p:nvGrpSpPr>
-      <p:grpSpPr>
-        <a:xfrm>
-          <a:off x="0" y="0"/>
-          <a:ext cx="0" cy="0"/>
-          <a:chOff x="0" y="0"/>
-          <a:chExt cx="0" cy="0"/>
-        </a:xfrm>
-      </p:grpSpPr>
-      <p:sp>
-        <p:nvSpPr>
-          <p:cNvPr id="2" name="Title 1"/>
-          <p:cNvSpPr>
-            <a:spLocks noGrp="1"/>
-          </p:cNvSpPr>
-          <p:nvPr>
-            <p:ph type="title"/>
-          </p:nvPr>
-        </p:nvSpPr>
-        <p:spPr/>
-        <p:txBody>
-          <a:bodyPr/>
-          <a:lstStyle/>
-          <a:p>
-            <a:r>
-              <a:rPr lang="en-US" dirty="0" smtClean="0"/>
-              <a:t>The Event Loop - Reminder</a:t>
-            </a:r>
-            <a:endParaRPr lang="en-US" dirty="0"/>
-          </a:p>
-        </p:txBody>
-      </p:sp>
-      <p:pic>
-        <p:nvPicPr>
-          <p:cNvPr id="5" name="Content Placeholder 4"/>
-          <p:cNvPicPr>
-            <a:picLocks noGrp="1" noChangeAspect="1"/>
-          </p:cNvPicPr>
-          <p:nvPr>
-            <p:ph idx="1"/>
-          </p:nvPr>
-        </p:nvPicPr>
-        <p:blipFill>
-          <a:blip r:embed="rId2">
-            <a:extLst>
-              <a:ext uri="{28A0092B-C50C-407E-A947-70E740481C1C}">
-                <a14:useLocalDpi xmlns:a14="http://schemas.microsoft.com/office/drawing/2010/main" val="0"/>
-              </a:ext>
-            </a:extLst>
-          </a:blip>
-          <a:stretch>
-            <a:fillRect/>
-          </a:stretch>
-        </p:blipFill>
-        <p:spPr>
-          <a:xfrm>
-            <a:off x="304800" y="1828800"/>
-            <a:ext cx="7696200" cy="4343400"/>
-          </a:xfrm>
-        </p:spPr>
-      </p:pic>
-    </p:spTree>
-    <p:extLst>
-      <p:ext uri="{BB962C8B-B14F-4D97-AF65-F5344CB8AC3E}">
-        <p14:creationId xmlns:p14="http://schemas.microsoft.com/office/powerpoint/2010/main" val="2870862606"/>
-      </p:ext>
-    </p:extLst>
-  </p:cSld>
-  <p:clrMapOvr>
-    <a:masterClrMapping/>
-  </p:clrMapOvr>
-</p:sld>
-</file>
-
-<file path=ppt/slides/slide40.xml><?xml version="1.0" encoding="utf-8"?>
-<p:sld xmlns:a="http://schemas.openxmlformats.org/drawingml/2006/main" xmlns:r="http://schemas.openxmlformats.org/officeDocument/2006/relationships" xmlns:p="http://schemas.openxmlformats.org/presentationml/2006/main">
-  <p:cSld>
-    <p:spTree>
-      <p:nvGrpSpPr>
-        <p:cNvPr id="1" name=""/>
-        <p:cNvGrpSpPr/>
-        <p:nvPr/>
-      </p:nvGrpSpPr>
-      <p:grpSpPr>
-        <a:xfrm>
-          <a:off x="0" y="0"/>
-          <a:ext cx="0" cy="0"/>
-          <a:chOff x="0" y="0"/>
-          <a:chExt cx="0" cy="0"/>
-        </a:xfrm>
-      </p:grpSpPr>
-      <p:sp>
-        <p:nvSpPr>
-          <p:cNvPr id="2" name="Title 1"/>
-          <p:cNvSpPr>
-            <a:spLocks noGrp="1"/>
-          </p:cNvSpPr>
-          <p:nvPr>
-            <p:ph type="title"/>
-          </p:nvPr>
-        </p:nvSpPr>
-        <p:spPr>
-          <a:xfrm>
-            <a:off x="457200" y="2667000"/>
-            <a:ext cx="8229600" cy="1143000"/>
-          </a:xfrm>
-        </p:spPr>
-        <p:txBody>
-          <a:bodyPr/>
-          <a:lstStyle/>
-          <a:p>
-            <a:r>
-              <a:rPr lang="en-US" dirty="0"/>
-              <a:t>Questions ?</a:t>
-            </a:r>
-          </a:p>
-        </p:txBody>
-      </p:sp>
-    </p:spTree>
-    <p:extLst>
-      <p:ext uri="{BB962C8B-B14F-4D97-AF65-F5344CB8AC3E}">
-        <p14:creationId xmlns:p14="http://schemas.microsoft.com/office/powerpoint/2010/main" val="908030248"/>
-      </p:ext>
-    </p:extLst>
-  </p:cSld>
-  <p:clrMapOvr>
-    <a:masterClrMapping/>
-  </p:clrMapOvr>
-</p:sld>
-</file>
-
-<file path=ppt/slides/slide5.xml><?xml version="1.0" encoding="utf-8"?>
-<p:sld xmlns:a="http://schemas.openxmlformats.org/drawingml/2006/main" xmlns:r="http://schemas.openxmlformats.org/officeDocument/2006/relationships" xmlns:p="http://schemas.openxmlformats.org/presentationml/2006/main">
-  <p:cSld>
-    <p:spTree>
-      <p:nvGrpSpPr>
-        <p:cNvPr id="1" name=""/>
-        <p:cNvGrpSpPr/>
-        <p:nvPr/>
-      </p:nvGrpSpPr>
-      <p:grpSpPr>
-        <a:xfrm>
-          <a:off x="0" y="0"/>
-          <a:ext cx="0" cy="0"/>
-          <a:chOff x="0" y="0"/>
-          <a:chExt cx="0" cy="0"/>
-        </a:xfrm>
-      </p:grpSpPr>
-      <p:sp>
-        <p:nvSpPr>
-          <p:cNvPr id="2" name="Title 1"/>
-          <p:cNvSpPr>
-            <a:spLocks noGrp="1"/>
-          </p:cNvSpPr>
-          <p:nvPr>
-            <p:ph type="title"/>
-          </p:nvPr>
-        </p:nvSpPr>
-        <p:spPr/>
-        <p:txBody>
-          <a:bodyPr/>
-          <a:lstStyle/>
-          <a:p>
-            <a:r>
-              <a:rPr lang="en-US" dirty="0" smtClean="0"/>
-              <a:t>Why Synchronous Operations Are Bad ?</a:t>
-            </a:r>
-            <a:endParaRPr lang="en-US" dirty="0"/>
-          </a:p>
-        </p:txBody>
-      </p:sp>
-      <p:sp>
-        <p:nvSpPr>
-          <p:cNvPr id="3" name="Content Placeholder 2"/>
-          <p:cNvSpPr>
-            <a:spLocks noGrp="1"/>
-          </p:cNvSpPr>
-          <p:nvPr>
-            <p:ph idx="1"/>
-          </p:nvPr>
-        </p:nvSpPr>
-        <p:spPr>
-          <a:xfrm>
-            <a:off x="609598" y="1752600"/>
-            <a:ext cx="6347714" cy="3880773"/>
-          </a:xfrm>
-        </p:spPr>
-        <p:txBody>
-          <a:bodyPr/>
-          <a:lstStyle/>
-          <a:p>
-            <a:r>
-              <a:rPr lang="en-US" dirty="0"/>
-              <a:t>Small number of threads to handle many clients</a:t>
-            </a:r>
-          </a:p>
-          <a:p>
-            <a:pPr lvl="1"/>
-            <a:r>
-              <a:rPr lang="en-US" dirty="0"/>
-              <a:t>One thread for event loop</a:t>
-            </a:r>
-          </a:p>
-          <a:p>
-            <a:pPr lvl="1"/>
-            <a:r>
-              <a:rPr lang="en-US" dirty="0"/>
-              <a:t>Constant amount of threads in workers pool</a:t>
-            </a:r>
-          </a:p>
-          <a:p>
-            <a:r>
-              <a:rPr lang="en-US" dirty="0" smtClean="0"/>
-              <a:t>Benefit : </a:t>
-            </a:r>
-          </a:p>
-          <a:p>
-            <a:pPr lvl="1"/>
-            <a:r>
-              <a:rPr lang="en-US" dirty="0" smtClean="0"/>
-              <a:t>The server spend </a:t>
-            </a:r>
-            <a:r>
-              <a:rPr lang="en-US" dirty="0"/>
-              <a:t>more time and memory working on </a:t>
-            </a:r>
-            <a:r>
-              <a:rPr lang="en-US" dirty="0" smtClean="0"/>
-              <a:t>clients actual work </a:t>
-            </a:r>
-            <a:endParaRPr lang="en-US" dirty="0" smtClean="0"/>
-          </a:p>
-          <a:p>
-            <a:pPr lvl="1"/>
-            <a:r>
-              <a:rPr lang="en-US" dirty="0" smtClean="0"/>
-              <a:t>Not </a:t>
-            </a:r>
-            <a:r>
-              <a:rPr lang="en-US" dirty="0" smtClean="0"/>
-              <a:t>paying </a:t>
-            </a:r>
-            <a:r>
-              <a:rPr lang="en-US" dirty="0"/>
-              <a:t>space and time overheads for threads</a:t>
-            </a:r>
-          </a:p>
-        </p:txBody>
-      </p:sp>
-    </p:spTree>
-    <p:extLst>
-      <p:ext uri="{BB962C8B-B14F-4D97-AF65-F5344CB8AC3E}">
-        <p14:creationId xmlns:p14="http://schemas.microsoft.com/office/powerpoint/2010/main" val="1743804706"/>
-      </p:ext>
-    </p:extLst>
-  </p:cSld>
-  <p:clrMapOvr>
-    <a:masterClrMapping/>
-  </p:clrMapOvr>
-</p:sld>
-</file>
-
-<file path=ppt/slides/slide6.xml><?xml version="1.0" encoding="utf-8"?>
-<p:sld xmlns:a="http://schemas.openxmlformats.org/drawingml/2006/main" xmlns:r="http://schemas.openxmlformats.org/officeDocument/2006/relationships" xmlns:p="http://schemas.openxmlformats.org/presentationml/2006/main">
-  <p:cSld>
-    <p:spTree>
-      <p:nvGrpSpPr>
-        <p:cNvPr id="1" name=""/>
-        <p:cNvGrpSpPr/>
-        <p:nvPr/>
-      </p:nvGrpSpPr>
-      <p:grpSpPr>
-        <a:xfrm>
-          <a:off x="0" y="0"/>
-          <a:ext cx="0" cy="0"/>
-          <a:chOff x="0" y="0"/>
-          <a:chExt cx="0" cy="0"/>
-        </a:xfrm>
-      </p:grpSpPr>
-      <p:sp>
-        <p:nvSpPr>
-          <p:cNvPr id="2" name="Title 1"/>
-          <p:cNvSpPr>
-            <a:spLocks noGrp="1"/>
-          </p:cNvSpPr>
-          <p:nvPr>
-            <p:ph type="title"/>
-          </p:nvPr>
-        </p:nvSpPr>
-        <p:spPr/>
-        <p:txBody>
-          <a:bodyPr/>
-          <a:lstStyle/>
-          <a:p>
-            <a:r>
-              <a:rPr lang="en-US" dirty="0"/>
-              <a:t>Each Thread is critical !</a:t>
-            </a:r>
-          </a:p>
-        </p:txBody>
-      </p:sp>
-      <p:sp>
-        <p:nvSpPr>
-          <p:cNvPr id="3" name="Content Placeholder 2"/>
-          <p:cNvSpPr>
-            <a:spLocks noGrp="1"/>
-          </p:cNvSpPr>
-          <p:nvPr>
-            <p:ph idx="1"/>
-          </p:nvPr>
-        </p:nvSpPr>
-        <p:spPr>
-          <a:xfrm>
-            <a:off x="609599" y="1524000"/>
-            <a:ext cx="6553201" cy="4525963"/>
-          </a:xfrm>
-        </p:spPr>
-        <p:txBody>
-          <a:bodyPr/>
-          <a:lstStyle/>
-          <a:p>
-            <a:r>
-              <a:rPr lang="en-US" dirty="0"/>
-              <a:t>Blocked Thread :</a:t>
-            </a:r>
-          </a:p>
-          <a:p>
-            <a:pPr lvl="1"/>
-            <a:r>
-              <a:rPr lang="en-US" dirty="0"/>
-              <a:t>Long callback (event loop)</a:t>
-            </a:r>
-          </a:p>
-          <a:p>
-            <a:pPr lvl="1"/>
-            <a:r>
-              <a:rPr lang="en-US" dirty="0"/>
-              <a:t>Long task (worker pool)</a:t>
-            </a:r>
-          </a:p>
-          <a:p>
-            <a:r>
-              <a:rPr lang="en-US" dirty="0"/>
-              <a:t>If thread is blocked  - cannot handle requests from any other </a:t>
-            </a:r>
-            <a:r>
-              <a:rPr lang="en-US" dirty="0" smtClean="0"/>
-              <a:t>client.</a:t>
-            </a:r>
-            <a:endParaRPr lang="en-US" dirty="0"/>
-          </a:p>
-          <a:p>
-            <a:r>
-              <a:rPr lang="en-US" dirty="0" smtClean="0"/>
-              <a:t>You have small number of Threads – and each blocked thread will give you severe performance hit.</a:t>
-            </a:r>
-            <a:endParaRPr lang="en-US" dirty="0"/>
-          </a:p>
-        </p:txBody>
-      </p:sp>
-    </p:spTree>
-    <p:extLst>
-      <p:ext uri="{BB962C8B-B14F-4D97-AF65-F5344CB8AC3E}">
-        <p14:creationId xmlns:p14="http://schemas.microsoft.com/office/powerpoint/2010/main" val="2756147070"/>
-      </p:ext>
-    </p:extLst>
-  </p:cSld>
-  <p:clrMapOvr>
-    <a:masterClrMapping/>
-  </p:clrMapOvr>
-</p:sld>
-</file>
-
-<file path=ppt/slides/slide7.xml><?xml version="1.0" encoding="utf-8"?>
-<p:sld xmlns:a="http://schemas.openxmlformats.org/drawingml/2006/main" xmlns:r="http://schemas.openxmlformats.org/officeDocument/2006/relationships" xmlns:p="http://schemas.openxmlformats.org/presentationml/2006/main">
-  <p:cSld>
-    <p:spTree>
-      <p:nvGrpSpPr>
-        <p:cNvPr id="1" name=""/>
-        <p:cNvGrpSpPr/>
-        <p:nvPr/>
-      </p:nvGrpSpPr>
-      <p:grpSpPr>
-        <a:xfrm>
-          <a:off x="0" y="0"/>
-          <a:ext cx="0" cy="0"/>
-          <a:chOff x="0" y="0"/>
-          <a:chExt cx="0" cy="0"/>
-        </a:xfrm>
-      </p:grpSpPr>
-      <p:sp>
-        <p:nvSpPr>
-          <p:cNvPr id="2" name="Title 1"/>
-          <p:cNvSpPr>
-            <a:spLocks noGrp="1"/>
-          </p:cNvSpPr>
-          <p:nvPr>
-            <p:ph type="title"/>
-          </p:nvPr>
-        </p:nvSpPr>
-        <p:spPr/>
-        <p:txBody>
-          <a:bodyPr/>
-          <a:lstStyle/>
-          <a:p>
-            <a:r>
-              <a:rPr lang="en-US" dirty="0" smtClean="0"/>
-              <a:t>Conclusions</a:t>
-            </a:r>
-            <a:endParaRPr lang="en-US" dirty="0"/>
-          </a:p>
-        </p:txBody>
-      </p:sp>
-      <p:sp>
-        <p:nvSpPr>
-          <p:cNvPr id="3" name="Content Placeholder 2"/>
-          <p:cNvSpPr>
-            <a:spLocks noGrp="1"/>
-          </p:cNvSpPr>
-          <p:nvPr>
-            <p:ph idx="1"/>
-          </p:nvPr>
-        </p:nvSpPr>
-        <p:spPr/>
-        <p:txBody>
-          <a:bodyPr/>
-          <a:lstStyle/>
-          <a:p>
-            <a:r>
-              <a:rPr lang="en-US" dirty="0" smtClean="0"/>
-              <a:t>Avoid synchronous operations </a:t>
-            </a:r>
-          </a:p>
-          <a:p>
-            <a:r>
-              <a:rPr lang="en-US" dirty="0" smtClean="0"/>
-              <a:t>Write parallel code and Not serial – to schedule parallel asynchronous operations  </a:t>
-            </a:r>
-          </a:p>
-          <a:p>
-            <a:pPr lvl="1"/>
-            <a:r>
-              <a:rPr lang="en-US" dirty="0" smtClean="0"/>
-              <a:t>I/O</a:t>
-            </a:r>
-          </a:p>
-          <a:p>
-            <a:pPr lvl="1"/>
-            <a:r>
-              <a:rPr lang="en-US" dirty="0" smtClean="0"/>
-              <a:t>Timers</a:t>
-            </a:r>
-          </a:p>
-          <a:p>
-            <a:pPr lvl="1"/>
-            <a:r>
-              <a:rPr lang="en-US" dirty="0" err="1" smtClean="0"/>
-              <a:t>etc</a:t>
-            </a:r>
-            <a:endParaRPr lang="en-US" dirty="0" smtClean="0"/>
-          </a:p>
-          <a:p>
-            <a:r>
-              <a:rPr lang="en-US" dirty="0" smtClean="0"/>
-              <a:t>Make sure that each total work assign to each client is Small</a:t>
-            </a:r>
-            <a:endParaRPr lang="en-US" dirty="0"/>
-          </a:p>
-        </p:txBody>
-      </p:sp>
-    </p:spTree>
-    <p:extLst>
-      <p:ext uri="{BB962C8B-B14F-4D97-AF65-F5344CB8AC3E}">
-        <p14:creationId xmlns:p14="http://schemas.microsoft.com/office/powerpoint/2010/main" val="3004242757"/>
-      </p:ext>
-    </p:extLst>
-  </p:cSld>
-  <p:clrMapOvr>
-    <a:masterClrMapping/>
-  </p:clrMapOvr>
-</p:sld>
-</file>
-
-<file path=ppt/slides/slide8.xml><?xml version="1.0" encoding="utf-8"?>
-<p:sld xmlns:a="http://schemas.openxmlformats.org/drawingml/2006/main" xmlns:r="http://schemas.openxmlformats.org/officeDocument/2006/relationships" xmlns:p="http://schemas.openxmlformats.org/presentationml/2006/main">
-  <p:cSld>
-    <p:spTree>
-      <p:nvGrpSpPr>
-        <p:cNvPr id="1" name=""/>
-        <p:cNvGrpSpPr/>
-        <p:nvPr/>
-      </p:nvGrpSpPr>
-      <p:grpSpPr>
-        <a:xfrm>
-          <a:off x="0" y="0"/>
-          <a:ext cx="0" cy="0"/>
-          <a:chOff x="0" y="0"/>
-          <a:chExt cx="0" cy="0"/>
-        </a:xfrm>
-      </p:grpSpPr>
-      <p:sp>
-        <p:nvSpPr>
-          <p:cNvPr id="2" name="Title 1"/>
-          <p:cNvSpPr>
-            <a:spLocks noGrp="1"/>
-          </p:cNvSpPr>
-          <p:nvPr>
-            <p:ph type="title"/>
-          </p:nvPr>
-        </p:nvSpPr>
-        <p:spPr>
-          <a:xfrm>
-            <a:off x="609599" y="2489200"/>
-            <a:ext cx="6347713" cy="1320800"/>
-          </a:xfrm>
-        </p:spPr>
-        <p:txBody>
-          <a:bodyPr/>
-          <a:lstStyle/>
-          <a:p>
-            <a:r>
-              <a:rPr lang="en-US" dirty="0" smtClean="0"/>
-              <a:t>Avoid Synchronous API </a:t>
-            </a:r>
-            <a:endParaRPr lang="en-US" dirty="0"/>
-          </a:p>
-        </p:txBody>
-      </p:sp>
-    </p:spTree>
-    <p:extLst>
-      <p:ext uri="{BB962C8B-B14F-4D97-AF65-F5344CB8AC3E}">
-        <p14:creationId xmlns:p14="http://schemas.microsoft.com/office/powerpoint/2010/main" val="377414735"/>
-      </p:ext>
-    </p:extLst>
-  </p:cSld>
-  <p:clrMapOvr>
-    <a:masterClrMapping/>
-  </p:clrMapOvr>
-</p:sld>
-</file>
-
-<file path=ppt/slides/slide9.xml><?xml version="1.0" encoding="utf-8"?>
-<p:sld xmlns:a="http://schemas.openxmlformats.org/drawingml/2006/main" xmlns:r="http://schemas.openxmlformats.org/officeDocument/2006/relationships" xmlns:p="http://schemas.openxmlformats.org/presentationml/2006/main">
-  <p:cSld>
-    <p:spTree>
-      <p:nvGrpSpPr>
-        <p:cNvPr id="1" name=""/>
-        <p:cNvGrpSpPr/>
-        <p:nvPr/>
-      </p:nvGrpSpPr>
-      <p:grpSpPr>
-        <a:xfrm>
-          <a:off x="0" y="0"/>
-          <a:ext cx="0" cy="0"/>
-          <a:chOff x="0" y="0"/>
-          <a:chExt cx="0" cy="0"/>
-        </a:xfrm>
-      </p:grpSpPr>
-      <p:sp>
-        <p:nvSpPr>
-          <p:cNvPr id="2" name="Title 1"/>
-          <p:cNvSpPr>
-            <a:spLocks noGrp="1"/>
-          </p:cNvSpPr>
-          <p:nvPr>
-            <p:ph type="title"/>
-          </p:nvPr>
-        </p:nvSpPr>
-        <p:spPr>
-          <a:xfrm>
             <a:off x="609599" y="304800"/>
             <a:ext cx="6347713" cy="1320800"/>
           </a:xfrm>
@@ -10369,6 +6850,4033 @@
     <p:extLst>
       <p:ext uri="{BB962C8B-B14F-4D97-AF65-F5344CB8AC3E}">
         <p14:creationId xmlns:p14="http://schemas.microsoft.com/office/powerpoint/2010/main" val="2708887687"/>
+      </p:ext>
+    </p:extLst>
+  </p:cSld>
+  <p:clrMapOvr>
+    <a:masterClrMapping/>
+  </p:clrMapOvr>
+</p:sld>
+</file>
+
+<file path=ppt/slides/slide11.xml><?xml version="1.0" encoding="utf-8"?>
+<p:sld xmlns:a="http://schemas.openxmlformats.org/drawingml/2006/main" xmlns:r="http://schemas.openxmlformats.org/officeDocument/2006/relationships" xmlns:p="http://schemas.openxmlformats.org/presentationml/2006/main">
+  <p:cSld>
+    <p:spTree>
+      <p:nvGrpSpPr>
+        <p:cNvPr id="1" name=""/>
+        <p:cNvGrpSpPr/>
+        <p:nvPr/>
+      </p:nvGrpSpPr>
+      <p:grpSpPr>
+        <a:xfrm>
+          <a:off x="0" y="0"/>
+          <a:ext cx="0" cy="0"/>
+          <a:chOff x="0" y="0"/>
+          <a:chExt cx="0" cy="0"/>
+        </a:xfrm>
+      </p:grpSpPr>
+      <p:sp>
+        <p:nvSpPr>
+          <p:cNvPr id="2" name="Title 1"/>
+          <p:cNvSpPr>
+            <a:spLocks noGrp="1"/>
+          </p:cNvSpPr>
+          <p:nvPr>
+            <p:ph type="title"/>
+          </p:nvPr>
+        </p:nvSpPr>
+        <p:spPr>
+          <a:xfrm>
+            <a:off x="609599" y="2489200"/>
+            <a:ext cx="6347713" cy="1320800"/>
+          </a:xfrm>
+        </p:spPr>
+        <p:txBody>
+          <a:bodyPr/>
+          <a:lstStyle/>
+          <a:p>
+            <a:r>
+              <a:rPr lang="en-US" dirty="0" smtClean="0"/>
+              <a:t>Avoid Serial Code</a:t>
+            </a:r>
+            <a:endParaRPr lang="en-US" dirty="0"/>
+          </a:p>
+        </p:txBody>
+      </p:sp>
+    </p:spTree>
+    <p:extLst>
+      <p:ext uri="{BB962C8B-B14F-4D97-AF65-F5344CB8AC3E}">
+        <p14:creationId xmlns:p14="http://schemas.microsoft.com/office/powerpoint/2010/main" val="3804854744"/>
+      </p:ext>
+    </p:extLst>
+  </p:cSld>
+  <p:clrMapOvr>
+    <a:masterClrMapping/>
+  </p:clrMapOvr>
+</p:sld>
+</file>
+
+<file path=ppt/slides/slide12.xml><?xml version="1.0" encoding="utf-8"?>
+<p:sld xmlns:a="http://schemas.openxmlformats.org/drawingml/2006/main" xmlns:r="http://schemas.openxmlformats.org/officeDocument/2006/relationships" xmlns:p="http://schemas.openxmlformats.org/presentationml/2006/main">
+  <p:cSld>
+    <p:spTree>
+      <p:nvGrpSpPr>
+        <p:cNvPr id="1" name=""/>
+        <p:cNvGrpSpPr/>
+        <p:nvPr/>
+      </p:nvGrpSpPr>
+      <p:grpSpPr>
+        <a:xfrm>
+          <a:off x="0" y="0"/>
+          <a:ext cx="0" cy="0"/>
+          <a:chOff x="0" y="0"/>
+          <a:chExt cx="0" cy="0"/>
+        </a:xfrm>
+      </p:grpSpPr>
+      <p:sp>
+        <p:nvSpPr>
+          <p:cNvPr id="2" name="Title 1"/>
+          <p:cNvSpPr>
+            <a:spLocks noGrp="1"/>
+          </p:cNvSpPr>
+          <p:nvPr>
+            <p:ph type="title"/>
+          </p:nvPr>
+        </p:nvSpPr>
+        <p:spPr/>
+        <p:txBody>
+          <a:bodyPr/>
+          <a:lstStyle/>
+          <a:p>
+            <a:r>
+              <a:rPr lang="en-US" dirty="0" smtClean="0"/>
+              <a:t>What Is Serial Code?</a:t>
+            </a:r>
+            <a:endParaRPr lang="en-US" dirty="0"/>
+          </a:p>
+        </p:txBody>
+      </p:sp>
+      <p:sp>
+        <p:nvSpPr>
+          <p:cNvPr id="3" name="Content Placeholder 2"/>
+          <p:cNvSpPr>
+            <a:spLocks noGrp="1"/>
+          </p:cNvSpPr>
+          <p:nvPr>
+            <p:ph idx="1"/>
+          </p:nvPr>
+        </p:nvSpPr>
+        <p:spPr/>
+        <p:txBody>
+          <a:bodyPr/>
+          <a:lstStyle/>
+          <a:p>
+            <a:r>
+              <a:rPr lang="en-US" dirty="0"/>
+              <a:t>R</a:t>
+            </a:r>
+            <a:r>
+              <a:rPr lang="en-US" dirty="0" smtClean="0"/>
+              <a:t>un functions one after another. </a:t>
+            </a:r>
+          </a:p>
+          <a:p>
+            <a:r>
+              <a:rPr lang="en-US" dirty="0" smtClean="0"/>
+              <a:t>Asynchronous operations are executed one by one.</a:t>
+            </a:r>
+          </a:p>
+          <a:p>
+            <a:r>
+              <a:rPr lang="en-US" dirty="0" smtClean="0"/>
+              <a:t>Schedule of the asynchronous operations is done one by one</a:t>
+            </a:r>
+          </a:p>
+          <a:p>
+            <a:r>
+              <a:rPr lang="en-US" dirty="0" smtClean="0"/>
+              <a:t>You wait until one asynchronous operation will finish – and only then execute the other one</a:t>
+            </a:r>
+          </a:p>
+          <a:p>
+            <a:endParaRPr lang="en-US" dirty="0" smtClean="0"/>
+          </a:p>
+        </p:txBody>
+      </p:sp>
+    </p:spTree>
+    <p:extLst>
+      <p:ext uri="{BB962C8B-B14F-4D97-AF65-F5344CB8AC3E}">
+        <p14:creationId xmlns:p14="http://schemas.microsoft.com/office/powerpoint/2010/main" val="2223314318"/>
+      </p:ext>
+    </p:extLst>
+  </p:cSld>
+  <p:clrMapOvr>
+    <a:masterClrMapping/>
+  </p:clrMapOvr>
+</p:sld>
+</file>
+
+<file path=ppt/slides/slide13.xml><?xml version="1.0" encoding="utf-8"?>
+<p:sld xmlns:a="http://schemas.openxmlformats.org/drawingml/2006/main" xmlns:r="http://schemas.openxmlformats.org/officeDocument/2006/relationships" xmlns:p="http://schemas.openxmlformats.org/presentationml/2006/main">
+  <p:cSld>
+    <p:spTree>
+      <p:nvGrpSpPr>
+        <p:cNvPr id="1" name=""/>
+        <p:cNvGrpSpPr/>
+        <p:nvPr/>
+      </p:nvGrpSpPr>
+      <p:grpSpPr>
+        <a:xfrm>
+          <a:off x="0" y="0"/>
+          <a:ext cx="0" cy="0"/>
+          <a:chOff x="0" y="0"/>
+          <a:chExt cx="0" cy="0"/>
+        </a:xfrm>
+      </p:grpSpPr>
+      <p:sp>
+        <p:nvSpPr>
+          <p:cNvPr id="2" name="Title 1"/>
+          <p:cNvSpPr>
+            <a:spLocks noGrp="1"/>
+          </p:cNvSpPr>
+          <p:nvPr>
+            <p:ph type="title"/>
+          </p:nvPr>
+        </p:nvSpPr>
+        <p:spPr/>
+        <p:txBody>
+          <a:bodyPr/>
+          <a:lstStyle/>
+          <a:p>
+            <a:r>
+              <a:rPr lang="en-US" dirty="0" smtClean="0"/>
+              <a:t>Why To Avoid Serial Code ?</a:t>
+            </a:r>
+            <a:endParaRPr lang="en-US" dirty="0"/>
+          </a:p>
+        </p:txBody>
+      </p:sp>
+      <p:sp>
+        <p:nvSpPr>
+          <p:cNvPr id="3" name="Content Placeholder 2"/>
+          <p:cNvSpPr>
+            <a:spLocks noGrp="1"/>
+          </p:cNvSpPr>
+          <p:nvPr>
+            <p:ph idx="1"/>
+          </p:nvPr>
+        </p:nvSpPr>
+        <p:spPr/>
+        <p:txBody>
+          <a:bodyPr/>
+          <a:lstStyle/>
+          <a:p>
+            <a:r>
+              <a:rPr lang="en-US" dirty="0"/>
+              <a:t>T</a:t>
+            </a:r>
+            <a:r>
+              <a:rPr lang="en-US" dirty="0" smtClean="0"/>
+              <a:t>he way that the event loop is build</a:t>
+            </a:r>
+          </a:p>
+          <a:p>
+            <a:pPr lvl="1"/>
+            <a:r>
+              <a:rPr lang="en-US" dirty="0" smtClean="0"/>
+              <a:t>In Node.js there is no parallel code execution</a:t>
+            </a:r>
+          </a:p>
+          <a:p>
+            <a:pPr lvl="1"/>
+            <a:r>
+              <a:rPr lang="en-US" dirty="0" smtClean="0"/>
+              <a:t>You always schedule asynchronous operations one by one</a:t>
+            </a:r>
+          </a:p>
+          <a:p>
+            <a:pPr lvl="1"/>
+            <a:r>
+              <a:rPr lang="en-US" dirty="0" smtClean="0"/>
+              <a:t>You can execute asynchronous operations in parallel with the worker thread pool</a:t>
+            </a:r>
+          </a:p>
+          <a:p>
+            <a:pPr lvl="1"/>
+            <a:r>
+              <a:rPr lang="en-US" dirty="0" smtClean="0"/>
+              <a:t>Attention – real parallel execution happened only if you have multi core CPU</a:t>
+            </a:r>
+          </a:p>
+          <a:p>
+            <a:r>
+              <a:rPr lang="en-US" dirty="0" smtClean="0"/>
+              <a:t>When writing serial code :</a:t>
+            </a:r>
+          </a:p>
+          <a:p>
+            <a:pPr lvl="1"/>
+            <a:r>
+              <a:rPr lang="en-US" dirty="0" smtClean="0"/>
+              <a:t>You do not use the advantages of the worker pool.</a:t>
+            </a:r>
+            <a:endParaRPr lang="en-US" dirty="0"/>
+          </a:p>
+        </p:txBody>
+      </p:sp>
+    </p:spTree>
+    <p:extLst>
+      <p:ext uri="{BB962C8B-B14F-4D97-AF65-F5344CB8AC3E}">
+        <p14:creationId xmlns:p14="http://schemas.microsoft.com/office/powerpoint/2010/main" val="2195687804"/>
+      </p:ext>
+    </p:extLst>
+  </p:cSld>
+  <p:clrMapOvr>
+    <a:masterClrMapping/>
+  </p:clrMapOvr>
+</p:sld>
+</file>
+
+<file path=ppt/slides/slide14.xml><?xml version="1.0" encoding="utf-8"?>
+<p:sld xmlns:a="http://schemas.openxmlformats.org/drawingml/2006/main" xmlns:r="http://schemas.openxmlformats.org/officeDocument/2006/relationships" xmlns:p="http://schemas.openxmlformats.org/presentationml/2006/main">
+  <p:cSld>
+    <p:spTree>
+      <p:nvGrpSpPr>
+        <p:cNvPr id="1" name=""/>
+        <p:cNvGrpSpPr/>
+        <p:nvPr/>
+      </p:nvGrpSpPr>
+      <p:grpSpPr>
+        <a:xfrm>
+          <a:off x="0" y="0"/>
+          <a:ext cx="0" cy="0"/>
+          <a:chOff x="0" y="0"/>
+          <a:chExt cx="0" cy="0"/>
+        </a:xfrm>
+      </p:grpSpPr>
+      <p:sp>
+        <p:nvSpPr>
+          <p:cNvPr id="2" name="Title 1"/>
+          <p:cNvSpPr>
+            <a:spLocks noGrp="1"/>
+          </p:cNvSpPr>
+          <p:nvPr>
+            <p:ph type="title"/>
+          </p:nvPr>
+        </p:nvSpPr>
+        <p:spPr/>
+        <p:txBody>
+          <a:bodyPr/>
+          <a:lstStyle/>
+          <a:p>
+            <a:r>
+              <a:rPr lang="en-US" dirty="0" smtClean="0"/>
+              <a:t>Serial Code Example - </a:t>
+            </a:r>
+            <a:r>
+              <a:rPr lang="en-US" dirty="0" err="1" smtClean="0"/>
+              <a:t>CallBacks</a:t>
+            </a:r>
+            <a:endParaRPr lang="en-US" dirty="0"/>
+          </a:p>
+        </p:txBody>
+      </p:sp>
+      <p:pic>
+        <p:nvPicPr>
+          <p:cNvPr id="4" name="Picture 3"/>
+          <p:cNvPicPr>
+            <a:picLocks noChangeAspect="1"/>
+          </p:cNvPicPr>
+          <p:nvPr/>
+        </p:nvPicPr>
+        <p:blipFill>
+          <a:blip r:embed="rId2">
+            <a:extLst>
+              <a:ext uri="{28A0092B-C50C-407E-A947-70E740481C1C}">
+                <a14:useLocalDpi xmlns:a14="http://schemas.microsoft.com/office/drawing/2010/main" val="0"/>
+              </a:ext>
+            </a:extLst>
+          </a:blip>
+          <a:stretch>
+            <a:fillRect/>
+          </a:stretch>
+        </p:blipFill>
+        <p:spPr>
+          <a:xfrm>
+            <a:off x="685800" y="2133600"/>
+            <a:ext cx="7574936" cy="3071126"/>
+          </a:xfrm>
+          <a:prstGeom prst="rect">
+            <a:avLst/>
+          </a:prstGeom>
+        </p:spPr>
+      </p:pic>
+    </p:spTree>
+    <p:extLst>
+      <p:ext uri="{BB962C8B-B14F-4D97-AF65-F5344CB8AC3E}">
+        <p14:creationId xmlns:p14="http://schemas.microsoft.com/office/powerpoint/2010/main" val="2302428283"/>
+      </p:ext>
+    </p:extLst>
+  </p:cSld>
+  <p:clrMapOvr>
+    <a:masterClrMapping/>
+  </p:clrMapOvr>
+</p:sld>
+</file>
+
+<file path=ppt/slides/slide15.xml><?xml version="1.0" encoding="utf-8"?>
+<p:sld xmlns:a="http://schemas.openxmlformats.org/drawingml/2006/main" xmlns:r="http://schemas.openxmlformats.org/officeDocument/2006/relationships" xmlns:p="http://schemas.openxmlformats.org/presentationml/2006/main">
+  <p:cSld>
+    <p:spTree>
+      <p:nvGrpSpPr>
+        <p:cNvPr id="1" name=""/>
+        <p:cNvGrpSpPr/>
+        <p:nvPr/>
+      </p:nvGrpSpPr>
+      <p:grpSpPr>
+        <a:xfrm>
+          <a:off x="0" y="0"/>
+          <a:ext cx="0" cy="0"/>
+          <a:chOff x="0" y="0"/>
+          <a:chExt cx="0" cy="0"/>
+        </a:xfrm>
+      </p:grpSpPr>
+      <p:sp>
+        <p:nvSpPr>
+          <p:cNvPr id="2" name="Title 1"/>
+          <p:cNvSpPr>
+            <a:spLocks noGrp="1"/>
+          </p:cNvSpPr>
+          <p:nvPr>
+            <p:ph type="title"/>
+          </p:nvPr>
+        </p:nvSpPr>
+        <p:spPr>
+          <a:xfrm>
+            <a:off x="609599" y="76200"/>
+            <a:ext cx="6347713" cy="1320800"/>
+          </a:xfrm>
+        </p:spPr>
+        <p:txBody>
+          <a:bodyPr/>
+          <a:lstStyle/>
+          <a:p>
+            <a:r>
+              <a:rPr lang="en-US" dirty="0" smtClean="0"/>
+              <a:t>Serial Code Example – </a:t>
+            </a:r>
+            <a:r>
+              <a:rPr lang="en-US" dirty="0" err="1" smtClean="0"/>
+              <a:t>async.series</a:t>
+            </a:r>
+            <a:endParaRPr lang="en-US" dirty="0"/>
+          </a:p>
+        </p:txBody>
+      </p:sp>
+      <p:pic>
+        <p:nvPicPr>
+          <p:cNvPr id="4" name="Picture 3"/>
+          <p:cNvPicPr>
+            <a:picLocks noChangeAspect="1"/>
+          </p:cNvPicPr>
+          <p:nvPr/>
+        </p:nvPicPr>
+        <p:blipFill>
+          <a:blip r:embed="rId2">
+            <a:extLst>
+              <a:ext uri="{28A0092B-C50C-407E-A947-70E740481C1C}">
+                <a14:useLocalDpi xmlns:a14="http://schemas.microsoft.com/office/drawing/2010/main" val="0"/>
+              </a:ext>
+            </a:extLst>
+          </a:blip>
+          <a:stretch>
+            <a:fillRect/>
+          </a:stretch>
+        </p:blipFill>
+        <p:spPr>
+          <a:xfrm>
+            <a:off x="609600" y="1453627"/>
+            <a:ext cx="5943600" cy="5099573"/>
+          </a:xfrm>
+          <a:prstGeom prst="rect">
+            <a:avLst/>
+          </a:prstGeom>
+        </p:spPr>
+      </p:pic>
+    </p:spTree>
+    <p:extLst>
+      <p:ext uri="{BB962C8B-B14F-4D97-AF65-F5344CB8AC3E}">
+        <p14:creationId xmlns:p14="http://schemas.microsoft.com/office/powerpoint/2010/main" val="4275193175"/>
+      </p:ext>
+    </p:extLst>
+  </p:cSld>
+  <p:clrMapOvr>
+    <a:masterClrMapping/>
+  </p:clrMapOvr>
+</p:sld>
+</file>
+
+<file path=ppt/slides/slide16.xml><?xml version="1.0" encoding="utf-8"?>
+<p:sld xmlns:a="http://schemas.openxmlformats.org/drawingml/2006/main" xmlns:r="http://schemas.openxmlformats.org/officeDocument/2006/relationships" xmlns:p="http://schemas.openxmlformats.org/presentationml/2006/main">
+  <p:cSld>
+    <p:spTree>
+      <p:nvGrpSpPr>
+        <p:cNvPr id="1" name=""/>
+        <p:cNvGrpSpPr/>
+        <p:nvPr/>
+      </p:nvGrpSpPr>
+      <p:grpSpPr>
+        <a:xfrm>
+          <a:off x="0" y="0"/>
+          <a:ext cx="0" cy="0"/>
+          <a:chOff x="0" y="0"/>
+          <a:chExt cx="0" cy="0"/>
+        </a:xfrm>
+      </p:grpSpPr>
+      <p:sp>
+        <p:nvSpPr>
+          <p:cNvPr id="2" name="Title 1"/>
+          <p:cNvSpPr>
+            <a:spLocks noGrp="1"/>
+          </p:cNvSpPr>
+          <p:nvPr>
+            <p:ph type="title"/>
+          </p:nvPr>
+        </p:nvSpPr>
+        <p:spPr>
+          <a:xfrm>
+            <a:off x="152400" y="381000"/>
+            <a:ext cx="6804913" cy="1320800"/>
+          </a:xfrm>
+        </p:spPr>
+        <p:txBody>
+          <a:bodyPr/>
+          <a:lstStyle/>
+          <a:p>
+            <a:r>
+              <a:rPr lang="en-US" dirty="0" smtClean="0"/>
+              <a:t>Possible Solution – </a:t>
+            </a:r>
+            <a:r>
+              <a:rPr lang="en-US" dirty="0" err="1" smtClean="0"/>
+              <a:t>async.parallel</a:t>
+            </a:r>
+            <a:endParaRPr lang="en-US" dirty="0"/>
+          </a:p>
+        </p:txBody>
+      </p:sp>
+      <p:pic>
+        <p:nvPicPr>
+          <p:cNvPr id="4" name="Picture 3"/>
+          <p:cNvPicPr>
+            <a:picLocks noChangeAspect="1"/>
+          </p:cNvPicPr>
+          <p:nvPr/>
+        </p:nvPicPr>
+        <p:blipFill>
+          <a:blip r:embed="rId2">
+            <a:extLst>
+              <a:ext uri="{28A0092B-C50C-407E-A947-70E740481C1C}">
+                <a14:useLocalDpi xmlns:a14="http://schemas.microsoft.com/office/drawing/2010/main" val="0"/>
+              </a:ext>
+            </a:extLst>
+          </a:blip>
+          <a:stretch>
+            <a:fillRect/>
+          </a:stretch>
+        </p:blipFill>
+        <p:spPr>
+          <a:xfrm>
+            <a:off x="723567" y="1663543"/>
+            <a:ext cx="5677233" cy="5042057"/>
+          </a:xfrm>
+          <a:prstGeom prst="rect">
+            <a:avLst/>
+          </a:prstGeom>
+        </p:spPr>
+      </p:pic>
+    </p:spTree>
+    <p:extLst>
+      <p:ext uri="{BB962C8B-B14F-4D97-AF65-F5344CB8AC3E}">
+        <p14:creationId xmlns:p14="http://schemas.microsoft.com/office/powerpoint/2010/main" val="3471256822"/>
+      </p:ext>
+    </p:extLst>
+  </p:cSld>
+  <p:clrMapOvr>
+    <a:masterClrMapping/>
+  </p:clrMapOvr>
+</p:sld>
+</file>
+
+<file path=ppt/slides/slide17.xml><?xml version="1.0" encoding="utf-8"?>
+<p:sld xmlns:a="http://schemas.openxmlformats.org/drawingml/2006/main" xmlns:r="http://schemas.openxmlformats.org/officeDocument/2006/relationships" xmlns:p="http://schemas.openxmlformats.org/presentationml/2006/main">
+  <p:cSld>
+    <p:spTree>
+      <p:nvGrpSpPr>
+        <p:cNvPr id="1" name=""/>
+        <p:cNvGrpSpPr/>
+        <p:nvPr/>
+      </p:nvGrpSpPr>
+      <p:grpSpPr>
+        <a:xfrm>
+          <a:off x="0" y="0"/>
+          <a:ext cx="0" cy="0"/>
+          <a:chOff x="0" y="0"/>
+          <a:chExt cx="0" cy="0"/>
+        </a:xfrm>
+      </p:grpSpPr>
+      <p:sp>
+        <p:nvSpPr>
+          <p:cNvPr id="2" name="Title 1"/>
+          <p:cNvSpPr>
+            <a:spLocks noGrp="1"/>
+          </p:cNvSpPr>
+          <p:nvPr>
+            <p:ph type="title"/>
+          </p:nvPr>
+        </p:nvSpPr>
+        <p:spPr>
+          <a:xfrm>
+            <a:off x="609599" y="304800"/>
+            <a:ext cx="6347713" cy="1320800"/>
+          </a:xfrm>
+        </p:spPr>
+        <p:txBody>
+          <a:bodyPr/>
+          <a:lstStyle/>
+          <a:p>
+            <a:r>
+              <a:rPr lang="en-US" dirty="0" smtClean="0"/>
+              <a:t>Serial Code Example - Promises</a:t>
+            </a:r>
+            <a:endParaRPr lang="en-US" dirty="0"/>
+          </a:p>
+        </p:txBody>
+      </p:sp>
+      <p:pic>
+        <p:nvPicPr>
+          <p:cNvPr id="5" name="Picture 4"/>
+          <p:cNvPicPr>
+            <a:picLocks noChangeAspect="1"/>
+          </p:cNvPicPr>
+          <p:nvPr/>
+        </p:nvPicPr>
+        <p:blipFill>
+          <a:blip r:embed="rId2">
+            <a:extLst>
+              <a:ext uri="{28A0092B-C50C-407E-A947-70E740481C1C}">
+                <a14:useLocalDpi xmlns:a14="http://schemas.microsoft.com/office/drawing/2010/main" val="0"/>
+              </a:ext>
+            </a:extLst>
+          </a:blip>
+          <a:stretch>
+            <a:fillRect/>
+          </a:stretch>
+        </p:blipFill>
+        <p:spPr>
+          <a:xfrm>
+            <a:off x="762000" y="1524000"/>
+            <a:ext cx="5757031" cy="5029200"/>
+          </a:xfrm>
+          <a:prstGeom prst="rect">
+            <a:avLst/>
+          </a:prstGeom>
+        </p:spPr>
+      </p:pic>
+    </p:spTree>
+    <p:extLst>
+      <p:ext uri="{BB962C8B-B14F-4D97-AF65-F5344CB8AC3E}">
+        <p14:creationId xmlns:p14="http://schemas.microsoft.com/office/powerpoint/2010/main" val="1259997322"/>
+      </p:ext>
+    </p:extLst>
+  </p:cSld>
+  <p:clrMapOvr>
+    <a:masterClrMapping/>
+  </p:clrMapOvr>
+</p:sld>
+</file>
+
+<file path=ppt/slides/slide18.xml><?xml version="1.0" encoding="utf-8"?>
+<p:sld xmlns:a="http://schemas.openxmlformats.org/drawingml/2006/main" xmlns:r="http://schemas.openxmlformats.org/officeDocument/2006/relationships" xmlns:p="http://schemas.openxmlformats.org/presentationml/2006/main">
+  <p:cSld>
+    <p:spTree>
+      <p:nvGrpSpPr>
+        <p:cNvPr id="1" name=""/>
+        <p:cNvGrpSpPr/>
+        <p:nvPr/>
+      </p:nvGrpSpPr>
+      <p:grpSpPr>
+        <a:xfrm>
+          <a:off x="0" y="0"/>
+          <a:ext cx="0" cy="0"/>
+          <a:chOff x="0" y="0"/>
+          <a:chExt cx="0" cy="0"/>
+        </a:xfrm>
+      </p:grpSpPr>
+      <p:sp>
+        <p:nvSpPr>
+          <p:cNvPr id="2" name="Title 1"/>
+          <p:cNvSpPr>
+            <a:spLocks noGrp="1"/>
+          </p:cNvSpPr>
+          <p:nvPr>
+            <p:ph type="title"/>
+          </p:nvPr>
+        </p:nvSpPr>
+        <p:spPr>
+          <a:xfrm>
+            <a:off x="609599" y="381000"/>
+            <a:ext cx="6347713" cy="1320800"/>
+          </a:xfrm>
+        </p:spPr>
+        <p:txBody>
+          <a:bodyPr/>
+          <a:lstStyle/>
+          <a:p>
+            <a:r>
+              <a:rPr lang="en-US" dirty="0" smtClean="0"/>
+              <a:t>Best Solution - Run promises In Parallel Whenever You Can</a:t>
+            </a:r>
+            <a:endParaRPr lang="en-US" dirty="0"/>
+          </a:p>
+        </p:txBody>
+      </p:sp>
+      <p:pic>
+        <p:nvPicPr>
+          <p:cNvPr id="4" name="Picture 3"/>
+          <p:cNvPicPr>
+            <a:picLocks noChangeAspect="1"/>
+          </p:cNvPicPr>
+          <p:nvPr/>
+        </p:nvPicPr>
+        <p:blipFill>
+          <a:blip r:embed="rId2">
+            <a:extLst>
+              <a:ext uri="{28A0092B-C50C-407E-A947-70E740481C1C}">
+                <a14:useLocalDpi xmlns:a14="http://schemas.microsoft.com/office/drawing/2010/main" val="0"/>
+              </a:ext>
+            </a:extLst>
+          </a:blip>
+          <a:stretch>
+            <a:fillRect/>
+          </a:stretch>
+        </p:blipFill>
+        <p:spPr>
+          <a:xfrm>
+            <a:off x="685800" y="1828800"/>
+            <a:ext cx="5707689" cy="4807116"/>
+          </a:xfrm>
+          <a:prstGeom prst="rect">
+            <a:avLst/>
+          </a:prstGeom>
+        </p:spPr>
+      </p:pic>
+    </p:spTree>
+    <p:extLst>
+      <p:ext uri="{BB962C8B-B14F-4D97-AF65-F5344CB8AC3E}">
+        <p14:creationId xmlns:p14="http://schemas.microsoft.com/office/powerpoint/2010/main" val="1439071342"/>
+      </p:ext>
+    </p:extLst>
+  </p:cSld>
+  <p:clrMapOvr>
+    <a:masterClrMapping/>
+  </p:clrMapOvr>
+</p:sld>
+</file>
+
+<file path=ppt/slides/slide19.xml><?xml version="1.0" encoding="utf-8"?>
+<p:sld xmlns:a="http://schemas.openxmlformats.org/drawingml/2006/main" xmlns:r="http://schemas.openxmlformats.org/officeDocument/2006/relationships" xmlns:p="http://schemas.openxmlformats.org/presentationml/2006/main">
+  <p:cSld>
+    <p:spTree>
+      <p:nvGrpSpPr>
+        <p:cNvPr id="1" name=""/>
+        <p:cNvGrpSpPr/>
+        <p:nvPr/>
+      </p:nvGrpSpPr>
+      <p:grpSpPr>
+        <a:xfrm>
+          <a:off x="0" y="0"/>
+          <a:ext cx="0" cy="0"/>
+          <a:chOff x="0" y="0"/>
+          <a:chExt cx="0" cy="0"/>
+        </a:xfrm>
+      </p:grpSpPr>
+      <p:sp>
+        <p:nvSpPr>
+          <p:cNvPr id="2" name="Title 1"/>
+          <p:cNvSpPr>
+            <a:spLocks noGrp="1"/>
+          </p:cNvSpPr>
+          <p:nvPr>
+            <p:ph type="title"/>
+          </p:nvPr>
+        </p:nvSpPr>
+        <p:spPr>
+          <a:xfrm>
+            <a:off x="609599" y="381000"/>
+            <a:ext cx="6347713" cy="1320800"/>
+          </a:xfrm>
+        </p:spPr>
+        <p:txBody>
+          <a:bodyPr/>
+          <a:lstStyle/>
+          <a:p>
+            <a:r>
+              <a:rPr lang="en-US" dirty="0" smtClean="0"/>
+              <a:t>Writing Serial Code With </a:t>
+            </a:r>
+            <a:r>
+              <a:rPr lang="en-US" dirty="0" err="1" smtClean="0"/>
+              <a:t>Async</a:t>
+            </a:r>
+            <a:r>
+              <a:rPr lang="en-US" dirty="0" smtClean="0"/>
+              <a:t> / Await</a:t>
+            </a:r>
+            <a:endParaRPr lang="en-US" dirty="0"/>
+          </a:p>
+        </p:txBody>
+      </p:sp>
+      <p:pic>
+        <p:nvPicPr>
+          <p:cNvPr id="4" name="Picture 3"/>
+          <p:cNvPicPr>
+            <a:picLocks noChangeAspect="1"/>
+          </p:cNvPicPr>
+          <p:nvPr/>
+        </p:nvPicPr>
+        <p:blipFill>
+          <a:blip r:embed="rId2">
+            <a:extLst>
+              <a:ext uri="{28A0092B-C50C-407E-A947-70E740481C1C}">
+                <a14:useLocalDpi xmlns:a14="http://schemas.microsoft.com/office/drawing/2010/main" val="0"/>
+              </a:ext>
+            </a:extLst>
+          </a:blip>
+          <a:stretch>
+            <a:fillRect/>
+          </a:stretch>
+        </p:blipFill>
+        <p:spPr>
+          <a:xfrm>
+            <a:off x="724818" y="1600199"/>
+            <a:ext cx="5752182" cy="4999279"/>
+          </a:xfrm>
+          <a:prstGeom prst="rect">
+            <a:avLst/>
+          </a:prstGeom>
+        </p:spPr>
+      </p:pic>
+    </p:spTree>
+    <p:extLst>
+      <p:ext uri="{BB962C8B-B14F-4D97-AF65-F5344CB8AC3E}">
+        <p14:creationId xmlns:p14="http://schemas.microsoft.com/office/powerpoint/2010/main" val="3459224684"/>
+      </p:ext>
+    </p:extLst>
+  </p:cSld>
+  <p:clrMapOvr>
+    <a:masterClrMapping/>
+  </p:clrMapOvr>
+</p:sld>
+</file>
+
+<file path=ppt/slides/slide2.xml><?xml version="1.0" encoding="utf-8"?>
+<p:sld xmlns:a="http://schemas.openxmlformats.org/drawingml/2006/main" xmlns:r="http://schemas.openxmlformats.org/officeDocument/2006/relationships" xmlns:p="http://schemas.openxmlformats.org/presentationml/2006/main">
+  <p:cSld>
+    <p:spTree>
+      <p:nvGrpSpPr>
+        <p:cNvPr id="1" name=""/>
+        <p:cNvGrpSpPr/>
+        <p:nvPr/>
+      </p:nvGrpSpPr>
+      <p:grpSpPr>
+        <a:xfrm>
+          <a:off x="0" y="0"/>
+          <a:ext cx="0" cy="0"/>
+          <a:chOff x="0" y="0"/>
+          <a:chExt cx="0" cy="0"/>
+        </a:xfrm>
+      </p:grpSpPr>
+      <p:sp>
+        <p:nvSpPr>
+          <p:cNvPr id="2" name="Title 1"/>
+          <p:cNvSpPr>
+            <a:spLocks noGrp="1"/>
+          </p:cNvSpPr>
+          <p:nvPr>
+            <p:ph type="title"/>
+          </p:nvPr>
+        </p:nvSpPr>
+        <p:spPr/>
+        <p:txBody>
+          <a:bodyPr/>
+          <a:lstStyle/>
+          <a:p>
+            <a:r>
+              <a:rPr lang="en-US" dirty="0" smtClean="0"/>
+              <a:t>Agenda</a:t>
+            </a:r>
+            <a:endParaRPr lang="en-US" dirty="0"/>
+          </a:p>
+        </p:txBody>
+      </p:sp>
+      <p:sp>
+        <p:nvSpPr>
+          <p:cNvPr id="3" name="Content Placeholder 2"/>
+          <p:cNvSpPr>
+            <a:spLocks noGrp="1"/>
+          </p:cNvSpPr>
+          <p:nvPr>
+            <p:ph idx="1"/>
+          </p:nvPr>
+        </p:nvSpPr>
+        <p:spPr/>
+        <p:txBody>
+          <a:bodyPr/>
+          <a:lstStyle/>
+          <a:p>
+            <a:r>
+              <a:rPr lang="en-US" dirty="0" smtClean="0"/>
+              <a:t>General Tips</a:t>
+            </a:r>
+          </a:p>
+          <a:p>
+            <a:r>
+              <a:rPr lang="en-US" dirty="0" smtClean="0"/>
+              <a:t>Node.js Programming patterns to support good performance</a:t>
+            </a:r>
+          </a:p>
+          <a:p>
+            <a:r>
+              <a:rPr lang="en-US" dirty="0" smtClean="0"/>
+              <a:t>Node.js recommended cluster configuration</a:t>
+            </a:r>
+          </a:p>
+          <a:p>
+            <a:r>
+              <a:rPr lang="en-US" dirty="0" smtClean="0"/>
+              <a:t>Promises performance</a:t>
+            </a:r>
+          </a:p>
+          <a:p>
+            <a:r>
+              <a:rPr lang="en-US" dirty="0" smtClean="0"/>
+              <a:t>JavaScript code optimizations</a:t>
+            </a:r>
+            <a:endParaRPr lang="en-US" dirty="0"/>
+          </a:p>
+        </p:txBody>
+      </p:sp>
+    </p:spTree>
+    <p:extLst>
+      <p:ext uri="{BB962C8B-B14F-4D97-AF65-F5344CB8AC3E}">
+        <p14:creationId xmlns:p14="http://schemas.microsoft.com/office/powerpoint/2010/main" val="1790054153"/>
+      </p:ext>
+    </p:extLst>
+  </p:cSld>
+  <p:clrMapOvr>
+    <a:masterClrMapping/>
+  </p:clrMapOvr>
+  <p:timing>
+    <p:tnLst>
+      <p:par>
+        <p:cTn id="1" dur="indefinite" restart="never" nodeType="tmRoot"/>
+      </p:par>
+    </p:tnLst>
+  </p:timing>
+</p:sld>
+</file>
+
+<file path=ppt/slides/slide20.xml><?xml version="1.0" encoding="utf-8"?>
+<p:sld xmlns:a="http://schemas.openxmlformats.org/drawingml/2006/main" xmlns:r="http://schemas.openxmlformats.org/officeDocument/2006/relationships" xmlns:p="http://schemas.openxmlformats.org/presentationml/2006/main">
+  <p:cSld>
+    <p:spTree>
+      <p:nvGrpSpPr>
+        <p:cNvPr id="1" name=""/>
+        <p:cNvGrpSpPr/>
+        <p:nvPr/>
+      </p:nvGrpSpPr>
+      <p:grpSpPr>
+        <a:xfrm>
+          <a:off x="0" y="0"/>
+          <a:ext cx="0" cy="0"/>
+          <a:chOff x="0" y="0"/>
+          <a:chExt cx="0" cy="0"/>
+        </a:xfrm>
+      </p:grpSpPr>
+      <p:sp>
+        <p:nvSpPr>
+          <p:cNvPr id="2" name="Title 1"/>
+          <p:cNvSpPr>
+            <a:spLocks noGrp="1"/>
+          </p:cNvSpPr>
+          <p:nvPr>
+            <p:ph type="title"/>
+          </p:nvPr>
+        </p:nvSpPr>
+        <p:spPr>
+          <a:xfrm>
+            <a:off x="609599" y="355600"/>
+            <a:ext cx="6347713" cy="1320800"/>
+          </a:xfrm>
+        </p:spPr>
+        <p:txBody>
+          <a:bodyPr/>
+          <a:lstStyle/>
+          <a:p>
+            <a:r>
+              <a:rPr lang="en-US" dirty="0" err="1" smtClean="0"/>
+              <a:t>Async</a:t>
+            </a:r>
+            <a:r>
+              <a:rPr lang="en-US" dirty="0" smtClean="0"/>
+              <a:t> / Await Parallel Code</a:t>
+            </a:r>
+            <a:endParaRPr lang="en-US" dirty="0"/>
+          </a:p>
+        </p:txBody>
+      </p:sp>
+      <p:pic>
+        <p:nvPicPr>
+          <p:cNvPr id="4" name="Picture 3"/>
+          <p:cNvPicPr>
+            <a:picLocks noChangeAspect="1"/>
+          </p:cNvPicPr>
+          <p:nvPr/>
+        </p:nvPicPr>
+        <p:blipFill>
+          <a:blip r:embed="rId2">
+            <a:extLst>
+              <a:ext uri="{28A0092B-C50C-407E-A947-70E740481C1C}">
+                <a14:useLocalDpi xmlns:a14="http://schemas.microsoft.com/office/drawing/2010/main" val="0"/>
+              </a:ext>
+            </a:extLst>
+          </a:blip>
+          <a:stretch>
+            <a:fillRect/>
+          </a:stretch>
+        </p:blipFill>
+        <p:spPr>
+          <a:xfrm>
+            <a:off x="620701" y="1066800"/>
+            <a:ext cx="6542099" cy="5570955"/>
+          </a:xfrm>
+          <a:prstGeom prst="rect">
+            <a:avLst/>
+          </a:prstGeom>
+        </p:spPr>
+      </p:pic>
+    </p:spTree>
+    <p:extLst>
+      <p:ext uri="{BB962C8B-B14F-4D97-AF65-F5344CB8AC3E}">
+        <p14:creationId xmlns:p14="http://schemas.microsoft.com/office/powerpoint/2010/main" val="3748312834"/>
+      </p:ext>
+    </p:extLst>
+  </p:cSld>
+  <p:clrMapOvr>
+    <a:masterClrMapping/>
+  </p:clrMapOvr>
+</p:sld>
+</file>
+
+<file path=ppt/slides/slide21.xml><?xml version="1.0" encoding="utf-8"?>
+<p:sld xmlns:a="http://schemas.openxmlformats.org/drawingml/2006/main" xmlns:r="http://schemas.openxmlformats.org/officeDocument/2006/relationships" xmlns:p="http://schemas.openxmlformats.org/presentationml/2006/main">
+  <p:cSld>
+    <p:spTree>
+      <p:nvGrpSpPr>
+        <p:cNvPr id="1" name=""/>
+        <p:cNvGrpSpPr/>
+        <p:nvPr/>
+      </p:nvGrpSpPr>
+      <p:grpSpPr>
+        <a:xfrm>
+          <a:off x="0" y="0"/>
+          <a:ext cx="0" cy="0"/>
+          <a:chOff x="0" y="0"/>
+          <a:chExt cx="0" cy="0"/>
+        </a:xfrm>
+      </p:grpSpPr>
+      <p:sp>
+        <p:nvSpPr>
+          <p:cNvPr id="2" name="Title 1"/>
+          <p:cNvSpPr>
+            <a:spLocks noGrp="1"/>
+          </p:cNvSpPr>
+          <p:nvPr>
+            <p:ph type="title"/>
+          </p:nvPr>
+        </p:nvSpPr>
+        <p:spPr/>
+        <p:txBody>
+          <a:bodyPr/>
+          <a:lstStyle/>
+          <a:p>
+            <a:r>
+              <a:rPr lang="en-US" dirty="0" smtClean="0"/>
+              <a:t>Summary</a:t>
+            </a:r>
+            <a:endParaRPr lang="en-US" dirty="0"/>
+          </a:p>
+        </p:txBody>
+      </p:sp>
+      <p:sp>
+        <p:nvSpPr>
+          <p:cNvPr id="3" name="Content Placeholder 2"/>
+          <p:cNvSpPr>
+            <a:spLocks noGrp="1"/>
+          </p:cNvSpPr>
+          <p:nvPr>
+            <p:ph idx="1"/>
+          </p:nvPr>
+        </p:nvSpPr>
+        <p:spPr/>
+        <p:txBody>
+          <a:bodyPr/>
+          <a:lstStyle/>
+          <a:p>
+            <a:r>
+              <a:rPr lang="en-US" dirty="0" smtClean="0"/>
+              <a:t>Always look at your code and look for functions that you can run in parallel.</a:t>
+            </a:r>
+          </a:p>
+          <a:p>
+            <a:r>
+              <a:rPr lang="en-US" dirty="0" smtClean="0"/>
+              <a:t>Try to run as much code in parallel as you can.</a:t>
+            </a:r>
+            <a:endParaRPr lang="he-IL" dirty="0" smtClean="0"/>
+          </a:p>
+          <a:p>
+            <a:r>
+              <a:rPr lang="en-US" dirty="0" smtClean="0"/>
+              <a:t>Try to re-structure your code in order to execute as much asynchronous operations in parallel</a:t>
+            </a:r>
+            <a:endParaRPr lang="en-US" dirty="0"/>
+          </a:p>
+        </p:txBody>
+      </p:sp>
+    </p:spTree>
+    <p:extLst>
+      <p:ext uri="{BB962C8B-B14F-4D97-AF65-F5344CB8AC3E}">
+        <p14:creationId xmlns:p14="http://schemas.microsoft.com/office/powerpoint/2010/main" val="1854584356"/>
+      </p:ext>
+    </p:extLst>
+  </p:cSld>
+  <p:clrMapOvr>
+    <a:masterClrMapping/>
+  </p:clrMapOvr>
+</p:sld>
+</file>
+
+<file path=ppt/slides/slide22.xml><?xml version="1.0" encoding="utf-8"?>
+<p:sld xmlns:a="http://schemas.openxmlformats.org/drawingml/2006/main" xmlns:r="http://schemas.openxmlformats.org/officeDocument/2006/relationships" xmlns:p="http://schemas.openxmlformats.org/presentationml/2006/main">
+  <p:cSld>
+    <p:spTree>
+      <p:nvGrpSpPr>
+        <p:cNvPr id="1" name=""/>
+        <p:cNvGrpSpPr/>
+        <p:nvPr/>
+      </p:nvGrpSpPr>
+      <p:grpSpPr>
+        <a:xfrm>
+          <a:off x="0" y="0"/>
+          <a:ext cx="0" cy="0"/>
+          <a:chOff x="0" y="0"/>
+          <a:chExt cx="0" cy="0"/>
+        </a:xfrm>
+      </p:grpSpPr>
+      <p:sp>
+        <p:nvSpPr>
+          <p:cNvPr id="2" name="Title 1"/>
+          <p:cNvSpPr>
+            <a:spLocks noGrp="1"/>
+          </p:cNvSpPr>
+          <p:nvPr>
+            <p:ph type="title"/>
+          </p:nvPr>
+        </p:nvSpPr>
+        <p:spPr>
+          <a:xfrm>
+            <a:off x="609599" y="2641600"/>
+            <a:ext cx="6347713" cy="1320800"/>
+          </a:xfrm>
+        </p:spPr>
+        <p:txBody>
+          <a:bodyPr/>
+          <a:lstStyle/>
+          <a:p>
+            <a:r>
+              <a:rPr lang="en-US" dirty="0" smtClean="0"/>
+              <a:t>Handle More Load with Your Node.js server cluster</a:t>
+            </a:r>
+            <a:endParaRPr lang="en-US" dirty="0"/>
+          </a:p>
+        </p:txBody>
+      </p:sp>
+    </p:spTree>
+    <p:extLst>
+      <p:ext uri="{BB962C8B-B14F-4D97-AF65-F5344CB8AC3E}">
+        <p14:creationId xmlns:p14="http://schemas.microsoft.com/office/powerpoint/2010/main" val="485834599"/>
+      </p:ext>
+    </p:extLst>
+  </p:cSld>
+  <p:clrMapOvr>
+    <a:masterClrMapping/>
+  </p:clrMapOvr>
+</p:sld>
+</file>
+
+<file path=ppt/slides/slide23.xml><?xml version="1.0" encoding="utf-8"?>
+<p:sld xmlns:a="http://schemas.openxmlformats.org/drawingml/2006/main" xmlns:r="http://schemas.openxmlformats.org/officeDocument/2006/relationships" xmlns:p="http://schemas.openxmlformats.org/presentationml/2006/main">
+  <p:cSld>
+    <p:spTree>
+      <p:nvGrpSpPr>
+        <p:cNvPr id="1" name=""/>
+        <p:cNvGrpSpPr/>
+        <p:nvPr/>
+      </p:nvGrpSpPr>
+      <p:grpSpPr>
+        <a:xfrm>
+          <a:off x="0" y="0"/>
+          <a:ext cx="0" cy="0"/>
+          <a:chOff x="0" y="0"/>
+          <a:chExt cx="0" cy="0"/>
+        </a:xfrm>
+      </p:grpSpPr>
+      <p:sp>
+        <p:nvSpPr>
+          <p:cNvPr id="2" name="Title 1"/>
+          <p:cNvSpPr>
+            <a:spLocks noGrp="1"/>
+          </p:cNvSpPr>
+          <p:nvPr>
+            <p:ph type="title"/>
+          </p:nvPr>
+        </p:nvSpPr>
+        <p:spPr/>
+        <p:txBody>
+          <a:bodyPr/>
+          <a:lstStyle/>
+          <a:p>
+            <a:r>
+              <a:rPr lang="en-US" dirty="0" smtClean="0"/>
+              <a:t>We Must Use More Then One Process</a:t>
+            </a:r>
+            <a:endParaRPr lang="en-US" dirty="0"/>
+          </a:p>
+        </p:txBody>
+      </p:sp>
+      <p:sp>
+        <p:nvSpPr>
+          <p:cNvPr id="3" name="Content Placeholder 2"/>
+          <p:cNvSpPr>
+            <a:spLocks noGrp="1"/>
+          </p:cNvSpPr>
+          <p:nvPr>
+            <p:ph idx="1"/>
+          </p:nvPr>
+        </p:nvSpPr>
+        <p:spPr/>
+        <p:txBody>
+          <a:bodyPr/>
+          <a:lstStyle/>
+          <a:p>
+            <a:r>
+              <a:rPr lang="en-US" dirty="0" smtClean="0"/>
+              <a:t>Node.js is single process with event loop.</a:t>
+            </a:r>
+          </a:p>
+          <a:p>
+            <a:r>
+              <a:rPr lang="en-US" dirty="0" smtClean="0"/>
+              <a:t>It will utilize only one CPU of the machine</a:t>
+            </a:r>
+          </a:p>
+          <a:p>
+            <a:r>
+              <a:rPr lang="en-US" dirty="0" smtClean="0"/>
+              <a:t>There is a limitation to the load that one process can handle – no matter how strong the machine is</a:t>
+            </a:r>
+          </a:p>
+          <a:p>
+            <a:r>
+              <a:rPr lang="en-US" dirty="0" smtClean="0"/>
+              <a:t>If we want to utilize the entire power of the CPUs of the machine – we have to use more processes</a:t>
+            </a:r>
+            <a:endParaRPr lang="en-US" dirty="0"/>
+          </a:p>
+        </p:txBody>
+      </p:sp>
+    </p:spTree>
+    <p:extLst>
+      <p:ext uri="{BB962C8B-B14F-4D97-AF65-F5344CB8AC3E}">
+        <p14:creationId xmlns:p14="http://schemas.microsoft.com/office/powerpoint/2010/main" val="69982868"/>
+      </p:ext>
+    </p:extLst>
+  </p:cSld>
+  <p:clrMapOvr>
+    <a:masterClrMapping/>
+  </p:clrMapOvr>
+</p:sld>
+</file>
+
+<file path=ppt/slides/slide24.xml><?xml version="1.0" encoding="utf-8"?>
+<p:sld xmlns:a="http://schemas.openxmlformats.org/drawingml/2006/main" xmlns:r="http://schemas.openxmlformats.org/officeDocument/2006/relationships" xmlns:p="http://schemas.openxmlformats.org/presentationml/2006/main">
+  <p:cSld>
+    <p:spTree>
+      <p:nvGrpSpPr>
+        <p:cNvPr id="1" name=""/>
+        <p:cNvGrpSpPr/>
+        <p:nvPr/>
+      </p:nvGrpSpPr>
+      <p:grpSpPr>
+        <a:xfrm>
+          <a:off x="0" y="0"/>
+          <a:ext cx="0" cy="0"/>
+          <a:chOff x="0" y="0"/>
+          <a:chExt cx="0" cy="0"/>
+        </a:xfrm>
+      </p:grpSpPr>
+      <p:sp>
+        <p:nvSpPr>
+          <p:cNvPr id="2" name="Title 1"/>
+          <p:cNvSpPr>
+            <a:spLocks noGrp="1"/>
+          </p:cNvSpPr>
+          <p:nvPr>
+            <p:ph type="title"/>
+          </p:nvPr>
+        </p:nvSpPr>
+        <p:spPr/>
+        <p:txBody>
+          <a:bodyPr/>
+          <a:lstStyle/>
+          <a:p>
+            <a:r>
+              <a:rPr lang="en-US" dirty="0" smtClean="0"/>
+              <a:t>Possible Multi Process Setups – Option 1</a:t>
+            </a:r>
+            <a:endParaRPr lang="en-US" dirty="0"/>
+          </a:p>
+        </p:txBody>
+      </p:sp>
+      <p:sp>
+        <p:nvSpPr>
+          <p:cNvPr id="3" name="Content Placeholder 2"/>
+          <p:cNvSpPr>
+            <a:spLocks noGrp="1"/>
+          </p:cNvSpPr>
+          <p:nvPr>
+            <p:ph idx="1"/>
+          </p:nvPr>
+        </p:nvSpPr>
+        <p:spPr>
+          <a:xfrm>
+            <a:off x="510286" y="1981200"/>
+            <a:ext cx="6347714" cy="4441163"/>
+          </a:xfrm>
+        </p:spPr>
+        <p:txBody>
+          <a:bodyPr>
+            <a:normAutofit/>
+          </a:bodyPr>
+          <a:lstStyle/>
+          <a:p>
+            <a:r>
+              <a:rPr lang="en-US" dirty="0" smtClean="0"/>
+              <a:t>Using the Cluster Module </a:t>
+            </a:r>
+          </a:p>
+          <a:p>
+            <a:pPr lvl="1"/>
+            <a:r>
+              <a:rPr lang="en-US" dirty="0" smtClean="0"/>
+              <a:t>Master Process will span child processes</a:t>
+            </a:r>
+          </a:p>
+          <a:p>
+            <a:pPr lvl="1"/>
+            <a:r>
+              <a:rPr lang="en-US" dirty="0" smtClean="0"/>
+              <a:t>Master Process will be responsible to load balance the requests to the worker process.</a:t>
+            </a:r>
+          </a:p>
+          <a:p>
+            <a:pPr lvl="1"/>
+            <a:r>
+              <a:rPr lang="en-US" dirty="0" smtClean="0"/>
+              <a:t>All processes listen to the same port</a:t>
+            </a:r>
+          </a:p>
+          <a:p>
+            <a:pPr lvl="1"/>
+            <a:r>
+              <a:rPr lang="en-US" dirty="0" smtClean="0"/>
+              <a:t>The number of worker processes is equal to the number of the CPUs in the machine</a:t>
+            </a:r>
+          </a:p>
+        </p:txBody>
+      </p:sp>
+    </p:spTree>
+    <p:extLst>
+      <p:ext uri="{BB962C8B-B14F-4D97-AF65-F5344CB8AC3E}">
+        <p14:creationId xmlns:p14="http://schemas.microsoft.com/office/powerpoint/2010/main" val="2889138942"/>
+      </p:ext>
+    </p:extLst>
+  </p:cSld>
+  <p:clrMapOvr>
+    <a:masterClrMapping/>
+  </p:clrMapOvr>
+</p:sld>
+</file>
+
+<file path=ppt/slides/slide25.xml><?xml version="1.0" encoding="utf-8"?>
+<p:sld xmlns:a="http://schemas.openxmlformats.org/drawingml/2006/main" xmlns:r="http://schemas.openxmlformats.org/officeDocument/2006/relationships" xmlns:p="http://schemas.openxmlformats.org/presentationml/2006/main">
+  <p:cSld>
+    <p:spTree>
+      <p:nvGrpSpPr>
+        <p:cNvPr id="1" name=""/>
+        <p:cNvGrpSpPr/>
+        <p:nvPr/>
+      </p:nvGrpSpPr>
+      <p:grpSpPr>
+        <a:xfrm>
+          <a:off x="0" y="0"/>
+          <a:ext cx="0" cy="0"/>
+          <a:chOff x="0" y="0"/>
+          <a:chExt cx="0" cy="0"/>
+        </a:xfrm>
+      </p:grpSpPr>
+      <p:sp>
+        <p:nvSpPr>
+          <p:cNvPr id="2" name="Title 1"/>
+          <p:cNvSpPr>
+            <a:spLocks noGrp="1"/>
+          </p:cNvSpPr>
+          <p:nvPr>
+            <p:ph type="title"/>
+          </p:nvPr>
+        </p:nvSpPr>
+        <p:spPr/>
+        <p:txBody>
+          <a:bodyPr/>
+          <a:lstStyle/>
+          <a:p>
+            <a:r>
+              <a:rPr lang="en-US" dirty="0" smtClean="0"/>
+              <a:t>Possible Multi Process Setup – Option 2</a:t>
+            </a:r>
+            <a:endParaRPr lang="en-US" dirty="0"/>
+          </a:p>
+        </p:txBody>
+      </p:sp>
+      <p:sp>
+        <p:nvSpPr>
+          <p:cNvPr id="3" name="Content Placeholder 2"/>
+          <p:cNvSpPr>
+            <a:spLocks noGrp="1"/>
+          </p:cNvSpPr>
+          <p:nvPr>
+            <p:ph idx="1"/>
+          </p:nvPr>
+        </p:nvSpPr>
+        <p:spPr/>
+        <p:txBody>
+          <a:bodyPr/>
+          <a:lstStyle/>
+          <a:p>
+            <a:r>
+              <a:rPr lang="en-US" dirty="0"/>
+              <a:t>Using </a:t>
+            </a:r>
+            <a:r>
+              <a:rPr lang="en-US" dirty="0" err="1"/>
+              <a:t>IPTable</a:t>
+            </a:r>
+            <a:r>
+              <a:rPr lang="en-US" dirty="0"/>
+              <a:t> module to load balance the requests</a:t>
+            </a:r>
+          </a:p>
+          <a:p>
+            <a:pPr lvl="1"/>
+            <a:r>
+              <a:rPr lang="en-US" dirty="0"/>
+              <a:t>Setup several </a:t>
+            </a:r>
+            <a:r>
+              <a:rPr lang="en-US" dirty="0" err="1"/>
+              <a:t>docker</a:t>
+            </a:r>
+            <a:r>
+              <a:rPr lang="en-US" dirty="0"/>
+              <a:t> containers </a:t>
+            </a:r>
+          </a:p>
+          <a:p>
+            <a:pPr lvl="1"/>
+            <a:r>
+              <a:rPr lang="en-US" dirty="0" smtClean="0"/>
+              <a:t>Containers listening </a:t>
+            </a:r>
+            <a:r>
+              <a:rPr lang="en-US" dirty="0"/>
+              <a:t>on different </a:t>
+            </a:r>
+            <a:r>
+              <a:rPr lang="en-US" dirty="0" smtClean="0"/>
+              <a:t>ports</a:t>
+            </a:r>
+          </a:p>
+          <a:p>
+            <a:pPr lvl="1"/>
+            <a:r>
+              <a:rPr lang="en-US" dirty="0" smtClean="0"/>
+              <a:t>each Container is mapped </a:t>
+            </a:r>
+            <a:r>
+              <a:rPr lang="en-US" dirty="0"/>
+              <a:t>to one CPU</a:t>
+            </a:r>
+          </a:p>
+          <a:p>
+            <a:pPr lvl="1"/>
+            <a:r>
+              <a:rPr lang="en-US" dirty="0" err="1"/>
+              <a:t>IPTables</a:t>
+            </a:r>
+            <a:r>
+              <a:rPr lang="en-US" dirty="0"/>
+              <a:t> will listen on port 80 and will redirect to containers. </a:t>
+            </a:r>
+            <a:endParaRPr lang="he-IL" dirty="0"/>
+          </a:p>
+        </p:txBody>
+      </p:sp>
+    </p:spTree>
+    <p:extLst>
+      <p:ext uri="{BB962C8B-B14F-4D97-AF65-F5344CB8AC3E}">
+        <p14:creationId xmlns:p14="http://schemas.microsoft.com/office/powerpoint/2010/main" val="288439853"/>
+      </p:ext>
+    </p:extLst>
+  </p:cSld>
+  <p:clrMapOvr>
+    <a:masterClrMapping/>
+  </p:clrMapOvr>
+</p:sld>
+</file>
+
+<file path=ppt/slides/slide26.xml><?xml version="1.0" encoding="utf-8"?>
+<p:sld xmlns:a="http://schemas.openxmlformats.org/drawingml/2006/main" xmlns:r="http://schemas.openxmlformats.org/officeDocument/2006/relationships" xmlns:p="http://schemas.openxmlformats.org/presentationml/2006/main">
+  <p:cSld>
+    <p:spTree>
+      <p:nvGrpSpPr>
+        <p:cNvPr id="1" name=""/>
+        <p:cNvGrpSpPr/>
+        <p:nvPr/>
+      </p:nvGrpSpPr>
+      <p:grpSpPr>
+        <a:xfrm>
+          <a:off x="0" y="0"/>
+          <a:ext cx="0" cy="0"/>
+          <a:chOff x="0" y="0"/>
+          <a:chExt cx="0" cy="0"/>
+        </a:xfrm>
+      </p:grpSpPr>
+      <p:sp>
+        <p:nvSpPr>
+          <p:cNvPr id="2" name="Title 1"/>
+          <p:cNvSpPr>
+            <a:spLocks noGrp="1"/>
+          </p:cNvSpPr>
+          <p:nvPr>
+            <p:ph type="title"/>
+          </p:nvPr>
+        </p:nvSpPr>
+        <p:spPr/>
+        <p:txBody>
+          <a:bodyPr/>
+          <a:lstStyle/>
+          <a:p>
+            <a:r>
+              <a:rPr lang="en-US" dirty="0" smtClean="0"/>
+              <a:t>Possible Multi Process Setup – Option 3</a:t>
+            </a:r>
+            <a:endParaRPr lang="en-US" dirty="0"/>
+          </a:p>
+        </p:txBody>
+      </p:sp>
+      <p:sp>
+        <p:nvSpPr>
+          <p:cNvPr id="3" name="Content Placeholder 2"/>
+          <p:cNvSpPr>
+            <a:spLocks noGrp="1"/>
+          </p:cNvSpPr>
+          <p:nvPr>
+            <p:ph idx="1"/>
+          </p:nvPr>
+        </p:nvSpPr>
+        <p:spPr/>
+        <p:txBody>
+          <a:bodyPr/>
+          <a:lstStyle/>
+          <a:p>
+            <a:r>
+              <a:rPr lang="en-US" dirty="0"/>
+              <a:t>Using a load balancer to load balance the requests</a:t>
+            </a:r>
+          </a:p>
+          <a:p>
+            <a:pPr lvl="1"/>
+            <a:r>
+              <a:rPr lang="en-US" dirty="0"/>
+              <a:t>Setup several </a:t>
+            </a:r>
+            <a:r>
+              <a:rPr lang="en-US" dirty="0" err="1"/>
+              <a:t>docker</a:t>
+            </a:r>
+            <a:r>
+              <a:rPr lang="en-US" dirty="0"/>
+              <a:t> containers </a:t>
+            </a:r>
+            <a:endParaRPr lang="en-US" dirty="0" smtClean="0"/>
+          </a:p>
+          <a:p>
+            <a:pPr lvl="1"/>
+            <a:r>
+              <a:rPr lang="en-US" dirty="0" smtClean="0"/>
+              <a:t>Each container </a:t>
+            </a:r>
+            <a:r>
+              <a:rPr lang="en-US" dirty="0"/>
+              <a:t>listening on different </a:t>
+            </a:r>
+            <a:r>
+              <a:rPr lang="en-US" dirty="0" smtClean="0"/>
+              <a:t>port</a:t>
+            </a:r>
+          </a:p>
+          <a:p>
+            <a:pPr lvl="1"/>
+            <a:r>
+              <a:rPr lang="en-US" dirty="0" smtClean="0"/>
+              <a:t>Each </a:t>
+            </a:r>
+            <a:r>
+              <a:rPr lang="en-US" dirty="0"/>
+              <a:t>one mapped to one CPU</a:t>
+            </a:r>
+          </a:p>
+          <a:p>
+            <a:pPr lvl="1"/>
+            <a:r>
+              <a:rPr lang="en-US" dirty="0"/>
+              <a:t>We can use </a:t>
+            </a:r>
+            <a:r>
+              <a:rPr lang="en-US" dirty="0" err="1"/>
+              <a:t>Ngnix</a:t>
+            </a:r>
+            <a:r>
+              <a:rPr lang="en-US" dirty="0"/>
+              <a:t> or </a:t>
+            </a:r>
+            <a:r>
+              <a:rPr lang="en-US" dirty="0" err="1"/>
+              <a:t>HAProxy</a:t>
+            </a:r>
+            <a:r>
+              <a:rPr lang="en-US" dirty="0"/>
+              <a:t> as load balancer</a:t>
+            </a:r>
+            <a:r>
+              <a:rPr lang="en-US" dirty="0" smtClean="0"/>
+              <a:t>.</a:t>
+            </a:r>
+            <a:endParaRPr lang="en-US" dirty="0"/>
+          </a:p>
+        </p:txBody>
+      </p:sp>
+    </p:spTree>
+    <p:extLst>
+      <p:ext uri="{BB962C8B-B14F-4D97-AF65-F5344CB8AC3E}">
+        <p14:creationId xmlns:p14="http://schemas.microsoft.com/office/powerpoint/2010/main" val="326703396"/>
+      </p:ext>
+    </p:extLst>
+  </p:cSld>
+  <p:clrMapOvr>
+    <a:masterClrMapping/>
+  </p:clrMapOvr>
+</p:sld>
+</file>
+
+<file path=ppt/slides/slide27.xml><?xml version="1.0" encoding="utf-8"?>
+<p:sld xmlns:a="http://schemas.openxmlformats.org/drawingml/2006/main" xmlns:r="http://schemas.openxmlformats.org/officeDocument/2006/relationships" xmlns:p="http://schemas.openxmlformats.org/presentationml/2006/main">
+  <p:cSld>
+    <p:spTree>
+      <p:nvGrpSpPr>
+        <p:cNvPr id="1" name=""/>
+        <p:cNvGrpSpPr/>
+        <p:nvPr/>
+      </p:nvGrpSpPr>
+      <p:grpSpPr>
+        <a:xfrm>
+          <a:off x="0" y="0"/>
+          <a:ext cx="0" cy="0"/>
+          <a:chOff x="0" y="0"/>
+          <a:chExt cx="0" cy="0"/>
+        </a:xfrm>
+      </p:grpSpPr>
+      <p:sp>
+        <p:nvSpPr>
+          <p:cNvPr id="2" name="Title 1"/>
+          <p:cNvSpPr>
+            <a:spLocks noGrp="1"/>
+          </p:cNvSpPr>
+          <p:nvPr>
+            <p:ph type="title"/>
+          </p:nvPr>
+        </p:nvSpPr>
+        <p:spPr/>
+        <p:txBody>
+          <a:bodyPr/>
+          <a:lstStyle/>
+          <a:p>
+            <a:r>
+              <a:rPr lang="en-US" dirty="0" smtClean="0"/>
+              <a:t>Request Load Comparison</a:t>
+            </a:r>
+            <a:endParaRPr lang="en-US" dirty="0"/>
+          </a:p>
+        </p:txBody>
+      </p:sp>
+      <p:pic>
+        <p:nvPicPr>
+          <p:cNvPr id="4" name="Picture 3"/>
+          <p:cNvPicPr>
+            <a:picLocks noChangeAspect="1"/>
+          </p:cNvPicPr>
+          <p:nvPr/>
+        </p:nvPicPr>
+        <p:blipFill>
+          <a:blip r:embed="rId2">
+            <a:extLst>
+              <a:ext uri="{28A0092B-C50C-407E-A947-70E740481C1C}">
+                <a14:useLocalDpi xmlns:a14="http://schemas.microsoft.com/office/drawing/2010/main" val="0"/>
+              </a:ext>
+            </a:extLst>
+          </a:blip>
+          <a:stretch>
+            <a:fillRect/>
+          </a:stretch>
+        </p:blipFill>
+        <p:spPr>
+          <a:xfrm>
+            <a:off x="609600" y="1981200"/>
+            <a:ext cx="6576630" cy="3650296"/>
+          </a:xfrm>
+          <a:prstGeom prst="rect">
+            <a:avLst/>
+          </a:prstGeom>
+        </p:spPr>
+      </p:pic>
+    </p:spTree>
+    <p:extLst>
+      <p:ext uri="{BB962C8B-B14F-4D97-AF65-F5344CB8AC3E}">
+        <p14:creationId xmlns:p14="http://schemas.microsoft.com/office/powerpoint/2010/main" val="967484501"/>
+      </p:ext>
+    </p:extLst>
+  </p:cSld>
+  <p:clrMapOvr>
+    <a:masterClrMapping/>
+  </p:clrMapOvr>
+</p:sld>
+</file>
+
+<file path=ppt/slides/slide28.xml><?xml version="1.0" encoding="utf-8"?>
+<p:sld xmlns:a="http://schemas.openxmlformats.org/drawingml/2006/main" xmlns:r="http://schemas.openxmlformats.org/officeDocument/2006/relationships" xmlns:p="http://schemas.openxmlformats.org/presentationml/2006/main">
+  <p:cSld>
+    <p:spTree>
+      <p:nvGrpSpPr>
+        <p:cNvPr id="1" name=""/>
+        <p:cNvGrpSpPr/>
+        <p:nvPr/>
+      </p:nvGrpSpPr>
+      <p:grpSpPr>
+        <a:xfrm>
+          <a:off x="0" y="0"/>
+          <a:ext cx="0" cy="0"/>
+          <a:chOff x="0" y="0"/>
+          <a:chExt cx="0" cy="0"/>
+        </a:xfrm>
+      </p:grpSpPr>
+      <p:sp>
+        <p:nvSpPr>
+          <p:cNvPr id="2" name="Title 1"/>
+          <p:cNvSpPr>
+            <a:spLocks noGrp="1"/>
+          </p:cNvSpPr>
+          <p:nvPr>
+            <p:ph type="title"/>
+          </p:nvPr>
+        </p:nvSpPr>
+        <p:spPr/>
+        <p:txBody>
+          <a:bodyPr/>
+          <a:lstStyle/>
+          <a:p>
+            <a:r>
+              <a:rPr lang="en-US" dirty="0" smtClean="0"/>
+              <a:t>Number Of Requests Per Process – Cluster Module</a:t>
+            </a:r>
+            <a:endParaRPr lang="en-US" dirty="0"/>
+          </a:p>
+        </p:txBody>
+      </p:sp>
+      <p:pic>
+        <p:nvPicPr>
+          <p:cNvPr id="4" name="Picture 3"/>
+          <p:cNvPicPr>
+            <a:picLocks noChangeAspect="1"/>
+          </p:cNvPicPr>
+          <p:nvPr/>
+        </p:nvPicPr>
+        <p:blipFill>
+          <a:blip r:embed="rId2">
+            <a:extLst>
+              <a:ext uri="{28A0092B-C50C-407E-A947-70E740481C1C}">
+                <a14:useLocalDpi xmlns:a14="http://schemas.microsoft.com/office/drawing/2010/main" val="0"/>
+              </a:ext>
+            </a:extLst>
+          </a:blip>
+          <a:stretch>
+            <a:fillRect/>
+          </a:stretch>
+        </p:blipFill>
+        <p:spPr>
+          <a:xfrm>
+            <a:off x="738590" y="1981200"/>
+            <a:ext cx="6348010" cy="3894157"/>
+          </a:xfrm>
+          <a:prstGeom prst="rect">
+            <a:avLst/>
+          </a:prstGeom>
+        </p:spPr>
+      </p:pic>
+    </p:spTree>
+    <p:extLst>
+      <p:ext uri="{BB962C8B-B14F-4D97-AF65-F5344CB8AC3E}">
+        <p14:creationId xmlns:p14="http://schemas.microsoft.com/office/powerpoint/2010/main" val="2741229455"/>
+      </p:ext>
+    </p:extLst>
+  </p:cSld>
+  <p:clrMapOvr>
+    <a:masterClrMapping/>
+  </p:clrMapOvr>
+</p:sld>
+</file>
+
+<file path=ppt/slides/slide29.xml><?xml version="1.0" encoding="utf-8"?>
+<p:sld xmlns:a="http://schemas.openxmlformats.org/drawingml/2006/main" xmlns:r="http://schemas.openxmlformats.org/officeDocument/2006/relationships" xmlns:p="http://schemas.openxmlformats.org/presentationml/2006/main">
+  <p:cSld>
+    <p:spTree>
+      <p:nvGrpSpPr>
+        <p:cNvPr id="1" name=""/>
+        <p:cNvGrpSpPr/>
+        <p:nvPr/>
+      </p:nvGrpSpPr>
+      <p:grpSpPr>
+        <a:xfrm>
+          <a:off x="0" y="0"/>
+          <a:ext cx="0" cy="0"/>
+          <a:chOff x="0" y="0"/>
+          <a:chExt cx="0" cy="0"/>
+        </a:xfrm>
+      </p:grpSpPr>
+      <p:sp>
+        <p:nvSpPr>
+          <p:cNvPr id="2" name="Title 1"/>
+          <p:cNvSpPr>
+            <a:spLocks noGrp="1"/>
+          </p:cNvSpPr>
+          <p:nvPr>
+            <p:ph type="title"/>
+          </p:nvPr>
+        </p:nvSpPr>
+        <p:spPr/>
+        <p:txBody>
+          <a:bodyPr/>
+          <a:lstStyle/>
+          <a:p>
+            <a:r>
+              <a:rPr lang="en-US" dirty="0" smtClean="0"/>
+              <a:t>Number Of Requests Per Process - Nginx</a:t>
+            </a:r>
+            <a:endParaRPr lang="en-US" dirty="0"/>
+          </a:p>
+        </p:txBody>
+      </p:sp>
+      <p:pic>
+        <p:nvPicPr>
+          <p:cNvPr id="4" name="Picture 3"/>
+          <p:cNvPicPr>
+            <a:picLocks noChangeAspect="1"/>
+          </p:cNvPicPr>
+          <p:nvPr/>
+        </p:nvPicPr>
+        <p:blipFill>
+          <a:blip r:embed="rId2">
+            <a:extLst>
+              <a:ext uri="{28A0092B-C50C-407E-A947-70E740481C1C}">
+                <a14:useLocalDpi xmlns:a14="http://schemas.microsoft.com/office/drawing/2010/main" val="0"/>
+              </a:ext>
+            </a:extLst>
+          </a:blip>
+          <a:stretch>
+            <a:fillRect/>
+          </a:stretch>
+        </p:blipFill>
+        <p:spPr>
+          <a:xfrm>
+            <a:off x="685800" y="2133600"/>
+            <a:ext cx="7018628" cy="3787468"/>
+          </a:xfrm>
+          <a:prstGeom prst="rect">
+            <a:avLst/>
+          </a:prstGeom>
+        </p:spPr>
+      </p:pic>
+    </p:spTree>
+    <p:extLst>
+      <p:ext uri="{BB962C8B-B14F-4D97-AF65-F5344CB8AC3E}">
+        <p14:creationId xmlns:p14="http://schemas.microsoft.com/office/powerpoint/2010/main" val="3464723723"/>
+      </p:ext>
+    </p:extLst>
+  </p:cSld>
+  <p:clrMapOvr>
+    <a:masterClrMapping/>
+  </p:clrMapOvr>
+</p:sld>
+</file>
+
+<file path=ppt/slides/slide3.xml><?xml version="1.0" encoding="utf-8"?>
+<p:sld xmlns:a="http://schemas.openxmlformats.org/drawingml/2006/main" xmlns:r="http://schemas.openxmlformats.org/officeDocument/2006/relationships" xmlns:p="http://schemas.openxmlformats.org/presentationml/2006/main">
+  <p:cSld>
+    <p:spTree>
+      <p:nvGrpSpPr>
+        <p:cNvPr id="1" name=""/>
+        <p:cNvGrpSpPr/>
+        <p:nvPr/>
+      </p:nvGrpSpPr>
+      <p:grpSpPr>
+        <a:xfrm>
+          <a:off x="0" y="0"/>
+          <a:ext cx="0" cy="0"/>
+          <a:chOff x="0" y="0"/>
+          <a:chExt cx="0" cy="0"/>
+        </a:xfrm>
+      </p:grpSpPr>
+      <p:sp>
+        <p:nvSpPr>
+          <p:cNvPr id="2" name="Title 1"/>
+          <p:cNvSpPr>
+            <a:spLocks noGrp="1"/>
+          </p:cNvSpPr>
+          <p:nvPr>
+            <p:ph type="title"/>
+          </p:nvPr>
+        </p:nvSpPr>
+        <p:spPr/>
+        <p:txBody>
+          <a:bodyPr/>
+          <a:lstStyle/>
+          <a:p>
+            <a:r>
+              <a:rPr lang="en-US" dirty="0" smtClean="0"/>
+              <a:t>General Performance Tips – Application </a:t>
+            </a:r>
+            <a:endParaRPr lang="en-US" dirty="0"/>
+          </a:p>
+        </p:txBody>
+      </p:sp>
+      <p:sp>
+        <p:nvSpPr>
+          <p:cNvPr id="3" name="Content Placeholder 2"/>
+          <p:cNvSpPr>
+            <a:spLocks noGrp="1"/>
+          </p:cNvSpPr>
+          <p:nvPr>
+            <p:ph idx="1"/>
+          </p:nvPr>
+        </p:nvSpPr>
+        <p:spPr/>
+        <p:txBody>
+          <a:bodyPr/>
+          <a:lstStyle/>
+          <a:p>
+            <a:r>
+              <a:rPr lang="en-US" dirty="0"/>
+              <a:t>General tips for every language :</a:t>
+            </a:r>
+          </a:p>
+          <a:p>
+            <a:pPr lvl="1"/>
+            <a:r>
+              <a:rPr lang="en-US" dirty="0"/>
+              <a:t>Make sure your logs are on error mode</a:t>
+            </a:r>
+          </a:p>
+          <a:p>
+            <a:pPr lvl="1"/>
+            <a:r>
+              <a:rPr lang="en-US" dirty="0"/>
+              <a:t>Use more efficient data structures – prefer </a:t>
+            </a:r>
+            <a:r>
+              <a:rPr lang="en-US" dirty="0" err="1"/>
+              <a:t>HashMaps</a:t>
+            </a:r>
+            <a:r>
+              <a:rPr lang="en-US" dirty="0"/>
+              <a:t> over arrays</a:t>
+            </a:r>
+          </a:p>
+          <a:p>
+            <a:pPr lvl="1"/>
+            <a:r>
+              <a:rPr lang="en-US" dirty="0"/>
+              <a:t>Use cache wherever you can</a:t>
+            </a:r>
+          </a:p>
+          <a:p>
+            <a:pPr lvl="1"/>
+            <a:r>
+              <a:rPr lang="en-US" dirty="0"/>
+              <a:t>Optimize your database queries – </a:t>
+            </a:r>
+          </a:p>
+          <a:p>
+            <a:pPr lvl="2"/>
+            <a:r>
+              <a:rPr lang="en-US" dirty="0"/>
+              <a:t>Analyze your Db queries</a:t>
+            </a:r>
+          </a:p>
+          <a:p>
+            <a:pPr lvl="2"/>
+            <a:r>
+              <a:rPr lang="en-US" dirty="0"/>
+              <a:t>Index you DB</a:t>
+            </a:r>
+          </a:p>
+          <a:p>
+            <a:pPr lvl="2"/>
+            <a:r>
+              <a:rPr lang="en-US" dirty="0"/>
+              <a:t>Return only Needed fields and not entire table/collection</a:t>
+            </a:r>
+          </a:p>
+          <a:p>
+            <a:pPr lvl="2"/>
+            <a:r>
+              <a:rPr lang="en-US" dirty="0"/>
+              <a:t>Limit amount of results </a:t>
+            </a:r>
+          </a:p>
+        </p:txBody>
+      </p:sp>
+    </p:spTree>
+    <p:extLst>
+      <p:ext uri="{BB962C8B-B14F-4D97-AF65-F5344CB8AC3E}">
+        <p14:creationId xmlns:p14="http://schemas.microsoft.com/office/powerpoint/2010/main" val="321334784"/>
+      </p:ext>
+    </p:extLst>
+  </p:cSld>
+  <p:clrMapOvr>
+    <a:masterClrMapping/>
+  </p:clrMapOvr>
+</p:sld>
+</file>
+
+<file path=ppt/slides/slide30.xml><?xml version="1.0" encoding="utf-8"?>
+<p:sld xmlns:a="http://schemas.openxmlformats.org/drawingml/2006/main" xmlns:r="http://schemas.openxmlformats.org/officeDocument/2006/relationships" xmlns:p="http://schemas.openxmlformats.org/presentationml/2006/main">
+  <p:cSld>
+    <p:spTree>
+      <p:nvGrpSpPr>
+        <p:cNvPr id="1" name=""/>
+        <p:cNvGrpSpPr/>
+        <p:nvPr/>
+      </p:nvGrpSpPr>
+      <p:grpSpPr>
+        <a:xfrm>
+          <a:off x="0" y="0"/>
+          <a:ext cx="0" cy="0"/>
+          <a:chOff x="0" y="0"/>
+          <a:chExt cx="0" cy="0"/>
+        </a:xfrm>
+      </p:grpSpPr>
+      <p:sp>
+        <p:nvSpPr>
+          <p:cNvPr id="2" name="Title 1"/>
+          <p:cNvSpPr>
+            <a:spLocks noGrp="1"/>
+          </p:cNvSpPr>
+          <p:nvPr>
+            <p:ph type="title"/>
+          </p:nvPr>
+        </p:nvSpPr>
+        <p:spPr/>
+        <p:txBody>
+          <a:bodyPr/>
+          <a:lstStyle/>
+          <a:p>
+            <a:r>
+              <a:rPr lang="en-US" dirty="0" smtClean="0"/>
+              <a:t>Why Cluster Module Handles Less Load</a:t>
+            </a:r>
+            <a:endParaRPr lang="en-US" dirty="0"/>
+          </a:p>
+        </p:txBody>
+      </p:sp>
+      <p:sp>
+        <p:nvSpPr>
+          <p:cNvPr id="3" name="Content Placeholder 2"/>
+          <p:cNvSpPr>
+            <a:spLocks noGrp="1"/>
+          </p:cNvSpPr>
+          <p:nvPr>
+            <p:ph idx="1"/>
+          </p:nvPr>
+        </p:nvSpPr>
+        <p:spPr/>
+        <p:txBody>
+          <a:bodyPr/>
+          <a:lstStyle/>
+          <a:p>
+            <a:r>
+              <a:rPr lang="en-US" dirty="0" smtClean="0"/>
+              <a:t>In the cluster module, the master process is responsible for load balancing the requests.</a:t>
+            </a:r>
+          </a:p>
+          <a:p>
+            <a:r>
+              <a:rPr lang="en-US" dirty="0" smtClean="0"/>
+              <a:t>This will not come without a price :</a:t>
+            </a:r>
+          </a:p>
+          <a:p>
+            <a:pPr lvl="1"/>
+            <a:r>
+              <a:rPr lang="en-US" dirty="0" smtClean="0"/>
+              <a:t>The Master process will handle much less load.</a:t>
+            </a:r>
+          </a:p>
+          <a:p>
+            <a:pPr lvl="1"/>
+            <a:r>
+              <a:rPr lang="en-US" dirty="0" smtClean="0"/>
+              <a:t>The master process will waste the CPU on load balancing </a:t>
+            </a:r>
+          </a:p>
+          <a:p>
+            <a:pPr lvl="1"/>
+            <a:r>
+              <a:rPr lang="en-US" dirty="0" smtClean="0"/>
+              <a:t>The master process will usually use much more memory then other processes.</a:t>
+            </a:r>
+          </a:p>
+        </p:txBody>
+      </p:sp>
+    </p:spTree>
+    <p:extLst>
+      <p:ext uri="{BB962C8B-B14F-4D97-AF65-F5344CB8AC3E}">
+        <p14:creationId xmlns:p14="http://schemas.microsoft.com/office/powerpoint/2010/main" val="2994990670"/>
+      </p:ext>
+    </p:extLst>
+  </p:cSld>
+  <p:clrMapOvr>
+    <a:masterClrMapping/>
+  </p:clrMapOvr>
+</p:sld>
+</file>
+
+<file path=ppt/slides/slide31.xml><?xml version="1.0" encoding="utf-8"?>
+<p:sld xmlns:a="http://schemas.openxmlformats.org/drawingml/2006/main" xmlns:r="http://schemas.openxmlformats.org/officeDocument/2006/relationships" xmlns:p="http://schemas.openxmlformats.org/presentationml/2006/main">
+  <p:cSld>
+    <p:spTree>
+      <p:nvGrpSpPr>
+        <p:cNvPr id="1" name=""/>
+        <p:cNvGrpSpPr/>
+        <p:nvPr/>
+      </p:nvGrpSpPr>
+      <p:grpSpPr>
+        <a:xfrm>
+          <a:off x="0" y="0"/>
+          <a:ext cx="0" cy="0"/>
+          <a:chOff x="0" y="0"/>
+          <a:chExt cx="0" cy="0"/>
+        </a:xfrm>
+      </p:grpSpPr>
+      <p:sp>
+        <p:nvSpPr>
+          <p:cNvPr id="2" name="Title 1"/>
+          <p:cNvSpPr>
+            <a:spLocks noGrp="1"/>
+          </p:cNvSpPr>
+          <p:nvPr>
+            <p:ph type="title"/>
+          </p:nvPr>
+        </p:nvSpPr>
+        <p:spPr/>
+        <p:txBody>
+          <a:bodyPr/>
+          <a:lstStyle/>
+          <a:p>
+            <a:r>
+              <a:rPr lang="en-US" dirty="0" smtClean="0"/>
+              <a:t>Conclusion</a:t>
+            </a:r>
+            <a:endParaRPr lang="en-US" dirty="0"/>
+          </a:p>
+        </p:txBody>
+      </p:sp>
+      <p:sp>
+        <p:nvSpPr>
+          <p:cNvPr id="3" name="Content Placeholder 2"/>
+          <p:cNvSpPr>
+            <a:spLocks noGrp="1"/>
+          </p:cNvSpPr>
+          <p:nvPr>
+            <p:ph idx="1"/>
+          </p:nvPr>
+        </p:nvSpPr>
+        <p:spPr>
+          <a:xfrm>
+            <a:off x="738886" y="1681827"/>
+            <a:ext cx="6347714" cy="3880773"/>
+          </a:xfrm>
+        </p:spPr>
+        <p:txBody>
+          <a:bodyPr/>
+          <a:lstStyle/>
+          <a:p>
+            <a:r>
+              <a:rPr lang="en-US" dirty="0"/>
+              <a:t>If you want to squeeze performance – </a:t>
+            </a:r>
+            <a:r>
+              <a:rPr lang="en-US" dirty="0" smtClean="0"/>
+              <a:t>	</a:t>
+            </a:r>
+          </a:p>
+          <a:p>
+            <a:pPr lvl="1"/>
+            <a:r>
+              <a:rPr lang="en-US" dirty="0" smtClean="0"/>
+              <a:t>Use load balancer</a:t>
+            </a:r>
+          </a:p>
+          <a:p>
+            <a:pPr lvl="1"/>
+            <a:r>
+              <a:rPr lang="en-US" dirty="0" smtClean="0"/>
+              <a:t>Do not the cluster module</a:t>
+            </a:r>
+          </a:p>
+          <a:p>
+            <a:r>
+              <a:rPr lang="en-US" dirty="0" smtClean="0"/>
+              <a:t>Load balancer routing performance will always be better then cluster module</a:t>
+            </a:r>
+          </a:p>
+          <a:p>
+            <a:r>
+              <a:rPr lang="en-US" dirty="0" smtClean="0"/>
+              <a:t>Cluster module is an easy ,out of the box solution</a:t>
+            </a:r>
+          </a:p>
+          <a:p>
+            <a:pPr lvl="1"/>
+            <a:r>
+              <a:rPr lang="en-US" dirty="0" smtClean="0"/>
+              <a:t>Does not require other software or much integration</a:t>
+            </a:r>
+            <a:endParaRPr lang="en-US" dirty="0"/>
+          </a:p>
+        </p:txBody>
+      </p:sp>
+    </p:spTree>
+    <p:extLst>
+      <p:ext uri="{BB962C8B-B14F-4D97-AF65-F5344CB8AC3E}">
+        <p14:creationId xmlns:p14="http://schemas.microsoft.com/office/powerpoint/2010/main" val="3282722332"/>
+      </p:ext>
+    </p:extLst>
+  </p:cSld>
+  <p:clrMapOvr>
+    <a:masterClrMapping/>
+  </p:clrMapOvr>
+</p:sld>
+</file>
+
+<file path=ppt/slides/slide32.xml><?xml version="1.0" encoding="utf-8"?>
+<p:sld xmlns:a="http://schemas.openxmlformats.org/drawingml/2006/main" xmlns:r="http://schemas.openxmlformats.org/officeDocument/2006/relationships" xmlns:p="http://schemas.openxmlformats.org/presentationml/2006/main">
+  <p:cSld>
+    <p:spTree>
+      <p:nvGrpSpPr>
+        <p:cNvPr id="1" name=""/>
+        <p:cNvGrpSpPr/>
+        <p:nvPr/>
+      </p:nvGrpSpPr>
+      <p:grpSpPr>
+        <a:xfrm>
+          <a:off x="0" y="0"/>
+          <a:ext cx="0" cy="0"/>
+          <a:chOff x="0" y="0"/>
+          <a:chExt cx="0" cy="0"/>
+        </a:xfrm>
+      </p:grpSpPr>
+      <p:sp>
+        <p:nvSpPr>
+          <p:cNvPr id="2" name="Title 1"/>
+          <p:cNvSpPr>
+            <a:spLocks noGrp="1"/>
+          </p:cNvSpPr>
+          <p:nvPr>
+            <p:ph type="title"/>
+          </p:nvPr>
+        </p:nvSpPr>
+        <p:spPr>
+          <a:xfrm>
+            <a:off x="609599" y="2514600"/>
+            <a:ext cx="6347713" cy="1320800"/>
+          </a:xfrm>
+        </p:spPr>
+        <p:txBody>
+          <a:bodyPr/>
+          <a:lstStyle/>
+          <a:p>
+            <a:r>
+              <a:rPr lang="en-US" dirty="0" smtClean="0"/>
+              <a:t>Promises Performance</a:t>
+            </a:r>
+            <a:endParaRPr lang="en-US" dirty="0"/>
+          </a:p>
+        </p:txBody>
+      </p:sp>
+    </p:spTree>
+    <p:extLst>
+      <p:ext uri="{BB962C8B-B14F-4D97-AF65-F5344CB8AC3E}">
+        <p14:creationId xmlns:p14="http://schemas.microsoft.com/office/powerpoint/2010/main" val="1111870207"/>
+      </p:ext>
+    </p:extLst>
+  </p:cSld>
+  <p:clrMapOvr>
+    <a:masterClrMapping/>
+  </p:clrMapOvr>
+</p:sld>
+</file>
+
+<file path=ppt/slides/slide33.xml><?xml version="1.0" encoding="utf-8"?>
+<p:sld xmlns:a="http://schemas.openxmlformats.org/drawingml/2006/main" xmlns:r="http://schemas.openxmlformats.org/officeDocument/2006/relationships" xmlns:p="http://schemas.openxmlformats.org/presentationml/2006/main">
+  <p:cSld>
+    <p:spTree>
+      <p:nvGrpSpPr>
+        <p:cNvPr id="1" name=""/>
+        <p:cNvGrpSpPr/>
+        <p:nvPr/>
+      </p:nvGrpSpPr>
+      <p:grpSpPr>
+        <a:xfrm>
+          <a:off x="0" y="0"/>
+          <a:ext cx="0" cy="0"/>
+          <a:chOff x="0" y="0"/>
+          <a:chExt cx="0" cy="0"/>
+        </a:xfrm>
+      </p:grpSpPr>
+      <p:sp>
+        <p:nvSpPr>
+          <p:cNvPr id="2" name="Title 1"/>
+          <p:cNvSpPr>
+            <a:spLocks noGrp="1"/>
+          </p:cNvSpPr>
+          <p:nvPr>
+            <p:ph type="title"/>
+          </p:nvPr>
+        </p:nvSpPr>
+        <p:spPr/>
+        <p:txBody>
+          <a:bodyPr/>
+          <a:lstStyle/>
+          <a:p>
+            <a:r>
+              <a:rPr lang="en-US" dirty="0" smtClean="0"/>
+              <a:t>Promises - Overview</a:t>
+            </a:r>
+            <a:endParaRPr lang="en-US" dirty="0"/>
+          </a:p>
+        </p:txBody>
+      </p:sp>
+      <p:sp>
+        <p:nvSpPr>
+          <p:cNvPr id="3" name="Content Placeholder 2"/>
+          <p:cNvSpPr>
+            <a:spLocks noGrp="1"/>
+          </p:cNvSpPr>
+          <p:nvPr>
+            <p:ph idx="1"/>
+          </p:nvPr>
+        </p:nvSpPr>
+        <p:spPr/>
+        <p:txBody>
+          <a:bodyPr/>
+          <a:lstStyle/>
+          <a:p>
+            <a:r>
+              <a:rPr lang="en-US" dirty="0" smtClean="0"/>
+              <a:t>Since ES6 – promises became the standard in node.js programming</a:t>
+            </a:r>
+          </a:p>
+          <a:p>
+            <a:r>
+              <a:rPr lang="en-US" dirty="0" smtClean="0"/>
+              <a:t>It event became wider with </a:t>
+            </a:r>
+            <a:r>
+              <a:rPr lang="en-US" dirty="0" err="1" smtClean="0"/>
+              <a:t>async</a:t>
+            </a:r>
+            <a:r>
+              <a:rPr lang="en-US" dirty="0" smtClean="0"/>
+              <a:t> / await in ES7 </a:t>
+            </a:r>
+          </a:p>
+          <a:p>
+            <a:r>
+              <a:rPr lang="en-US" dirty="0" smtClean="0"/>
+              <a:t>The recommendation is to write everything with promises</a:t>
+            </a:r>
+          </a:p>
+          <a:p>
+            <a:r>
+              <a:rPr lang="en-US" dirty="0" smtClean="0"/>
+              <a:t>Which promise library will give me the best performance?</a:t>
+            </a:r>
+          </a:p>
+          <a:p>
+            <a:r>
+              <a:rPr lang="en-US" dirty="0" smtClean="0"/>
+              <a:t>What is the overhead on callbacks ?</a:t>
+            </a:r>
+            <a:endParaRPr lang="en-US" dirty="0"/>
+          </a:p>
+        </p:txBody>
+      </p:sp>
+    </p:spTree>
+    <p:extLst>
+      <p:ext uri="{BB962C8B-B14F-4D97-AF65-F5344CB8AC3E}">
+        <p14:creationId xmlns:p14="http://schemas.microsoft.com/office/powerpoint/2010/main" val="1425075094"/>
+      </p:ext>
+    </p:extLst>
+  </p:cSld>
+  <p:clrMapOvr>
+    <a:masterClrMapping/>
+  </p:clrMapOvr>
+</p:sld>
+</file>
+
+<file path=ppt/slides/slide34.xml><?xml version="1.0" encoding="utf-8"?>
+<p:sld xmlns:a="http://schemas.openxmlformats.org/drawingml/2006/main" xmlns:r="http://schemas.openxmlformats.org/officeDocument/2006/relationships" xmlns:p="http://schemas.openxmlformats.org/presentationml/2006/main">
+  <p:cSld>
+    <p:spTree>
+      <p:nvGrpSpPr>
+        <p:cNvPr id="1" name=""/>
+        <p:cNvGrpSpPr/>
+        <p:nvPr/>
+      </p:nvGrpSpPr>
+      <p:grpSpPr>
+        <a:xfrm>
+          <a:off x="0" y="0"/>
+          <a:ext cx="0" cy="0"/>
+          <a:chOff x="0" y="0"/>
+          <a:chExt cx="0" cy="0"/>
+        </a:xfrm>
+      </p:grpSpPr>
+      <p:sp>
+        <p:nvSpPr>
+          <p:cNvPr id="2" name="Title 1"/>
+          <p:cNvSpPr>
+            <a:spLocks noGrp="1"/>
+          </p:cNvSpPr>
+          <p:nvPr>
+            <p:ph type="title"/>
+          </p:nvPr>
+        </p:nvSpPr>
+        <p:spPr>
+          <a:xfrm>
+            <a:off x="609600" y="2260600"/>
+            <a:ext cx="6347713" cy="1320800"/>
+          </a:xfrm>
+        </p:spPr>
+        <p:txBody>
+          <a:bodyPr>
+            <a:normAutofit fontScale="90000"/>
+          </a:bodyPr>
+          <a:lstStyle/>
+          <a:p>
+            <a:r>
+              <a:rPr lang="en-US" dirty="0" smtClean="0"/>
+              <a:t>Code Demo – Performance : Native Promises vs Bluebird Promises</a:t>
+            </a:r>
+            <a:endParaRPr lang="en-US" dirty="0"/>
+          </a:p>
+        </p:txBody>
+      </p:sp>
+    </p:spTree>
+    <p:extLst>
+      <p:ext uri="{BB962C8B-B14F-4D97-AF65-F5344CB8AC3E}">
+        <p14:creationId xmlns:p14="http://schemas.microsoft.com/office/powerpoint/2010/main" val="692989858"/>
+      </p:ext>
+    </p:extLst>
+  </p:cSld>
+  <p:clrMapOvr>
+    <a:masterClrMapping/>
+  </p:clrMapOvr>
+</p:sld>
+</file>
+
+<file path=ppt/slides/slide35.xml><?xml version="1.0" encoding="utf-8"?>
+<p:sld xmlns:a="http://schemas.openxmlformats.org/drawingml/2006/main" xmlns:r="http://schemas.openxmlformats.org/officeDocument/2006/relationships" xmlns:p="http://schemas.openxmlformats.org/presentationml/2006/main">
+  <p:cSld>
+    <p:spTree>
+      <p:nvGrpSpPr>
+        <p:cNvPr id="1" name=""/>
+        <p:cNvGrpSpPr/>
+        <p:nvPr/>
+      </p:nvGrpSpPr>
+      <p:grpSpPr>
+        <a:xfrm>
+          <a:off x="0" y="0"/>
+          <a:ext cx="0" cy="0"/>
+          <a:chOff x="0" y="0"/>
+          <a:chExt cx="0" cy="0"/>
+        </a:xfrm>
+      </p:grpSpPr>
+      <p:sp>
+        <p:nvSpPr>
+          <p:cNvPr id="2" name="Title 1"/>
+          <p:cNvSpPr>
+            <a:spLocks noGrp="1"/>
+          </p:cNvSpPr>
+          <p:nvPr>
+            <p:ph type="title"/>
+          </p:nvPr>
+        </p:nvSpPr>
+        <p:spPr/>
+        <p:txBody>
+          <a:bodyPr>
+            <a:normAutofit/>
+          </a:bodyPr>
+          <a:lstStyle/>
+          <a:p>
+            <a:r>
+              <a:rPr lang="en-US" dirty="0" smtClean="0"/>
+              <a:t>Bluebird Promises Are Much Faster</a:t>
+            </a:r>
+            <a:endParaRPr lang="en-US" dirty="0"/>
+          </a:p>
+        </p:txBody>
+      </p:sp>
+      <p:sp>
+        <p:nvSpPr>
+          <p:cNvPr id="3" name="Content Placeholder 2"/>
+          <p:cNvSpPr>
+            <a:spLocks noGrp="1"/>
+          </p:cNvSpPr>
+          <p:nvPr>
+            <p:ph idx="1"/>
+          </p:nvPr>
+        </p:nvSpPr>
+        <p:spPr/>
+        <p:txBody>
+          <a:bodyPr/>
+          <a:lstStyle/>
+          <a:p>
+            <a:r>
+              <a:rPr lang="en-US" dirty="0" smtClean="0"/>
+              <a:t>Allocate space much more efficiently</a:t>
+            </a:r>
+          </a:p>
+          <a:p>
+            <a:r>
+              <a:rPr lang="en-US" dirty="0" smtClean="0"/>
+              <a:t>Use much less memory</a:t>
+            </a:r>
+          </a:p>
+          <a:p>
+            <a:r>
+              <a:rPr lang="en-US" dirty="0" smtClean="0"/>
+              <a:t>Much more optimize</a:t>
+            </a:r>
+          </a:p>
+          <a:p>
+            <a:r>
+              <a:rPr lang="en-US" dirty="0" smtClean="0"/>
+              <a:t>Current Recommendation – always prefer to use bluebird and not   native promises.</a:t>
+            </a:r>
+          </a:p>
+          <a:p>
+            <a:endParaRPr lang="en-US" dirty="0"/>
+          </a:p>
+        </p:txBody>
+      </p:sp>
+    </p:spTree>
+    <p:extLst>
+      <p:ext uri="{BB962C8B-B14F-4D97-AF65-F5344CB8AC3E}">
+        <p14:creationId xmlns:p14="http://schemas.microsoft.com/office/powerpoint/2010/main" val="3379303965"/>
+      </p:ext>
+    </p:extLst>
+  </p:cSld>
+  <p:clrMapOvr>
+    <a:masterClrMapping/>
+  </p:clrMapOvr>
+</p:sld>
+</file>
+
+<file path=ppt/slides/slide36.xml><?xml version="1.0" encoding="utf-8"?>
+<p:sld xmlns:a="http://schemas.openxmlformats.org/drawingml/2006/main" xmlns:r="http://schemas.openxmlformats.org/officeDocument/2006/relationships" xmlns:p="http://schemas.openxmlformats.org/presentationml/2006/main">
+  <p:cSld>
+    <p:spTree>
+      <p:nvGrpSpPr>
+        <p:cNvPr id="1" name=""/>
+        <p:cNvGrpSpPr/>
+        <p:nvPr/>
+      </p:nvGrpSpPr>
+      <p:grpSpPr>
+        <a:xfrm>
+          <a:off x="0" y="0"/>
+          <a:ext cx="0" cy="0"/>
+          <a:chOff x="0" y="0"/>
+          <a:chExt cx="0" cy="0"/>
+        </a:xfrm>
+      </p:grpSpPr>
+      <p:sp>
+        <p:nvSpPr>
+          <p:cNvPr id="2" name="Title 1"/>
+          <p:cNvSpPr>
+            <a:spLocks noGrp="1"/>
+          </p:cNvSpPr>
+          <p:nvPr>
+            <p:ph type="title"/>
+          </p:nvPr>
+        </p:nvSpPr>
+        <p:spPr/>
+        <p:txBody>
+          <a:bodyPr/>
+          <a:lstStyle/>
+          <a:p>
+            <a:r>
+              <a:rPr lang="en-US" dirty="0" smtClean="0"/>
+              <a:t>Callbacks vs Promises vs </a:t>
+            </a:r>
+            <a:r>
+              <a:rPr lang="en-US" dirty="0" err="1" smtClean="0"/>
+              <a:t>Async</a:t>
+            </a:r>
+            <a:r>
+              <a:rPr lang="en-US" dirty="0" smtClean="0"/>
+              <a:t> / Await</a:t>
+            </a:r>
+            <a:endParaRPr lang="en-US" dirty="0"/>
+          </a:p>
+        </p:txBody>
+      </p:sp>
+      <p:pic>
+        <p:nvPicPr>
+          <p:cNvPr id="5" name="Picture 4"/>
+          <p:cNvPicPr>
+            <a:picLocks noChangeAspect="1"/>
+          </p:cNvPicPr>
+          <p:nvPr/>
+        </p:nvPicPr>
+        <p:blipFill>
+          <a:blip r:embed="rId2">
+            <a:extLst>
+              <a:ext uri="{28A0092B-C50C-407E-A947-70E740481C1C}">
+                <a14:useLocalDpi xmlns:a14="http://schemas.microsoft.com/office/drawing/2010/main" val="0"/>
+              </a:ext>
+            </a:extLst>
+          </a:blip>
+          <a:stretch>
+            <a:fillRect/>
+          </a:stretch>
+        </p:blipFill>
+        <p:spPr>
+          <a:xfrm>
+            <a:off x="593588" y="2133600"/>
+            <a:ext cx="8024555" cy="3368332"/>
+          </a:xfrm>
+          <a:prstGeom prst="rect">
+            <a:avLst/>
+          </a:prstGeom>
+        </p:spPr>
+      </p:pic>
+    </p:spTree>
+    <p:extLst>
+      <p:ext uri="{BB962C8B-B14F-4D97-AF65-F5344CB8AC3E}">
+        <p14:creationId xmlns:p14="http://schemas.microsoft.com/office/powerpoint/2010/main" val="4281784084"/>
+      </p:ext>
+    </p:extLst>
+  </p:cSld>
+  <p:clrMapOvr>
+    <a:masterClrMapping/>
+  </p:clrMapOvr>
+</p:sld>
+</file>
+
+<file path=ppt/slides/slide37.xml><?xml version="1.0" encoding="utf-8"?>
+<p:sld xmlns:a="http://schemas.openxmlformats.org/drawingml/2006/main" xmlns:r="http://schemas.openxmlformats.org/officeDocument/2006/relationships" xmlns:p="http://schemas.openxmlformats.org/presentationml/2006/main">
+  <p:cSld>
+    <p:spTree>
+      <p:nvGrpSpPr>
+        <p:cNvPr id="1" name=""/>
+        <p:cNvGrpSpPr/>
+        <p:nvPr/>
+      </p:nvGrpSpPr>
+      <p:grpSpPr>
+        <a:xfrm>
+          <a:off x="0" y="0"/>
+          <a:ext cx="0" cy="0"/>
+          <a:chOff x="0" y="0"/>
+          <a:chExt cx="0" cy="0"/>
+        </a:xfrm>
+      </p:grpSpPr>
+      <p:sp>
+        <p:nvSpPr>
+          <p:cNvPr id="2" name="Title 1"/>
+          <p:cNvSpPr>
+            <a:spLocks noGrp="1"/>
+          </p:cNvSpPr>
+          <p:nvPr>
+            <p:ph type="title"/>
+          </p:nvPr>
+        </p:nvSpPr>
+        <p:spPr/>
+        <p:txBody>
+          <a:bodyPr/>
+          <a:lstStyle/>
+          <a:p>
+            <a:r>
+              <a:rPr lang="en-US" dirty="0" smtClean="0"/>
+              <a:t>Conclusions</a:t>
+            </a:r>
+            <a:endParaRPr lang="en-US" dirty="0"/>
+          </a:p>
+        </p:txBody>
+      </p:sp>
+      <p:sp>
+        <p:nvSpPr>
+          <p:cNvPr id="3" name="Content Placeholder 2"/>
+          <p:cNvSpPr>
+            <a:spLocks noGrp="1"/>
+          </p:cNvSpPr>
+          <p:nvPr>
+            <p:ph idx="1"/>
+          </p:nvPr>
+        </p:nvSpPr>
+        <p:spPr/>
+        <p:txBody>
+          <a:bodyPr/>
+          <a:lstStyle/>
+          <a:p>
+            <a:r>
+              <a:rPr lang="en-US" dirty="0"/>
+              <a:t>P</a:t>
+            </a:r>
+            <a:r>
+              <a:rPr lang="en-US" dirty="0" smtClean="0"/>
+              <a:t>romises and </a:t>
+            </a:r>
+            <a:r>
+              <a:rPr lang="en-US" dirty="0" err="1" smtClean="0"/>
+              <a:t>async</a:t>
+            </a:r>
+            <a:r>
+              <a:rPr lang="en-US" dirty="0" smtClean="0"/>
+              <a:t> await are adding overhead</a:t>
+            </a:r>
+          </a:p>
+          <a:p>
+            <a:r>
+              <a:rPr lang="en-US" dirty="0"/>
+              <a:t>T</a:t>
+            </a:r>
+            <a:r>
+              <a:rPr lang="en-US" dirty="0" smtClean="0"/>
+              <a:t>he recommendation is to write mostly with promises and </a:t>
+            </a:r>
+            <a:r>
+              <a:rPr lang="en-US" dirty="0" err="1" smtClean="0"/>
+              <a:t>async</a:t>
+            </a:r>
+            <a:r>
+              <a:rPr lang="en-US" dirty="0" smtClean="0"/>
+              <a:t> await</a:t>
+            </a:r>
+          </a:p>
+          <a:p>
+            <a:r>
+              <a:rPr lang="en-US" dirty="0" smtClean="0"/>
+              <a:t>Use Bluebird promises</a:t>
+            </a:r>
+          </a:p>
+          <a:p>
+            <a:r>
+              <a:rPr lang="en-US" dirty="0" smtClean="0"/>
+              <a:t>In case you need to </a:t>
+            </a:r>
+            <a:r>
+              <a:rPr lang="en-US" b="1" dirty="0" smtClean="0"/>
+              <a:t>‘fight for every millisecond’ </a:t>
+            </a:r>
+            <a:endParaRPr lang="en-US" dirty="0"/>
+          </a:p>
+          <a:p>
+            <a:pPr lvl="1"/>
+            <a:r>
+              <a:rPr lang="en-US" dirty="0" smtClean="0"/>
+              <a:t>Remove promises</a:t>
+            </a:r>
+          </a:p>
+          <a:p>
+            <a:pPr lvl="1"/>
+            <a:r>
+              <a:rPr lang="en-US" dirty="0" smtClean="0"/>
+              <a:t>Go back to callbacks</a:t>
+            </a:r>
+            <a:endParaRPr lang="en-US" dirty="0"/>
+          </a:p>
+        </p:txBody>
+      </p:sp>
+    </p:spTree>
+    <p:extLst>
+      <p:ext uri="{BB962C8B-B14F-4D97-AF65-F5344CB8AC3E}">
+        <p14:creationId xmlns:p14="http://schemas.microsoft.com/office/powerpoint/2010/main" val="3811721980"/>
+      </p:ext>
+    </p:extLst>
+  </p:cSld>
+  <p:clrMapOvr>
+    <a:masterClrMapping/>
+  </p:clrMapOvr>
+</p:sld>
+</file>
+
+<file path=ppt/slides/slide38.xml><?xml version="1.0" encoding="utf-8"?>
+<p:sld xmlns:a="http://schemas.openxmlformats.org/drawingml/2006/main" xmlns:r="http://schemas.openxmlformats.org/officeDocument/2006/relationships" xmlns:p="http://schemas.openxmlformats.org/presentationml/2006/main">
+  <p:cSld>
+    <p:spTree>
+      <p:nvGrpSpPr>
+        <p:cNvPr id="1" name=""/>
+        <p:cNvGrpSpPr/>
+        <p:nvPr/>
+      </p:nvGrpSpPr>
+      <p:grpSpPr>
+        <a:xfrm>
+          <a:off x="0" y="0"/>
+          <a:ext cx="0" cy="0"/>
+          <a:chOff x="0" y="0"/>
+          <a:chExt cx="0" cy="0"/>
+        </a:xfrm>
+      </p:grpSpPr>
+      <p:sp>
+        <p:nvSpPr>
+          <p:cNvPr id="2" name="Title 1"/>
+          <p:cNvSpPr>
+            <a:spLocks noGrp="1"/>
+          </p:cNvSpPr>
+          <p:nvPr>
+            <p:ph type="title"/>
+          </p:nvPr>
+        </p:nvSpPr>
+        <p:spPr>
+          <a:xfrm>
+            <a:off x="510287" y="2362200"/>
+            <a:ext cx="6347713" cy="1320800"/>
+          </a:xfrm>
+        </p:spPr>
+        <p:txBody>
+          <a:bodyPr/>
+          <a:lstStyle/>
+          <a:p>
+            <a:r>
+              <a:rPr lang="en-US" dirty="0" smtClean="0"/>
+              <a:t>JavaScript Code Optimizations</a:t>
+            </a:r>
+            <a:endParaRPr lang="en-US" dirty="0"/>
+          </a:p>
+        </p:txBody>
+      </p:sp>
+    </p:spTree>
+    <p:extLst>
+      <p:ext uri="{BB962C8B-B14F-4D97-AF65-F5344CB8AC3E}">
+        <p14:creationId xmlns:p14="http://schemas.microsoft.com/office/powerpoint/2010/main" val="697958085"/>
+      </p:ext>
+    </p:extLst>
+  </p:cSld>
+  <p:clrMapOvr>
+    <a:masterClrMapping/>
+  </p:clrMapOvr>
+</p:sld>
+</file>
+
+<file path=ppt/slides/slide39.xml><?xml version="1.0" encoding="utf-8"?>
+<p:sld xmlns:a="http://schemas.openxmlformats.org/drawingml/2006/main" xmlns:r="http://schemas.openxmlformats.org/officeDocument/2006/relationships" xmlns:p="http://schemas.openxmlformats.org/presentationml/2006/main">
+  <p:cSld>
+    <p:spTree>
+      <p:nvGrpSpPr>
+        <p:cNvPr id="1" name=""/>
+        <p:cNvGrpSpPr/>
+        <p:nvPr/>
+      </p:nvGrpSpPr>
+      <p:grpSpPr>
+        <a:xfrm>
+          <a:off x="0" y="0"/>
+          <a:ext cx="0" cy="0"/>
+          <a:chOff x="0" y="0"/>
+          <a:chExt cx="0" cy="0"/>
+        </a:xfrm>
+      </p:grpSpPr>
+      <p:sp>
+        <p:nvSpPr>
+          <p:cNvPr id="2" name="Title 1"/>
+          <p:cNvSpPr>
+            <a:spLocks noGrp="1"/>
+          </p:cNvSpPr>
+          <p:nvPr>
+            <p:ph type="title"/>
+          </p:nvPr>
+        </p:nvSpPr>
+        <p:spPr/>
+        <p:txBody>
+          <a:bodyPr/>
+          <a:lstStyle/>
+          <a:p>
+            <a:r>
+              <a:rPr lang="en-US" dirty="0" smtClean="0"/>
+              <a:t>For vs </a:t>
+            </a:r>
+            <a:r>
+              <a:rPr lang="en-US" dirty="0" err="1" smtClean="0"/>
+              <a:t>forEach</a:t>
+            </a:r>
+            <a:r>
+              <a:rPr lang="en-US" dirty="0" smtClean="0"/>
+              <a:t>() Loops</a:t>
+            </a:r>
+            <a:endParaRPr lang="en-US" dirty="0"/>
+          </a:p>
+        </p:txBody>
+      </p:sp>
+      <p:sp>
+        <p:nvSpPr>
+          <p:cNvPr id="3" name="Content Placeholder 2"/>
+          <p:cNvSpPr>
+            <a:spLocks noGrp="1"/>
+          </p:cNvSpPr>
+          <p:nvPr>
+            <p:ph idx="1"/>
+          </p:nvPr>
+        </p:nvSpPr>
+        <p:spPr/>
+        <p:txBody>
+          <a:bodyPr/>
+          <a:lstStyle/>
+          <a:p>
+            <a:r>
+              <a:rPr lang="en-US" dirty="0" smtClean="0"/>
+              <a:t>Use </a:t>
+            </a:r>
+            <a:r>
+              <a:rPr lang="en-US" dirty="0" err="1" smtClean="0"/>
+              <a:t>foreach</a:t>
+            </a:r>
+            <a:r>
+              <a:rPr lang="en-US" dirty="0" smtClean="0"/>
+              <a:t>() while iterating on arrays </a:t>
+            </a:r>
+          </a:p>
+          <a:p>
+            <a:r>
+              <a:rPr lang="en-US" dirty="0" smtClean="0"/>
+              <a:t>Prefer not to use the for loop</a:t>
+            </a:r>
+          </a:p>
+          <a:p>
+            <a:r>
+              <a:rPr lang="en-US" dirty="0" err="1" smtClean="0"/>
+              <a:t>Foreach</a:t>
+            </a:r>
+            <a:r>
+              <a:rPr lang="en-US" dirty="0" smtClean="0"/>
+              <a:t>() Prevent you from iterating empty elements in the array.</a:t>
+            </a:r>
+          </a:p>
+          <a:p>
+            <a:endParaRPr lang="en-US" dirty="0"/>
+          </a:p>
+        </p:txBody>
+      </p:sp>
+    </p:spTree>
+    <p:extLst>
+      <p:ext uri="{BB962C8B-B14F-4D97-AF65-F5344CB8AC3E}">
+        <p14:creationId xmlns:p14="http://schemas.microsoft.com/office/powerpoint/2010/main" val="3098557647"/>
+      </p:ext>
+    </p:extLst>
+  </p:cSld>
+  <p:clrMapOvr>
+    <a:masterClrMapping/>
+  </p:clrMapOvr>
+</p:sld>
+</file>
+
+<file path=ppt/slides/slide4.xml><?xml version="1.0" encoding="utf-8"?>
+<p:sld xmlns:a="http://schemas.openxmlformats.org/drawingml/2006/main" xmlns:r="http://schemas.openxmlformats.org/officeDocument/2006/relationships" xmlns:p="http://schemas.openxmlformats.org/presentationml/2006/main">
+  <p:cSld>
+    <p:spTree>
+      <p:nvGrpSpPr>
+        <p:cNvPr id="1" name=""/>
+        <p:cNvGrpSpPr/>
+        <p:nvPr/>
+      </p:nvGrpSpPr>
+      <p:grpSpPr>
+        <a:xfrm>
+          <a:off x="0" y="0"/>
+          <a:ext cx="0" cy="0"/>
+          <a:chOff x="0" y="0"/>
+          <a:chExt cx="0" cy="0"/>
+        </a:xfrm>
+      </p:grpSpPr>
+      <p:sp>
+        <p:nvSpPr>
+          <p:cNvPr id="2" name="Title 1"/>
+          <p:cNvSpPr>
+            <a:spLocks noGrp="1"/>
+          </p:cNvSpPr>
+          <p:nvPr>
+            <p:ph type="title"/>
+          </p:nvPr>
+        </p:nvSpPr>
+        <p:spPr>
+          <a:xfrm>
+            <a:off x="609599" y="2184400"/>
+            <a:ext cx="6347713" cy="1320800"/>
+          </a:xfrm>
+        </p:spPr>
+        <p:txBody>
+          <a:bodyPr>
+            <a:normAutofit fontScale="90000"/>
+          </a:bodyPr>
+          <a:lstStyle/>
+          <a:p>
+            <a:r>
+              <a:rPr lang="en-US" dirty="0" smtClean="0"/>
+              <a:t>Node.js Programming Patterns That Support Good Performance</a:t>
+            </a:r>
+            <a:endParaRPr lang="en-US" dirty="0"/>
+          </a:p>
+        </p:txBody>
+      </p:sp>
+    </p:spTree>
+    <p:extLst>
+      <p:ext uri="{BB962C8B-B14F-4D97-AF65-F5344CB8AC3E}">
+        <p14:creationId xmlns:p14="http://schemas.microsoft.com/office/powerpoint/2010/main" val="392608875"/>
+      </p:ext>
+    </p:extLst>
+  </p:cSld>
+  <p:clrMapOvr>
+    <a:masterClrMapping/>
+  </p:clrMapOvr>
+</p:sld>
+</file>
+
+<file path=ppt/slides/slide40.xml><?xml version="1.0" encoding="utf-8"?>
+<p:sld xmlns:a="http://schemas.openxmlformats.org/drawingml/2006/main" xmlns:r="http://schemas.openxmlformats.org/officeDocument/2006/relationships" xmlns:p="http://schemas.openxmlformats.org/presentationml/2006/main">
+  <p:cSld>
+    <p:spTree>
+      <p:nvGrpSpPr>
+        <p:cNvPr id="1" name=""/>
+        <p:cNvGrpSpPr/>
+        <p:nvPr/>
+      </p:nvGrpSpPr>
+      <p:grpSpPr>
+        <a:xfrm>
+          <a:off x="0" y="0"/>
+          <a:ext cx="0" cy="0"/>
+          <a:chOff x="0" y="0"/>
+          <a:chExt cx="0" cy="0"/>
+        </a:xfrm>
+      </p:grpSpPr>
+      <p:sp>
+        <p:nvSpPr>
+          <p:cNvPr id="2" name="Title 1"/>
+          <p:cNvSpPr>
+            <a:spLocks noGrp="1"/>
+          </p:cNvSpPr>
+          <p:nvPr>
+            <p:ph type="title"/>
+          </p:nvPr>
+        </p:nvSpPr>
+        <p:spPr>
+          <a:xfrm>
+            <a:off x="609599" y="2108200"/>
+            <a:ext cx="6347713" cy="1320800"/>
+          </a:xfrm>
+        </p:spPr>
+        <p:txBody>
+          <a:bodyPr/>
+          <a:lstStyle/>
+          <a:p>
+            <a:r>
+              <a:rPr lang="en-US" dirty="0" smtClean="0"/>
+              <a:t>Demo – For vs </a:t>
+            </a:r>
+            <a:r>
+              <a:rPr lang="en-US" dirty="0" err="1" smtClean="0"/>
+              <a:t>forEach</a:t>
+            </a:r>
+            <a:r>
+              <a:rPr lang="en-US" dirty="0" smtClean="0"/>
+              <a:t>()</a:t>
+            </a:r>
+            <a:endParaRPr lang="en-US" dirty="0"/>
+          </a:p>
+        </p:txBody>
+      </p:sp>
+    </p:spTree>
+    <p:extLst>
+      <p:ext uri="{BB962C8B-B14F-4D97-AF65-F5344CB8AC3E}">
+        <p14:creationId xmlns:p14="http://schemas.microsoft.com/office/powerpoint/2010/main" val="1282295711"/>
+      </p:ext>
+    </p:extLst>
+  </p:cSld>
+  <p:clrMapOvr>
+    <a:masterClrMapping/>
+  </p:clrMapOvr>
+</p:sld>
+</file>
+
+<file path=ppt/slides/slide41.xml><?xml version="1.0" encoding="utf-8"?>
+<p:sld xmlns:a="http://schemas.openxmlformats.org/drawingml/2006/main" xmlns:r="http://schemas.openxmlformats.org/officeDocument/2006/relationships" xmlns:p="http://schemas.openxmlformats.org/presentationml/2006/main">
+  <p:cSld>
+    <p:spTree>
+      <p:nvGrpSpPr>
+        <p:cNvPr id="1" name=""/>
+        <p:cNvGrpSpPr/>
+        <p:nvPr/>
+      </p:nvGrpSpPr>
+      <p:grpSpPr>
+        <a:xfrm>
+          <a:off x="0" y="0"/>
+          <a:ext cx="0" cy="0"/>
+          <a:chOff x="0" y="0"/>
+          <a:chExt cx="0" cy="0"/>
+        </a:xfrm>
+      </p:grpSpPr>
+      <p:sp>
+        <p:nvSpPr>
+          <p:cNvPr id="2" name="Title 1"/>
+          <p:cNvSpPr>
+            <a:spLocks noGrp="1"/>
+          </p:cNvSpPr>
+          <p:nvPr>
+            <p:ph type="title"/>
+          </p:nvPr>
+        </p:nvSpPr>
+        <p:spPr/>
+        <p:txBody>
+          <a:bodyPr/>
+          <a:lstStyle/>
+          <a:p>
+            <a:r>
+              <a:rPr lang="en-US" dirty="0" smtClean="0"/>
+              <a:t>Put Common Code In Functions</a:t>
+            </a:r>
+            <a:endParaRPr lang="en-US" dirty="0"/>
+          </a:p>
+        </p:txBody>
+      </p:sp>
+      <p:sp>
+        <p:nvSpPr>
+          <p:cNvPr id="3" name="Content Placeholder 2"/>
+          <p:cNvSpPr>
+            <a:spLocks noGrp="1"/>
+          </p:cNvSpPr>
+          <p:nvPr>
+            <p:ph idx="1"/>
+          </p:nvPr>
+        </p:nvSpPr>
+        <p:spPr/>
+        <p:txBody>
+          <a:bodyPr/>
+          <a:lstStyle/>
+          <a:p>
+            <a:r>
+              <a:rPr lang="en-US" dirty="0" smtClean="0"/>
+              <a:t>Hot Code – function or object which continuously being used</a:t>
+            </a:r>
+          </a:p>
+          <a:p>
+            <a:r>
+              <a:rPr lang="en-US" dirty="0" smtClean="0"/>
+              <a:t>The JIT compiler in v8 engine stores the binary version of a continuously used function or object </a:t>
+            </a:r>
+            <a:endParaRPr lang="en-US" dirty="0"/>
+          </a:p>
+          <a:p>
+            <a:r>
+              <a:rPr lang="en-US" dirty="0" smtClean="0"/>
+              <a:t>If the contract is not changed – v8 will optimize</a:t>
+            </a:r>
+          </a:p>
+          <a:p>
+            <a:r>
+              <a:rPr lang="en-US" dirty="0" smtClean="0"/>
+              <a:t>Huge performance boost</a:t>
+            </a:r>
+            <a:endParaRPr lang="en-US" dirty="0"/>
+          </a:p>
+        </p:txBody>
+      </p:sp>
+    </p:spTree>
+    <p:extLst>
+      <p:ext uri="{BB962C8B-B14F-4D97-AF65-F5344CB8AC3E}">
+        <p14:creationId xmlns:p14="http://schemas.microsoft.com/office/powerpoint/2010/main" val="2890701239"/>
+      </p:ext>
+    </p:extLst>
+  </p:cSld>
+  <p:clrMapOvr>
+    <a:masterClrMapping/>
+  </p:clrMapOvr>
+</p:sld>
+</file>
+
+<file path=ppt/slides/slide42.xml><?xml version="1.0" encoding="utf-8"?>
+<p:sld xmlns:a="http://schemas.openxmlformats.org/drawingml/2006/main" xmlns:r="http://schemas.openxmlformats.org/officeDocument/2006/relationships" xmlns:p="http://schemas.openxmlformats.org/presentationml/2006/main">
+  <p:cSld>
+    <p:spTree>
+      <p:nvGrpSpPr>
+        <p:cNvPr id="1" name=""/>
+        <p:cNvGrpSpPr/>
+        <p:nvPr/>
+      </p:nvGrpSpPr>
+      <p:grpSpPr>
+        <a:xfrm>
+          <a:off x="0" y="0"/>
+          <a:ext cx="0" cy="0"/>
+          <a:chOff x="0" y="0"/>
+          <a:chExt cx="0" cy="0"/>
+        </a:xfrm>
+      </p:grpSpPr>
+      <p:sp>
+        <p:nvSpPr>
+          <p:cNvPr id="2" name="Title 1"/>
+          <p:cNvSpPr>
+            <a:spLocks noGrp="1"/>
+          </p:cNvSpPr>
+          <p:nvPr>
+            <p:ph type="title"/>
+          </p:nvPr>
+        </p:nvSpPr>
+        <p:spPr>
+          <a:xfrm>
+            <a:off x="457200" y="457200"/>
+            <a:ext cx="6347713" cy="1320800"/>
+          </a:xfrm>
+        </p:spPr>
+        <p:txBody>
+          <a:bodyPr/>
+          <a:lstStyle/>
+          <a:p>
+            <a:r>
+              <a:rPr lang="en-US" dirty="0" smtClean="0"/>
+              <a:t>Create Class For Similar Objects</a:t>
+            </a:r>
+            <a:endParaRPr lang="en-US" dirty="0"/>
+          </a:p>
+        </p:txBody>
+      </p:sp>
+      <p:pic>
+        <p:nvPicPr>
+          <p:cNvPr id="4" name="Picture 3"/>
+          <p:cNvPicPr>
+            <a:picLocks noChangeAspect="1"/>
+          </p:cNvPicPr>
+          <p:nvPr/>
+        </p:nvPicPr>
+        <p:blipFill>
+          <a:blip r:embed="rId2">
+            <a:extLst>
+              <a:ext uri="{28A0092B-C50C-407E-A947-70E740481C1C}">
+                <a14:useLocalDpi xmlns:a14="http://schemas.microsoft.com/office/drawing/2010/main" val="0"/>
+              </a:ext>
+            </a:extLst>
+          </a:blip>
+          <a:stretch>
+            <a:fillRect/>
+          </a:stretch>
+        </p:blipFill>
+        <p:spPr>
+          <a:xfrm>
+            <a:off x="457200" y="1905000"/>
+            <a:ext cx="3360711" cy="2537680"/>
+          </a:xfrm>
+          <a:prstGeom prst="rect">
+            <a:avLst/>
+          </a:prstGeom>
+        </p:spPr>
+      </p:pic>
+      <p:pic>
+        <p:nvPicPr>
+          <p:cNvPr id="5" name="Picture 4"/>
+          <p:cNvPicPr>
+            <a:picLocks noChangeAspect="1"/>
+          </p:cNvPicPr>
+          <p:nvPr/>
+        </p:nvPicPr>
+        <p:blipFill>
+          <a:blip r:embed="rId3" cstate="print">
+            <a:extLst>
+              <a:ext uri="{28A0092B-C50C-407E-A947-70E740481C1C}">
+                <a14:useLocalDpi xmlns:a14="http://schemas.microsoft.com/office/drawing/2010/main" val="0"/>
+              </a:ext>
+            </a:extLst>
+          </a:blip>
+          <a:stretch>
+            <a:fillRect/>
+          </a:stretch>
+        </p:blipFill>
+        <p:spPr>
+          <a:xfrm>
+            <a:off x="2895600" y="2438400"/>
+            <a:ext cx="1524000" cy="1524000"/>
+          </a:xfrm>
+          <a:prstGeom prst="rect">
+            <a:avLst/>
+          </a:prstGeom>
+        </p:spPr>
+      </p:pic>
+      <p:pic>
+        <p:nvPicPr>
+          <p:cNvPr id="6" name="Picture 5"/>
+          <p:cNvPicPr>
+            <a:picLocks noChangeAspect="1"/>
+          </p:cNvPicPr>
+          <p:nvPr/>
+        </p:nvPicPr>
+        <p:blipFill>
+          <a:blip r:embed="rId4">
+            <a:extLst>
+              <a:ext uri="{28A0092B-C50C-407E-A947-70E740481C1C}">
+                <a14:useLocalDpi xmlns:a14="http://schemas.microsoft.com/office/drawing/2010/main" val="0"/>
+              </a:ext>
+            </a:extLst>
+          </a:blip>
+          <a:stretch>
+            <a:fillRect/>
+          </a:stretch>
+        </p:blipFill>
+        <p:spPr>
+          <a:xfrm>
+            <a:off x="2743200" y="4343400"/>
+            <a:ext cx="5959356" cy="2293819"/>
+          </a:xfrm>
+          <a:prstGeom prst="rect">
+            <a:avLst/>
+          </a:prstGeom>
+        </p:spPr>
+      </p:pic>
+      <p:pic>
+        <p:nvPicPr>
+          <p:cNvPr id="8" name="Picture 7"/>
+          <p:cNvPicPr>
+            <a:picLocks noChangeAspect="1"/>
+          </p:cNvPicPr>
+          <p:nvPr/>
+        </p:nvPicPr>
+        <p:blipFill>
+          <a:blip r:embed="rId5" cstate="print">
+            <a:extLst>
+              <a:ext uri="{28A0092B-C50C-407E-A947-70E740481C1C}">
+                <a14:useLocalDpi xmlns:a14="http://schemas.microsoft.com/office/drawing/2010/main" val="0"/>
+              </a:ext>
+            </a:extLst>
+          </a:blip>
+          <a:stretch>
+            <a:fillRect/>
+          </a:stretch>
+        </p:blipFill>
+        <p:spPr>
+          <a:xfrm>
+            <a:off x="6705600" y="4648200"/>
+            <a:ext cx="1752600" cy="1752600"/>
+          </a:xfrm>
+          <a:prstGeom prst="rect">
+            <a:avLst/>
+          </a:prstGeom>
+        </p:spPr>
+      </p:pic>
+    </p:spTree>
+    <p:extLst>
+      <p:ext uri="{BB962C8B-B14F-4D97-AF65-F5344CB8AC3E}">
+        <p14:creationId xmlns:p14="http://schemas.microsoft.com/office/powerpoint/2010/main" val="1453889512"/>
+      </p:ext>
+    </p:extLst>
+  </p:cSld>
+  <p:clrMapOvr>
+    <a:masterClrMapping/>
+  </p:clrMapOvr>
+</p:sld>
+</file>
+
+<file path=ppt/slides/slide43.xml><?xml version="1.0" encoding="utf-8"?>
+<p:sld xmlns:a="http://schemas.openxmlformats.org/drawingml/2006/main" xmlns:r="http://schemas.openxmlformats.org/officeDocument/2006/relationships" xmlns:p="http://schemas.openxmlformats.org/presentationml/2006/main">
+  <p:cSld>
+    <p:spTree>
+      <p:nvGrpSpPr>
+        <p:cNvPr id="1" name=""/>
+        <p:cNvGrpSpPr/>
+        <p:nvPr/>
+      </p:nvGrpSpPr>
+      <p:grpSpPr>
+        <a:xfrm>
+          <a:off x="0" y="0"/>
+          <a:ext cx="0" cy="0"/>
+          <a:chOff x="0" y="0"/>
+          <a:chExt cx="0" cy="0"/>
+        </a:xfrm>
+      </p:grpSpPr>
+      <p:sp>
+        <p:nvSpPr>
+          <p:cNvPr id="2" name="Title 1"/>
+          <p:cNvSpPr>
+            <a:spLocks noGrp="1"/>
+          </p:cNvSpPr>
+          <p:nvPr>
+            <p:ph type="title"/>
+          </p:nvPr>
+        </p:nvSpPr>
+        <p:spPr/>
+        <p:txBody>
+          <a:bodyPr/>
+          <a:lstStyle/>
+          <a:p>
+            <a:r>
+              <a:rPr lang="en-US" dirty="0" smtClean="0"/>
+              <a:t>Avoid Using Delete</a:t>
+            </a:r>
+            <a:endParaRPr lang="en-US" dirty="0"/>
+          </a:p>
+        </p:txBody>
+      </p:sp>
+      <p:sp>
+        <p:nvSpPr>
+          <p:cNvPr id="3" name="Content Placeholder 2"/>
+          <p:cNvSpPr>
+            <a:spLocks noGrp="1"/>
+          </p:cNvSpPr>
+          <p:nvPr>
+            <p:ph idx="1"/>
+          </p:nvPr>
+        </p:nvSpPr>
+        <p:spPr/>
+        <p:txBody>
+          <a:bodyPr/>
+          <a:lstStyle/>
+          <a:p>
+            <a:r>
+              <a:rPr lang="en-US" dirty="0" smtClean="0"/>
+              <a:t>Used to delete a property from an object.</a:t>
+            </a:r>
+          </a:p>
+          <a:p>
+            <a:r>
+              <a:rPr lang="en-US" dirty="0" smtClean="0"/>
+              <a:t>When using delete on an object :</a:t>
+            </a:r>
+          </a:p>
+          <a:p>
+            <a:pPr lvl="1"/>
+            <a:r>
+              <a:rPr lang="en-US" dirty="0" smtClean="0"/>
+              <a:t>JIT compiler invalidate the binary of the object’s class for this instance</a:t>
+            </a:r>
+          </a:p>
+          <a:p>
+            <a:pPr lvl="1"/>
+            <a:r>
+              <a:rPr lang="en-US" dirty="0" smtClean="0"/>
+              <a:t>JIT compiler treats the object separately from the class</a:t>
+            </a:r>
+          </a:p>
+          <a:p>
+            <a:pPr lvl="1"/>
+            <a:r>
+              <a:rPr lang="en-US" dirty="0" smtClean="0"/>
+              <a:t>Big performance hit</a:t>
+            </a:r>
+            <a:endParaRPr lang="en-US" dirty="0"/>
+          </a:p>
+        </p:txBody>
+      </p:sp>
+    </p:spTree>
+    <p:extLst>
+      <p:ext uri="{BB962C8B-B14F-4D97-AF65-F5344CB8AC3E}">
+        <p14:creationId xmlns:p14="http://schemas.microsoft.com/office/powerpoint/2010/main" val="1485461485"/>
+      </p:ext>
+    </p:extLst>
+  </p:cSld>
+  <p:clrMapOvr>
+    <a:masterClrMapping/>
+  </p:clrMapOvr>
+</p:sld>
+</file>
+
+<file path=ppt/slides/slide44.xml><?xml version="1.0" encoding="utf-8"?>
+<p:sld xmlns:a="http://schemas.openxmlformats.org/drawingml/2006/main" xmlns:r="http://schemas.openxmlformats.org/officeDocument/2006/relationships" xmlns:p="http://schemas.openxmlformats.org/presentationml/2006/main">
+  <p:cSld>
+    <p:spTree>
+      <p:nvGrpSpPr>
+        <p:cNvPr id="1" name=""/>
+        <p:cNvGrpSpPr/>
+        <p:nvPr/>
+      </p:nvGrpSpPr>
+      <p:grpSpPr>
+        <a:xfrm>
+          <a:off x="0" y="0"/>
+          <a:ext cx="0" cy="0"/>
+          <a:chOff x="0" y="0"/>
+          <a:chExt cx="0" cy="0"/>
+        </a:xfrm>
+      </p:grpSpPr>
+      <p:sp>
+        <p:nvSpPr>
+          <p:cNvPr id="2" name="Title 1"/>
+          <p:cNvSpPr>
+            <a:spLocks noGrp="1"/>
+          </p:cNvSpPr>
+          <p:nvPr>
+            <p:ph type="title"/>
+          </p:nvPr>
+        </p:nvSpPr>
+        <p:spPr>
+          <a:xfrm>
+            <a:off x="457200" y="2667000"/>
+            <a:ext cx="8229600" cy="1143000"/>
+          </a:xfrm>
+        </p:spPr>
+        <p:txBody>
+          <a:bodyPr/>
+          <a:lstStyle/>
+          <a:p>
+            <a:r>
+              <a:rPr lang="en-US" dirty="0"/>
+              <a:t>Questions ?</a:t>
+            </a:r>
+          </a:p>
+        </p:txBody>
+      </p:sp>
+    </p:spTree>
+    <p:extLst>
+      <p:ext uri="{BB962C8B-B14F-4D97-AF65-F5344CB8AC3E}">
+        <p14:creationId xmlns:p14="http://schemas.microsoft.com/office/powerpoint/2010/main" val="908030248"/>
+      </p:ext>
+    </p:extLst>
+  </p:cSld>
+  <p:clrMapOvr>
+    <a:masterClrMapping/>
+  </p:clrMapOvr>
+</p:sld>
+</file>
+
+<file path=ppt/slides/slide5.xml><?xml version="1.0" encoding="utf-8"?>
+<p:sld xmlns:a="http://schemas.openxmlformats.org/drawingml/2006/main" xmlns:r="http://schemas.openxmlformats.org/officeDocument/2006/relationships" xmlns:p="http://schemas.openxmlformats.org/presentationml/2006/main">
+  <p:cSld>
+    <p:spTree>
+      <p:nvGrpSpPr>
+        <p:cNvPr id="1" name=""/>
+        <p:cNvGrpSpPr/>
+        <p:nvPr/>
+      </p:nvGrpSpPr>
+      <p:grpSpPr>
+        <a:xfrm>
+          <a:off x="0" y="0"/>
+          <a:ext cx="0" cy="0"/>
+          <a:chOff x="0" y="0"/>
+          <a:chExt cx="0" cy="0"/>
+        </a:xfrm>
+      </p:grpSpPr>
+      <p:sp>
+        <p:nvSpPr>
+          <p:cNvPr id="2" name="Title 1"/>
+          <p:cNvSpPr>
+            <a:spLocks noGrp="1"/>
+          </p:cNvSpPr>
+          <p:nvPr>
+            <p:ph type="title"/>
+          </p:nvPr>
+        </p:nvSpPr>
+        <p:spPr/>
+        <p:txBody>
+          <a:bodyPr/>
+          <a:lstStyle/>
+          <a:p>
+            <a:r>
+              <a:rPr lang="en-US" dirty="0" smtClean="0"/>
+              <a:t>The Event Loop - Reminder</a:t>
+            </a:r>
+            <a:endParaRPr lang="en-US" dirty="0"/>
+          </a:p>
+        </p:txBody>
+      </p:sp>
+      <p:pic>
+        <p:nvPicPr>
+          <p:cNvPr id="5" name="Content Placeholder 4"/>
+          <p:cNvPicPr>
+            <a:picLocks noGrp="1" noChangeAspect="1"/>
+          </p:cNvPicPr>
+          <p:nvPr>
+            <p:ph idx="1"/>
+          </p:nvPr>
+        </p:nvPicPr>
+        <p:blipFill>
+          <a:blip r:embed="rId2">
+            <a:extLst>
+              <a:ext uri="{28A0092B-C50C-407E-A947-70E740481C1C}">
+                <a14:useLocalDpi xmlns:a14="http://schemas.microsoft.com/office/drawing/2010/main" val="0"/>
+              </a:ext>
+            </a:extLst>
+          </a:blip>
+          <a:stretch>
+            <a:fillRect/>
+          </a:stretch>
+        </p:blipFill>
+        <p:spPr>
+          <a:xfrm>
+            <a:off x="304800" y="1828800"/>
+            <a:ext cx="7696200" cy="4343400"/>
+          </a:xfrm>
+        </p:spPr>
+      </p:pic>
+    </p:spTree>
+    <p:extLst>
+      <p:ext uri="{BB962C8B-B14F-4D97-AF65-F5344CB8AC3E}">
+        <p14:creationId xmlns:p14="http://schemas.microsoft.com/office/powerpoint/2010/main" val="2870862606"/>
+      </p:ext>
+    </p:extLst>
+  </p:cSld>
+  <p:clrMapOvr>
+    <a:masterClrMapping/>
+  </p:clrMapOvr>
+</p:sld>
+</file>
+
+<file path=ppt/slides/slide6.xml><?xml version="1.0" encoding="utf-8"?>
+<p:sld xmlns:a="http://schemas.openxmlformats.org/drawingml/2006/main" xmlns:r="http://schemas.openxmlformats.org/officeDocument/2006/relationships" xmlns:p="http://schemas.openxmlformats.org/presentationml/2006/main">
+  <p:cSld>
+    <p:spTree>
+      <p:nvGrpSpPr>
+        <p:cNvPr id="1" name=""/>
+        <p:cNvGrpSpPr/>
+        <p:nvPr/>
+      </p:nvGrpSpPr>
+      <p:grpSpPr>
+        <a:xfrm>
+          <a:off x="0" y="0"/>
+          <a:ext cx="0" cy="0"/>
+          <a:chOff x="0" y="0"/>
+          <a:chExt cx="0" cy="0"/>
+        </a:xfrm>
+      </p:grpSpPr>
+      <p:sp>
+        <p:nvSpPr>
+          <p:cNvPr id="2" name="Title 1"/>
+          <p:cNvSpPr>
+            <a:spLocks noGrp="1"/>
+          </p:cNvSpPr>
+          <p:nvPr>
+            <p:ph type="title"/>
+          </p:nvPr>
+        </p:nvSpPr>
+        <p:spPr/>
+        <p:txBody>
+          <a:bodyPr/>
+          <a:lstStyle/>
+          <a:p>
+            <a:r>
+              <a:rPr lang="en-US" dirty="0" smtClean="0"/>
+              <a:t>Why Synchronous Operations Are Bad ?</a:t>
+            </a:r>
+            <a:endParaRPr lang="en-US" dirty="0"/>
+          </a:p>
+        </p:txBody>
+      </p:sp>
+      <p:sp>
+        <p:nvSpPr>
+          <p:cNvPr id="3" name="Content Placeholder 2"/>
+          <p:cNvSpPr>
+            <a:spLocks noGrp="1"/>
+          </p:cNvSpPr>
+          <p:nvPr>
+            <p:ph idx="1"/>
+          </p:nvPr>
+        </p:nvSpPr>
+        <p:spPr>
+          <a:xfrm>
+            <a:off x="609598" y="1752600"/>
+            <a:ext cx="6347714" cy="3880773"/>
+          </a:xfrm>
+        </p:spPr>
+        <p:txBody>
+          <a:bodyPr/>
+          <a:lstStyle/>
+          <a:p>
+            <a:r>
+              <a:rPr lang="en-US" dirty="0"/>
+              <a:t>Small number of threads to handle many clients</a:t>
+            </a:r>
+          </a:p>
+          <a:p>
+            <a:pPr lvl="1"/>
+            <a:r>
+              <a:rPr lang="en-US" dirty="0"/>
+              <a:t>One thread for event loop</a:t>
+            </a:r>
+          </a:p>
+          <a:p>
+            <a:pPr lvl="1"/>
+            <a:r>
+              <a:rPr lang="en-US" dirty="0"/>
+              <a:t>Constant amount of threads in workers pool</a:t>
+            </a:r>
+          </a:p>
+          <a:p>
+            <a:r>
+              <a:rPr lang="en-US" dirty="0" smtClean="0"/>
+              <a:t>Benefit : </a:t>
+            </a:r>
+          </a:p>
+          <a:p>
+            <a:pPr lvl="1"/>
+            <a:r>
+              <a:rPr lang="en-US" dirty="0" smtClean="0"/>
+              <a:t>The server spend </a:t>
+            </a:r>
+            <a:r>
+              <a:rPr lang="en-US" dirty="0"/>
+              <a:t>more time and memory working on </a:t>
+            </a:r>
+            <a:r>
+              <a:rPr lang="en-US" dirty="0" smtClean="0"/>
+              <a:t>clients actual work </a:t>
+            </a:r>
+          </a:p>
+          <a:p>
+            <a:pPr lvl="1"/>
+            <a:r>
+              <a:rPr lang="en-US" dirty="0" smtClean="0"/>
+              <a:t>Not paying </a:t>
+            </a:r>
+            <a:r>
+              <a:rPr lang="en-US" dirty="0"/>
+              <a:t>space and time overheads for threads</a:t>
+            </a:r>
+          </a:p>
+        </p:txBody>
+      </p:sp>
+    </p:spTree>
+    <p:extLst>
+      <p:ext uri="{BB962C8B-B14F-4D97-AF65-F5344CB8AC3E}">
+        <p14:creationId xmlns:p14="http://schemas.microsoft.com/office/powerpoint/2010/main" val="1743804706"/>
+      </p:ext>
+    </p:extLst>
+  </p:cSld>
+  <p:clrMapOvr>
+    <a:masterClrMapping/>
+  </p:clrMapOvr>
+</p:sld>
+</file>
+
+<file path=ppt/slides/slide7.xml><?xml version="1.0" encoding="utf-8"?>
+<p:sld xmlns:a="http://schemas.openxmlformats.org/drawingml/2006/main" xmlns:r="http://schemas.openxmlformats.org/officeDocument/2006/relationships" xmlns:p="http://schemas.openxmlformats.org/presentationml/2006/main">
+  <p:cSld>
+    <p:spTree>
+      <p:nvGrpSpPr>
+        <p:cNvPr id="1" name=""/>
+        <p:cNvGrpSpPr/>
+        <p:nvPr/>
+      </p:nvGrpSpPr>
+      <p:grpSpPr>
+        <a:xfrm>
+          <a:off x="0" y="0"/>
+          <a:ext cx="0" cy="0"/>
+          <a:chOff x="0" y="0"/>
+          <a:chExt cx="0" cy="0"/>
+        </a:xfrm>
+      </p:grpSpPr>
+      <p:sp>
+        <p:nvSpPr>
+          <p:cNvPr id="2" name="Title 1"/>
+          <p:cNvSpPr>
+            <a:spLocks noGrp="1"/>
+          </p:cNvSpPr>
+          <p:nvPr>
+            <p:ph type="title"/>
+          </p:nvPr>
+        </p:nvSpPr>
+        <p:spPr/>
+        <p:txBody>
+          <a:bodyPr/>
+          <a:lstStyle/>
+          <a:p>
+            <a:r>
+              <a:rPr lang="en-US" dirty="0"/>
+              <a:t>Each Thread is critical !</a:t>
+            </a:r>
+          </a:p>
+        </p:txBody>
+      </p:sp>
+      <p:sp>
+        <p:nvSpPr>
+          <p:cNvPr id="3" name="Content Placeholder 2"/>
+          <p:cNvSpPr>
+            <a:spLocks noGrp="1"/>
+          </p:cNvSpPr>
+          <p:nvPr>
+            <p:ph idx="1"/>
+          </p:nvPr>
+        </p:nvSpPr>
+        <p:spPr>
+          <a:xfrm>
+            <a:off x="609599" y="1524000"/>
+            <a:ext cx="6553201" cy="4525963"/>
+          </a:xfrm>
+        </p:spPr>
+        <p:txBody>
+          <a:bodyPr/>
+          <a:lstStyle/>
+          <a:p>
+            <a:r>
+              <a:rPr lang="en-US" dirty="0"/>
+              <a:t>Blocked Thread :</a:t>
+            </a:r>
+          </a:p>
+          <a:p>
+            <a:pPr lvl="1"/>
+            <a:r>
+              <a:rPr lang="en-US" dirty="0"/>
+              <a:t>Long callback (event loop)</a:t>
+            </a:r>
+          </a:p>
+          <a:p>
+            <a:pPr lvl="1"/>
+            <a:r>
+              <a:rPr lang="en-US" dirty="0"/>
+              <a:t>Long task (worker pool)</a:t>
+            </a:r>
+          </a:p>
+          <a:p>
+            <a:r>
+              <a:rPr lang="en-US" dirty="0"/>
+              <a:t>If thread is blocked  - cannot handle requests from any other </a:t>
+            </a:r>
+            <a:r>
+              <a:rPr lang="en-US" dirty="0" smtClean="0"/>
+              <a:t>client.</a:t>
+            </a:r>
+            <a:endParaRPr lang="en-US" dirty="0"/>
+          </a:p>
+          <a:p>
+            <a:r>
+              <a:rPr lang="en-US" dirty="0" smtClean="0"/>
+              <a:t>You have small number of Threads – and each blocked thread will give you severe performance hit.</a:t>
+            </a:r>
+            <a:endParaRPr lang="en-US" dirty="0"/>
+          </a:p>
+        </p:txBody>
+      </p:sp>
+    </p:spTree>
+    <p:extLst>
+      <p:ext uri="{BB962C8B-B14F-4D97-AF65-F5344CB8AC3E}">
+        <p14:creationId xmlns:p14="http://schemas.microsoft.com/office/powerpoint/2010/main" val="2756147070"/>
+      </p:ext>
+    </p:extLst>
+  </p:cSld>
+  <p:clrMapOvr>
+    <a:masterClrMapping/>
+  </p:clrMapOvr>
+</p:sld>
+</file>
+
+<file path=ppt/slides/slide8.xml><?xml version="1.0" encoding="utf-8"?>
+<p:sld xmlns:a="http://schemas.openxmlformats.org/drawingml/2006/main" xmlns:r="http://schemas.openxmlformats.org/officeDocument/2006/relationships" xmlns:p="http://schemas.openxmlformats.org/presentationml/2006/main">
+  <p:cSld>
+    <p:spTree>
+      <p:nvGrpSpPr>
+        <p:cNvPr id="1" name=""/>
+        <p:cNvGrpSpPr/>
+        <p:nvPr/>
+      </p:nvGrpSpPr>
+      <p:grpSpPr>
+        <a:xfrm>
+          <a:off x="0" y="0"/>
+          <a:ext cx="0" cy="0"/>
+          <a:chOff x="0" y="0"/>
+          <a:chExt cx="0" cy="0"/>
+        </a:xfrm>
+      </p:grpSpPr>
+      <p:sp>
+        <p:nvSpPr>
+          <p:cNvPr id="2" name="Title 1"/>
+          <p:cNvSpPr>
+            <a:spLocks noGrp="1"/>
+          </p:cNvSpPr>
+          <p:nvPr>
+            <p:ph type="title"/>
+          </p:nvPr>
+        </p:nvSpPr>
+        <p:spPr/>
+        <p:txBody>
+          <a:bodyPr/>
+          <a:lstStyle/>
+          <a:p>
+            <a:r>
+              <a:rPr lang="en-US" dirty="0" smtClean="0"/>
+              <a:t>Conclusions</a:t>
+            </a:r>
+            <a:endParaRPr lang="en-US" dirty="0"/>
+          </a:p>
+        </p:txBody>
+      </p:sp>
+      <p:sp>
+        <p:nvSpPr>
+          <p:cNvPr id="3" name="Content Placeholder 2"/>
+          <p:cNvSpPr>
+            <a:spLocks noGrp="1"/>
+          </p:cNvSpPr>
+          <p:nvPr>
+            <p:ph idx="1"/>
+          </p:nvPr>
+        </p:nvSpPr>
+        <p:spPr/>
+        <p:txBody>
+          <a:bodyPr/>
+          <a:lstStyle/>
+          <a:p>
+            <a:r>
+              <a:rPr lang="en-US" dirty="0" smtClean="0"/>
+              <a:t>Avoid synchronous operations </a:t>
+            </a:r>
+          </a:p>
+          <a:p>
+            <a:r>
+              <a:rPr lang="en-US" dirty="0" smtClean="0"/>
+              <a:t>Write parallel code and Not serial – to schedule parallel asynchronous operations  </a:t>
+            </a:r>
+          </a:p>
+          <a:p>
+            <a:pPr lvl="1"/>
+            <a:r>
+              <a:rPr lang="en-US" dirty="0" smtClean="0"/>
+              <a:t>I/O</a:t>
+            </a:r>
+          </a:p>
+          <a:p>
+            <a:pPr lvl="1"/>
+            <a:r>
+              <a:rPr lang="en-US" dirty="0" smtClean="0"/>
+              <a:t>Timers</a:t>
+            </a:r>
+          </a:p>
+          <a:p>
+            <a:pPr lvl="1"/>
+            <a:r>
+              <a:rPr lang="en-US" dirty="0" err="1" smtClean="0"/>
+              <a:t>etc</a:t>
+            </a:r>
+            <a:endParaRPr lang="en-US" dirty="0" smtClean="0"/>
+          </a:p>
+          <a:p>
+            <a:r>
+              <a:rPr lang="en-US" dirty="0" smtClean="0"/>
+              <a:t>Make sure that each total work assign to each client is Small</a:t>
+            </a:r>
+            <a:endParaRPr lang="en-US" dirty="0"/>
+          </a:p>
+        </p:txBody>
+      </p:sp>
+    </p:spTree>
+    <p:extLst>
+      <p:ext uri="{BB962C8B-B14F-4D97-AF65-F5344CB8AC3E}">
+        <p14:creationId xmlns:p14="http://schemas.microsoft.com/office/powerpoint/2010/main" val="3004242757"/>
+      </p:ext>
+    </p:extLst>
+  </p:cSld>
+  <p:clrMapOvr>
+    <a:masterClrMapping/>
+  </p:clrMapOvr>
+</p:sld>
+</file>
+
+<file path=ppt/slides/slide9.xml><?xml version="1.0" encoding="utf-8"?>
+<p:sld xmlns:a="http://schemas.openxmlformats.org/drawingml/2006/main" xmlns:r="http://schemas.openxmlformats.org/officeDocument/2006/relationships" xmlns:p="http://schemas.openxmlformats.org/presentationml/2006/main">
+  <p:cSld>
+    <p:spTree>
+      <p:nvGrpSpPr>
+        <p:cNvPr id="1" name=""/>
+        <p:cNvGrpSpPr/>
+        <p:nvPr/>
+      </p:nvGrpSpPr>
+      <p:grpSpPr>
+        <a:xfrm>
+          <a:off x="0" y="0"/>
+          <a:ext cx="0" cy="0"/>
+          <a:chOff x="0" y="0"/>
+          <a:chExt cx="0" cy="0"/>
+        </a:xfrm>
+      </p:grpSpPr>
+      <p:sp>
+        <p:nvSpPr>
+          <p:cNvPr id="2" name="Title 1"/>
+          <p:cNvSpPr>
+            <a:spLocks noGrp="1"/>
+          </p:cNvSpPr>
+          <p:nvPr>
+            <p:ph type="title"/>
+          </p:nvPr>
+        </p:nvSpPr>
+        <p:spPr>
+          <a:xfrm>
+            <a:off x="609599" y="2489200"/>
+            <a:ext cx="6347713" cy="1320800"/>
+          </a:xfrm>
+        </p:spPr>
+        <p:txBody>
+          <a:bodyPr/>
+          <a:lstStyle/>
+          <a:p>
+            <a:r>
+              <a:rPr lang="en-US" dirty="0" smtClean="0"/>
+              <a:t>Avoid Synchronous API </a:t>
+            </a:r>
+            <a:endParaRPr lang="en-US" dirty="0"/>
+          </a:p>
+        </p:txBody>
+      </p:sp>
+    </p:spTree>
+    <p:extLst>
+      <p:ext uri="{BB962C8B-B14F-4D97-AF65-F5344CB8AC3E}">
+        <p14:creationId xmlns:p14="http://schemas.microsoft.com/office/powerpoint/2010/main" val="377414735"/>
       </p:ext>
     </p:extLst>
   </p:cSld>
@@ -10629,7 +11137,7 @@
   <a:extraClrSchemeLst/>
   <a:extLst>
     <a:ext uri="{05A4C25C-085E-4340-85A3-A5531E510DB2}">
-      <thm15:themeFamily xmlns:thm15="http://schemas.microsoft.com/office/thememl/2012/main" xmlns="" name="Facet" id="{C0C680CD-088A-49FC-A102-D699147F32B2}" vid="{CFBC31BA-B70F-4F30-BCAA-4F3011E16C4D}"/>
+      <thm15:themeFamily xmlns="" xmlns:thm15="http://schemas.microsoft.com/office/thememl/2012/main" name="Facet" id="{C0C680CD-088A-49FC-A102-D699147F32B2}" vid="{CFBC31BA-B70F-4F30-BCAA-4F3011E16C4D}"/>
     </a:ext>
   </a:extLst>
 </a:theme>

--- a/day2/nodejs_performance/NodeJs_Performance.pptx
+++ b/day2/nodejs_performance/NodeJs_Performance.pptx
@@ -5,7 +5,7 @@
     <p:sldMasterId id="2147483689" r:id="rId1"/>
   </p:sldMasterIdLst>
   <p:notesMasterIdLst>
-    <p:notesMasterId r:id="rId46"/>
+    <p:notesMasterId r:id="rId50"/>
   </p:notesMasterIdLst>
   <p:sldIdLst>
     <p:sldId id="256" r:id="rId2"/>
@@ -46,12 +46,16 @@
     <p:sldId id="423" r:id="rId37"/>
     <p:sldId id="424" r:id="rId38"/>
     <p:sldId id="425" r:id="rId39"/>
-    <p:sldId id="426" r:id="rId40"/>
-    <p:sldId id="427" r:id="rId41"/>
-    <p:sldId id="428" r:id="rId42"/>
-    <p:sldId id="429" r:id="rId43"/>
-    <p:sldId id="430" r:id="rId44"/>
-    <p:sldId id="304" r:id="rId45"/>
+    <p:sldId id="435" r:id="rId40"/>
+    <p:sldId id="426" r:id="rId41"/>
+    <p:sldId id="427" r:id="rId42"/>
+    <p:sldId id="428" r:id="rId43"/>
+    <p:sldId id="429" r:id="rId44"/>
+    <p:sldId id="430" r:id="rId45"/>
+    <p:sldId id="433" r:id="rId46"/>
+    <p:sldId id="434" r:id="rId47"/>
+    <p:sldId id="432" r:id="rId48"/>
+    <p:sldId id="304" r:id="rId49"/>
   </p:sldIdLst>
   <p:sldSz cx="9144000" cy="6858000" type="screen4x3"/>
   <p:notesSz cx="6858000" cy="9144000"/>
@@ -152,7 +156,7 @@
   </p:defaultTextStyle>
   <p:extLst>
     <p:ext uri="{EFAFB233-063F-42B5-8137-9DF3F51BA10A}">
-      <p15:sldGuideLst xmlns="" xmlns:p15="http://schemas.microsoft.com/office/powerpoint/2012/main">
+      <p15:sldGuideLst xmlns:p15="http://schemas.microsoft.com/office/powerpoint/2012/main" xmlns="">
         <p15:guide id="1" orient="horz" pos="2160">
           <p15:clr>
             <a:srgbClr val="A4A3A4"/>
@@ -7356,7 +7360,11 @@
           <a:p>
             <a:r>
               <a:rPr lang="en-US" dirty="0" smtClean="0"/>
-              <a:t>Possible Solution – </a:t>
+              <a:t>Callbacks Solution </a:t>
+            </a:r>
+            <a:r>
+              <a:rPr lang="en-US" dirty="0" smtClean="0"/>
+              <a:t>– </a:t>
             </a:r>
             <a:r>
               <a:rPr lang="en-US" dirty="0" err="1" smtClean="0"/>
@@ -7526,17 +7534,23 @@
         </p:nvSpPr>
         <p:spPr>
           <a:xfrm>
-            <a:off x="609599" y="381000"/>
+            <a:off x="609599" y="431800"/>
             <a:ext cx="6347713" cy="1320800"/>
           </a:xfrm>
         </p:spPr>
         <p:txBody>
-          <a:bodyPr/>
-          <a:lstStyle/>
-          <a:p>
-            <a:r>
-              <a:rPr lang="en-US" dirty="0" smtClean="0"/>
-              <a:t>Best Solution - Run promises In Parallel Whenever You Can</a:t>
+          <a:bodyPr>
+            <a:normAutofit fontScale="90000"/>
+          </a:bodyPr>
+          <a:lstStyle/>
+          <a:p>
+            <a:r>
+              <a:rPr lang="en-US" dirty="0" smtClean="0"/>
+              <a:t>Promises Solution </a:t>
+            </a:r>
+            <a:r>
+              <a:rPr lang="en-US" dirty="0" smtClean="0"/>
+              <a:t>- Run promises In Parallel Whenever You Can</a:t>
             </a:r>
             <a:endParaRPr lang="en-US" dirty="0"/>
           </a:p>
@@ -9764,73 +9778,109 @@
           <a:p>
             <a:r>
               <a:rPr lang="en-US" dirty="0" smtClean="0"/>
-              <a:t>For vs </a:t>
-            </a:r>
+              <a:t>Always Prefer Native Libraries</a:t>
+            </a:r>
+            <a:endParaRPr lang="en-US" dirty="0"/>
+          </a:p>
+        </p:txBody>
+      </p:sp>
+      <p:sp>
+        <p:nvSpPr>
+          <p:cNvPr id="3" name="Content Placeholder 2"/>
+          <p:cNvSpPr>
+            <a:spLocks noGrp="1"/>
+          </p:cNvSpPr>
+          <p:nvPr>
+            <p:ph idx="1"/>
+          </p:nvPr>
+        </p:nvSpPr>
+        <p:spPr>
+          <a:xfrm>
+            <a:off x="609599" y="1834227"/>
+            <a:ext cx="6347714" cy="3880773"/>
+          </a:xfrm>
+        </p:spPr>
+        <p:txBody>
+          <a:bodyPr/>
+          <a:lstStyle/>
+          <a:p>
+            <a:r>
+              <a:rPr lang="en-US" dirty="0" smtClean="0"/>
+              <a:t>Always prefer native v8 libraries</a:t>
+            </a:r>
+          </a:p>
+          <a:p>
+            <a:r>
+              <a:rPr lang="en-US" dirty="0" smtClean="0"/>
+              <a:t>Prefer them over client libraries such as :</a:t>
+            </a:r>
+          </a:p>
+          <a:p>
+            <a:pPr lvl="1"/>
             <a:r>
               <a:rPr lang="en-US" dirty="0" err="1" smtClean="0"/>
-              <a:t>forEach</a:t>
-            </a:r>
-            <a:r>
-              <a:rPr lang="en-US" dirty="0" smtClean="0"/>
-              <a:t>() Loops</a:t>
+              <a:t>Loadsh</a:t>
+            </a:r>
+            <a:endParaRPr lang="en-US" dirty="0" smtClean="0"/>
+          </a:p>
+          <a:p>
+            <a:pPr lvl="1"/>
+            <a:r>
+              <a:rPr lang="en-US" dirty="0" err="1" smtClean="0"/>
+              <a:t>Jquery</a:t>
+            </a:r>
+            <a:endParaRPr lang="en-US" dirty="0" smtClean="0"/>
+          </a:p>
+          <a:p>
+            <a:pPr lvl="1"/>
+            <a:r>
+              <a:rPr lang="en-US" dirty="0" err="1" smtClean="0"/>
+              <a:t>etc</a:t>
+            </a:r>
+            <a:endParaRPr lang="en-US" dirty="0" smtClean="0"/>
+          </a:p>
+          <a:p>
+            <a:r>
+              <a:rPr lang="en-US" dirty="0" smtClean="0"/>
+              <a:t>Those </a:t>
+            </a:r>
+            <a:r>
+              <a:rPr lang="en-US" dirty="0"/>
+              <a:t>l</a:t>
+            </a:r>
+            <a:r>
+              <a:rPr lang="en-US" dirty="0" smtClean="0"/>
+              <a:t>ibraries contain code to support multiple browsers </a:t>
             </a:r>
             <a:endParaRPr lang="en-US" dirty="0"/>
           </a:p>
-        </p:txBody>
-      </p:sp>
-      <p:sp>
-        <p:nvSpPr>
-          <p:cNvPr id="3" name="Content Placeholder 2"/>
-          <p:cNvSpPr>
-            <a:spLocks noGrp="1"/>
-          </p:cNvSpPr>
-          <p:nvPr>
-            <p:ph idx="1"/>
-          </p:nvPr>
-        </p:nvSpPr>
-        <p:spPr/>
-        <p:txBody>
-          <a:bodyPr/>
-          <a:lstStyle/>
-          <a:p>
-            <a:r>
-              <a:rPr lang="en-US" dirty="0" smtClean="0"/>
-              <a:t>Use </a:t>
-            </a:r>
-            <a:r>
-              <a:rPr lang="en-US" dirty="0" err="1" smtClean="0"/>
-              <a:t>foreach</a:t>
-            </a:r>
-            <a:r>
-              <a:rPr lang="en-US" dirty="0" smtClean="0"/>
-              <a:t>() while iterating on arrays </a:t>
-            </a:r>
-          </a:p>
-          <a:p>
-            <a:r>
-              <a:rPr lang="en-US" dirty="0" smtClean="0"/>
-              <a:t>Prefer not to use the for loop</a:t>
-            </a:r>
-          </a:p>
-          <a:p>
-            <a:r>
-              <a:rPr lang="en-US" dirty="0" err="1" smtClean="0"/>
-              <a:t>Foreach</a:t>
-            </a:r>
-            <a:r>
-              <a:rPr lang="en-US" dirty="0" smtClean="0"/>
-              <a:t>() Prevent you from iterating empty elements in the array.</a:t>
-            </a:r>
-          </a:p>
-          <a:p>
-            <a:endParaRPr lang="en-US" dirty="0"/>
+          <a:p>
+            <a:r>
+              <a:rPr lang="en-US" dirty="0"/>
+              <a:t>N</a:t>
+            </a:r>
+            <a:r>
+              <a:rPr lang="en-US" dirty="0" smtClean="0"/>
+              <a:t>ot needed in Node.js server programming</a:t>
+            </a:r>
+          </a:p>
+          <a:p>
+            <a:r>
+              <a:rPr lang="en-US" dirty="0" smtClean="0"/>
+              <a:t>Exception : </a:t>
+            </a:r>
+            <a:r>
+              <a:rPr lang="en-US" b="1" dirty="0" smtClean="0"/>
+              <a:t>Bluebird promises</a:t>
+            </a:r>
+            <a:endParaRPr lang="en-US" b="1" dirty="0"/>
           </a:p>
         </p:txBody>
       </p:sp>
     </p:spTree>
     <p:extLst>
       <p:ext uri="{BB962C8B-B14F-4D97-AF65-F5344CB8AC3E}">
-        <p14:creationId xmlns:p14="http://schemas.microsoft.com/office/powerpoint/2010/main" val="3098557647"/>
+        <p14:creationId xmlns:p14="http://schemas.microsoft.com/office/powerpoint/2010/main" val="2637987088"/>
       </p:ext>
     </p:extLst>
   </p:cSld>
@@ -9927,19 +9977,14 @@
             <p:ph type="title"/>
           </p:nvPr>
         </p:nvSpPr>
-        <p:spPr>
-          <a:xfrm>
-            <a:off x="609599" y="2108200"/>
-            <a:ext cx="6347713" cy="1320800"/>
-          </a:xfrm>
-        </p:spPr>
+        <p:spPr/>
         <p:txBody>
           <a:bodyPr/>
           <a:lstStyle/>
           <a:p>
             <a:r>
               <a:rPr lang="en-US" dirty="0" smtClean="0"/>
-              <a:t>Demo – For vs </a:t>
+              <a:t>For vs </a:t>
             </a:r>
             <a:r>
               <a:rPr lang="en-US" dirty="0" err="1" smtClean="0"/>
@@ -9947,8 +9992,57 @@
             </a:r>
             <a:r>
               <a:rPr lang="en-US" dirty="0" smtClean="0"/>
-              <a:t>()</a:t>
-            </a:r>
+              <a:t>() Loops</a:t>
+            </a:r>
+            <a:endParaRPr lang="en-US" dirty="0"/>
+          </a:p>
+        </p:txBody>
+      </p:sp>
+      <p:sp>
+        <p:nvSpPr>
+          <p:cNvPr id="3" name="Content Placeholder 2"/>
+          <p:cNvSpPr>
+            <a:spLocks noGrp="1"/>
+          </p:cNvSpPr>
+          <p:nvPr>
+            <p:ph idx="1"/>
+          </p:nvPr>
+        </p:nvSpPr>
+        <p:spPr/>
+        <p:txBody>
+          <a:bodyPr/>
+          <a:lstStyle/>
+          <a:p>
+            <a:r>
+              <a:rPr lang="en-US" dirty="0" smtClean="0"/>
+              <a:t>Use </a:t>
+            </a:r>
+            <a:r>
+              <a:rPr lang="en-US" dirty="0" err="1" smtClean="0"/>
+              <a:t>foreach</a:t>
+            </a:r>
+            <a:r>
+              <a:rPr lang="en-US" dirty="0" smtClean="0"/>
+              <a:t>() while iterating on arrays </a:t>
+            </a:r>
+          </a:p>
+          <a:p>
+            <a:r>
+              <a:rPr lang="en-US" dirty="0" smtClean="0"/>
+              <a:t>Prefer not to use the for loop</a:t>
+            </a:r>
+          </a:p>
+          <a:p>
+            <a:r>
+              <a:rPr lang="en-US" dirty="0" err="1" smtClean="0"/>
+              <a:t>Foreach</a:t>
+            </a:r>
+            <a:r>
+              <a:rPr lang="en-US" dirty="0" smtClean="0"/>
+              <a:t>() Prevent you from iterating empty elements in the array.</a:t>
+            </a:r>
+          </a:p>
+          <a:p>
             <a:endParaRPr lang="en-US" dirty="0"/>
           </a:p>
         </p:txBody>
@@ -9956,7 +10050,7 @@
     </p:spTree>
     <p:extLst>
       <p:ext uri="{BB962C8B-B14F-4D97-AF65-F5344CB8AC3E}">
-        <p14:creationId xmlns:p14="http://schemas.microsoft.com/office/powerpoint/2010/main" val="1282295711"/>
+        <p14:creationId xmlns:p14="http://schemas.microsoft.com/office/powerpoint/2010/main" val="3098557647"/>
       </p:ext>
     </p:extLst>
   </p:cSld>
@@ -9993,6 +10087,72 @@
             <p:ph type="title"/>
           </p:nvPr>
         </p:nvSpPr>
+        <p:spPr>
+          <a:xfrm>
+            <a:off x="609599" y="2108200"/>
+            <a:ext cx="6347713" cy="1320800"/>
+          </a:xfrm>
+        </p:spPr>
+        <p:txBody>
+          <a:bodyPr/>
+          <a:lstStyle/>
+          <a:p>
+            <a:r>
+              <a:rPr lang="en-US" dirty="0" smtClean="0"/>
+              <a:t>Demo – For vs </a:t>
+            </a:r>
+            <a:r>
+              <a:rPr lang="en-US" dirty="0" err="1" smtClean="0"/>
+              <a:t>forEach</a:t>
+            </a:r>
+            <a:r>
+              <a:rPr lang="en-US" dirty="0" smtClean="0"/>
+              <a:t>()</a:t>
+            </a:r>
+            <a:endParaRPr lang="en-US" dirty="0"/>
+          </a:p>
+        </p:txBody>
+      </p:sp>
+    </p:spTree>
+    <p:extLst>
+      <p:ext uri="{BB962C8B-B14F-4D97-AF65-F5344CB8AC3E}">
+        <p14:creationId xmlns:p14="http://schemas.microsoft.com/office/powerpoint/2010/main" val="1282295711"/>
+      </p:ext>
+    </p:extLst>
+  </p:cSld>
+  <p:clrMapOvr>
+    <a:masterClrMapping/>
+  </p:clrMapOvr>
+</p:sld>
+</file>
+
+<file path=ppt/slides/slide42.xml><?xml version="1.0" encoding="utf-8"?>
+<p:sld xmlns:a="http://schemas.openxmlformats.org/drawingml/2006/main" xmlns:r="http://schemas.openxmlformats.org/officeDocument/2006/relationships" xmlns:p="http://schemas.openxmlformats.org/presentationml/2006/main">
+  <p:cSld>
+    <p:spTree>
+      <p:nvGrpSpPr>
+        <p:cNvPr id="1" name=""/>
+        <p:cNvGrpSpPr/>
+        <p:nvPr/>
+      </p:nvGrpSpPr>
+      <p:grpSpPr>
+        <a:xfrm>
+          <a:off x="0" y="0"/>
+          <a:ext cx="0" cy="0"/>
+          <a:chOff x="0" y="0"/>
+          <a:chExt cx="0" cy="0"/>
+        </a:xfrm>
+      </p:grpSpPr>
+      <p:sp>
+        <p:nvSpPr>
+          <p:cNvPr id="2" name="Title 1"/>
+          <p:cNvSpPr>
+            <a:spLocks noGrp="1"/>
+          </p:cNvSpPr>
+          <p:nvPr>
+            <p:ph type="title"/>
+          </p:nvPr>
+        </p:nvSpPr>
         <p:spPr/>
         <p:txBody>
           <a:bodyPr/>
@@ -10061,7 +10221,7 @@
 </p:sld>
 </file>
 
-<file path=ppt/slides/slide42.xml><?xml version="1.0" encoding="utf-8"?>
+<file path=ppt/slides/slide43.xml><?xml version="1.0" encoding="utf-8"?>
 <p:sld xmlns:a="http://schemas.openxmlformats.org/drawingml/2006/main" xmlns:r="http://schemas.openxmlformats.org/officeDocument/2006/relationships" xmlns:p="http://schemas.openxmlformats.org/presentationml/2006/main">
   <p:cSld>
     <p:spTree>
@@ -10239,7 +10399,7 @@
 </p:sld>
 </file>
 
-<file path=ppt/slides/slide43.xml><?xml version="1.0" encoding="utf-8"?>
+<file path=ppt/slides/slide44.xml><?xml version="1.0" encoding="utf-8"?>
 <p:sld xmlns:a="http://schemas.openxmlformats.org/drawingml/2006/main" xmlns:r="http://schemas.openxmlformats.org/officeDocument/2006/relationships" xmlns:p="http://schemas.openxmlformats.org/presentationml/2006/main">
   <p:cSld>
     <p:spTree>
@@ -10342,7 +10502,1227 @@
 </p:sld>
 </file>
 
-<file path=ppt/slides/slide44.xml><?xml version="1.0" encoding="utf-8"?>
+<file path=ppt/slides/slide45.xml><?xml version="1.0" encoding="utf-8"?>
+<p:sld xmlns:a="http://schemas.openxmlformats.org/drawingml/2006/main" xmlns:r="http://schemas.openxmlformats.org/officeDocument/2006/relationships" xmlns:p="http://schemas.openxmlformats.org/presentationml/2006/main">
+  <p:cSld>
+    <p:spTree>
+      <p:nvGrpSpPr>
+        <p:cNvPr id="1" name=""/>
+        <p:cNvGrpSpPr/>
+        <p:nvPr/>
+      </p:nvGrpSpPr>
+      <p:grpSpPr>
+        <a:xfrm>
+          <a:off x="0" y="0"/>
+          <a:ext cx="0" cy="0"/>
+          <a:chOff x="0" y="0"/>
+          <a:chExt cx="0" cy="0"/>
+        </a:xfrm>
+      </p:grpSpPr>
+      <p:sp>
+        <p:nvSpPr>
+          <p:cNvPr id="2" name="Title 1"/>
+          <p:cNvSpPr>
+            <a:spLocks noGrp="1"/>
+          </p:cNvSpPr>
+          <p:nvPr>
+            <p:ph type="title"/>
+          </p:nvPr>
+        </p:nvSpPr>
+        <p:spPr/>
+        <p:txBody>
+          <a:bodyPr/>
+          <a:lstStyle/>
+          <a:p>
+            <a:r>
+              <a:rPr lang="en-US" dirty="0" smtClean="0"/>
+              <a:t>Introduction To JavaScript Arrays </a:t>
+            </a:r>
+            <a:endParaRPr lang="en-US" dirty="0"/>
+          </a:p>
+        </p:txBody>
+      </p:sp>
+      <p:sp>
+        <p:nvSpPr>
+          <p:cNvPr id="4" name="Rectangle 3"/>
+          <p:cNvSpPr/>
+          <p:nvPr/>
+        </p:nvSpPr>
+        <p:spPr>
+          <a:xfrm>
+            <a:off x="533400" y="2590800"/>
+            <a:ext cx="6705600" cy="838200"/>
+          </a:xfrm>
+          <a:prstGeom prst="rect">
+            <a:avLst/>
+          </a:prstGeom>
+          <a:noFill/>
+        </p:spPr>
+        <p:style>
+          <a:lnRef idx="2">
+            <a:schemeClr val="accent1">
+              <a:shade val="50000"/>
+            </a:schemeClr>
+          </a:lnRef>
+          <a:fillRef idx="1">
+            <a:schemeClr val="accent1"/>
+          </a:fillRef>
+          <a:effectRef idx="0">
+            <a:schemeClr val="accent1"/>
+          </a:effectRef>
+          <a:fontRef idx="minor">
+            <a:schemeClr val="lt1"/>
+          </a:fontRef>
+        </p:style>
+        <p:txBody>
+          <a:bodyPr rtlCol="0" anchor="ctr"/>
+          <a:lstStyle/>
+          <a:p>
+            <a:pPr algn="ctr"/>
+            <a:endParaRPr lang="en-US"/>
+          </a:p>
+        </p:txBody>
+      </p:sp>
+      <p:cxnSp>
+        <p:nvCxnSpPr>
+          <p:cNvPr id="6" name="Straight Connector 5"/>
+          <p:cNvCxnSpPr/>
+          <p:nvPr/>
+        </p:nvCxnSpPr>
+        <p:spPr>
+          <a:xfrm>
+            <a:off x="1371600" y="2590800"/>
+            <a:ext cx="0" cy="838200"/>
+          </a:xfrm>
+          <a:prstGeom prst="line">
+            <a:avLst/>
+          </a:prstGeom>
+        </p:spPr>
+        <p:style>
+          <a:lnRef idx="1">
+            <a:schemeClr val="accent1"/>
+          </a:lnRef>
+          <a:fillRef idx="0">
+            <a:schemeClr val="accent1"/>
+          </a:fillRef>
+          <a:effectRef idx="0">
+            <a:schemeClr val="accent1"/>
+          </a:effectRef>
+          <a:fontRef idx="minor">
+            <a:schemeClr val="tx1"/>
+          </a:fontRef>
+        </p:style>
+      </p:cxnSp>
+      <p:cxnSp>
+        <p:nvCxnSpPr>
+          <p:cNvPr id="7" name="Straight Connector 6"/>
+          <p:cNvCxnSpPr/>
+          <p:nvPr/>
+        </p:nvCxnSpPr>
+        <p:spPr>
+          <a:xfrm>
+            <a:off x="2286000" y="2590800"/>
+            <a:ext cx="0" cy="838200"/>
+          </a:xfrm>
+          <a:prstGeom prst="line">
+            <a:avLst/>
+          </a:prstGeom>
+        </p:spPr>
+        <p:style>
+          <a:lnRef idx="1">
+            <a:schemeClr val="accent1"/>
+          </a:lnRef>
+          <a:fillRef idx="0">
+            <a:schemeClr val="accent1"/>
+          </a:fillRef>
+          <a:effectRef idx="0">
+            <a:schemeClr val="accent1"/>
+          </a:effectRef>
+          <a:fontRef idx="minor">
+            <a:schemeClr val="tx1"/>
+          </a:fontRef>
+        </p:style>
+      </p:cxnSp>
+      <p:cxnSp>
+        <p:nvCxnSpPr>
+          <p:cNvPr id="8" name="Straight Connector 7"/>
+          <p:cNvCxnSpPr/>
+          <p:nvPr/>
+        </p:nvCxnSpPr>
+        <p:spPr>
+          <a:xfrm>
+            <a:off x="3200400" y="2590800"/>
+            <a:ext cx="0" cy="838200"/>
+          </a:xfrm>
+          <a:prstGeom prst="line">
+            <a:avLst/>
+          </a:prstGeom>
+        </p:spPr>
+        <p:style>
+          <a:lnRef idx="1">
+            <a:schemeClr val="accent1"/>
+          </a:lnRef>
+          <a:fillRef idx="0">
+            <a:schemeClr val="accent1"/>
+          </a:fillRef>
+          <a:effectRef idx="0">
+            <a:schemeClr val="accent1"/>
+          </a:effectRef>
+          <a:fontRef idx="minor">
+            <a:schemeClr val="tx1"/>
+          </a:fontRef>
+        </p:style>
+      </p:cxnSp>
+      <p:cxnSp>
+        <p:nvCxnSpPr>
+          <p:cNvPr id="9" name="Straight Connector 8"/>
+          <p:cNvCxnSpPr/>
+          <p:nvPr/>
+        </p:nvCxnSpPr>
+        <p:spPr>
+          <a:xfrm>
+            <a:off x="4114800" y="2590800"/>
+            <a:ext cx="0" cy="838200"/>
+          </a:xfrm>
+          <a:prstGeom prst="line">
+            <a:avLst/>
+          </a:prstGeom>
+        </p:spPr>
+        <p:style>
+          <a:lnRef idx="1">
+            <a:schemeClr val="accent1"/>
+          </a:lnRef>
+          <a:fillRef idx="0">
+            <a:schemeClr val="accent1"/>
+          </a:fillRef>
+          <a:effectRef idx="0">
+            <a:schemeClr val="accent1"/>
+          </a:effectRef>
+          <a:fontRef idx="minor">
+            <a:schemeClr val="tx1"/>
+          </a:fontRef>
+        </p:style>
+      </p:cxnSp>
+      <p:cxnSp>
+        <p:nvCxnSpPr>
+          <p:cNvPr id="10" name="Straight Connector 9"/>
+          <p:cNvCxnSpPr/>
+          <p:nvPr/>
+        </p:nvCxnSpPr>
+        <p:spPr>
+          <a:xfrm>
+            <a:off x="4953000" y="2590800"/>
+            <a:ext cx="0" cy="838200"/>
+          </a:xfrm>
+          <a:prstGeom prst="line">
+            <a:avLst/>
+          </a:prstGeom>
+        </p:spPr>
+        <p:style>
+          <a:lnRef idx="1">
+            <a:schemeClr val="accent1"/>
+          </a:lnRef>
+          <a:fillRef idx="0">
+            <a:schemeClr val="accent1"/>
+          </a:fillRef>
+          <a:effectRef idx="0">
+            <a:schemeClr val="accent1"/>
+          </a:effectRef>
+          <a:fontRef idx="minor">
+            <a:schemeClr val="tx1"/>
+          </a:fontRef>
+        </p:style>
+      </p:cxnSp>
+      <p:cxnSp>
+        <p:nvCxnSpPr>
+          <p:cNvPr id="11" name="Straight Connector 10"/>
+          <p:cNvCxnSpPr/>
+          <p:nvPr/>
+        </p:nvCxnSpPr>
+        <p:spPr>
+          <a:xfrm>
+            <a:off x="5791200" y="2590800"/>
+            <a:ext cx="0" cy="838200"/>
+          </a:xfrm>
+          <a:prstGeom prst="line">
+            <a:avLst/>
+          </a:prstGeom>
+        </p:spPr>
+        <p:style>
+          <a:lnRef idx="1">
+            <a:schemeClr val="accent1"/>
+          </a:lnRef>
+          <a:fillRef idx="0">
+            <a:schemeClr val="accent1"/>
+          </a:fillRef>
+          <a:effectRef idx="0">
+            <a:schemeClr val="accent1"/>
+          </a:effectRef>
+          <a:fontRef idx="minor">
+            <a:schemeClr val="tx1"/>
+          </a:fontRef>
+        </p:style>
+      </p:cxnSp>
+      <p:cxnSp>
+        <p:nvCxnSpPr>
+          <p:cNvPr id="12" name="Straight Connector 11"/>
+          <p:cNvCxnSpPr/>
+          <p:nvPr/>
+        </p:nvCxnSpPr>
+        <p:spPr>
+          <a:xfrm>
+            <a:off x="6553200" y="2590800"/>
+            <a:ext cx="0" cy="838200"/>
+          </a:xfrm>
+          <a:prstGeom prst="line">
+            <a:avLst/>
+          </a:prstGeom>
+        </p:spPr>
+        <p:style>
+          <a:lnRef idx="1">
+            <a:schemeClr val="accent1"/>
+          </a:lnRef>
+          <a:fillRef idx="0">
+            <a:schemeClr val="accent1"/>
+          </a:fillRef>
+          <a:effectRef idx="0">
+            <a:schemeClr val="accent1"/>
+          </a:effectRef>
+          <a:fontRef idx="minor">
+            <a:schemeClr val="tx1"/>
+          </a:fontRef>
+        </p:style>
+      </p:cxnSp>
+      <p:sp>
+        <p:nvSpPr>
+          <p:cNvPr id="13" name="TextBox 12"/>
+          <p:cNvSpPr txBox="1"/>
+          <p:nvPr/>
+        </p:nvSpPr>
+        <p:spPr>
+          <a:xfrm>
+            <a:off x="457200" y="1905000"/>
+            <a:ext cx="2667000" cy="646331"/>
+          </a:xfrm>
+          <a:prstGeom prst="rect">
+            <a:avLst/>
+          </a:prstGeom>
+          <a:noFill/>
+        </p:spPr>
+        <p:txBody>
+          <a:bodyPr wrap="square" rtlCol="0">
+            <a:spAutoFit/>
+          </a:bodyPr>
+          <a:lstStyle/>
+          <a:p>
+            <a:r>
+              <a:rPr lang="en-US" dirty="0" smtClean="0"/>
+              <a:t>Arrays In Traditional Languages :</a:t>
+            </a:r>
+            <a:endParaRPr lang="en-US" dirty="0"/>
+          </a:p>
+        </p:txBody>
+      </p:sp>
+      <p:sp>
+        <p:nvSpPr>
+          <p:cNvPr id="14" name="TextBox 13"/>
+          <p:cNvSpPr txBox="1"/>
+          <p:nvPr/>
+        </p:nvSpPr>
+        <p:spPr>
+          <a:xfrm>
+            <a:off x="609600" y="3124200"/>
+            <a:ext cx="762000" cy="369332"/>
+          </a:xfrm>
+          <a:prstGeom prst="rect">
+            <a:avLst/>
+          </a:prstGeom>
+          <a:noFill/>
+        </p:spPr>
+        <p:txBody>
+          <a:bodyPr wrap="square" rtlCol="0">
+            <a:spAutoFit/>
+          </a:bodyPr>
+          <a:lstStyle/>
+          <a:p>
+            <a:r>
+              <a:rPr lang="en-US" dirty="0" smtClean="0"/>
+              <a:t>1000</a:t>
+            </a:r>
+            <a:endParaRPr lang="en-US" dirty="0"/>
+          </a:p>
+        </p:txBody>
+      </p:sp>
+      <p:sp>
+        <p:nvSpPr>
+          <p:cNvPr id="15" name="TextBox 14"/>
+          <p:cNvSpPr txBox="1"/>
+          <p:nvPr/>
+        </p:nvSpPr>
+        <p:spPr>
+          <a:xfrm>
+            <a:off x="1447800" y="3124200"/>
+            <a:ext cx="762000" cy="369332"/>
+          </a:xfrm>
+          <a:prstGeom prst="rect">
+            <a:avLst/>
+          </a:prstGeom>
+          <a:noFill/>
+        </p:spPr>
+        <p:txBody>
+          <a:bodyPr wrap="square" rtlCol="0">
+            <a:spAutoFit/>
+          </a:bodyPr>
+          <a:lstStyle/>
+          <a:p>
+            <a:r>
+              <a:rPr lang="en-US" dirty="0" smtClean="0"/>
+              <a:t>1001</a:t>
+            </a:r>
+            <a:endParaRPr lang="en-US" dirty="0"/>
+          </a:p>
+        </p:txBody>
+      </p:sp>
+      <p:sp>
+        <p:nvSpPr>
+          <p:cNvPr id="16" name="TextBox 15"/>
+          <p:cNvSpPr txBox="1"/>
+          <p:nvPr/>
+        </p:nvSpPr>
+        <p:spPr>
+          <a:xfrm>
+            <a:off x="2362200" y="3124200"/>
+            <a:ext cx="762000" cy="369332"/>
+          </a:xfrm>
+          <a:prstGeom prst="rect">
+            <a:avLst/>
+          </a:prstGeom>
+          <a:noFill/>
+        </p:spPr>
+        <p:txBody>
+          <a:bodyPr wrap="square" rtlCol="0">
+            <a:spAutoFit/>
+          </a:bodyPr>
+          <a:lstStyle/>
+          <a:p>
+            <a:r>
+              <a:rPr lang="en-US" dirty="0" smtClean="0"/>
+              <a:t>1002</a:t>
+            </a:r>
+            <a:endParaRPr lang="en-US" dirty="0"/>
+          </a:p>
+        </p:txBody>
+      </p:sp>
+      <p:sp>
+        <p:nvSpPr>
+          <p:cNvPr id="17" name="TextBox 16"/>
+          <p:cNvSpPr txBox="1"/>
+          <p:nvPr/>
+        </p:nvSpPr>
+        <p:spPr>
+          <a:xfrm>
+            <a:off x="3352800" y="3135868"/>
+            <a:ext cx="762000" cy="369332"/>
+          </a:xfrm>
+          <a:prstGeom prst="rect">
+            <a:avLst/>
+          </a:prstGeom>
+          <a:noFill/>
+        </p:spPr>
+        <p:txBody>
+          <a:bodyPr wrap="square" rtlCol="0">
+            <a:spAutoFit/>
+          </a:bodyPr>
+          <a:lstStyle/>
+          <a:p>
+            <a:r>
+              <a:rPr lang="en-US" dirty="0" smtClean="0"/>
+              <a:t>1003</a:t>
+            </a:r>
+            <a:endParaRPr lang="en-US" dirty="0"/>
+          </a:p>
+        </p:txBody>
+      </p:sp>
+      <p:sp>
+        <p:nvSpPr>
+          <p:cNvPr id="18" name="TextBox 17"/>
+          <p:cNvSpPr txBox="1"/>
+          <p:nvPr/>
+        </p:nvSpPr>
+        <p:spPr>
+          <a:xfrm>
+            <a:off x="533400" y="3821668"/>
+            <a:ext cx="2667000" cy="369332"/>
+          </a:xfrm>
+          <a:prstGeom prst="rect">
+            <a:avLst/>
+          </a:prstGeom>
+          <a:noFill/>
+        </p:spPr>
+        <p:txBody>
+          <a:bodyPr wrap="square" rtlCol="0">
+            <a:spAutoFit/>
+          </a:bodyPr>
+          <a:lstStyle/>
+          <a:p>
+            <a:r>
+              <a:rPr lang="en-US" dirty="0" smtClean="0"/>
+              <a:t>JavaScript Arrays</a:t>
+            </a:r>
+            <a:endParaRPr lang="en-US" dirty="0"/>
+          </a:p>
+        </p:txBody>
+      </p:sp>
+      <p:sp>
+        <p:nvSpPr>
+          <p:cNvPr id="19" name="Rectangle 18"/>
+          <p:cNvSpPr/>
+          <p:nvPr/>
+        </p:nvSpPr>
+        <p:spPr>
+          <a:xfrm>
+            <a:off x="457200" y="4648200"/>
+            <a:ext cx="1219200" cy="533400"/>
+          </a:xfrm>
+          <a:prstGeom prst="rect">
+            <a:avLst/>
+          </a:prstGeom>
+          <a:noFill/>
+        </p:spPr>
+        <p:style>
+          <a:lnRef idx="2">
+            <a:schemeClr val="accent1">
+              <a:shade val="50000"/>
+            </a:schemeClr>
+          </a:lnRef>
+          <a:fillRef idx="1">
+            <a:schemeClr val="accent1"/>
+          </a:fillRef>
+          <a:effectRef idx="0">
+            <a:schemeClr val="accent1"/>
+          </a:effectRef>
+          <a:fontRef idx="minor">
+            <a:schemeClr val="lt1"/>
+          </a:fontRef>
+        </p:style>
+        <p:txBody>
+          <a:bodyPr rtlCol="0" anchor="ctr"/>
+          <a:lstStyle/>
+          <a:p>
+            <a:pPr algn="ctr"/>
+            <a:endParaRPr lang="en-US"/>
+          </a:p>
+        </p:txBody>
+      </p:sp>
+      <p:cxnSp>
+        <p:nvCxnSpPr>
+          <p:cNvPr id="21" name="Straight Connector 20"/>
+          <p:cNvCxnSpPr>
+            <a:stCxn id="19" idx="0"/>
+            <a:endCxn id="19" idx="2"/>
+          </p:cNvCxnSpPr>
+          <p:nvPr/>
+        </p:nvCxnSpPr>
+        <p:spPr>
+          <a:xfrm>
+            <a:off x="1066800" y="4648200"/>
+            <a:ext cx="0" cy="533400"/>
+          </a:xfrm>
+          <a:prstGeom prst="line">
+            <a:avLst/>
+          </a:prstGeom>
+        </p:spPr>
+        <p:style>
+          <a:lnRef idx="1">
+            <a:schemeClr val="accent1"/>
+          </a:lnRef>
+          <a:fillRef idx="0">
+            <a:schemeClr val="accent1"/>
+          </a:fillRef>
+          <a:effectRef idx="0">
+            <a:schemeClr val="accent1"/>
+          </a:effectRef>
+          <a:fontRef idx="minor">
+            <a:schemeClr val="tx1"/>
+          </a:fontRef>
+        </p:style>
+      </p:cxnSp>
+      <p:sp>
+        <p:nvSpPr>
+          <p:cNvPr id="22" name="Rectangle 21"/>
+          <p:cNvSpPr/>
+          <p:nvPr/>
+        </p:nvSpPr>
+        <p:spPr>
+          <a:xfrm>
+            <a:off x="2514600" y="4648200"/>
+            <a:ext cx="1219200" cy="533400"/>
+          </a:xfrm>
+          <a:prstGeom prst="rect">
+            <a:avLst/>
+          </a:prstGeom>
+          <a:noFill/>
+        </p:spPr>
+        <p:style>
+          <a:lnRef idx="2">
+            <a:schemeClr val="accent1">
+              <a:shade val="50000"/>
+            </a:schemeClr>
+          </a:lnRef>
+          <a:fillRef idx="1">
+            <a:schemeClr val="accent1"/>
+          </a:fillRef>
+          <a:effectRef idx="0">
+            <a:schemeClr val="accent1"/>
+          </a:effectRef>
+          <a:fontRef idx="minor">
+            <a:schemeClr val="lt1"/>
+          </a:fontRef>
+        </p:style>
+        <p:txBody>
+          <a:bodyPr rtlCol="0" anchor="ctr"/>
+          <a:lstStyle/>
+          <a:p>
+            <a:pPr algn="ctr"/>
+            <a:endParaRPr lang="en-US"/>
+          </a:p>
+        </p:txBody>
+      </p:sp>
+      <p:cxnSp>
+        <p:nvCxnSpPr>
+          <p:cNvPr id="23" name="Straight Connector 22"/>
+          <p:cNvCxnSpPr/>
+          <p:nvPr/>
+        </p:nvCxnSpPr>
+        <p:spPr>
+          <a:xfrm>
+            <a:off x="3124200" y="4648200"/>
+            <a:ext cx="0" cy="533400"/>
+          </a:xfrm>
+          <a:prstGeom prst="line">
+            <a:avLst/>
+          </a:prstGeom>
+        </p:spPr>
+        <p:style>
+          <a:lnRef idx="1">
+            <a:schemeClr val="accent1"/>
+          </a:lnRef>
+          <a:fillRef idx="0">
+            <a:schemeClr val="accent1"/>
+          </a:fillRef>
+          <a:effectRef idx="0">
+            <a:schemeClr val="accent1"/>
+          </a:effectRef>
+          <a:fontRef idx="minor">
+            <a:schemeClr val="tx1"/>
+          </a:fontRef>
+        </p:style>
+      </p:cxnSp>
+      <p:sp>
+        <p:nvSpPr>
+          <p:cNvPr id="24" name="Rectangle 23"/>
+          <p:cNvSpPr/>
+          <p:nvPr/>
+        </p:nvSpPr>
+        <p:spPr>
+          <a:xfrm>
+            <a:off x="4572000" y="4648200"/>
+            <a:ext cx="1219200" cy="533400"/>
+          </a:xfrm>
+          <a:prstGeom prst="rect">
+            <a:avLst/>
+          </a:prstGeom>
+          <a:noFill/>
+        </p:spPr>
+        <p:style>
+          <a:lnRef idx="2">
+            <a:schemeClr val="accent1">
+              <a:shade val="50000"/>
+            </a:schemeClr>
+          </a:lnRef>
+          <a:fillRef idx="1">
+            <a:schemeClr val="accent1"/>
+          </a:fillRef>
+          <a:effectRef idx="0">
+            <a:schemeClr val="accent1"/>
+          </a:effectRef>
+          <a:fontRef idx="minor">
+            <a:schemeClr val="lt1"/>
+          </a:fontRef>
+        </p:style>
+        <p:txBody>
+          <a:bodyPr rtlCol="0" anchor="ctr"/>
+          <a:lstStyle/>
+          <a:p>
+            <a:pPr algn="ctr"/>
+            <a:endParaRPr lang="en-US"/>
+          </a:p>
+        </p:txBody>
+      </p:sp>
+      <p:cxnSp>
+        <p:nvCxnSpPr>
+          <p:cNvPr id="25" name="Straight Connector 24"/>
+          <p:cNvCxnSpPr/>
+          <p:nvPr/>
+        </p:nvCxnSpPr>
+        <p:spPr>
+          <a:xfrm>
+            <a:off x="5181600" y="4648200"/>
+            <a:ext cx="0" cy="533400"/>
+          </a:xfrm>
+          <a:prstGeom prst="line">
+            <a:avLst/>
+          </a:prstGeom>
+        </p:spPr>
+        <p:style>
+          <a:lnRef idx="1">
+            <a:schemeClr val="accent1"/>
+          </a:lnRef>
+          <a:fillRef idx="0">
+            <a:schemeClr val="accent1"/>
+          </a:fillRef>
+          <a:effectRef idx="0">
+            <a:schemeClr val="accent1"/>
+          </a:effectRef>
+          <a:fontRef idx="minor">
+            <a:schemeClr val="tx1"/>
+          </a:fontRef>
+        </p:style>
+      </p:cxnSp>
+      <p:sp>
+        <p:nvSpPr>
+          <p:cNvPr id="26" name="Rectangle 25"/>
+          <p:cNvSpPr/>
+          <p:nvPr/>
+        </p:nvSpPr>
+        <p:spPr>
+          <a:xfrm>
+            <a:off x="6705600" y="4648200"/>
+            <a:ext cx="1219200" cy="533400"/>
+          </a:xfrm>
+          <a:prstGeom prst="rect">
+            <a:avLst/>
+          </a:prstGeom>
+          <a:noFill/>
+        </p:spPr>
+        <p:style>
+          <a:lnRef idx="2">
+            <a:schemeClr val="accent1">
+              <a:shade val="50000"/>
+            </a:schemeClr>
+          </a:lnRef>
+          <a:fillRef idx="1">
+            <a:schemeClr val="accent1"/>
+          </a:fillRef>
+          <a:effectRef idx="0">
+            <a:schemeClr val="accent1"/>
+          </a:effectRef>
+          <a:fontRef idx="minor">
+            <a:schemeClr val="lt1"/>
+          </a:fontRef>
+        </p:style>
+        <p:txBody>
+          <a:bodyPr rtlCol="0" anchor="ctr"/>
+          <a:lstStyle/>
+          <a:p>
+            <a:pPr algn="ctr"/>
+            <a:endParaRPr lang="en-US"/>
+          </a:p>
+        </p:txBody>
+      </p:sp>
+      <p:cxnSp>
+        <p:nvCxnSpPr>
+          <p:cNvPr id="27" name="Straight Connector 26"/>
+          <p:cNvCxnSpPr/>
+          <p:nvPr/>
+        </p:nvCxnSpPr>
+        <p:spPr>
+          <a:xfrm>
+            <a:off x="7315200" y="4648200"/>
+            <a:ext cx="0" cy="533400"/>
+          </a:xfrm>
+          <a:prstGeom prst="line">
+            <a:avLst/>
+          </a:prstGeom>
+        </p:spPr>
+        <p:style>
+          <a:lnRef idx="1">
+            <a:schemeClr val="accent1"/>
+          </a:lnRef>
+          <a:fillRef idx="0">
+            <a:schemeClr val="accent1"/>
+          </a:fillRef>
+          <a:effectRef idx="0">
+            <a:schemeClr val="accent1"/>
+          </a:effectRef>
+          <a:fontRef idx="minor">
+            <a:schemeClr val="tx1"/>
+          </a:fontRef>
+        </p:style>
+      </p:cxnSp>
+      <p:cxnSp>
+        <p:nvCxnSpPr>
+          <p:cNvPr id="29" name="Straight Arrow Connector 28"/>
+          <p:cNvCxnSpPr>
+            <a:stCxn id="19" idx="3"/>
+            <a:endCxn id="22" idx="1"/>
+          </p:cNvCxnSpPr>
+          <p:nvPr/>
+        </p:nvCxnSpPr>
+        <p:spPr>
+          <a:xfrm>
+            <a:off x="1676400" y="4914900"/>
+            <a:ext cx="838200" cy="0"/>
+          </a:xfrm>
+          <a:prstGeom prst="straightConnector1">
+            <a:avLst/>
+          </a:prstGeom>
+          <a:ln>
+            <a:tailEnd type="arrow"/>
+          </a:ln>
+        </p:spPr>
+        <p:style>
+          <a:lnRef idx="1">
+            <a:schemeClr val="accent1"/>
+          </a:lnRef>
+          <a:fillRef idx="0">
+            <a:schemeClr val="accent1"/>
+          </a:fillRef>
+          <a:effectRef idx="0">
+            <a:schemeClr val="accent1"/>
+          </a:effectRef>
+          <a:fontRef idx="minor">
+            <a:schemeClr val="tx1"/>
+          </a:fontRef>
+        </p:style>
+      </p:cxnSp>
+      <p:cxnSp>
+        <p:nvCxnSpPr>
+          <p:cNvPr id="31" name="Straight Arrow Connector 30"/>
+          <p:cNvCxnSpPr>
+            <a:stCxn id="22" idx="3"/>
+            <a:endCxn id="24" idx="1"/>
+          </p:cNvCxnSpPr>
+          <p:nvPr/>
+        </p:nvCxnSpPr>
+        <p:spPr>
+          <a:xfrm>
+            <a:off x="3733800" y="4914900"/>
+            <a:ext cx="838200" cy="0"/>
+          </a:xfrm>
+          <a:prstGeom prst="straightConnector1">
+            <a:avLst/>
+          </a:prstGeom>
+          <a:ln>
+            <a:tailEnd type="arrow"/>
+          </a:ln>
+        </p:spPr>
+        <p:style>
+          <a:lnRef idx="1">
+            <a:schemeClr val="accent1"/>
+          </a:lnRef>
+          <a:fillRef idx="0">
+            <a:schemeClr val="accent1"/>
+          </a:fillRef>
+          <a:effectRef idx="0">
+            <a:schemeClr val="accent1"/>
+          </a:effectRef>
+          <a:fontRef idx="minor">
+            <a:schemeClr val="tx1"/>
+          </a:fontRef>
+        </p:style>
+      </p:cxnSp>
+      <p:cxnSp>
+        <p:nvCxnSpPr>
+          <p:cNvPr id="34" name="Straight Arrow Connector 33"/>
+          <p:cNvCxnSpPr/>
+          <p:nvPr/>
+        </p:nvCxnSpPr>
+        <p:spPr>
+          <a:xfrm>
+            <a:off x="5791200" y="4953000"/>
+            <a:ext cx="838200" cy="0"/>
+          </a:xfrm>
+          <a:prstGeom prst="straightConnector1">
+            <a:avLst/>
+          </a:prstGeom>
+          <a:ln>
+            <a:tailEnd type="arrow"/>
+          </a:ln>
+        </p:spPr>
+        <p:style>
+          <a:lnRef idx="1">
+            <a:schemeClr val="accent1"/>
+          </a:lnRef>
+          <a:fillRef idx="0">
+            <a:schemeClr val="accent1"/>
+          </a:fillRef>
+          <a:effectRef idx="0">
+            <a:schemeClr val="accent1"/>
+          </a:effectRef>
+          <a:fontRef idx="minor">
+            <a:schemeClr val="tx1"/>
+          </a:fontRef>
+        </p:style>
+      </p:cxnSp>
+      <p:sp>
+        <p:nvSpPr>
+          <p:cNvPr id="35" name="TextBox 34"/>
+          <p:cNvSpPr txBox="1"/>
+          <p:nvPr/>
+        </p:nvSpPr>
+        <p:spPr>
+          <a:xfrm>
+            <a:off x="4267200" y="3135868"/>
+            <a:ext cx="762000" cy="369332"/>
+          </a:xfrm>
+          <a:prstGeom prst="rect">
+            <a:avLst/>
+          </a:prstGeom>
+          <a:noFill/>
+        </p:spPr>
+        <p:txBody>
+          <a:bodyPr wrap="square" rtlCol="0">
+            <a:spAutoFit/>
+          </a:bodyPr>
+          <a:lstStyle/>
+          <a:p>
+            <a:r>
+              <a:rPr lang="en-US" dirty="0" smtClean="0"/>
+              <a:t>1004</a:t>
+            </a:r>
+            <a:endParaRPr lang="en-US" dirty="0"/>
+          </a:p>
+        </p:txBody>
+      </p:sp>
+      <p:sp>
+        <p:nvSpPr>
+          <p:cNvPr id="36" name="TextBox 35"/>
+          <p:cNvSpPr txBox="1"/>
+          <p:nvPr/>
+        </p:nvSpPr>
+        <p:spPr>
+          <a:xfrm>
+            <a:off x="5105400" y="3135868"/>
+            <a:ext cx="762000" cy="369332"/>
+          </a:xfrm>
+          <a:prstGeom prst="rect">
+            <a:avLst/>
+          </a:prstGeom>
+          <a:noFill/>
+        </p:spPr>
+        <p:txBody>
+          <a:bodyPr wrap="square" rtlCol="0">
+            <a:spAutoFit/>
+          </a:bodyPr>
+          <a:lstStyle/>
+          <a:p>
+            <a:r>
+              <a:rPr lang="en-US" dirty="0" smtClean="0"/>
+              <a:t>1005</a:t>
+            </a:r>
+            <a:endParaRPr lang="en-US" dirty="0"/>
+          </a:p>
+        </p:txBody>
+      </p:sp>
+      <p:sp>
+        <p:nvSpPr>
+          <p:cNvPr id="37" name="TextBox 36"/>
+          <p:cNvSpPr txBox="1"/>
+          <p:nvPr/>
+        </p:nvSpPr>
+        <p:spPr>
+          <a:xfrm>
+            <a:off x="457200" y="4812268"/>
+            <a:ext cx="762000" cy="369332"/>
+          </a:xfrm>
+          <a:prstGeom prst="rect">
+            <a:avLst/>
+          </a:prstGeom>
+          <a:noFill/>
+        </p:spPr>
+        <p:txBody>
+          <a:bodyPr wrap="square" rtlCol="0">
+            <a:spAutoFit/>
+          </a:bodyPr>
+          <a:lstStyle/>
+          <a:p>
+            <a:r>
+              <a:rPr lang="en-US" dirty="0" smtClean="0"/>
+              <a:t>1000</a:t>
+            </a:r>
+            <a:endParaRPr lang="en-US" dirty="0"/>
+          </a:p>
+        </p:txBody>
+      </p:sp>
+      <p:sp>
+        <p:nvSpPr>
+          <p:cNvPr id="38" name="TextBox 37"/>
+          <p:cNvSpPr txBox="1"/>
+          <p:nvPr/>
+        </p:nvSpPr>
+        <p:spPr>
+          <a:xfrm>
+            <a:off x="2438400" y="4812268"/>
+            <a:ext cx="762000" cy="369332"/>
+          </a:xfrm>
+          <a:prstGeom prst="rect">
+            <a:avLst/>
+          </a:prstGeom>
+          <a:noFill/>
+        </p:spPr>
+        <p:txBody>
+          <a:bodyPr wrap="square" rtlCol="0">
+            <a:spAutoFit/>
+          </a:bodyPr>
+          <a:lstStyle/>
+          <a:p>
+            <a:r>
+              <a:rPr lang="en-US" dirty="0" smtClean="0"/>
+              <a:t>2021</a:t>
+            </a:r>
+            <a:endParaRPr lang="en-US" dirty="0"/>
+          </a:p>
+        </p:txBody>
+      </p:sp>
+      <p:sp>
+        <p:nvSpPr>
+          <p:cNvPr id="39" name="TextBox 38"/>
+          <p:cNvSpPr txBox="1"/>
+          <p:nvPr/>
+        </p:nvSpPr>
+        <p:spPr>
+          <a:xfrm>
+            <a:off x="4572000" y="4812268"/>
+            <a:ext cx="762000" cy="369332"/>
+          </a:xfrm>
+          <a:prstGeom prst="rect">
+            <a:avLst/>
+          </a:prstGeom>
+          <a:noFill/>
+        </p:spPr>
+        <p:txBody>
+          <a:bodyPr wrap="square" rtlCol="0">
+            <a:spAutoFit/>
+          </a:bodyPr>
+          <a:lstStyle/>
+          <a:p>
+            <a:r>
+              <a:rPr lang="en-US" dirty="0" smtClean="0"/>
+              <a:t>918</a:t>
+            </a:r>
+            <a:endParaRPr lang="en-US" dirty="0"/>
+          </a:p>
+        </p:txBody>
+      </p:sp>
+      <p:sp>
+        <p:nvSpPr>
+          <p:cNvPr id="40" name="TextBox 39"/>
+          <p:cNvSpPr txBox="1"/>
+          <p:nvPr/>
+        </p:nvSpPr>
+        <p:spPr>
+          <a:xfrm>
+            <a:off x="6705600" y="4876800"/>
+            <a:ext cx="762000" cy="369332"/>
+          </a:xfrm>
+          <a:prstGeom prst="rect">
+            <a:avLst/>
+          </a:prstGeom>
+          <a:noFill/>
+        </p:spPr>
+        <p:txBody>
+          <a:bodyPr wrap="square" rtlCol="0">
+            <a:spAutoFit/>
+          </a:bodyPr>
+          <a:lstStyle/>
+          <a:p>
+            <a:r>
+              <a:rPr lang="en-US" dirty="0" smtClean="0"/>
+              <a:t>3388</a:t>
+            </a:r>
+            <a:endParaRPr lang="en-US" dirty="0"/>
+          </a:p>
+        </p:txBody>
+      </p:sp>
+    </p:spTree>
+    <p:extLst>
+      <p:ext uri="{BB962C8B-B14F-4D97-AF65-F5344CB8AC3E}">
+        <p14:creationId xmlns:p14="http://schemas.microsoft.com/office/powerpoint/2010/main" val="2752937799"/>
+      </p:ext>
+    </p:extLst>
+  </p:cSld>
+  <p:clrMapOvr>
+    <a:masterClrMapping/>
+  </p:clrMapOvr>
+</p:sld>
+</file>
+
+<file path=ppt/slides/slide46.xml><?xml version="1.0" encoding="utf-8"?>
+<p:sld xmlns:a="http://schemas.openxmlformats.org/drawingml/2006/main" xmlns:r="http://schemas.openxmlformats.org/officeDocument/2006/relationships" xmlns:p="http://schemas.openxmlformats.org/presentationml/2006/main">
+  <p:cSld>
+    <p:spTree>
+      <p:nvGrpSpPr>
+        <p:cNvPr id="1" name=""/>
+        <p:cNvGrpSpPr/>
+        <p:nvPr/>
+      </p:nvGrpSpPr>
+      <p:grpSpPr>
+        <a:xfrm>
+          <a:off x="0" y="0"/>
+          <a:ext cx="0" cy="0"/>
+          <a:chOff x="0" y="0"/>
+          <a:chExt cx="0" cy="0"/>
+        </a:xfrm>
+      </p:grpSpPr>
+      <p:sp>
+        <p:nvSpPr>
+          <p:cNvPr id="2" name="Title 1"/>
+          <p:cNvSpPr>
+            <a:spLocks noGrp="1"/>
+          </p:cNvSpPr>
+          <p:nvPr>
+            <p:ph type="title"/>
+          </p:nvPr>
+        </p:nvSpPr>
+        <p:spPr/>
+        <p:txBody>
+          <a:bodyPr/>
+          <a:lstStyle/>
+          <a:p>
+            <a:r>
+              <a:rPr lang="en-US" dirty="0" smtClean="0"/>
+              <a:t>Use Typed Arrays</a:t>
+            </a:r>
+            <a:endParaRPr lang="en-US" dirty="0"/>
+          </a:p>
+        </p:txBody>
+      </p:sp>
+      <p:sp>
+        <p:nvSpPr>
+          <p:cNvPr id="3" name="Content Placeholder 2"/>
+          <p:cNvSpPr>
+            <a:spLocks noGrp="1"/>
+          </p:cNvSpPr>
+          <p:nvPr>
+            <p:ph idx="1"/>
+          </p:nvPr>
+        </p:nvSpPr>
+        <p:spPr/>
+        <p:txBody>
+          <a:bodyPr/>
+          <a:lstStyle/>
+          <a:p>
+            <a:r>
+              <a:rPr lang="en-US" dirty="0" err="1" smtClean="0"/>
+              <a:t>ArrayBuffer</a:t>
+            </a:r>
+            <a:r>
+              <a:rPr lang="en-US" dirty="0" smtClean="0"/>
+              <a:t> and </a:t>
+            </a:r>
+            <a:r>
+              <a:rPr lang="en-US" dirty="0" err="1" smtClean="0"/>
+              <a:t>TypedArrays</a:t>
+            </a:r>
+            <a:r>
+              <a:rPr lang="en-US" dirty="0" smtClean="0"/>
+              <a:t> introduced in ES6.</a:t>
+            </a:r>
+          </a:p>
+          <a:p>
+            <a:r>
+              <a:rPr lang="en-US" dirty="0" smtClean="0"/>
+              <a:t>If the array contains the same types, the JIT compiler will allocate continuous memory, like in traditional languages</a:t>
+            </a:r>
+          </a:p>
+          <a:p>
+            <a:r>
+              <a:rPr lang="en-US" dirty="0" smtClean="0"/>
+              <a:t>Insertion and read will become much faster</a:t>
+            </a:r>
+          </a:p>
+          <a:p>
+            <a:r>
+              <a:rPr lang="en-US" dirty="0" smtClean="0"/>
+              <a:t>You will get better performance</a:t>
+            </a:r>
+            <a:endParaRPr lang="en-US" dirty="0"/>
+          </a:p>
+        </p:txBody>
+      </p:sp>
+    </p:spTree>
+    <p:extLst>
+      <p:ext uri="{BB962C8B-B14F-4D97-AF65-F5344CB8AC3E}">
+        <p14:creationId xmlns:p14="http://schemas.microsoft.com/office/powerpoint/2010/main" val="3007600555"/>
+      </p:ext>
+    </p:extLst>
+  </p:cSld>
+  <p:clrMapOvr>
+    <a:masterClrMapping/>
+  </p:clrMapOvr>
+</p:sld>
+</file>
+
+<file path=ppt/slides/slide47.xml><?xml version="1.0" encoding="utf-8"?>
+<p:sld xmlns:a="http://schemas.openxmlformats.org/drawingml/2006/main" xmlns:r="http://schemas.openxmlformats.org/officeDocument/2006/relationships" xmlns:p="http://schemas.openxmlformats.org/presentationml/2006/main">
+  <p:cSld>
+    <p:spTree>
+      <p:nvGrpSpPr>
+        <p:cNvPr id="1" name=""/>
+        <p:cNvGrpSpPr/>
+        <p:nvPr/>
+      </p:nvGrpSpPr>
+      <p:grpSpPr>
+        <a:xfrm>
+          <a:off x="0" y="0"/>
+          <a:ext cx="0" cy="0"/>
+          <a:chOff x="0" y="0"/>
+          <a:chExt cx="0" cy="0"/>
+        </a:xfrm>
+      </p:grpSpPr>
+      <p:sp>
+        <p:nvSpPr>
+          <p:cNvPr id="2" name="Title 1"/>
+          <p:cNvSpPr>
+            <a:spLocks noGrp="1"/>
+          </p:cNvSpPr>
+          <p:nvPr>
+            <p:ph type="title"/>
+          </p:nvPr>
+        </p:nvSpPr>
+        <p:spPr>
+          <a:xfrm>
+            <a:off x="609599" y="2286000"/>
+            <a:ext cx="6347713" cy="1320800"/>
+          </a:xfrm>
+        </p:spPr>
+        <p:txBody>
+          <a:bodyPr/>
+          <a:lstStyle/>
+          <a:p>
+            <a:r>
+              <a:rPr lang="en-US" dirty="0" smtClean="0"/>
+              <a:t>Demo – Typed Arrays vs Old Arrays Performance</a:t>
+            </a:r>
+            <a:endParaRPr lang="en-US" dirty="0"/>
+          </a:p>
+        </p:txBody>
+      </p:sp>
+    </p:spTree>
+    <p:extLst>
+      <p:ext uri="{BB962C8B-B14F-4D97-AF65-F5344CB8AC3E}">
+        <p14:creationId xmlns:p14="http://schemas.microsoft.com/office/powerpoint/2010/main" val="966624875"/>
+      </p:ext>
+    </p:extLst>
+  </p:cSld>
+  <p:clrMapOvr>
+    <a:masterClrMapping/>
+  </p:clrMapOvr>
+</p:sld>
+</file>
+
+<file path=ppt/slides/slide48.xml><?xml version="1.0" encoding="utf-8"?>
 <p:sld xmlns:a="http://schemas.openxmlformats.org/drawingml/2006/main" xmlns:r="http://schemas.openxmlformats.org/officeDocument/2006/relationships" xmlns:p="http://schemas.openxmlformats.org/presentationml/2006/main">
   <p:cSld>
     <p:spTree>
@@ -10781,25 +12161,57 @@
           <a:p>
             <a:r>
               <a:rPr lang="en-US" dirty="0" smtClean="0"/>
-              <a:t>Write parallel code and Not serial – to schedule parallel asynchronous operations  </a:t>
+              <a:t>Use the worker pool efficiently – </a:t>
             </a:r>
           </a:p>
           <a:p>
             <a:pPr lvl="1"/>
             <a:r>
               <a:rPr lang="en-US" dirty="0" smtClean="0"/>
+              <a:t>Write </a:t>
+            </a:r>
+            <a:r>
+              <a:rPr lang="en-US" dirty="0" smtClean="0"/>
+              <a:t>parallel code and Not serial </a:t>
+            </a:r>
+            <a:endParaRPr lang="en-US" dirty="0"/>
+          </a:p>
+          <a:p>
+            <a:pPr lvl="1"/>
+            <a:r>
+              <a:rPr lang="en-US" dirty="0"/>
+              <a:t>S</a:t>
+            </a:r>
+            <a:r>
+              <a:rPr lang="en-US" dirty="0" smtClean="0"/>
+              <a:t>chedule </a:t>
+            </a:r>
+            <a:r>
+              <a:rPr lang="en-US" dirty="0" smtClean="0"/>
+              <a:t>parallel asynchronous operations </a:t>
+            </a:r>
+            <a:r>
+              <a:rPr lang="en-US" dirty="0" smtClean="0"/>
+              <a:t> as mu as You can </a:t>
+            </a:r>
+            <a:endParaRPr lang="en-US" dirty="0" smtClean="0"/>
+          </a:p>
+          <a:p>
+            <a:pPr lvl="2"/>
+            <a:r>
+              <a:rPr lang="en-US" dirty="0" smtClean="0"/>
               <a:t>I/O</a:t>
             </a:r>
           </a:p>
           <a:p>
-            <a:pPr lvl="1"/>
+            <a:pPr lvl="2"/>
             <a:r>
               <a:rPr lang="en-US" dirty="0" smtClean="0"/>
               <a:t>Timers</a:t>
             </a:r>
           </a:p>
           <a:p>
-            <a:pPr lvl="1"/>
+            <a:pPr lvl="2"/>
             <a:r>
               <a:rPr lang="en-US" dirty="0" err="1" smtClean="0"/>
               <a:t>etc</a:t>
@@ -11137,7 +12549,7 @@
   <a:extraClrSchemeLst/>
   <a:extLst>
     <a:ext uri="{05A4C25C-085E-4340-85A3-A5531E510DB2}">
-      <thm15:themeFamily xmlns="" xmlns:thm15="http://schemas.microsoft.com/office/thememl/2012/main" name="Facet" id="{C0C680CD-088A-49FC-A102-D699147F32B2}" vid="{CFBC31BA-B70F-4F30-BCAA-4F3011E16C4D}"/>
+      <thm15:themeFamily xmlns:thm15="http://schemas.microsoft.com/office/thememl/2012/main" xmlns="" name="Facet" id="{C0C680CD-088A-49FC-A102-D699147F32B2}" vid="{CFBC31BA-B70F-4F30-BCAA-4F3011E16C4D}"/>
     </a:ext>
   </a:extLst>
 </a:theme>

--- a/day2/nodejs_performance/NodeJs_Performance.pptx
+++ b/day2/nodejs_performance/NodeJs_Performance.pptx
@@ -5,7 +5,7 @@
     <p:sldMasterId id="2147483689" r:id="rId1"/>
   </p:sldMasterIdLst>
   <p:notesMasterIdLst>
-    <p:notesMasterId r:id="rId50"/>
+    <p:notesMasterId r:id="rId53"/>
   </p:notesMasterIdLst>
   <p:sldIdLst>
     <p:sldId id="256" r:id="rId2"/>
@@ -52,10 +52,13 @@
     <p:sldId id="428" r:id="rId43"/>
     <p:sldId id="429" r:id="rId44"/>
     <p:sldId id="430" r:id="rId45"/>
-    <p:sldId id="433" r:id="rId46"/>
-    <p:sldId id="434" r:id="rId47"/>
-    <p:sldId id="432" r:id="rId48"/>
-    <p:sldId id="304" r:id="rId49"/>
+    <p:sldId id="438" r:id="rId46"/>
+    <p:sldId id="433" r:id="rId47"/>
+    <p:sldId id="434" r:id="rId48"/>
+    <p:sldId id="432" r:id="rId49"/>
+    <p:sldId id="436" r:id="rId50"/>
+    <p:sldId id="437" r:id="rId51"/>
+    <p:sldId id="304" r:id="rId52"/>
   </p:sldIdLst>
   <p:sldSz cx="9144000" cy="6858000" type="screen4x3"/>
   <p:notesSz cx="6858000" cy="9144000"/>
@@ -255,7 +258,7 @@
           <a:p>
             <a:fld id="{1E64356D-F091-4486-B0BB-66BE03FC5D73}" type="datetimeFigureOut">
               <a:rPr lang="en-US" smtClean="0"/>
-              <a:t>4/15/2018</a:t>
+              <a:t>4/17/2018</a:t>
             </a:fld>
             <a:endParaRPr lang="en-US"/>
           </a:p>
@@ -1401,7 +1404,7 @@
             <a:fld id="{1D8BD707-D9CF-40AE-B4C6-C98DA3205C09}" type="datetimeFigureOut">
               <a:rPr lang="en-US" smtClean="0"/>
               <a:pPr/>
-              <a:t>4/15/2018</a:t>
+              <a:t>4/17/2018</a:t>
             </a:fld>
             <a:endParaRPr lang="en-US"/>
           </a:p>
@@ -1654,7 +1657,7 @@
             <a:fld id="{1D8BD707-D9CF-40AE-B4C6-C98DA3205C09}" type="datetimeFigureOut">
               <a:rPr lang="en-US" smtClean="0"/>
               <a:pPr/>
-              <a:t>4/15/2018</a:t>
+              <a:t>4/17/2018</a:t>
             </a:fld>
             <a:endParaRPr lang="en-US"/>
           </a:p>
@@ -1970,7 +1973,7 @@
             <a:fld id="{1D8BD707-D9CF-40AE-B4C6-C98DA3205C09}" type="datetimeFigureOut">
               <a:rPr lang="en-US" smtClean="0"/>
               <a:pPr/>
-              <a:t>4/15/2018</a:t>
+              <a:t>4/17/2018</a:t>
             </a:fld>
             <a:endParaRPr lang="en-US"/>
           </a:p>
@@ -2305,7 +2308,7 @@
             <a:fld id="{1D8BD707-D9CF-40AE-B4C6-C98DA3205C09}" type="datetimeFigureOut">
               <a:rPr lang="en-US" smtClean="0"/>
               <a:pPr/>
-              <a:t>4/15/2018</a:t>
+              <a:t>4/17/2018</a:t>
             </a:fld>
             <a:endParaRPr lang="en-US"/>
           </a:p>
@@ -2621,7 +2624,7 @@
             <a:fld id="{1D8BD707-D9CF-40AE-B4C6-C98DA3205C09}" type="datetimeFigureOut">
               <a:rPr lang="en-US" smtClean="0"/>
               <a:pPr/>
-              <a:t>4/15/2018</a:t>
+              <a:t>4/17/2018</a:t>
             </a:fld>
             <a:endParaRPr lang="en-US"/>
           </a:p>
@@ -3016,7 +3019,7 @@
             <a:fld id="{1D8BD707-D9CF-40AE-B4C6-C98DA3205C09}" type="datetimeFigureOut">
               <a:rPr lang="en-US" smtClean="0"/>
               <a:pPr/>
-              <a:t>4/15/2018</a:t>
+              <a:t>4/17/2018</a:t>
             </a:fld>
             <a:endParaRPr lang="en-US"/>
           </a:p>
@@ -3188,7 +3191,7 @@
             <a:fld id="{1D8BD707-D9CF-40AE-B4C6-C98DA3205C09}" type="datetimeFigureOut">
               <a:rPr lang="en-US" smtClean="0"/>
               <a:pPr/>
-              <a:t>4/15/2018</a:t>
+              <a:t>4/17/2018</a:t>
             </a:fld>
             <a:endParaRPr lang="en-US"/>
           </a:p>
@@ -3370,7 +3373,7 @@
             <a:fld id="{1D8BD707-D9CF-40AE-B4C6-C98DA3205C09}" type="datetimeFigureOut">
               <a:rPr lang="en-US" smtClean="0"/>
               <a:pPr/>
-              <a:t>4/15/2018</a:t>
+              <a:t>4/17/2018</a:t>
             </a:fld>
             <a:endParaRPr lang="en-US"/>
           </a:p>
@@ -3542,7 +3545,7 @@
             <a:fld id="{1D8BD707-D9CF-40AE-B4C6-C98DA3205C09}" type="datetimeFigureOut">
               <a:rPr lang="en-US" smtClean="0"/>
               <a:pPr/>
-              <a:t>4/15/2018</a:t>
+              <a:t>4/17/2018</a:t>
             </a:fld>
             <a:endParaRPr lang="en-US"/>
           </a:p>
@@ -3791,7 +3794,7 @@
             <a:fld id="{1D8BD707-D9CF-40AE-B4C6-C98DA3205C09}" type="datetimeFigureOut">
               <a:rPr lang="en-US" smtClean="0"/>
               <a:pPr/>
-              <a:t>4/15/2018</a:t>
+              <a:t>4/17/2018</a:t>
             </a:fld>
             <a:endParaRPr lang="en-US"/>
           </a:p>
@@ -4090,7 +4093,7 @@
             <a:fld id="{1D8BD707-D9CF-40AE-B4C6-C98DA3205C09}" type="datetimeFigureOut">
               <a:rPr lang="en-US" smtClean="0"/>
               <a:pPr/>
-              <a:t>4/15/2018</a:t>
+              <a:t>4/17/2018</a:t>
             </a:fld>
             <a:endParaRPr lang="en-US"/>
           </a:p>
@@ -4471,7 +4474,7 @@
             <a:fld id="{1D8BD707-D9CF-40AE-B4C6-C98DA3205C09}" type="datetimeFigureOut">
               <a:rPr lang="en-US" smtClean="0"/>
               <a:pPr/>
-              <a:t>4/15/2018</a:t>
+              <a:t>4/17/2018</a:t>
             </a:fld>
             <a:endParaRPr lang="en-US"/>
           </a:p>
@@ -4596,7 +4599,7 @@
             <a:fld id="{1D8BD707-D9CF-40AE-B4C6-C98DA3205C09}" type="datetimeFigureOut">
               <a:rPr lang="en-US" smtClean="0"/>
               <a:pPr/>
-              <a:t>4/15/2018</a:t>
+              <a:t>4/17/2018</a:t>
             </a:fld>
             <a:endParaRPr lang="en-US"/>
           </a:p>
@@ -4693,7 +4696,7 @@
             <a:fld id="{1D8BD707-D9CF-40AE-B4C6-C98DA3205C09}" type="datetimeFigureOut">
               <a:rPr lang="en-US" smtClean="0"/>
               <a:pPr/>
-              <a:t>4/15/2018</a:t>
+              <a:t>4/17/2018</a:t>
             </a:fld>
             <a:endParaRPr lang="en-US"/>
           </a:p>
@@ -4950,7 +4953,7 @@
             <a:fld id="{1D8BD707-D9CF-40AE-B4C6-C98DA3205C09}" type="datetimeFigureOut">
               <a:rPr lang="en-US" smtClean="0"/>
               <a:pPr/>
-              <a:t>4/15/2018</a:t>
+              <a:t>4/17/2018</a:t>
             </a:fld>
             <a:endParaRPr lang="en-US"/>
           </a:p>
@@ -5215,7 +5218,7 @@
             <a:fld id="{1D8BD707-D9CF-40AE-B4C6-C98DA3205C09}" type="datetimeFigureOut">
               <a:rPr lang="en-US" smtClean="0"/>
               <a:pPr/>
-              <a:t>4/15/2018</a:t>
+              <a:t>4/17/2018</a:t>
             </a:fld>
             <a:endParaRPr lang="en-US"/>
           </a:p>
@@ -6031,7 +6034,7 @@
             <a:fld id="{1D8BD707-D9CF-40AE-B4C6-C98DA3205C09}" type="datetimeFigureOut">
               <a:rPr lang="en-US" smtClean="0"/>
               <a:pPr/>
-              <a:t>4/15/2018</a:t>
+              <a:t>4/17/2018</a:t>
             </a:fld>
             <a:endParaRPr lang="en-US"/>
           </a:p>
@@ -7360,11 +7363,7 @@
           <a:p>
             <a:r>
               <a:rPr lang="en-US" dirty="0" smtClean="0"/>
-              <a:t>Callbacks Solution </a:t>
-            </a:r>
-            <a:r>
-              <a:rPr lang="en-US" dirty="0" smtClean="0"/>
-              <a:t>– </a:t>
+              <a:t>Callbacks Solution – </a:t>
             </a:r>
             <a:r>
               <a:rPr lang="en-US" dirty="0" err="1" smtClean="0"/>
@@ -7546,11 +7545,7 @@
           <a:p>
             <a:r>
               <a:rPr lang="en-US" dirty="0" smtClean="0"/>
-              <a:t>Promises Solution </a:t>
-            </a:r>
-            <a:r>
-              <a:rPr lang="en-US" dirty="0" smtClean="0"/>
-              <a:t>- Run promises In Parallel Whenever You Can</a:t>
+              <a:t>Promises Solution - Run promises In Parallel Whenever You Can</a:t>
             </a:r>
             <a:endParaRPr lang="en-US" dirty="0"/>
           </a:p>
@@ -10503,6 +10498,113 @@
 </file>
 
 <file path=ppt/slides/slide45.xml><?xml version="1.0" encoding="utf-8"?>
+<p:sld xmlns:a="http://schemas.openxmlformats.org/drawingml/2006/main" xmlns:r="http://schemas.openxmlformats.org/officeDocument/2006/relationships" xmlns:p="http://schemas.openxmlformats.org/presentationml/2006/main">
+  <p:cSld>
+    <p:spTree>
+      <p:nvGrpSpPr>
+        <p:cNvPr id="1" name=""/>
+        <p:cNvGrpSpPr/>
+        <p:nvPr/>
+      </p:nvGrpSpPr>
+      <p:grpSpPr>
+        <a:xfrm>
+          <a:off x="0" y="0"/>
+          <a:ext cx="0" cy="0"/>
+          <a:chOff x="0" y="0"/>
+          <a:chExt cx="0" cy="0"/>
+        </a:xfrm>
+      </p:grpSpPr>
+      <p:sp>
+        <p:nvSpPr>
+          <p:cNvPr id="2" name="Title 1"/>
+          <p:cNvSpPr>
+            <a:spLocks noGrp="1"/>
+          </p:cNvSpPr>
+          <p:nvPr>
+            <p:ph type="title"/>
+          </p:nvPr>
+        </p:nvSpPr>
+        <p:spPr/>
+        <p:txBody>
+          <a:bodyPr/>
+          <a:lstStyle/>
+          <a:p>
+            <a:r>
+              <a:rPr lang="en-US" dirty="0" smtClean="0"/>
+              <a:t>Avoid Using Dynamic Properties</a:t>
+            </a:r>
+            <a:endParaRPr lang="en-US" dirty="0"/>
+          </a:p>
+        </p:txBody>
+      </p:sp>
+      <p:sp>
+        <p:nvSpPr>
+          <p:cNvPr id="3" name="Content Placeholder 2"/>
+          <p:cNvSpPr>
+            <a:spLocks noGrp="1"/>
+          </p:cNvSpPr>
+          <p:nvPr>
+            <p:ph idx="1"/>
+          </p:nvPr>
+        </p:nvSpPr>
+        <p:spPr/>
+        <p:txBody>
+          <a:bodyPr/>
+          <a:lstStyle/>
+          <a:p>
+            <a:r>
+              <a:rPr lang="en-US" dirty="0" smtClean="0"/>
+              <a:t>Dynamic property is a property that you add to the object on the fly.</a:t>
+            </a:r>
+          </a:p>
+          <a:p>
+            <a:r>
+              <a:rPr lang="en-US" dirty="0" smtClean="0"/>
+              <a:t>When using it the same thing happened as in delete operator :</a:t>
+            </a:r>
+          </a:p>
+          <a:p>
+            <a:pPr lvl="1"/>
+            <a:r>
+              <a:rPr lang="en-US" dirty="0"/>
+              <a:t>JIT compiler invalidate the binary of the object’s class for this instance</a:t>
+            </a:r>
+          </a:p>
+          <a:p>
+            <a:pPr lvl="1"/>
+            <a:r>
+              <a:rPr lang="en-US" dirty="0"/>
+              <a:t>JIT compiler treats the object separately from the class</a:t>
+            </a:r>
+          </a:p>
+          <a:p>
+            <a:pPr lvl="1"/>
+            <a:r>
+              <a:rPr lang="en-US" dirty="0"/>
+              <a:t>Big performance </a:t>
+            </a:r>
+            <a:r>
+              <a:rPr lang="en-US" dirty="0" smtClean="0"/>
+              <a:t>hit</a:t>
+            </a:r>
+            <a:endParaRPr lang="en-US" dirty="0"/>
+          </a:p>
+        </p:txBody>
+      </p:sp>
+    </p:spTree>
+    <p:extLst>
+      <p:ext uri="{BB962C8B-B14F-4D97-AF65-F5344CB8AC3E}">
+        <p14:creationId xmlns:p14="http://schemas.microsoft.com/office/powerpoint/2010/main" val="2556163300"/>
+      </p:ext>
+    </p:extLst>
+  </p:cSld>
+  <p:clrMapOvr>
+    <a:masterClrMapping/>
+  </p:clrMapOvr>
+</p:sld>
+</file>
+
+<file path=ppt/slides/slide46.xml><?xml version="1.0" encoding="utf-8"?>
 <p:sld xmlns:a="http://schemas.openxmlformats.org/drawingml/2006/main" xmlns:r="http://schemas.openxmlformats.org/officeDocument/2006/relationships" xmlns:p="http://schemas.openxmlformats.org/presentationml/2006/main">
   <p:cSld>
     <p:spTree>
@@ -11558,112 +11660,6 @@
 </p:sld>
 </file>
 
-<file path=ppt/slides/slide46.xml><?xml version="1.0" encoding="utf-8"?>
-<p:sld xmlns:a="http://schemas.openxmlformats.org/drawingml/2006/main" xmlns:r="http://schemas.openxmlformats.org/officeDocument/2006/relationships" xmlns:p="http://schemas.openxmlformats.org/presentationml/2006/main">
-  <p:cSld>
-    <p:spTree>
-      <p:nvGrpSpPr>
-        <p:cNvPr id="1" name=""/>
-        <p:cNvGrpSpPr/>
-        <p:nvPr/>
-      </p:nvGrpSpPr>
-      <p:grpSpPr>
-        <a:xfrm>
-          <a:off x="0" y="0"/>
-          <a:ext cx="0" cy="0"/>
-          <a:chOff x="0" y="0"/>
-          <a:chExt cx="0" cy="0"/>
-        </a:xfrm>
-      </p:grpSpPr>
-      <p:sp>
-        <p:nvSpPr>
-          <p:cNvPr id="2" name="Title 1"/>
-          <p:cNvSpPr>
-            <a:spLocks noGrp="1"/>
-          </p:cNvSpPr>
-          <p:nvPr>
-            <p:ph type="title"/>
-          </p:nvPr>
-        </p:nvSpPr>
-        <p:spPr/>
-        <p:txBody>
-          <a:bodyPr/>
-          <a:lstStyle/>
-          <a:p>
-            <a:r>
-              <a:rPr lang="en-US" dirty="0" smtClean="0"/>
-              <a:t>Use Typed Arrays</a:t>
-            </a:r>
-            <a:endParaRPr lang="en-US" dirty="0"/>
-          </a:p>
-        </p:txBody>
-      </p:sp>
-      <p:sp>
-        <p:nvSpPr>
-          <p:cNvPr id="3" name="Content Placeholder 2"/>
-          <p:cNvSpPr>
-            <a:spLocks noGrp="1"/>
-          </p:cNvSpPr>
-          <p:nvPr>
-            <p:ph idx="1"/>
-          </p:nvPr>
-        </p:nvSpPr>
-        <p:spPr/>
-        <p:txBody>
-          <a:bodyPr/>
-          <a:lstStyle/>
-          <a:p>
-            <a:r>
-              <a:rPr lang="en-US" dirty="0" err="1" smtClean="0"/>
-              <a:t>ArrayBuffer</a:t>
-            </a:r>
-            <a:r>
-              <a:rPr lang="en-US" dirty="0" smtClean="0"/>
-              <a:t> and </a:t>
-            </a:r>
-            <a:r>
-              <a:rPr lang="en-US" dirty="0" err="1" smtClean="0"/>
-              <a:t>TypedArrays</a:t>
-            </a:r>
-            <a:r>
-              <a:rPr lang="en-US" dirty="0" smtClean="0"/>
-              <a:t> introduced in ES6.</a:t>
-            </a:r>
-          </a:p>
-          <a:p>
-            <a:r>
-              <a:rPr lang="en-US" dirty="0" smtClean="0"/>
-              <a:t>If the array contains the same types, the JIT compiler will allocate continuous memory, like in traditional languages</a:t>
-            </a:r>
-          </a:p>
-          <a:p>
-            <a:r>
-              <a:rPr lang="en-US" dirty="0" smtClean="0"/>
-              <a:t>Insertion and read will become much faster</a:t>
-            </a:r>
-          </a:p>
-          <a:p>
-            <a:r>
-              <a:rPr lang="en-US" dirty="0" smtClean="0"/>
-              <a:t>You will get better performance</a:t>
-            </a:r>
-            <a:endParaRPr lang="en-US" dirty="0"/>
-          </a:p>
-        </p:txBody>
-      </p:sp>
-    </p:spTree>
-    <p:extLst>
-      <p:ext uri="{BB962C8B-B14F-4D97-AF65-F5344CB8AC3E}">
-        <p14:creationId xmlns:p14="http://schemas.microsoft.com/office/powerpoint/2010/main" val="3007600555"/>
-      </p:ext>
-    </p:extLst>
-  </p:cSld>
-  <p:clrMapOvr>
-    <a:masterClrMapping/>
-  </p:clrMapOvr>
-</p:sld>
-</file>
-
 <file path=ppt/slides/slide47.xml><?xml version="1.0" encoding="utf-8"?>
 <p:sld xmlns:a="http://schemas.openxmlformats.org/drawingml/2006/main" xmlns:r="http://schemas.openxmlformats.org/officeDocument/2006/relationships" xmlns:p="http://schemas.openxmlformats.org/presentationml/2006/main">
   <p:cSld>
@@ -11691,19 +11687,67 @@
             <p:ph type="title"/>
           </p:nvPr>
         </p:nvSpPr>
-        <p:spPr>
-          <a:xfrm>
-            <a:off x="609599" y="2286000"/>
-            <a:ext cx="6347713" cy="1320800"/>
-          </a:xfrm>
-        </p:spPr>
+        <p:spPr/>
         <p:txBody>
           <a:bodyPr/>
           <a:lstStyle/>
           <a:p>
             <a:r>
               <a:rPr lang="en-US" dirty="0" smtClean="0"/>
-              <a:t>Demo – Typed Arrays vs Old Arrays Performance</a:t>
+              <a:t>Use Typed Arrays</a:t>
+            </a:r>
+            <a:endParaRPr lang="en-US" dirty="0"/>
+          </a:p>
+        </p:txBody>
+      </p:sp>
+      <p:sp>
+        <p:nvSpPr>
+          <p:cNvPr id="3" name="Content Placeholder 2"/>
+          <p:cNvSpPr>
+            <a:spLocks noGrp="1"/>
+          </p:cNvSpPr>
+          <p:nvPr>
+            <p:ph idx="1"/>
+          </p:nvPr>
+        </p:nvSpPr>
+        <p:spPr/>
+        <p:txBody>
+          <a:bodyPr/>
+          <a:lstStyle/>
+          <a:p>
+            <a:r>
+              <a:rPr lang="en-US" dirty="0" err="1" smtClean="0"/>
+              <a:t>ArrayBuffer</a:t>
+            </a:r>
+            <a:r>
+              <a:rPr lang="en-US" dirty="0" smtClean="0"/>
+              <a:t> and </a:t>
+            </a:r>
+            <a:r>
+              <a:rPr lang="en-US" dirty="0" err="1" smtClean="0"/>
+              <a:t>TypedArrays</a:t>
+            </a:r>
+            <a:r>
+              <a:rPr lang="en-US" dirty="0" smtClean="0"/>
+              <a:t> introduced in ES6.</a:t>
+            </a:r>
+          </a:p>
+          <a:p>
+            <a:r>
+              <a:rPr lang="en-US" dirty="0" smtClean="0"/>
+              <a:t>If the array contains the same types, the JIT compiler will allocate continuous memory, like in traditional languages</a:t>
+            </a:r>
+          </a:p>
+          <a:p>
+            <a:r>
+              <a:rPr lang="en-US" dirty="0" smtClean="0"/>
+              <a:t>Insertion and read will become much faster</a:t>
+            </a:r>
+          </a:p>
+          <a:p>
+            <a:r>
+              <a:rPr lang="en-US" dirty="0" smtClean="0"/>
+              <a:t>You will get better performance</a:t>
             </a:r>
             <a:endParaRPr lang="en-US" dirty="0"/>
           </a:p>
@@ -11712,7 +11756,7 @@
     </p:spTree>
     <p:extLst>
       <p:ext uri="{BB962C8B-B14F-4D97-AF65-F5344CB8AC3E}">
-        <p14:creationId xmlns:p14="http://schemas.microsoft.com/office/powerpoint/2010/main" val="966624875"/>
+        <p14:creationId xmlns:p14="http://schemas.microsoft.com/office/powerpoint/2010/main" val="3007600555"/>
       </p:ext>
     </p:extLst>
   </p:cSld>
@@ -11751,8 +11795,8 @@
         </p:nvSpPr>
         <p:spPr>
           <a:xfrm>
-            <a:off x="457200" y="2667000"/>
-            <a:ext cx="8229600" cy="1143000"/>
+            <a:off x="609599" y="2286000"/>
+            <a:ext cx="6347713" cy="1320800"/>
           </a:xfrm>
         </p:spPr>
         <p:txBody>
@@ -11760,16 +11804,75 @@
           <a:lstStyle/>
           <a:p>
             <a:r>
-              <a:rPr lang="en-US" dirty="0"/>
-              <a:t>Questions ?</a:t>
-            </a:r>
+              <a:rPr lang="en-US" dirty="0" smtClean="0"/>
+              <a:t>Demo – Typed Arrays vs Old Arrays Performance</a:t>
+            </a:r>
+            <a:endParaRPr lang="en-US" dirty="0"/>
           </a:p>
         </p:txBody>
       </p:sp>
     </p:spTree>
     <p:extLst>
       <p:ext uri="{BB962C8B-B14F-4D97-AF65-F5344CB8AC3E}">
-        <p14:creationId xmlns:p14="http://schemas.microsoft.com/office/powerpoint/2010/main" val="908030248"/>
+        <p14:creationId xmlns:p14="http://schemas.microsoft.com/office/powerpoint/2010/main" val="966624875"/>
+      </p:ext>
+    </p:extLst>
+  </p:cSld>
+  <p:clrMapOvr>
+    <a:masterClrMapping/>
+  </p:clrMapOvr>
+</p:sld>
+</file>
+
+<file path=ppt/slides/slide49.xml><?xml version="1.0" encoding="utf-8"?>
+<p:sld xmlns:a="http://schemas.openxmlformats.org/drawingml/2006/main" xmlns:r="http://schemas.openxmlformats.org/officeDocument/2006/relationships" xmlns:p="http://schemas.openxmlformats.org/presentationml/2006/main">
+  <p:cSld>
+    <p:spTree>
+      <p:nvGrpSpPr>
+        <p:cNvPr id="1" name=""/>
+        <p:cNvGrpSpPr/>
+        <p:nvPr/>
+      </p:nvGrpSpPr>
+      <p:grpSpPr>
+        <a:xfrm>
+          <a:off x="0" y="0"/>
+          <a:ext cx="0" cy="0"/>
+          <a:chOff x="0" y="0"/>
+          <a:chExt cx="0" cy="0"/>
+        </a:xfrm>
+      </p:grpSpPr>
+      <p:sp>
+        <p:nvSpPr>
+          <p:cNvPr id="2" name="Title 1"/>
+          <p:cNvSpPr>
+            <a:spLocks noGrp="1"/>
+          </p:cNvSpPr>
+          <p:nvPr>
+            <p:ph type="title"/>
+          </p:nvPr>
+        </p:nvSpPr>
+        <p:spPr>
+          <a:xfrm>
+            <a:off x="609599" y="2438400"/>
+            <a:ext cx="6347713" cy="1320800"/>
+          </a:xfrm>
+        </p:spPr>
+        <p:txBody>
+          <a:bodyPr/>
+          <a:lstStyle/>
+          <a:p>
+            <a:r>
+              <a:rPr lang="en-US" dirty="0" smtClean="0"/>
+              <a:t>Low Priority Jobs</a:t>
+            </a:r>
+            <a:endParaRPr lang="en-US" dirty="0"/>
+          </a:p>
+        </p:txBody>
+      </p:sp>
+    </p:spTree>
+    <p:extLst>
+      <p:ext uri="{BB962C8B-B14F-4D97-AF65-F5344CB8AC3E}">
+        <p14:creationId xmlns:p14="http://schemas.microsoft.com/office/powerpoint/2010/main" val="3569024372"/>
       </p:ext>
     </p:extLst>
   </p:cSld>
@@ -11861,6 +11964,181 @@
 </p:sld>
 </file>
 
+<file path=ppt/slides/slide50.xml><?xml version="1.0" encoding="utf-8"?>
+<p:sld xmlns:a="http://schemas.openxmlformats.org/drawingml/2006/main" xmlns:r="http://schemas.openxmlformats.org/officeDocument/2006/relationships" xmlns:p="http://schemas.openxmlformats.org/presentationml/2006/main">
+  <p:cSld>
+    <p:spTree>
+      <p:nvGrpSpPr>
+        <p:cNvPr id="1" name=""/>
+        <p:cNvGrpSpPr/>
+        <p:nvPr/>
+      </p:nvGrpSpPr>
+      <p:grpSpPr>
+        <a:xfrm>
+          <a:off x="0" y="0"/>
+          <a:ext cx="0" cy="0"/>
+          <a:chOff x="0" y="0"/>
+          <a:chExt cx="0" cy="0"/>
+        </a:xfrm>
+      </p:grpSpPr>
+      <p:sp>
+        <p:nvSpPr>
+          <p:cNvPr id="2" name="Title 1"/>
+          <p:cNvSpPr>
+            <a:spLocks noGrp="1"/>
+          </p:cNvSpPr>
+          <p:nvPr>
+            <p:ph type="title"/>
+          </p:nvPr>
+        </p:nvSpPr>
+        <p:spPr/>
+        <p:txBody>
+          <a:bodyPr/>
+          <a:lstStyle/>
+          <a:p>
+            <a:r>
+              <a:rPr lang="en-US" dirty="0" smtClean="0"/>
+              <a:t>Low Priority Jobs</a:t>
+            </a:r>
+            <a:endParaRPr lang="en-US" dirty="0"/>
+          </a:p>
+        </p:txBody>
+      </p:sp>
+      <p:sp>
+        <p:nvSpPr>
+          <p:cNvPr id="3" name="Content Placeholder 2"/>
+          <p:cNvSpPr>
+            <a:spLocks noGrp="1"/>
+          </p:cNvSpPr>
+          <p:nvPr>
+            <p:ph idx="1"/>
+          </p:nvPr>
+        </p:nvSpPr>
+        <p:spPr/>
+        <p:txBody>
+          <a:bodyPr/>
+          <a:lstStyle/>
+          <a:p>
+            <a:r>
+              <a:rPr lang="en-US" dirty="0"/>
+              <a:t>As a principal, </a:t>
+            </a:r>
+            <a:r>
+              <a:rPr lang="en-US" dirty="0" smtClean="0"/>
+              <a:t>Node.js </a:t>
+            </a:r>
+            <a:r>
+              <a:rPr lang="en-US" dirty="0"/>
+              <a:t>is not the optimal framework for background jobs in the same process.</a:t>
+            </a:r>
+          </a:p>
+          <a:p>
+            <a:r>
+              <a:rPr lang="en-US" dirty="0"/>
+              <a:t>Try to make your background job as lightweight as possible</a:t>
+            </a:r>
+          </a:p>
+          <a:p>
+            <a:r>
+              <a:rPr lang="en-US" dirty="0" smtClean="0"/>
+              <a:t>Prefer </a:t>
+            </a:r>
+            <a:r>
+              <a:rPr lang="en-US" dirty="0"/>
+              <a:t>to put your background jobs in a different </a:t>
+            </a:r>
+            <a:r>
+              <a:rPr lang="en-US" dirty="0" smtClean="0"/>
+              <a:t>process</a:t>
+            </a:r>
+          </a:p>
+          <a:p>
+            <a:pPr lvl="1"/>
+            <a:r>
+              <a:rPr lang="en-US" dirty="0" smtClean="0"/>
+              <a:t>If they are in different processes – Make sure the messages on the IPC channel are lightweight</a:t>
+            </a:r>
+          </a:p>
+          <a:p>
+            <a:pPr lvl="1"/>
+            <a:r>
+              <a:rPr lang="en-US" dirty="0" smtClean="0"/>
+              <a:t>Large messages will cause performance hit due to serialization</a:t>
+            </a:r>
+            <a:endParaRPr lang="en-US" dirty="0"/>
+          </a:p>
+        </p:txBody>
+      </p:sp>
+    </p:spTree>
+    <p:extLst>
+      <p:ext uri="{BB962C8B-B14F-4D97-AF65-F5344CB8AC3E}">
+        <p14:creationId xmlns:p14="http://schemas.microsoft.com/office/powerpoint/2010/main" val="2761244431"/>
+      </p:ext>
+    </p:extLst>
+  </p:cSld>
+  <p:clrMapOvr>
+    <a:masterClrMapping/>
+  </p:clrMapOvr>
+</p:sld>
+</file>
+
+<file path=ppt/slides/slide51.xml><?xml version="1.0" encoding="utf-8"?>
+<p:sld xmlns:a="http://schemas.openxmlformats.org/drawingml/2006/main" xmlns:r="http://schemas.openxmlformats.org/officeDocument/2006/relationships" xmlns:p="http://schemas.openxmlformats.org/presentationml/2006/main">
+  <p:cSld>
+    <p:spTree>
+      <p:nvGrpSpPr>
+        <p:cNvPr id="1" name=""/>
+        <p:cNvGrpSpPr/>
+        <p:nvPr/>
+      </p:nvGrpSpPr>
+      <p:grpSpPr>
+        <a:xfrm>
+          <a:off x="0" y="0"/>
+          <a:ext cx="0" cy="0"/>
+          <a:chOff x="0" y="0"/>
+          <a:chExt cx="0" cy="0"/>
+        </a:xfrm>
+      </p:grpSpPr>
+      <p:sp>
+        <p:nvSpPr>
+          <p:cNvPr id="2" name="Title 1"/>
+          <p:cNvSpPr>
+            <a:spLocks noGrp="1"/>
+          </p:cNvSpPr>
+          <p:nvPr>
+            <p:ph type="title"/>
+          </p:nvPr>
+        </p:nvSpPr>
+        <p:spPr>
+          <a:xfrm>
+            <a:off x="457200" y="2667000"/>
+            <a:ext cx="8229600" cy="1143000"/>
+          </a:xfrm>
+        </p:spPr>
+        <p:txBody>
+          <a:bodyPr/>
+          <a:lstStyle/>
+          <a:p>
+            <a:r>
+              <a:rPr lang="en-US" dirty="0"/>
+              <a:t>Questions ?</a:t>
+            </a:r>
+          </a:p>
+        </p:txBody>
+      </p:sp>
+    </p:spTree>
+    <p:extLst>
+      <p:ext uri="{BB962C8B-B14F-4D97-AF65-F5344CB8AC3E}">
+        <p14:creationId xmlns:p14="http://schemas.microsoft.com/office/powerpoint/2010/main" val="908030248"/>
+      </p:ext>
+    </p:extLst>
+  </p:cSld>
+  <p:clrMapOvr>
+    <a:masterClrMapping/>
+  </p:clrMapOvr>
+</p:sld>
+</file>
+
 <file path=ppt/slides/slide6.xml><?xml version="1.0" encoding="utf-8"?>
 <p:sld xmlns:a="http://schemas.openxmlformats.org/drawingml/2006/main" xmlns:r="http://schemas.openxmlformats.org/officeDocument/2006/relationships" xmlns:p="http://schemas.openxmlformats.org/presentationml/2006/main">
   <p:cSld>
@@ -12168,11 +12446,7 @@
             <a:pPr lvl="1"/>
             <a:r>
               <a:rPr lang="en-US" dirty="0" smtClean="0"/>
-              <a:t>Write </a:t>
-            </a:r>
-            <a:r>
-              <a:rPr lang="en-US" dirty="0" smtClean="0"/>
-              <a:t>parallel code and Not serial </a:t>
+              <a:t>Write parallel code and Not serial </a:t>
             </a:r>
             <a:endParaRPr lang="en-US" dirty="0"/>
           </a:p>
@@ -12184,17 +12458,8 @@
             </a:r>
             <a:r>
               <a:rPr lang="en-US" dirty="0" smtClean="0"/>
-              <a:t>chedule </a:t>
-            </a:r>
-            <a:r>
-              <a:rPr lang="en-US" dirty="0" smtClean="0"/>
-              <a:t>parallel asynchronous operations </a:t>
-            </a:r>
-            <a:r>
-              <a:rPr lang="en-US" dirty="0" smtClean="0"/>
-              <a:t> as mu as You can </a:t>
-            </a:r>
-            <a:endParaRPr lang="en-US" dirty="0" smtClean="0"/>
+              <a:t>chedule parallel asynchronous operations  as mu as You can </a:t>
+            </a:r>
           </a:p>
           <a:p>
             <a:pPr lvl="2"/>

--- a/day2/nodejs_performance/NodeJs_Performance.pptx
+++ b/day2/nodejs_performance/NodeJs_Performance.pptx
@@ -159,7 +159,7 @@
   </p:defaultTextStyle>
   <p:extLst>
     <p:ext uri="{EFAFB233-063F-42B5-8137-9DF3F51BA10A}">
-      <p15:sldGuideLst xmlns:p15="http://schemas.microsoft.com/office/powerpoint/2012/main" xmlns="">
+      <p15:sldGuideLst xmlns="" xmlns:p15="http://schemas.microsoft.com/office/powerpoint/2012/main">
         <p15:guide id="1" orient="horz" pos="2160">
           <p15:clr>
             <a:srgbClr val="A4A3A4"/>
@@ -258,7 +258,7 @@
           <a:p>
             <a:fld id="{1E64356D-F091-4486-B0BB-66BE03FC5D73}" type="datetimeFigureOut">
               <a:rPr lang="en-US" smtClean="0"/>
-              <a:t>4/17/2018</a:t>
+              <a:t>4/24/2018</a:t>
             </a:fld>
             <a:endParaRPr lang="en-US"/>
           </a:p>
@@ -1404,7 +1404,7 @@
             <a:fld id="{1D8BD707-D9CF-40AE-B4C6-C98DA3205C09}" type="datetimeFigureOut">
               <a:rPr lang="en-US" smtClean="0"/>
               <a:pPr/>
-              <a:t>4/17/2018</a:t>
+              <a:t>4/24/2018</a:t>
             </a:fld>
             <a:endParaRPr lang="en-US"/>
           </a:p>
@@ -1657,7 +1657,7 @@
             <a:fld id="{1D8BD707-D9CF-40AE-B4C6-C98DA3205C09}" type="datetimeFigureOut">
               <a:rPr lang="en-US" smtClean="0"/>
               <a:pPr/>
-              <a:t>4/17/2018</a:t>
+              <a:t>4/24/2018</a:t>
             </a:fld>
             <a:endParaRPr lang="en-US"/>
           </a:p>
@@ -1973,7 +1973,7 @@
             <a:fld id="{1D8BD707-D9CF-40AE-B4C6-C98DA3205C09}" type="datetimeFigureOut">
               <a:rPr lang="en-US" smtClean="0"/>
               <a:pPr/>
-              <a:t>4/17/2018</a:t>
+              <a:t>4/24/2018</a:t>
             </a:fld>
             <a:endParaRPr lang="en-US"/>
           </a:p>
@@ -2308,7 +2308,7 @@
             <a:fld id="{1D8BD707-D9CF-40AE-B4C6-C98DA3205C09}" type="datetimeFigureOut">
               <a:rPr lang="en-US" smtClean="0"/>
               <a:pPr/>
-              <a:t>4/17/2018</a:t>
+              <a:t>4/24/2018</a:t>
             </a:fld>
             <a:endParaRPr lang="en-US"/>
           </a:p>
@@ -2624,7 +2624,7 @@
             <a:fld id="{1D8BD707-D9CF-40AE-B4C6-C98DA3205C09}" type="datetimeFigureOut">
               <a:rPr lang="en-US" smtClean="0"/>
               <a:pPr/>
-              <a:t>4/17/2018</a:t>
+              <a:t>4/24/2018</a:t>
             </a:fld>
             <a:endParaRPr lang="en-US"/>
           </a:p>
@@ -3019,7 +3019,7 @@
             <a:fld id="{1D8BD707-D9CF-40AE-B4C6-C98DA3205C09}" type="datetimeFigureOut">
               <a:rPr lang="en-US" smtClean="0"/>
               <a:pPr/>
-              <a:t>4/17/2018</a:t>
+              <a:t>4/24/2018</a:t>
             </a:fld>
             <a:endParaRPr lang="en-US"/>
           </a:p>
@@ -3191,7 +3191,7 @@
             <a:fld id="{1D8BD707-D9CF-40AE-B4C6-C98DA3205C09}" type="datetimeFigureOut">
               <a:rPr lang="en-US" smtClean="0"/>
               <a:pPr/>
-              <a:t>4/17/2018</a:t>
+              <a:t>4/24/2018</a:t>
             </a:fld>
             <a:endParaRPr lang="en-US"/>
           </a:p>
@@ -3373,7 +3373,7 @@
             <a:fld id="{1D8BD707-D9CF-40AE-B4C6-C98DA3205C09}" type="datetimeFigureOut">
               <a:rPr lang="en-US" smtClean="0"/>
               <a:pPr/>
-              <a:t>4/17/2018</a:t>
+              <a:t>4/24/2018</a:t>
             </a:fld>
             <a:endParaRPr lang="en-US"/>
           </a:p>
@@ -3545,7 +3545,7 @@
             <a:fld id="{1D8BD707-D9CF-40AE-B4C6-C98DA3205C09}" type="datetimeFigureOut">
               <a:rPr lang="en-US" smtClean="0"/>
               <a:pPr/>
-              <a:t>4/17/2018</a:t>
+              <a:t>4/24/2018</a:t>
             </a:fld>
             <a:endParaRPr lang="en-US"/>
           </a:p>
@@ -3794,7 +3794,7 @@
             <a:fld id="{1D8BD707-D9CF-40AE-B4C6-C98DA3205C09}" type="datetimeFigureOut">
               <a:rPr lang="en-US" smtClean="0"/>
               <a:pPr/>
-              <a:t>4/17/2018</a:t>
+              <a:t>4/24/2018</a:t>
             </a:fld>
             <a:endParaRPr lang="en-US"/>
           </a:p>
@@ -4093,7 +4093,7 @@
             <a:fld id="{1D8BD707-D9CF-40AE-B4C6-C98DA3205C09}" type="datetimeFigureOut">
               <a:rPr lang="en-US" smtClean="0"/>
               <a:pPr/>
-              <a:t>4/17/2018</a:t>
+              <a:t>4/24/2018</a:t>
             </a:fld>
             <a:endParaRPr lang="en-US"/>
           </a:p>
@@ -4474,7 +4474,7 @@
             <a:fld id="{1D8BD707-D9CF-40AE-B4C6-C98DA3205C09}" type="datetimeFigureOut">
               <a:rPr lang="en-US" smtClean="0"/>
               <a:pPr/>
-              <a:t>4/17/2018</a:t>
+              <a:t>4/24/2018</a:t>
             </a:fld>
             <a:endParaRPr lang="en-US"/>
           </a:p>
@@ -4599,7 +4599,7 @@
             <a:fld id="{1D8BD707-D9CF-40AE-B4C6-C98DA3205C09}" type="datetimeFigureOut">
               <a:rPr lang="en-US" smtClean="0"/>
               <a:pPr/>
-              <a:t>4/17/2018</a:t>
+              <a:t>4/24/2018</a:t>
             </a:fld>
             <a:endParaRPr lang="en-US"/>
           </a:p>
@@ -4696,7 +4696,7 @@
             <a:fld id="{1D8BD707-D9CF-40AE-B4C6-C98DA3205C09}" type="datetimeFigureOut">
               <a:rPr lang="en-US" smtClean="0"/>
               <a:pPr/>
-              <a:t>4/17/2018</a:t>
+              <a:t>4/24/2018</a:t>
             </a:fld>
             <a:endParaRPr lang="en-US"/>
           </a:p>
@@ -4953,7 +4953,7 @@
             <a:fld id="{1D8BD707-D9CF-40AE-B4C6-C98DA3205C09}" type="datetimeFigureOut">
               <a:rPr lang="en-US" smtClean="0"/>
               <a:pPr/>
-              <a:t>4/17/2018</a:t>
+              <a:t>4/24/2018</a:t>
             </a:fld>
             <a:endParaRPr lang="en-US"/>
           </a:p>
@@ -5218,7 +5218,7 @@
             <a:fld id="{1D8BD707-D9CF-40AE-B4C6-C98DA3205C09}" type="datetimeFigureOut">
               <a:rPr lang="en-US" smtClean="0"/>
               <a:pPr/>
-              <a:t>4/17/2018</a:t>
+              <a:t>4/24/2018</a:t>
             </a:fld>
             <a:endParaRPr lang="en-US"/>
           </a:p>
@@ -6034,7 +6034,7 @@
             <a:fld id="{1D8BD707-D9CF-40AE-B4C6-C98DA3205C09}" type="datetimeFigureOut">
               <a:rPr lang="en-US" smtClean="0"/>
               <a:pPr/>
-              <a:t>4/17/2018</a:t>
+              <a:t>4/24/2018</a:t>
             </a:fld>
             <a:endParaRPr lang="en-US"/>
           </a:p>
@@ -12814,7 +12814,7 @@
   <a:extraClrSchemeLst/>
   <a:extLst>
     <a:ext uri="{05A4C25C-085E-4340-85A3-A5531E510DB2}">
-      <thm15:themeFamily xmlns:thm15="http://schemas.microsoft.com/office/thememl/2012/main" xmlns="" name="Facet" id="{C0C680CD-088A-49FC-A102-D699147F32B2}" vid="{CFBC31BA-B70F-4F30-BCAA-4F3011E16C4D}"/>
+      <thm15:themeFamily xmlns="" xmlns:thm15="http://schemas.microsoft.com/office/thememl/2012/main" name="Facet" id="{C0C680CD-088A-49FC-A102-D699147F32B2}" vid="{CFBC31BA-B70F-4F30-BCAA-4F3011E16C4D}"/>
     </a:ext>
   </a:extLst>
 </a:theme>
